--- a/presentation/IoT_project_presentation.pptx
+++ b/presentation/IoT_project_presentation.pptx
@@ -7,6 +7,10 @@
   <p:sldIdLst>
     <p:sldId id="256" r:id="rId2"/>
     <p:sldId id="257" r:id="rId3"/>
+    <p:sldId id="258" r:id="rId4"/>
+    <p:sldId id="259" r:id="rId5"/>
+    <p:sldId id="261" r:id="rId6"/>
+    <p:sldId id="260" r:id="rId7"/>
   </p:sldIdLst>
   <p:sldSz cx="9144000" cy="6858000" type="screen4x3"/>
   <p:notesSz cx="6858000" cy="9144000"/>
@@ -113,8 +117,2634 @@
 </p:presentation>
 </file>
 
-<file path=ppt/revisionInfo.xml><?xml version="1.0" encoding="utf-8"?>
-<p1510:revInfo xmlns:a="http://schemas.openxmlformats.org/drawingml/2006/main" xmlns:r="http://schemas.openxmlformats.org/officeDocument/2006/relationships" xmlns:p1510="http://schemas.microsoft.com/office/powerpoint/2015/10/main"/>
+<file path=ppt/diagrams/colors1.xml><?xml version="1.0" encoding="utf-8"?>
+<dgm:colorsDef xmlns:dgm="http://schemas.openxmlformats.org/drawingml/2006/diagram" xmlns:a="http://schemas.openxmlformats.org/drawingml/2006/main" uniqueId="urn:microsoft.com/office/officeart/2005/8/colors/accent1_2">
+  <dgm:title val=""/>
+  <dgm:desc val=""/>
+  <dgm:catLst>
+    <dgm:cat type="accent1" pri="11200"/>
+  </dgm:catLst>
+  <dgm:styleLbl name="node0">
+    <dgm:fillClrLst meth="repeat">
+      <a:schemeClr val="accent1"/>
+    </dgm:fillClrLst>
+    <dgm:linClrLst meth="repeat">
+      <a:schemeClr val="lt1"/>
+    </dgm:linClrLst>
+    <dgm:effectClrLst/>
+    <dgm:txLinClrLst/>
+    <dgm:txFillClrLst/>
+    <dgm:txEffectClrLst/>
+  </dgm:styleLbl>
+  <dgm:styleLbl name="alignNode1">
+    <dgm:fillClrLst meth="repeat">
+      <a:schemeClr val="accent1"/>
+    </dgm:fillClrLst>
+    <dgm:linClrLst meth="repeat">
+      <a:schemeClr val="accent1"/>
+    </dgm:linClrLst>
+    <dgm:effectClrLst/>
+    <dgm:txLinClrLst/>
+    <dgm:txFillClrLst/>
+    <dgm:txEffectClrLst/>
+  </dgm:styleLbl>
+  <dgm:styleLbl name="node1">
+    <dgm:fillClrLst meth="repeat">
+      <a:schemeClr val="accent1"/>
+    </dgm:fillClrLst>
+    <dgm:linClrLst meth="repeat">
+      <a:schemeClr val="lt1"/>
+    </dgm:linClrLst>
+    <dgm:effectClrLst/>
+    <dgm:txLinClrLst/>
+    <dgm:txFillClrLst/>
+    <dgm:txEffectClrLst/>
+  </dgm:styleLbl>
+  <dgm:styleLbl name="lnNode1">
+    <dgm:fillClrLst meth="repeat">
+      <a:schemeClr val="accent1"/>
+    </dgm:fillClrLst>
+    <dgm:linClrLst meth="repeat">
+      <a:schemeClr val="lt1"/>
+    </dgm:linClrLst>
+    <dgm:effectClrLst/>
+    <dgm:txLinClrLst/>
+    <dgm:txFillClrLst/>
+    <dgm:txEffectClrLst/>
+  </dgm:styleLbl>
+  <dgm:styleLbl name="vennNode1">
+    <dgm:fillClrLst meth="repeat">
+      <a:schemeClr val="accent1">
+        <a:alpha val="50000"/>
+      </a:schemeClr>
+    </dgm:fillClrLst>
+    <dgm:linClrLst meth="repeat">
+      <a:schemeClr val="lt1"/>
+    </dgm:linClrLst>
+    <dgm:effectClrLst/>
+    <dgm:txLinClrLst/>
+    <dgm:txFillClrLst/>
+    <dgm:txEffectClrLst/>
+  </dgm:styleLbl>
+  <dgm:styleLbl name="node2">
+    <dgm:fillClrLst meth="repeat">
+      <a:schemeClr val="accent1"/>
+    </dgm:fillClrLst>
+    <dgm:linClrLst meth="repeat">
+      <a:schemeClr val="lt1"/>
+    </dgm:linClrLst>
+    <dgm:effectClrLst/>
+    <dgm:txLinClrLst/>
+    <dgm:txFillClrLst/>
+    <dgm:txEffectClrLst/>
+  </dgm:styleLbl>
+  <dgm:styleLbl name="node3">
+    <dgm:fillClrLst meth="repeat">
+      <a:schemeClr val="accent1"/>
+    </dgm:fillClrLst>
+    <dgm:linClrLst meth="repeat">
+      <a:schemeClr val="lt1"/>
+    </dgm:linClrLst>
+    <dgm:effectClrLst/>
+    <dgm:txLinClrLst/>
+    <dgm:txFillClrLst/>
+    <dgm:txEffectClrLst/>
+  </dgm:styleLbl>
+  <dgm:styleLbl name="node4">
+    <dgm:fillClrLst meth="repeat">
+      <a:schemeClr val="accent1"/>
+    </dgm:fillClrLst>
+    <dgm:linClrLst meth="repeat">
+      <a:schemeClr val="lt1"/>
+    </dgm:linClrLst>
+    <dgm:effectClrLst/>
+    <dgm:txLinClrLst/>
+    <dgm:txFillClrLst/>
+    <dgm:txEffectClrLst/>
+  </dgm:styleLbl>
+  <dgm:styleLbl name="fgImgPlace1">
+    <dgm:fillClrLst meth="repeat">
+      <a:schemeClr val="accent1">
+        <a:tint val="50000"/>
+      </a:schemeClr>
+    </dgm:fillClrLst>
+    <dgm:linClrLst meth="repeat">
+      <a:schemeClr val="lt1"/>
+    </dgm:linClrLst>
+    <dgm:effectClrLst/>
+    <dgm:txLinClrLst/>
+    <dgm:txFillClrLst meth="repeat">
+      <a:schemeClr val="lt1"/>
+    </dgm:txFillClrLst>
+    <dgm:txEffectClrLst/>
+  </dgm:styleLbl>
+  <dgm:styleLbl name="alignImgPlace1">
+    <dgm:fillClrLst meth="repeat">
+      <a:schemeClr val="accent1">
+        <a:tint val="50000"/>
+      </a:schemeClr>
+    </dgm:fillClrLst>
+    <dgm:linClrLst meth="repeat">
+      <a:schemeClr val="lt1"/>
+    </dgm:linClrLst>
+    <dgm:effectClrLst/>
+    <dgm:txLinClrLst/>
+    <dgm:txFillClrLst meth="repeat">
+      <a:schemeClr val="lt1"/>
+    </dgm:txFillClrLst>
+    <dgm:txEffectClrLst/>
+  </dgm:styleLbl>
+  <dgm:styleLbl name="bgImgPlace1">
+    <dgm:fillClrLst meth="repeat">
+      <a:schemeClr val="accent1">
+        <a:tint val="50000"/>
+      </a:schemeClr>
+    </dgm:fillClrLst>
+    <dgm:linClrLst meth="repeat">
+      <a:schemeClr val="lt1"/>
+    </dgm:linClrLst>
+    <dgm:effectClrLst/>
+    <dgm:txLinClrLst/>
+    <dgm:txFillClrLst meth="repeat">
+      <a:schemeClr val="lt1"/>
+    </dgm:txFillClrLst>
+    <dgm:txEffectClrLst/>
+  </dgm:styleLbl>
+  <dgm:styleLbl name="sibTrans2D1">
+    <dgm:fillClrLst meth="repeat">
+      <a:schemeClr val="accent1">
+        <a:tint val="60000"/>
+      </a:schemeClr>
+    </dgm:fillClrLst>
+    <dgm:linClrLst meth="repeat">
+      <a:schemeClr val="accent1">
+        <a:tint val="60000"/>
+      </a:schemeClr>
+    </dgm:linClrLst>
+    <dgm:effectClrLst/>
+    <dgm:txLinClrLst/>
+    <dgm:txFillClrLst/>
+    <dgm:txEffectClrLst/>
+  </dgm:styleLbl>
+  <dgm:styleLbl name="fgSibTrans2D1">
+    <dgm:fillClrLst meth="repeat">
+      <a:schemeClr val="accent1">
+        <a:tint val="60000"/>
+      </a:schemeClr>
+    </dgm:fillClrLst>
+    <dgm:linClrLst meth="repeat">
+      <a:schemeClr val="accent1">
+        <a:tint val="60000"/>
+      </a:schemeClr>
+    </dgm:linClrLst>
+    <dgm:effectClrLst/>
+    <dgm:txLinClrLst/>
+    <dgm:txFillClrLst/>
+    <dgm:txEffectClrLst/>
+  </dgm:styleLbl>
+  <dgm:styleLbl name="bgSibTrans2D1">
+    <dgm:fillClrLst meth="repeat">
+      <a:schemeClr val="accent1">
+        <a:tint val="60000"/>
+      </a:schemeClr>
+    </dgm:fillClrLst>
+    <dgm:linClrLst meth="repeat">
+      <a:schemeClr val="accent1">
+        <a:tint val="60000"/>
+      </a:schemeClr>
+    </dgm:linClrLst>
+    <dgm:effectClrLst/>
+    <dgm:txLinClrLst/>
+    <dgm:txFillClrLst/>
+    <dgm:txEffectClrLst/>
+  </dgm:styleLbl>
+  <dgm:styleLbl name="sibTrans1D1">
+    <dgm:fillClrLst meth="repeat">
+      <a:schemeClr val="accent1"/>
+    </dgm:fillClrLst>
+    <dgm:linClrLst meth="repeat">
+      <a:schemeClr val="accent1"/>
+    </dgm:linClrLst>
+    <dgm:effectClrLst/>
+    <dgm:txLinClrLst/>
+    <dgm:txFillClrLst meth="repeat">
+      <a:schemeClr val="tx1"/>
+    </dgm:txFillClrLst>
+    <dgm:txEffectClrLst/>
+  </dgm:styleLbl>
+  <dgm:styleLbl name="callout">
+    <dgm:fillClrLst meth="repeat">
+      <a:schemeClr val="accent1"/>
+    </dgm:fillClrLst>
+    <dgm:linClrLst meth="repeat">
+      <a:schemeClr val="accent1">
+        <a:tint val="50000"/>
+      </a:schemeClr>
+    </dgm:linClrLst>
+    <dgm:effectClrLst/>
+    <dgm:txLinClrLst/>
+    <dgm:txFillClrLst meth="repeat">
+      <a:schemeClr val="tx1"/>
+    </dgm:txFillClrLst>
+    <dgm:txEffectClrLst/>
+  </dgm:styleLbl>
+  <dgm:styleLbl name="asst0">
+    <dgm:fillClrLst meth="repeat">
+      <a:schemeClr val="accent1"/>
+    </dgm:fillClrLst>
+    <dgm:linClrLst meth="repeat">
+      <a:schemeClr val="lt1"/>
+    </dgm:linClrLst>
+    <dgm:effectClrLst/>
+    <dgm:txLinClrLst/>
+    <dgm:txFillClrLst/>
+    <dgm:txEffectClrLst/>
+  </dgm:styleLbl>
+  <dgm:styleLbl name="asst1">
+    <dgm:fillClrLst meth="repeat">
+      <a:schemeClr val="accent1"/>
+    </dgm:fillClrLst>
+    <dgm:linClrLst meth="repeat">
+      <a:schemeClr val="lt1"/>
+    </dgm:linClrLst>
+    <dgm:effectClrLst/>
+    <dgm:txLinClrLst/>
+    <dgm:txFillClrLst/>
+    <dgm:txEffectClrLst/>
+  </dgm:styleLbl>
+  <dgm:styleLbl name="asst2">
+    <dgm:fillClrLst meth="repeat">
+      <a:schemeClr val="accent1"/>
+    </dgm:fillClrLst>
+    <dgm:linClrLst meth="repeat">
+      <a:schemeClr val="lt1"/>
+    </dgm:linClrLst>
+    <dgm:effectClrLst/>
+    <dgm:txLinClrLst/>
+    <dgm:txFillClrLst/>
+    <dgm:txEffectClrLst/>
+  </dgm:styleLbl>
+  <dgm:styleLbl name="asst3">
+    <dgm:fillClrLst meth="repeat">
+      <a:schemeClr val="accent1"/>
+    </dgm:fillClrLst>
+    <dgm:linClrLst meth="repeat">
+      <a:schemeClr val="lt1"/>
+    </dgm:linClrLst>
+    <dgm:effectClrLst/>
+    <dgm:txLinClrLst/>
+    <dgm:txFillClrLst/>
+    <dgm:txEffectClrLst/>
+  </dgm:styleLbl>
+  <dgm:styleLbl name="asst4">
+    <dgm:fillClrLst meth="repeat">
+      <a:schemeClr val="accent1"/>
+    </dgm:fillClrLst>
+    <dgm:linClrLst meth="repeat">
+      <a:schemeClr val="lt1"/>
+    </dgm:linClrLst>
+    <dgm:effectClrLst/>
+    <dgm:txLinClrLst/>
+    <dgm:txFillClrLst/>
+    <dgm:txEffectClrLst/>
+  </dgm:styleLbl>
+  <dgm:styleLbl name="parChTrans2D1">
+    <dgm:fillClrLst meth="repeat">
+      <a:schemeClr val="accent1">
+        <a:tint val="60000"/>
+      </a:schemeClr>
+    </dgm:fillClrLst>
+    <dgm:linClrLst meth="repeat">
+      <a:schemeClr val="accent1">
+        <a:tint val="60000"/>
+      </a:schemeClr>
+    </dgm:linClrLst>
+    <dgm:effectClrLst/>
+    <dgm:txLinClrLst/>
+    <dgm:txFillClrLst meth="repeat">
+      <a:schemeClr val="lt1"/>
+    </dgm:txFillClrLst>
+    <dgm:txEffectClrLst/>
+  </dgm:styleLbl>
+  <dgm:styleLbl name="parChTrans2D2">
+    <dgm:fillClrLst meth="repeat">
+      <a:schemeClr val="accent1"/>
+    </dgm:fillClrLst>
+    <dgm:linClrLst meth="repeat">
+      <a:schemeClr val="accent1"/>
+    </dgm:linClrLst>
+    <dgm:effectClrLst/>
+    <dgm:txLinClrLst/>
+    <dgm:txFillClrLst meth="repeat">
+      <a:schemeClr val="lt1"/>
+    </dgm:txFillClrLst>
+    <dgm:txEffectClrLst/>
+  </dgm:styleLbl>
+  <dgm:styleLbl name="parChTrans2D3">
+    <dgm:fillClrLst meth="repeat">
+      <a:schemeClr val="accent1"/>
+    </dgm:fillClrLst>
+    <dgm:linClrLst meth="repeat">
+      <a:schemeClr val="accent1"/>
+    </dgm:linClrLst>
+    <dgm:effectClrLst/>
+    <dgm:txLinClrLst/>
+    <dgm:txFillClrLst meth="repeat">
+      <a:schemeClr val="lt1"/>
+    </dgm:txFillClrLst>
+    <dgm:txEffectClrLst/>
+  </dgm:styleLbl>
+  <dgm:styleLbl name="parChTrans2D4">
+    <dgm:fillClrLst meth="repeat">
+      <a:schemeClr val="accent1"/>
+    </dgm:fillClrLst>
+    <dgm:linClrLst meth="repeat">
+      <a:schemeClr val="accent1"/>
+    </dgm:linClrLst>
+    <dgm:effectClrLst/>
+    <dgm:txLinClrLst/>
+    <dgm:txFillClrLst meth="repeat">
+      <a:schemeClr val="lt1"/>
+    </dgm:txFillClrLst>
+    <dgm:txEffectClrLst/>
+  </dgm:styleLbl>
+  <dgm:styleLbl name="parChTrans1D1">
+    <dgm:fillClrLst meth="repeat">
+      <a:schemeClr val="accent1"/>
+    </dgm:fillClrLst>
+    <dgm:linClrLst meth="repeat">
+      <a:schemeClr val="accent1">
+        <a:shade val="60000"/>
+      </a:schemeClr>
+    </dgm:linClrLst>
+    <dgm:effectClrLst/>
+    <dgm:txLinClrLst/>
+    <dgm:txFillClrLst meth="repeat">
+      <a:schemeClr val="tx1"/>
+    </dgm:txFillClrLst>
+    <dgm:txEffectClrLst/>
+  </dgm:styleLbl>
+  <dgm:styleLbl name="parChTrans1D2">
+    <dgm:fillClrLst meth="repeat">
+      <a:schemeClr val="accent1"/>
+    </dgm:fillClrLst>
+    <dgm:linClrLst meth="repeat">
+      <a:schemeClr val="accent1">
+        <a:shade val="60000"/>
+      </a:schemeClr>
+    </dgm:linClrLst>
+    <dgm:effectClrLst/>
+    <dgm:txLinClrLst/>
+    <dgm:txFillClrLst meth="repeat">
+      <a:schemeClr val="tx1"/>
+    </dgm:txFillClrLst>
+    <dgm:txEffectClrLst/>
+  </dgm:styleLbl>
+  <dgm:styleLbl name="parChTrans1D3">
+    <dgm:fillClrLst meth="repeat">
+      <a:schemeClr val="accent1"/>
+    </dgm:fillClrLst>
+    <dgm:linClrLst meth="repeat">
+      <a:schemeClr val="accent1">
+        <a:shade val="80000"/>
+      </a:schemeClr>
+    </dgm:linClrLst>
+    <dgm:effectClrLst/>
+    <dgm:txLinClrLst/>
+    <dgm:txFillClrLst meth="repeat">
+      <a:schemeClr val="tx1"/>
+    </dgm:txFillClrLst>
+    <dgm:txEffectClrLst/>
+  </dgm:styleLbl>
+  <dgm:styleLbl name="parChTrans1D4">
+    <dgm:fillClrLst meth="repeat">
+      <a:schemeClr val="accent1"/>
+    </dgm:fillClrLst>
+    <dgm:linClrLst meth="repeat">
+      <a:schemeClr val="accent1">
+        <a:shade val="80000"/>
+      </a:schemeClr>
+    </dgm:linClrLst>
+    <dgm:effectClrLst/>
+    <dgm:txLinClrLst/>
+    <dgm:txFillClrLst meth="repeat">
+      <a:schemeClr val="tx1"/>
+    </dgm:txFillClrLst>
+    <dgm:txEffectClrLst/>
+  </dgm:styleLbl>
+  <dgm:styleLbl name="fgAcc1">
+    <dgm:fillClrLst meth="repeat">
+      <a:schemeClr val="lt1">
+        <a:alpha val="90000"/>
+      </a:schemeClr>
+    </dgm:fillClrLst>
+    <dgm:linClrLst meth="repeat">
+      <a:schemeClr val="accent1"/>
+    </dgm:linClrLst>
+    <dgm:effectClrLst/>
+    <dgm:txLinClrLst/>
+    <dgm:txFillClrLst meth="repeat">
+      <a:schemeClr val="dk1"/>
+    </dgm:txFillClrLst>
+    <dgm:txEffectClrLst/>
+  </dgm:styleLbl>
+  <dgm:styleLbl name="conFgAcc1">
+    <dgm:fillClrLst meth="repeat">
+      <a:schemeClr val="lt1">
+        <a:alpha val="90000"/>
+      </a:schemeClr>
+    </dgm:fillClrLst>
+    <dgm:linClrLst meth="repeat">
+      <a:schemeClr val="accent1"/>
+    </dgm:linClrLst>
+    <dgm:effectClrLst/>
+    <dgm:txLinClrLst/>
+    <dgm:txFillClrLst meth="repeat">
+      <a:schemeClr val="dk1"/>
+    </dgm:txFillClrLst>
+    <dgm:txEffectClrLst/>
+  </dgm:styleLbl>
+  <dgm:styleLbl name="alignAcc1">
+    <dgm:fillClrLst meth="repeat">
+      <a:schemeClr val="lt1">
+        <a:alpha val="90000"/>
+      </a:schemeClr>
+    </dgm:fillClrLst>
+    <dgm:linClrLst meth="repeat">
+      <a:schemeClr val="accent1"/>
+    </dgm:linClrLst>
+    <dgm:effectClrLst/>
+    <dgm:txLinClrLst/>
+    <dgm:txFillClrLst meth="repeat">
+      <a:schemeClr val="dk1"/>
+    </dgm:txFillClrLst>
+    <dgm:txEffectClrLst/>
+  </dgm:styleLbl>
+  <dgm:styleLbl name="trAlignAcc1">
+    <dgm:fillClrLst meth="repeat">
+      <a:schemeClr val="lt1">
+        <a:alpha val="40000"/>
+      </a:schemeClr>
+    </dgm:fillClrLst>
+    <dgm:linClrLst meth="repeat">
+      <a:schemeClr val="accent1"/>
+    </dgm:linClrLst>
+    <dgm:effectClrLst/>
+    <dgm:txLinClrLst/>
+    <dgm:txFillClrLst meth="repeat">
+      <a:schemeClr val="dk1"/>
+    </dgm:txFillClrLst>
+    <dgm:txEffectClrLst/>
+  </dgm:styleLbl>
+  <dgm:styleLbl name="bgAcc1">
+    <dgm:fillClrLst meth="repeat">
+      <a:schemeClr val="lt1">
+        <a:alpha val="90000"/>
+      </a:schemeClr>
+    </dgm:fillClrLst>
+    <dgm:linClrLst meth="repeat">
+      <a:schemeClr val="accent1"/>
+    </dgm:linClrLst>
+    <dgm:effectClrLst/>
+    <dgm:txLinClrLst/>
+    <dgm:txFillClrLst meth="repeat">
+      <a:schemeClr val="dk1"/>
+    </dgm:txFillClrLst>
+    <dgm:txEffectClrLst/>
+  </dgm:styleLbl>
+  <dgm:styleLbl name="solidFgAcc1">
+    <dgm:fillClrLst meth="repeat">
+      <a:schemeClr val="lt1"/>
+    </dgm:fillClrLst>
+    <dgm:linClrLst meth="repeat">
+      <a:schemeClr val="accent1"/>
+    </dgm:linClrLst>
+    <dgm:effectClrLst/>
+    <dgm:txLinClrLst/>
+    <dgm:txFillClrLst meth="repeat">
+      <a:schemeClr val="dk1"/>
+    </dgm:txFillClrLst>
+    <dgm:txEffectClrLst/>
+  </dgm:styleLbl>
+  <dgm:styleLbl name="solidAlignAcc1">
+    <dgm:fillClrLst meth="repeat">
+      <a:schemeClr val="lt1"/>
+    </dgm:fillClrLst>
+    <dgm:linClrLst meth="repeat">
+      <a:schemeClr val="accent1"/>
+    </dgm:linClrLst>
+    <dgm:effectClrLst/>
+    <dgm:txLinClrLst/>
+    <dgm:txFillClrLst meth="repeat">
+      <a:schemeClr val="dk1"/>
+    </dgm:txFillClrLst>
+    <dgm:txEffectClrLst/>
+  </dgm:styleLbl>
+  <dgm:styleLbl name="solidBgAcc1">
+    <dgm:fillClrLst meth="repeat">
+      <a:schemeClr val="lt1"/>
+    </dgm:fillClrLst>
+    <dgm:linClrLst meth="repeat">
+      <a:schemeClr val="accent1"/>
+    </dgm:linClrLst>
+    <dgm:effectClrLst/>
+    <dgm:txLinClrLst/>
+    <dgm:txFillClrLst meth="repeat">
+      <a:schemeClr val="dk1"/>
+    </dgm:txFillClrLst>
+    <dgm:txEffectClrLst/>
+  </dgm:styleLbl>
+  <dgm:styleLbl name="fgAccFollowNode1">
+    <dgm:fillClrLst meth="repeat">
+      <a:schemeClr val="accent1">
+        <a:alpha val="90000"/>
+        <a:tint val="40000"/>
+      </a:schemeClr>
+    </dgm:fillClrLst>
+    <dgm:linClrLst meth="repeat">
+      <a:schemeClr val="accent1">
+        <a:alpha val="90000"/>
+        <a:tint val="40000"/>
+      </a:schemeClr>
+    </dgm:linClrLst>
+    <dgm:effectClrLst/>
+    <dgm:txLinClrLst/>
+    <dgm:txFillClrLst meth="repeat">
+      <a:schemeClr val="dk1"/>
+    </dgm:txFillClrLst>
+    <dgm:txEffectClrLst/>
+  </dgm:styleLbl>
+  <dgm:styleLbl name="alignAccFollowNode1">
+    <dgm:fillClrLst meth="repeat">
+      <a:schemeClr val="accent1">
+        <a:alpha val="90000"/>
+        <a:tint val="40000"/>
+      </a:schemeClr>
+    </dgm:fillClrLst>
+    <dgm:linClrLst meth="repeat">
+      <a:schemeClr val="accent1">
+        <a:alpha val="90000"/>
+        <a:tint val="40000"/>
+      </a:schemeClr>
+    </dgm:linClrLst>
+    <dgm:effectClrLst/>
+    <dgm:txLinClrLst/>
+    <dgm:txFillClrLst meth="repeat">
+      <a:schemeClr val="dk1"/>
+    </dgm:txFillClrLst>
+    <dgm:txEffectClrLst/>
+  </dgm:styleLbl>
+  <dgm:styleLbl name="bgAccFollowNode1">
+    <dgm:fillClrLst meth="repeat">
+      <a:schemeClr val="accent1">
+        <a:alpha val="90000"/>
+        <a:tint val="40000"/>
+      </a:schemeClr>
+    </dgm:fillClrLst>
+    <dgm:linClrLst meth="repeat">
+      <a:schemeClr val="accent1">
+        <a:alpha val="90000"/>
+        <a:tint val="40000"/>
+      </a:schemeClr>
+    </dgm:linClrLst>
+    <dgm:effectClrLst/>
+    <dgm:txLinClrLst/>
+    <dgm:txFillClrLst meth="repeat">
+      <a:schemeClr val="dk1"/>
+    </dgm:txFillClrLst>
+    <dgm:txEffectClrLst/>
+  </dgm:styleLbl>
+  <dgm:styleLbl name="fgAcc0">
+    <dgm:fillClrLst meth="repeat">
+      <a:schemeClr val="lt1">
+        <a:alpha val="90000"/>
+      </a:schemeClr>
+    </dgm:fillClrLst>
+    <dgm:linClrLst meth="repeat">
+      <a:schemeClr val="accent1"/>
+    </dgm:linClrLst>
+    <dgm:effectClrLst/>
+    <dgm:txLinClrLst/>
+    <dgm:txFillClrLst meth="repeat">
+      <a:schemeClr val="dk1"/>
+    </dgm:txFillClrLst>
+    <dgm:txEffectClrLst/>
+  </dgm:styleLbl>
+  <dgm:styleLbl name="fgAcc2">
+    <dgm:fillClrLst meth="repeat">
+      <a:schemeClr val="lt1">
+        <a:alpha val="90000"/>
+      </a:schemeClr>
+    </dgm:fillClrLst>
+    <dgm:linClrLst meth="repeat">
+      <a:schemeClr val="accent1"/>
+    </dgm:linClrLst>
+    <dgm:effectClrLst/>
+    <dgm:txLinClrLst/>
+    <dgm:txFillClrLst meth="repeat">
+      <a:schemeClr val="dk1"/>
+    </dgm:txFillClrLst>
+    <dgm:txEffectClrLst/>
+  </dgm:styleLbl>
+  <dgm:styleLbl name="fgAcc3">
+    <dgm:fillClrLst meth="repeat">
+      <a:schemeClr val="lt1">
+        <a:alpha val="90000"/>
+      </a:schemeClr>
+    </dgm:fillClrLst>
+    <dgm:linClrLst meth="repeat">
+      <a:schemeClr val="accent1"/>
+    </dgm:linClrLst>
+    <dgm:effectClrLst/>
+    <dgm:txLinClrLst/>
+    <dgm:txFillClrLst meth="repeat">
+      <a:schemeClr val="dk1"/>
+    </dgm:txFillClrLst>
+    <dgm:txEffectClrLst/>
+  </dgm:styleLbl>
+  <dgm:styleLbl name="fgAcc4">
+    <dgm:fillClrLst meth="repeat">
+      <a:schemeClr val="lt1">
+        <a:alpha val="90000"/>
+      </a:schemeClr>
+    </dgm:fillClrLst>
+    <dgm:linClrLst meth="repeat">
+      <a:schemeClr val="accent1"/>
+    </dgm:linClrLst>
+    <dgm:effectClrLst/>
+    <dgm:txLinClrLst/>
+    <dgm:txFillClrLst meth="repeat">
+      <a:schemeClr val="dk1"/>
+    </dgm:txFillClrLst>
+    <dgm:txEffectClrLst/>
+  </dgm:styleLbl>
+  <dgm:styleLbl name="bgShp">
+    <dgm:fillClrLst meth="repeat">
+      <a:schemeClr val="accent1">
+        <a:tint val="40000"/>
+      </a:schemeClr>
+    </dgm:fillClrLst>
+    <dgm:linClrLst meth="repeat">
+      <a:schemeClr val="accent1"/>
+    </dgm:linClrLst>
+    <dgm:effectClrLst/>
+    <dgm:txLinClrLst/>
+    <dgm:txFillClrLst meth="repeat">
+      <a:schemeClr val="dk1"/>
+    </dgm:txFillClrLst>
+    <dgm:txEffectClrLst/>
+  </dgm:styleLbl>
+  <dgm:styleLbl name="dkBgShp">
+    <dgm:fillClrLst meth="repeat">
+      <a:schemeClr val="accent1">
+        <a:shade val="80000"/>
+      </a:schemeClr>
+    </dgm:fillClrLst>
+    <dgm:linClrLst meth="repeat">
+      <a:schemeClr val="accent1"/>
+    </dgm:linClrLst>
+    <dgm:effectClrLst/>
+    <dgm:txLinClrLst/>
+    <dgm:txFillClrLst meth="repeat">
+      <a:schemeClr val="lt1"/>
+    </dgm:txFillClrLst>
+    <dgm:txEffectClrLst/>
+  </dgm:styleLbl>
+  <dgm:styleLbl name="trBgShp">
+    <dgm:fillClrLst meth="repeat">
+      <a:schemeClr val="accent1">
+        <a:tint val="50000"/>
+        <a:alpha val="40000"/>
+      </a:schemeClr>
+    </dgm:fillClrLst>
+    <dgm:linClrLst meth="repeat">
+      <a:schemeClr val="accent1"/>
+    </dgm:linClrLst>
+    <dgm:effectClrLst/>
+    <dgm:txLinClrLst/>
+    <dgm:txFillClrLst meth="repeat">
+      <a:schemeClr val="lt1"/>
+    </dgm:txFillClrLst>
+    <dgm:txEffectClrLst/>
+  </dgm:styleLbl>
+  <dgm:styleLbl name="fgShp">
+    <dgm:fillClrLst meth="repeat">
+      <a:schemeClr val="accent1">
+        <a:tint val="60000"/>
+      </a:schemeClr>
+    </dgm:fillClrLst>
+    <dgm:linClrLst meth="repeat">
+      <a:schemeClr val="lt1"/>
+    </dgm:linClrLst>
+    <dgm:effectClrLst/>
+    <dgm:txLinClrLst/>
+    <dgm:txFillClrLst meth="repeat">
+      <a:schemeClr val="dk1"/>
+    </dgm:txFillClrLst>
+    <dgm:txEffectClrLst/>
+  </dgm:styleLbl>
+  <dgm:styleLbl name="revTx">
+    <dgm:fillClrLst meth="repeat">
+      <a:schemeClr val="lt1">
+        <a:alpha val="0"/>
+      </a:schemeClr>
+    </dgm:fillClrLst>
+    <dgm:linClrLst meth="repeat">
+      <a:schemeClr val="dk1">
+        <a:alpha val="0"/>
+      </a:schemeClr>
+    </dgm:linClrLst>
+    <dgm:effectClrLst/>
+    <dgm:txLinClrLst/>
+    <dgm:txFillClrLst meth="repeat">
+      <a:schemeClr val="tx1"/>
+    </dgm:txFillClrLst>
+    <dgm:txEffectClrLst/>
+  </dgm:styleLbl>
+</dgm:colorsDef>
+</file>
+
+<file path=ppt/diagrams/data1.xml><?xml version="1.0" encoding="utf-8"?>
+<dgm:dataModel xmlns:dgm="http://schemas.openxmlformats.org/drawingml/2006/diagram" xmlns:a="http://schemas.openxmlformats.org/drawingml/2006/main">
+  <dgm:ptLst>
+    <dgm:pt modelId="{40E0DE9C-E3E3-264D-827B-68B072FA072C}" type="doc">
+      <dgm:prSet loTypeId="urn:microsoft.com/office/officeart/2005/8/layout/process1" loCatId="" qsTypeId="urn:microsoft.com/office/officeart/2005/8/quickstyle/simple1" qsCatId="simple" csTypeId="urn:microsoft.com/office/officeart/2005/8/colors/accent1_2" csCatId="accent1" phldr="1"/>
+      <dgm:spPr/>
+    </dgm:pt>
+    <dgm:pt modelId="{1118161C-82D8-0440-B054-723357C12139}">
+      <dgm:prSet phldrT="[テキスト]" custT="1"/>
+      <dgm:spPr/>
+      <dgm:t>
+        <a:bodyPr/>
+        <a:lstStyle/>
+        <a:p>
+          <a:pPr>
+            <a:spcAft>
+              <a:spcPts val="0"/>
+            </a:spcAft>
+          </a:pPr>
+          <a:r>
+            <a:rPr kumimoji="1" lang="en-US" altLang="ja-JP" sz="3600" dirty="0"/>
+            <a:t>LED</a:t>
+          </a:r>
+          <a:r>
+            <a:rPr kumimoji="1" lang="ja-JP" altLang="en-US" sz="3600"/>
+            <a:t>が</a:t>
+          </a:r>
+          <a:endParaRPr kumimoji="1" lang="en-US" altLang="ja-JP" sz="3600" dirty="0"/>
+        </a:p>
+        <a:p>
+          <a:pPr>
+            <a:spcAft>
+              <a:spcPts val="0"/>
+            </a:spcAft>
+          </a:pPr>
+          <a:r>
+            <a:rPr kumimoji="1" lang="ja-JP" altLang="en-US" sz="3600"/>
+            <a:t>光る</a:t>
+          </a:r>
+        </a:p>
+      </dgm:t>
+    </dgm:pt>
+    <dgm:pt modelId="{B2654D57-7F17-C143-BBC0-A2A0141BD9BD}" type="parTrans" cxnId="{07ACD632-8760-C74F-A734-11558A5AF71B}">
+      <dgm:prSet/>
+      <dgm:spPr/>
+      <dgm:t>
+        <a:bodyPr/>
+        <a:lstStyle/>
+        <a:p>
+          <a:endParaRPr kumimoji="1" lang="ja-JP" altLang="en-US"/>
+        </a:p>
+      </dgm:t>
+    </dgm:pt>
+    <dgm:pt modelId="{801EA39C-7CE3-1B4B-B033-F3F2A69ECF0F}" type="sibTrans" cxnId="{07ACD632-8760-C74F-A734-11558A5AF71B}">
+      <dgm:prSet/>
+      <dgm:spPr/>
+      <dgm:t>
+        <a:bodyPr/>
+        <a:lstStyle/>
+        <a:p>
+          <a:endParaRPr kumimoji="1" lang="ja-JP" altLang="en-US"/>
+        </a:p>
+      </dgm:t>
+    </dgm:pt>
+    <dgm:pt modelId="{2B2E163D-3982-3C4E-9EE4-847781BF19B5}">
+      <dgm:prSet phldrT="[テキスト]" custT="1"/>
+      <dgm:spPr/>
+      <dgm:t>
+        <a:bodyPr/>
+        <a:lstStyle/>
+        <a:p>
+          <a:pPr>
+            <a:spcAft>
+              <a:spcPts val="0"/>
+            </a:spcAft>
+          </a:pPr>
+          <a:r>
+            <a:rPr kumimoji="1" lang="ja-JP" altLang="en-US" sz="3200"/>
+            <a:t>対応する</a:t>
+          </a:r>
+          <a:endParaRPr kumimoji="1" lang="en-US" altLang="ja-JP" sz="3200" dirty="0"/>
+        </a:p>
+        <a:p>
+          <a:pPr>
+            <a:spcAft>
+              <a:spcPts val="0"/>
+            </a:spcAft>
+          </a:pPr>
+          <a:r>
+            <a:rPr kumimoji="1" lang="ja-JP" altLang="en-US" sz="3200"/>
+            <a:t>キーボードを押す</a:t>
+          </a:r>
+        </a:p>
+      </dgm:t>
+    </dgm:pt>
+    <dgm:pt modelId="{88799556-4EF4-3247-8C21-DF74961E4EFE}" type="parTrans" cxnId="{3612DADF-5D44-8343-A104-495DBCD109DA}">
+      <dgm:prSet/>
+      <dgm:spPr/>
+      <dgm:t>
+        <a:bodyPr/>
+        <a:lstStyle/>
+        <a:p>
+          <a:endParaRPr kumimoji="1" lang="ja-JP" altLang="en-US"/>
+        </a:p>
+      </dgm:t>
+    </dgm:pt>
+    <dgm:pt modelId="{C052D007-665A-6E45-96A4-04A0422D6371}" type="sibTrans" cxnId="{3612DADF-5D44-8343-A104-495DBCD109DA}">
+      <dgm:prSet/>
+      <dgm:spPr/>
+      <dgm:t>
+        <a:bodyPr/>
+        <a:lstStyle/>
+        <a:p>
+          <a:endParaRPr kumimoji="1" lang="ja-JP" altLang="en-US"/>
+        </a:p>
+      </dgm:t>
+    </dgm:pt>
+    <dgm:pt modelId="{0E403F1A-D329-BC41-ADBA-64D4A7A7A203}">
+      <dgm:prSet phldrT="[テキスト]" custT="1"/>
+      <dgm:spPr/>
+      <dgm:t>
+        <a:bodyPr/>
+        <a:lstStyle/>
+        <a:p>
+          <a:pPr>
+            <a:spcAft>
+              <a:spcPts val="0"/>
+            </a:spcAft>
+          </a:pPr>
+          <a:r>
+            <a:rPr kumimoji="1" lang="ja-JP" altLang="en-US" sz="3200"/>
+            <a:t>早く押すほど</a:t>
+          </a:r>
+          <a:endParaRPr kumimoji="1" lang="en-US" altLang="ja-JP" sz="3200" dirty="0"/>
+        </a:p>
+        <a:p>
+          <a:pPr>
+            <a:spcAft>
+              <a:spcPts val="0"/>
+            </a:spcAft>
+          </a:pPr>
+          <a:r>
+            <a:rPr kumimoji="1" lang="ja-JP" altLang="en-US" sz="3200"/>
+            <a:t>高得点！</a:t>
+          </a:r>
+        </a:p>
+      </dgm:t>
+    </dgm:pt>
+    <dgm:pt modelId="{4834DEAB-95C3-2549-BA24-9EAFDDD6C24C}" type="parTrans" cxnId="{1F13A8C0-B2F4-8943-AC97-DDE1D46E18A0}">
+      <dgm:prSet/>
+      <dgm:spPr/>
+      <dgm:t>
+        <a:bodyPr/>
+        <a:lstStyle/>
+        <a:p>
+          <a:endParaRPr kumimoji="1" lang="ja-JP" altLang="en-US"/>
+        </a:p>
+      </dgm:t>
+    </dgm:pt>
+    <dgm:pt modelId="{EA0ED426-E174-D84D-BD3E-03EFBB15B360}" type="sibTrans" cxnId="{1F13A8C0-B2F4-8943-AC97-DDE1D46E18A0}">
+      <dgm:prSet/>
+      <dgm:spPr/>
+      <dgm:t>
+        <a:bodyPr/>
+        <a:lstStyle/>
+        <a:p>
+          <a:endParaRPr kumimoji="1" lang="ja-JP" altLang="en-US"/>
+        </a:p>
+      </dgm:t>
+    </dgm:pt>
+    <dgm:pt modelId="{7151E07F-6766-6946-8DB4-128BF301DCC2}" type="pres">
+      <dgm:prSet presAssocID="{40E0DE9C-E3E3-264D-827B-68B072FA072C}" presName="Name0" presStyleCnt="0">
+        <dgm:presLayoutVars>
+          <dgm:dir/>
+          <dgm:resizeHandles val="exact"/>
+        </dgm:presLayoutVars>
+      </dgm:prSet>
+      <dgm:spPr/>
+    </dgm:pt>
+    <dgm:pt modelId="{03961447-7F17-3046-A4A8-B6319982BF21}" type="pres">
+      <dgm:prSet presAssocID="{1118161C-82D8-0440-B054-723357C12139}" presName="node" presStyleLbl="node1" presStyleIdx="0" presStyleCnt="3" custScaleY="93521">
+        <dgm:presLayoutVars>
+          <dgm:bulletEnabled val="1"/>
+        </dgm:presLayoutVars>
+      </dgm:prSet>
+      <dgm:spPr/>
+    </dgm:pt>
+    <dgm:pt modelId="{E55A6338-F51C-0241-9901-BDED9EC43679}" type="pres">
+      <dgm:prSet presAssocID="{801EA39C-7CE3-1B4B-B033-F3F2A69ECF0F}" presName="sibTrans" presStyleLbl="sibTrans2D1" presStyleIdx="0" presStyleCnt="2"/>
+      <dgm:spPr/>
+    </dgm:pt>
+    <dgm:pt modelId="{9F00B728-9DAE-9D4D-B49E-98777194A579}" type="pres">
+      <dgm:prSet presAssocID="{801EA39C-7CE3-1B4B-B033-F3F2A69ECF0F}" presName="connectorText" presStyleLbl="sibTrans2D1" presStyleIdx="0" presStyleCnt="2"/>
+      <dgm:spPr/>
+    </dgm:pt>
+    <dgm:pt modelId="{D918D02A-22B3-E245-8AA7-377C0244A7D7}" type="pres">
+      <dgm:prSet presAssocID="{2B2E163D-3982-3C4E-9EE4-847781BF19B5}" presName="node" presStyleLbl="node1" presStyleIdx="1" presStyleCnt="3" custScaleX="117227" custScaleY="93521">
+        <dgm:presLayoutVars>
+          <dgm:bulletEnabled val="1"/>
+        </dgm:presLayoutVars>
+      </dgm:prSet>
+      <dgm:spPr/>
+    </dgm:pt>
+    <dgm:pt modelId="{9A66558C-349A-9A4B-9C77-AA18AB2C881B}" type="pres">
+      <dgm:prSet presAssocID="{C052D007-665A-6E45-96A4-04A0422D6371}" presName="sibTrans" presStyleLbl="sibTrans2D1" presStyleIdx="1" presStyleCnt="2"/>
+      <dgm:spPr/>
+    </dgm:pt>
+    <dgm:pt modelId="{6B39021A-4894-4F4D-A9AC-00A5B1DBA7CE}" type="pres">
+      <dgm:prSet presAssocID="{C052D007-665A-6E45-96A4-04A0422D6371}" presName="connectorText" presStyleLbl="sibTrans2D1" presStyleIdx="1" presStyleCnt="2"/>
+      <dgm:spPr/>
+    </dgm:pt>
+    <dgm:pt modelId="{13C665DF-FB8A-6141-99B6-C95F4A1C52EE}" type="pres">
+      <dgm:prSet presAssocID="{0E403F1A-D329-BC41-ADBA-64D4A7A7A203}" presName="node" presStyleLbl="node1" presStyleIdx="2" presStyleCnt="3" custScaleX="136681" custScaleY="93521">
+        <dgm:presLayoutVars>
+          <dgm:bulletEnabled val="1"/>
+        </dgm:presLayoutVars>
+      </dgm:prSet>
+      <dgm:spPr/>
+    </dgm:pt>
+  </dgm:ptLst>
+  <dgm:cxnLst>
+    <dgm:cxn modelId="{F20D3A14-DDF4-A641-B758-A4A4AB850C7D}" type="presOf" srcId="{801EA39C-7CE3-1B4B-B033-F3F2A69ECF0F}" destId="{E55A6338-F51C-0241-9901-BDED9EC43679}" srcOrd="0" destOrd="0" presId="urn:microsoft.com/office/officeart/2005/8/layout/process1"/>
+    <dgm:cxn modelId="{9D9F2D19-6BFC-3E4D-A5F3-CC82EAB1D353}" type="presOf" srcId="{C052D007-665A-6E45-96A4-04A0422D6371}" destId="{6B39021A-4894-4F4D-A9AC-00A5B1DBA7CE}" srcOrd="1" destOrd="0" presId="urn:microsoft.com/office/officeart/2005/8/layout/process1"/>
+    <dgm:cxn modelId="{B9230A1B-C6B5-C54D-88DD-37D09006FA75}" type="presOf" srcId="{0E403F1A-D329-BC41-ADBA-64D4A7A7A203}" destId="{13C665DF-FB8A-6141-99B6-C95F4A1C52EE}" srcOrd="0" destOrd="0" presId="urn:microsoft.com/office/officeart/2005/8/layout/process1"/>
+    <dgm:cxn modelId="{07ACD632-8760-C74F-A734-11558A5AF71B}" srcId="{40E0DE9C-E3E3-264D-827B-68B072FA072C}" destId="{1118161C-82D8-0440-B054-723357C12139}" srcOrd="0" destOrd="0" parTransId="{B2654D57-7F17-C143-BBC0-A2A0141BD9BD}" sibTransId="{801EA39C-7CE3-1B4B-B033-F3F2A69ECF0F}"/>
+    <dgm:cxn modelId="{7BCF453F-9756-8546-B50C-082A90715A45}" type="presOf" srcId="{1118161C-82D8-0440-B054-723357C12139}" destId="{03961447-7F17-3046-A4A8-B6319982BF21}" srcOrd="0" destOrd="0" presId="urn:microsoft.com/office/officeart/2005/8/layout/process1"/>
+    <dgm:cxn modelId="{BEAACF97-B730-7746-9D61-0AECAD98B7FD}" type="presOf" srcId="{C052D007-665A-6E45-96A4-04A0422D6371}" destId="{9A66558C-349A-9A4B-9C77-AA18AB2C881B}" srcOrd="0" destOrd="0" presId="urn:microsoft.com/office/officeart/2005/8/layout/process1"/>
+    <dgm:cxn modelId="{0C85919C-F5AB-5D45-BB8C-CA659CC4F6CF}" type="presOf" srcId="{801EA39C-7CE3-1B4B-B033-F3F2A69ECF0F}" destId="{9F00B728-9DAE-9D4D-B49E-98777194A579}" srcOrd="1" destOrd="0" presId="urn:microsoft.com/office/officeart/2005/8/layout/process1"/>
+    <dgm:cxn modelId="{283164B4-CEA7-6044-9B67-8D1C01653E61}" type="presOf" srcId="{40E0DE9C-E3E3-264D-827B-68B072FA072C}" destId="{7151E07F-6766-6946-8DB4-128BF301DCC2}" srcOrd="0" destOrd="0" presId="urn:microsoft.com/office/officeart/2005/8/layout/process1"/>
+    <dgm:cxn modelId="{6F8FF4BF-F2DC-1F48-AE10-090A4BB7182F}" type="presOf" srcId="{2B2E163D-3982-3C4E-9EE4-847781BF19B5}" destId="{D918D02A-22B3-E245-8AA7-377C0244A7D7}" srcOrd="0" destOrd="0" presId="urn:microsoft.com/office/officeart/2005/8/layout/process1"/>
+    <dgm:cxn modelId="{1F13A8C0-B2F4-8943-AC97-DDE1D46E18A0}" srcId="{40E0DE9C-E3E3-264D-827B-68B072FA072C}" destId="{0E403F1A-D329-BC41-ADBA-64D4A7A7A203}" srcOrd="2" destOrd="0" parTransId="{4834DEAB-95C3-2549-BA24-9EAFDDD6C24C}" sibTransId="{EA0ED426-E174-D84D-BD3E-03EFBB15B360}"/>
+    <dgm:cxn modelId="{3612DADF-5D44-8343-A104-495DBCD109DA}" srcId="{40E0DE9C-E3E3-264D-827B-68B072FA072C}" destId="{2B2E163D-3982-3C4E-9EE4-847781BF19B5}" srcOrd="1" destOrd="0" parTransId="{88799556-4EF4-3247-8C21-DF74961E4EFE}" sibTransId="{C052D007-665A-6E45-96A4-04A0422D6371}"/>
+    <dgm:cxn modelId="{7D00FA3A-D963-6B4A-9250-340F90E04789}" type="presParOf" srcId="{7151E07F-6766-6946-8DB4-128BF301DCC2}" destId="{03961447-7F17-3046-A4A8-B6319982BF21}" srcOrd="0" destOrd="0" presId="urn:microsoft.com/office/officeart/2005/8/layout/process1"/>
+    <dgm:cxn modelId="{7BD6713F-0DE8-FC47-9EAD-2EA881C48CB8}" type="presParOf" srcId="{7151E07F-6766-6946-8DB4-128BF301DCC2}" destId="{E55A6338-F51C-0241-9901-BDED9EC43679}" srcOrd="1" destOrd="0" presId="urn:microsoft.com/office/officeart/2005/8/layout/process1"/>
+    <dgm:cxn modelId="{528C921F-7106-D24F-B128-E8926C8CEDC2}" type="presParOf" srcId="{E55A6338-F51C-0241-9901-BDED9EC43679}" destId="{9F00B728-9DAE-9D4D-B49E-98777194A579}" srcOrd="0" destOrd="0" presId="urn:microsoft.com/office/officeart/2005/8/layout/process1"/>
+    <dgm:cxn modelId="{B3240BF4-C62F-E145-8F15-039A6FCC5294}" type="presParOf" srcId="{7151E07F-6766-6946-8DB4-128BF301DCC2}" destId="{D918D02A-22B3-E245-8AA7-377C0244A7D7}" srcOrd="2" destOrd="0" presId="urn:microsoft.com/office/officeart/2005/8/layout/process1"/>
+    <dgm:cxn modelId="{FF1EFDEE-DC53-DF47-8541-D9BF6D105FBB}" type="presParOf" srcId="{7151E07F-6766-6946-8DB4-128BF301DCC2}" destId="{9A66558C-349A-9A4B-9C77-AA18AB2C881B}" srcOrd="3" destOrd="0" presId="urn:microsoft.com/office/officeart/2005/8/layout/process1"/>
+    <dgm:cxn modelId="{67AEC166-3FA6-3042-9DCF-6E2E3BFA8A55}" type="presParOf" srcId="{9A66558C-349A-9A4B-9C77-AA18AB2C881B}" destId="{6B39021A-4894-4F4D-A9AC-00A5B1DBA7CE}" srcOrd="0" destOrd="0" presId="urn:microsoft.com/office/officeart/2005/8/layout/process1"/>
+    <dgm:cxn modelId="{E9D600AC-4811-8F40-B03E-E74E0896CE22}" type="presParOf" srcId="{7151E07F-6766-6946-8DB4-128BF301DCC2}" destId="{13C665DF-FB8A-6141-99B6-C95F4A1C52EE}" srcOrd="4" destOrd="0" presId="urn:microsoft.com/office/officeart/2005/8/layout/process1"/>
+  </dgm:cxnLst>
+  <dgm:bg/>
+  <dgm:whole/>
+  <dgm:extLst>
+    <a:ext uri="http://schemas.microsoft.com/office/drawing/2008/diagram">
+      <dsp:dataModelExt xmlns:dsp="http://schemas.microsoft.com/office/drawing/2008/diagram" relId="rId6" minVer="http://schemas.openxmlformats.org/drawingml/2006/diagram"/>
+    </a:ext>
+  </dgm:extLst>
+</dgm:dataModel>
+</file>
+
+<file path=ppt/diagrams/drawing1.xml><?xml version="1.0" encoding="utf-8"?>
+<dsp:drawing xmlns:dgm="http://schemas.openxmlformats.org/drawingml/2006/diagram" xmlns:dsp="http://schemas.microsoft.com/office/drawing/2008/diagram" xmlns:a="http://schemas.openxmlformats.org/drawingml/2006/main">
+  <dsp:spTree>
+    <dsp:nvGrpSpPr>
+      <dsp:cNvPr id="0" name=""/>
+      <dsp:cNvGrpSpPr/>
+    </dsp:nvGrpSpPr>
+    <dsp:grpSpPr/>
+    <dsp:sp modelId="{03961447-7F17-3046-A4A8-B6319982BF21}">
+      <dsp:nvSpPr>
+        <dsp:cNvPr id="0" name=""/>
+        <dsp:cNvSpPr/>
+      </dsp:nvSpPr>
+      <dsp:spPr>
+        <a:xfrm>
+          <a:off x="8675" y="312868"/>
+          <a:ext cx="1982991" cy="1660262"/>
+        </a:xfrm>
+        <a:prstGeom prst="roundRect">
+          <a:avLst>
+            <a:gd name="adj" fmla="val 10000"/>
+          </a:avLst>
+        </a:prstGeom>
+        <a:solidFill>
+          <a:schemeClr val="accent1">
+            <a:hueOff val="0"/>
+            <a:satOff val="0"/>
+            <a:lumOff val="0"/>
+            <a:alphaOff val="0"/>
+          </a:schemeClr>
+        </a:solidFill>
+        <a:ln w="12700" cap="flat" cmpd="sng" algn="ctr">
+          <a:solidFill>
+            <a:schemeClr val="lt1">
+              <a:hueOff val="0"/>
+              <a:satOff val="0"/>
+              <a:lumOff val="0"/>
+              <a:alphaOff val="0"/>
+            </a:schemeClr>
+          </a:solidFill>
+          <a:prstDash val="solid"/>
+          <a:miter lim="800000"/>
+        </a:ln>
+        <a:effectLst/>
+      </dsp:spPr>
+      <dsp:style>
+        <a:lnRef idx="2">
+          <a:scrgbClr r="0" g="0" b="0"/>
+        </a:lnRef>
+        <a:fillRef idx="1">
+          <a:scrgbClr r="0" g="0" b="0"/>
+        </a:fillRef>
+        <a:effectRef idx="0">
+          <a:scrgbClr r="0" g="0" b="0"/>
+        </a:effectRef>
+        <a:fontRef idx="minor">
+          <a:schemeClr val="lt1"/>
+        </a:fontRef>
+      </dsp:style>
+      <dsp:txBody>
+        <a:bodyPr spcFirstLastPara="0" vert="horz" wrap="square" lIns="137160" tIns="137160" rIns="137160" bIns="137160" numCol="1" spcCol="1270" anchor="ctr" anchorCtr="0">
+          <a:noAutofit/>
+        </a:bodyPr>
+        <a:lstStyle/>
+        <a:p>
+          <a:pPr marL="0" lvl="0" indent="0" algn="ctr" defTabSz="1600200">
+            <a:lnSpc>
+              <a:spcPct val="90000"/>
+            </a:lnSpc>
+            <a:spcBef>
+              <a:spcPct val="0"/>
+            </a:spcBef>
+            <a:spcAft>
+              <a:spcPts val="0"/>
+            </a:spcAft>
+            <a:buNone/>
+          </a:pPr>
+          <a:r>
+            <a:rPr kumimoji="1" lang="en-US" altLang="ja-JP" sz="3600" kern="1200" dirty="0"/>
+            <a:t>LED</a:t>
+          </a:r>
+          <a:r>
+            <a:rPr kumimoji="1" lang="ja-JP" altLang="en-US" sz="3600" kern="1200"/>
+            <a:t>が</a:t>
+          </a:r>
+          <a:endParaRPr kumimoji="1" lang="en-US" altLang="ja-JP" sz="3600" kern="1200" dirty="0"/>
+        </a:p>
+        <a:p>
+          <a:pPr marL="0" lvl="0" indent="0" algn="ctr" defTabSz="1600200">
+            <a:lnSpc>
+              <a:spcPct val="90000"/>
+            </a:lnSpc>
+            <a:spcBef>
+              <a:spcPct val="0"/>
+            </a:spcBef>
+            <a:spcAft>
+              <a:spcPts val="0"/>
+            </a:spcAft>
+            <a:buNone/>
+          </a:pPr>
+          <a:r>
+            <a:rPr kumimoji="1" lang="ja-JP" altLang="en-US" sz="3600" kern="1200"/>
+            <a:t>光る</a:t>
+          </a:r>
+        </a:p>
+      </dsp:txBody>
+      <dsp:txXfrm>
+        <a:off x="57302" y="361495"/>
+        <a:ext cx="1885737" cy="1563008"/>
+      </dsp:txXfrm>
+    </dsp:sp>
+    <dsp:sp modelId="{E55A6338-F51C-0241-9901-BDED9EC43679}">
+      <dsp:nvSpPr>
+        <dsp:cNvPr id="0" name=""/>
+        <dsp:cNvSpPr/>
+      </dsp:nvSpPr>
+      <dsp:spPr>
+        <a:xfrm>
+          <a:off x="2189966" y="897109"/>
+          <a:ext cx="420394" cy="491781"/>
+        </a:xfrm>
+        <a:prstGeom prst="rightArrow">
+          <a:avLst>
+            <a:gd name="adj1" fmla="val 60000"/>
+            <a:gd name="adj2" fmla="val 50000"/>
+          </a:avLst>
+        </a:prstGeom>
+        <a:solidFill>
+          <a:schemeClr val="accent1">
+            <a:tint val="60000"/>
+            <a:hueOff val="0"/>
+            <a:satOff val="0"/>
+            <a:lumOff val="0"/>
+            <a:alphaOff val="0"/>
+          </a:schemeClr>
+        </a:solidFill>
+        <a:ln>
+          <a:noFill/>
+        </a:ln>
+        <a:effectLst/>
+      </dsp:spPr>
+      <dsp:style>
+        <a:lnRef idx="0">
+          <a:scrgbClr r="0" g="0" b="0"/>
+        </a:lnRef>
+        <a:fillRef idx="1">
+          <a:scrgbClr r="0" g="0" b="0"/>
+        </a:fillRef>
+        <a:effectRef idx="0">
+          <a:scrgbClr r="0" g="0" b="0"/>
+        </a:effectRef>
+        <a:fontRef idx="minor">
+          <a:schemeClr val="lt1"/>
+        </a:fontRef>
+      </dsp:style>
+      <dsp:txBody>
+        <a:bodyPr spcFirstLastPara="0" vert="horz" wrap="square" lIns="0" tIns="0" rIns="0" bIns="0" numCol="1" spcCol="1270" anchor="ctr" anchorCtr="0">
+          <a:noAutofit/>
+        </a:bodyPr>
+        <a:lstStyle/>
+        <a:p>
+          <a:pPr marL="0" lvl="0" indent="0" algn="ctr" defTabSz="933450">
+            <a:lnSpc>
+              <a:spcPct val="90000"/>
+            </a:lnSpc>
+            <a:spcBef>
+              <a:spcPct val="0"/>
+            </a:spcBef>
+            <a:spcAft>
+              <a:spcPct val="35000"/>
+            </a:spcAft>
+            <a:buNone/>
+          </a:pPr>
+          <a:endParaRPr kumimoji="1" lang="ja-JP" altLang="en-US" sz="2100" kern="1200"/>
+        </a:p>
+      </dsp:txBody>
+      <dsp:txXfrm>
+        <a:off x="2189966" y="995465"/>
+        <a:ext cx="294276" cy="295069"/>
+      </dsp:txXfrm>
+    </dsp:sp>
+    <dsp:sp modelId="{D918D02A-22B3-E245-8AA7-377C0244A7D7}">
+      <dsp:nvSpPr>
+        <dsp:cNvPr id="0" name=""/>
+        <dsp:cNvSpPr/>
+      </dsp:nvSpPr>
+      <dsp:spPr>
+        <a:xfrm>
+          <a:off x="2784864" y="312868"/>
+          <a:ext cx="2324601" cy="1660262"/>
+        </a:xfrm>
+        <a:prstGeom prst="roundRect">
+          <a:avLst>
+            <a:gd name="adj" fmla="val 10000"/>
+          </a:avLst>
+        </a:prstGeom>
+        <a:solidFill>
+          <a:schemeClr val="accent1">
+            <a:hueOff val="0"/>
+            <a:satOff val="0"/>
+            <a:lumOff val="0"/>
+            <a:alphaOff val="0"/>
+          </a:schemeClr>
+        </a:solidFill>
+        <a:ln w="12700" cap="flat" cmpd="sng" algn="ctr">
+          <a:solidFill>
+            <a:schemeClr val="lt1">
+              <a:hueOff val="0"/>
+              <a:satOff val="0"/>
+              <a:lumOff val="0"/>
+              <a:alphaOff val="0"/>
+            </a:schemeClr>
+          </a:solidFill>
+          <a:prstDash val="solid"/>
+          <a:miter lim="800000"/>
+        </a:ln>
+        <a:effectLst/>
+      </dsp:spPr>
+      <dsp:style>
+        <a:lnRef idx="2">
+          <a:scrgbClr r="0" g="0" b="0"/>
+        </a:lnRef>
+        <a:fillRef idx="1">
+          <a:scrgbClr r="0" g="0" b="0"/>
+        </a:fillRef>
+        <a:effectRef idx="0">
+          <a:scrgbClr r="0" g="0" b="0"/>
+        </a:effectRef>
+        <a:fontRef idx="minor">
+          <a:schemeClr val="lt1"/>
+        </a:fontRef>
+      </dsp:style>
+      <dsp:txBody>
+        <a:bodyPr spcFirstLastPara="0" vert="horz" wrap="square" lIns="121920" tIns="121920" rIns="121920" bIns="121920" numCol="1" spcCol="1270" anchor="ctr" anchorCtr="0">
+          <a:noAutofit/>
+        </a:bodyPr>
+        <a:lstStyle/>
+        <a:p>
+          <a:pPr marL="0" lvl="0" indent="0" algn="ctr" defTabSz="1422400">
+            <a:lnSpc>
+              <a:spcPct val="90000"/>
+            </a:lnSpc>
+            <a:spcBef>
+              <a:spcPct val="0"/>
+            </a:spcBef>
+            <a:spcAft>
+              <a:spcPts val="0"/>
+            </a:spcAft>
+            <a:buNone/>
+          </a:pPr>
+          <a:r>
+            <a:rPr kumimoji="1" lang="ja-JP" altLang="en-US" sz="3200" kern="1200"/>
+            <a:t>対応する</a:t>
+          </a:r>
+          <a:endParaRPr kumimoji="1" lang="en-US" altLang="ja-JP" sz="3200" kern="1200" dirty="0"/>
+        </a:p>
+        <a:p>
+          <a:pPr marL="0" lvl="0" indent="0" algn="ctr" defTabSz="1422400">
+            <a:lnSpc>
+              <a:spcPct val="90000"/>
+            </a:lnSpc>
+            <a:spcBef>
+              <a:spcPct val="0"/>
+            </a:spcBef>
+            <a:spcAft>
+              <a:spcPts val="0"/>
+            </a:spcAft>
+            <a:buNone/>
+          </a:pPr>
+          <a:r>
+            <a:rPr kumimoji="1" lang="ja-JP" altLang="en-US" sz="3200" kern="1200"/>
+            <a:t>キーボードを押す</a:t>
+          </a:r>
+        </a:p>
+      </dsp:txBody>
+      <dsp:txXfrm>
+        <a:off x="2833491" y="361495"/>
+        <a:ext cx="2227347" cy="1563008"/>
+      </dsp:txXfrm>
+    </dsp:sp>
+    <dsp:sp modelId="{9A66558C-349A-9A4B-9C77-AA18AB2C881B}">
+      <dsp:nvSpPr>
+        <dsp:cNvPr id="0" name=""/>
+        <dsp:cNvSpPr/>
+      </dsp:nvSpPr>
+      <dsp:spPr>
+        <a:xfrm>
+          <a:off x="5307765" y="897109"/>
+          <a:ext cx="420394" cy="491781"/>
+        </a:xfrm>
+        <a:prstGeom prst="rightArrow">
+          <a:avLst>
+            <a:gd name="adj1" fmla="val 60000"/>
+            <a:gd name="adj2" fmla="val 50000"/>
+          </a:avLst>
+        </a:prstGeom>
+        <a:solidFill>
+          <a:schemeClr val="accent1">
+            <a:tint val="60000"/>
+            <a:hueOff val="0"/>
+            <a:satOff val="0"/>
+            <a:lumOff val="0"/>
+            <a:alphaOff val="0"/>
+          </a:schemeClr>
+        </a:solidFill>
+        <a:ln>
+          <a:noFill/>
+        </a:ln>
+        <a:effectLst/>
+      </dsp:spPr>
+      <dsp:style>
+        <a:lnRef idx="0">
+          <a:scrgbClr r="0" g="0" b="0"/>
+        </a:lnRef>
+        <a:fillRef idx="1">
+          <a:scrgbClr r="0" g="0" b="0"/>
+        </a:fillRef>
+        <a:effectRef idx="0">
+          <a:scrgbClr r="0" g="0" b="0"/>
+        </a:effectRef>
+        <a:fontRef idx="minor">
+          <a:schemeClr val="lt1"/>
+        </a:fontRef>
+      </dsp:style>
+      <dsp:txBody>
+        <a:bodyPr spcFirstLastPara="0" vert="horz" wrap="square" lIns="0" tIns="0" rIns="0" bIns="0" numCol="1" spcCol="1270" anchor="ctr" anchorCtr="0">
+          <a:noAutofit/>
+        </a:bodyPr>
+        <a:lstStyle/>
+        <a:p>
+          <a:pPr marL="0" lvl="0" indent="0" algn="ctr" defTabSz="933450">
+            <a:lnSpc>
+              <a:spcPct val="90000"/>
+            </a:lnSpc>
+            <a:spcBef>
+              <a:spcPct val="0"/>
+            </a:spcBef>
+            <a:spcAft>
+              <a:spcPct val="35000"/>
+            </a:spcAft>
+            <a:buNone/>
+          </a:pPr>
+          <a:endParaRPr kumimoji="1" lang="ja-JP" altLang="en-US" sz="2100" kern="1200"/>
+        </a:p>
+      </dsp:txBody>
+      <dsp:txXfrm>
+        <a:off x="5307765" y="995465"/>
+        <a:ext cx="294276" cy="295069"/>
+      </dsp:txXfrm>
+    </dsp:sp>
+    <dsp:sp modelId="{13C665DF-FB8A-6141-99B6-C95F4A1C52EE}">
+      <dsp:nvSpPr>
+        <dsp:cNvPr id="0" name=""/>
+        <dsp:cNvSpPr/>
+      </dsp:nvSpPr>
+      <dsp:spPr>
+        <a:xfrm>
+          <a:off x="5902663" y="312868"/>
+          <a:ext cx="2710373" cy="1660262"/>
+        </a:xfrm>
+        <a:prstGeom prst="roundRect">
+          <a:avLst>
+            <a:gd name="adj" fmla="val 10000"/>
+          </a:avLst>
+        </a:prstGeom>
+        <a:solidFill>
+          <a:schemeClr val="accent1">
+            <a:hueOff val="0"/>
+            <a:satOff val="0"/>
+            <a:lumOff val="0"/>
+            <a:alphaOff val="0"/>
+          </a:schemeClr>
+        </a:solidFill>
+        <a:ln w="12700" cap="flat" cmpd="sng" algn="ctr">
+          <a:solidFill>
+            <a:schemeClr val="lt1">
+              <a:hueOff val="0"/>
+              <a:satOff val="0"/>
+              <a:lumOff val="0"/>
+              <a:alphaOff val="0"/>
+            </a:schemeClr>
+          </a:solidFill>
+          <a:prstDash val="solid"/>
+          <a:miter lim="800000"/>
+        </a:ln>
+        <a:effectLst/>
+      </dsp:spPr>
+      <dsp:style>
+        <a:lnRef idx="2">
+          <a:scrgbClr r="0" g="0" b="0"/>
+        </a:lnRef>
+        <a:fillRef idx="1">
+          <a:scrgbClr r="0" g="0" b="0"/>
+        </a:fillRef>
+        <a:effectRef idx="0">
+          <a:scrgbClr r="0" g="0" b="0"/>
+        </a:effectRef>
+        <a:fontRef idx="minor">
+          <a:schemeClr val="lt1"/>
+        </a:fontRef>
+      </dsp:style>
+      <dsp:txBody>
+        <a:bodyPr spcFirstLastPara="0" vert="horz" wrap="square" lIns="121920" tIns="121920" rIns="121920" bIns="121920" numCol="1" spcCol="1270" anchor="ctr" anchorCtr="0">
+          <a:noAutofit/>
+        </a:bodyPr>
+        <a:lstStyle/>
+        <a:p>
+          <a:pPr marL="0" lvl="0" indent="0" algn="ctr" defTabSz="1422400">
+            <a:lnSpc>
+              <a:spcPct val="90000"/>
+            </a:lnSpc>
+            <a:spcBef>
+              <a:spcPct val="0"/>
+            </a:spcBef>
+            <a:spcAft>
+              <a:spcPts val="0"/>
+            </a:spcAft>
+            <a:buNone/>
+          </a:pPr>
+          <a:r>
+            <a:rPr kumimoji="1" lang="ja-JP" altLang="en-US" sz="3200" kern="1200"/>
+            <a:t>早く押すほど</a:t>
+          </a:r>
+          <a:endParaRPr kumimoji="1" lang="en-US" altLang="ja-JP" sz="3200" kern="1200" dirty="0"/>
+        </a:p>
+        <a:p>
+          <a:pPr marL="0" lvl="0" indent="0" algn="ctr" defTabSz="1422400">
+            <a:lnSpc>
+              <a:spcPct val="90000"/>
+            </a:lnSpc>
+            <a:spcBef>
+              <a:spcPct val="0"/>
+            </a:spcBef>
+            <a:spcAft>
+              <a:spcPts val="0"/>
+            </a:spcAft>
+            <a:buNone/>
+          </a:pPr>
+          <a:r>
+            <a:rPr kumimoji="1" lang="ja-JP" altLang="en-US" sz="3200" kern="1200"/>
+            <a:t>高得点！</a:t>
+          </a:r>
+        </a:p>
+      </dsp:txBody>
+      <dsp:txXfrm>
+        <a:off x="5951290" y="361495"/>
+        <a:ext cx="2613119" cy="1563008"/>
+      </dsp:txXfrm>
+    </dsp:sp>
+  </dsp:spTree>
+</dsp:drawing>
+</file>
+
+<file path=ppt/diagrams/layout1.xml><?xml version="1.0" encoding="utf-8"?>
+<dgm:layoutDef xmlns:dgm="http://schemas.openxmlformats.org/drawingml/2006/diagram" xmlns:a="http://schemas.openxmlformats.org/drawingml/2006/main" uniqueId="urn:microsoft.com/office/officeart/2005/8/layout/process1">
+  <dgm:title val=""/>
+  <dgm:desc val=""/>
+  <dgm:catLst>
+    <dgm:cat type="process" pri="1000"/>
+    <dgm:cat type="convert" pri="15000"/>
+  </dgm:catLst>
+  <dgm:sampData useDef="1">
+    <dgm:dataModel>
+      <dgm:ptLst/>
+      <dgm:bg/>
+      <dgm:whole/>
+    </dgm:dataModel>
+  </dgm:sampData>
+  <dgm:styleData>
+    <dgm:dataModel>
+      <dgm:ptLst>
+        <dgm:pt modelId="0" type="doc"/>
+        <dgm:pt modelId="1"/>
+        <dgm:pt modelId="2"/>
+      </dgm:ptLst>
+      <dgm:cxnLst>
+        <dgm:cxn modelId="3" srcId="0" destId="1" srcOrd="0" destOrd="0"/>
+        <dgm:cxn modelId="4" srcId="0" destId="2" srcOrd="1" destOrd="0"/>
+      </dgm:cxnLst>
+      <dgm:bg/>
+      <dgm:whole/>
+    </dgm:dataModel>
+  </dgm:styleData>
+  <dgm:clrData>
+    <dgm:dataModel>
+      <dgm:ptLst>
+        <dgm:pt modelId="0" type="doc"/>
+        <dgm:pt modelId="1"/>
+        <dgm:pt modelId="2"/>
+        <dgm:pt modelId="3"/>
+        <dgm:pt modelId="4"/>
+      </dgm:ptLst>
+      <dgm:cxnLst>
+        <dgm:cxn modelId="5" srcId="0" destId="1" srcOrd="0" destOrd="0"/>
+        <dgm:cxn modelId="6" srcId="0" destId="2" srcOrd="1" destOrd="0"/>
+        <dgm:cxn modelId="7" srcId="0" destId="3" srcOrd="2" destOrd="0"/>
+        <dgm:cxn modelId="8" srcId="0" destId="4" srcOrd="3" destOrd="0"/>
+      </dgm:cxnLst>
+      <dgm:bg/>
+      <dgm:whole/>
+    </dgm:dataModel>
+  </dgm:clrData>
+  <dgm:layoutNode name="Name0">
+    <dgm:varLst>
+      <dgm:dir/>
+      <dgm:resizeHandles val="exact"/>
+    </dgm:varLst>
+    <dgm:choose name="Name1">
+      <dgm:if name="Name2" func="var" arg="dir" op="equ" val="norm">
+        <dgm:alg type="lin"/>
+      </dgm:if>
+      <dgm:else name="Name3">
+        <dgm:alg type="lin">
+          <dgm:param type="linDir" val="fromR"/>
+        </dgm:alg>
+      </dgm:else>
+    </dgm:choose>
+    <dgm:shape xmlns:r="http://schemas.openxmlformats.org/officeDocument/2006/relationships" r:blip="">
+      <dgm:adjLst/>
+    </dgm:shape>
+    <dgm:presOf/>
+    <dgm:constrLst>
+      <dgm:constr type="w" for="ch" ptType="node" refType="w"/>
+      <dgm:constr type="h" for="ch" ptType="node" op="equ"/>
+      <dgm:constr type="primFontSz" for="ch" ptType="node" op="equ" val="65"/>
+      <dgm:constr type="w" for="ch" ptType="sibTrans" refType="w" refFor="ch" refPtType="node" op="equ" fact="0.4"/>
+      <dgm:constr type="h" for="ch" ptType="sibTrans" op="equ"/>
+      <dgm:constr type="primFontSz" for="des" forName="connectorText" op="equ" val="55"/>
+      <dgm:constr type="primFontSz" for="des" forName="connectorText" refType="primFontSz" refFor="ch" refPtType="node" op="lte" fact="0.8"/>
+    </dgm:constrLst>
+    <dgm:ruleLst/>
+    <dgm:forEach name="nodesForEach" axis="ch" ptType="node">
+      <dgm:layoutNode name="node">
+        <dgm:varLst>
+          <dgm:bulletEnabled val="1"/>
+        </dgm:varLst>
+        <dgm:alg type="tx"/>
+        <dgm:shape xmlns:r="http://schemas.openxmlformats.org/officeDocument/2006/relationships" type="roundRect" r:blip="">
+          <dgm:adjLst>
+            <dgm:adj idx="1" val="0.1"/>
+          </dgm:adjLst>
+        </dgm:shape>
+        <dgm:presOf axis="desOrSelf" ptType="node"/>
+        <dgm:constrLst>
+          <dgm:constr type="h" refType="w" fact="0.6"/>
+          <dgm:constr type="tMarg" refType="primFontSz" fact="0.3"/>
+          <dgm:constr type="bMarg" refType="primFontSz" fact="0.3"/>
+          <dgm:constr type="lMarg" refType="primFontSz" fact="0.3"/>
+          <dgm:constr type="rMarg" refType="primFontSz" fact="0.3"/>
+        </dgm:constrLst>
+        <dgm:ruleLst>
+          <dgm:rule type="primFontSz" val="18" fact="NaN" max="NaN"/>
+          <dgm:rule type="h" val="NaN" fact="1.5" max="NaN"/>
+          <dgm:rule type="primFontSz" val="5" fact="NaN" max="NaN"/>
+          <dgm:rule type="h" val="INF" fact="NaN" max="NaN"/>
+        </dgm:ruleLst>
+      </dgm:layoutNode>
+      <dgm:forEach name="sibTransForEach" axis="followSib" ptType="sibTrans" cnt="1">
+        <dgm:layoutNode name="sibTrans">
+          <dgm:alg type="conn">
+            <dgm:param type="begPts" val="auto"/>
+            <dgm:param type="endPts" val="auto"/>
+          </dgm:alg>
+          <dgm:shape xmlns:r="http://schemas.openxmlformats.org/officeDocument/2006/relationships" type="conn" r:blip="">
+            <dgm:adjLst/>
+          </dgm:shape>
+          <dgm:presOf axis="self"/>
+          <dgm:constrLst>
+            <dgm:constr type="h" refType="w" fact="0.62"/>
+            <dgm:constr type="connDist"/>
+            <dgm:constr type="begPad" refType="connDist" fact="0.25"/>
+            <dgm:constr type="endPad" refType="connDist" fact="0.22"/>
+          </dgm:constrLst>
+          <dgm:ruleLst/>
+          <dgm:layoutNode name="connectorText">
+            <dgm:alg type="tx">
+              <dgm:param type="autoTxRot" val="grav"/>
+            </dgm:alg>
+            <dgm:shape xmlns:r="http://schemas.openxmlformats.org/officeDocument/2006/relationships" type="conn" r:blip="" hideGeom="1">
+              <dgm:adjLst/>
+            </dgm:shape>
+            <dgm:presOf axis="self"/>
+            <dgm:constrLst>
+              <dgm:constr type="lMarg"/>
+              <dgm:constr type="rMarg"/>
+              <dgm:constr type="tMarg"/>
+              <dgm:constr type="bMarg"/>
+            </dgm:constrLst>
+            <dgm:ruleLst>
+              <dgm:rule type="primFontSz" val="5" fact="NaN" max="NaN"/>
+            </dgm:ruleLst>
+          </dgm:layoutNode>
+        </dgm:layoutNode>
+      </dgm:forEach>
+    </dgm:forEach>
+  </dgm:layoutNode>
+</dgm:layoutDef>
+</file>
+
+<file path=ppt/diagrams/quickStyle1.xml><?xml version="1.0" encoding="utf-8"?>
+<dgm:styleDef xmlns:dgm="http://schemas.openxmlformats.org/drawingml/2006/diagram" xmlns:a="http://schemas.openxmlformats.org/drawingml/2006/main" uniqueId="urn:microsoft.com/office/officeart/2005/8/quickstyle/simple1">
+  <dgm:title val=""/>
+  <dgm:desc val=""/>
+  <dgm:catLst>
+    <dgm:cat type="simple" pri="10100"/>
+  </dgm:catLst>
+  <dgm:scene3d>
+    <a:camera prst="orthographicFront"/>
+    <a:lightRig rig="threePt" dir="t"/>
+  </dgm:scene3d>
+  <dgm:styleLbl name="node0">
+    <dgm:scene3d>
+      <a:camera prst="orthographicFront"/>
+      <a:lightRig rig="threePt" dir="t"/>
+    </dgm:scene3d>
+    <dgm:sp3d/>
+    <dgm:txPr/>
+    <dgm:style>
+      <a:lnRef idx="2">
+        <a:scrgbClr r="0" g="0" b="0"/>
+      </a:lnRef>
+      <a:fillRef idx="1">
+        <a:scrgbClr r="0" g="0" b="0"/>
+      </a:fillRef>
+      <a:effectRef idx="0">
+        <a:scrgbClr r="0" g="0" b="0"/>
+      </a:effectRef>
+      <a:fontRef idx="minor">
+        <a:schemeClr val="lt1"/>
+      </a:fontRef>
+    </dgm:style>
+  </dgm:styleLbl>
+  <dgm:styleLbl name="lnNode1">
+    <dgm:scene3d>
+      <a:camera prst="orthographicFront"/>
+      <a:lightRig rig="threePt" dir="t"/>
+    </dgm:scene3d>
+    <dgm:sp3d/>
+    <dgm:txPr/>
+    <dgm:style>
+      <a:lnRef idx="2">
+        <a:scrgbClr r="0" g="0" b="0"/>
+      </a:lnRef>
+      <a:fillRef idx="1">
+        <a:scrgbClr r="0" g="0" b="0"/>
+      </a:fillRef>
+      <a:effectRef idx="0">
+        <a:scrgbClr r="0" g="0" b="0"/>
+      </a:effectRef>
+      <a:fontRef idx="minor">
+        <a:schemeClr val="lt1"/>
+      </a:fontRef>
+    </dgm:style>
+  </dgm:styleLbl>
+  <dgm:styleLbl name="vennNode1">
+    <dgm:scene3d>
+      <a:camera prst="orthographicFront"/>
+      <a:lightRig rig="threePt" dir="t"/>
+    </dgm:scene3d>
+    <dgm:sp3d/>
+    <dgm:txPr/>
+    <dgm:style>
+      <a:lnRef idx="2">
+        <a:scrgbClr r="0" g="0" b="0"/>
+      </a:lnRef>
+      <a:fillRef idx="1">
+        <a:scrgbClr r="0" g="0" b="0"/>
+      </a:fillRef>
+      <a:effectRef idx="0">
+        <a:scrgbClr r="0" g="0" b="0"/>
+      </a:effectRef>
+      <a:fontRef idx="minor">
+        <a:schemeClr val="tx1"/>
+      </a:fontRef>
+    </dgm:style>
+  </dgm:styleLbl>
+  <dgm:styleLbl name="alignNode1">
+    <dgm:scene3d>
+      <a:camera prst="orthographicFront"/>
+      <a:lightRig rig="threePt" dir="t"/>
+    </dgm:scene3d>
+    <dgm:sp3d/>
+    <dgm:txPr/>
+    <dgm:style>
+      <a:lnRef idx="2">
+        <a:scrgbClr r="0" g="0" b="0"/>
+      </a:lnRef>
+      <a:fillRef idx="1">
+        <a:scrgbClr r="0" g="0" b="0"/>
+      </a:fillRef>
+      <a:effectRef idx="0">
+        <a:scrgbClr r="0" g="0" b="0"/>
+      </a:effectRef>
+      <a:fontRef idx="minor">
+        <a:schemeClr val="lt1"/>
+      </a:fontRef>
+    </dgm:style>
+  </dgm:styleLbl>
+  <dgm:styleLbl name="node1">
+    <dgm:scene3d>
+      <a:camera prst="orthographicFront"/>
+      <a:lightRig rig="threePt" dir="t"/>
+    </dgm:scene3d>
+    <dgm:sp3d/>
+    <dgm:txPr/>
+    <dgm:style>
+      <a:lnRef idx="2">
+        <a:scrgbClr r="0" g="0" b="0"/>
+      </a:lnRef>
+      <a:fillRef idx="1">
+        <a:scrgbClr r="0" g="0" b="0"/>
+      </a:fillRef>
+      <a:effectRef idx="0">
+        <a:scrgbClr r="0" g="0" b="0"/>
+      </a:effectRef>
+      <a:fontRef idx="minor">
+        <a:schemeClr val="lt1"/>
+      </a:fontRef>
+    </dgm:style>
+  </dgm:styleLbl>
+  <dgm:styleLbl name="node2">
+    <dgm:scene3d>
+      <a:camera prst="orthographicFront"/>
+      <a:lightRig rig="threePt" dir="t"/>
+    </dgm:scene3d>
+    <dgm:sp3d/>
+    <dgm:txPr/>
+    <dgm:style>
+      <a:lnRef idx="2">
+        <a:scrgbClr r="0" g="0" b="0"/>
+      </a:lnRef>
+      <a:fillRef idx="1">
+        <a:scrgbClr r="0" g="0" b="0"/>
+      </a:fillRef>
+      <a:effectRef idx="0">
+        <a:scrgbClr r="0" g="0" b="0"/>
+      </a:effectRef>
+      <a:fontRef idx="minor">
+        <a:schemeClr val="lt1"/>
+      </a:fontRef>
+    </dgm:style>
+  </dgm:styleLbl>
+  <dgm:styleLbl name="node3">
+    <dgm:scene3d>
+      <a:camera prst="orthographicFront"/>
+      <a:lightRig rig="threePt" dir="t"/>
+    </dgm:scene3d>
+    <dgm:sp3d/>
+    <dgm:txPr/>
+    <dgm:style>
+      <a:lnRef idx="2">
+        <a:scrgbClr r="0" g="0" b="0"/>
+      </a:lnRef>
+      <a:fillRef idx="1">
+        <a:scrgbClr r="0" g="0" b="0"/>
+      </a:fillRef>
+      <a:effectRef idx="0">
+        <a:scrgbClr r="0" g="0" b="0"/>
+      </a:effectRef>
+      <a:fontRef idx="minor">
+        <a:schemeClr val="lt1"/>
+      </a:fontRef>
+    </dgm:style>
+  </dgm:styleLbl>
+  <dgm:styleLbl name="node4">
+    <dgm:scene3d>
+      <a:camera prst="orthographicFront"/>
+      <a:lightRig rig="threePt" dir="t"/>
+    </dgm:scene3d>
+    <dgm:sp3d/>
+    <dgm:txPr/>
+    <dgm:style>
+      <a:lnRef idx="2">
+        <a:scrgbClr r="0" g="0" b="0"/>
+      </a:lnRef>
+      <a:fillRef idx="1">
+        <a:scrgbClr r="0" g="0" b="0"/>
+      </a:fillRef>
+      <a:effectRef idx="0">
+        <a:scrgbClr r="0" g="0" b="0"/>
+      </a:effectRef>
+      <a:fontRef idx="minor">
+        <a:schemeClr val="lt1"/>
+      </a:fontRef>
+    </dgm:style>
+  </dgm:styleLbl>
+  <dgm:styleLbl name="fgImgPlace1">
+    <dgm:scene3d>
+      <a:camera prst="orthographicFront"/>
+      <a:lightRig rig="threePt" dir="t"/>
+    </dgm:scene3d>
+    <dgm:sp3d/>
+    <dgm:txPr/>
+    <dgm:style>
+      <a:lnRef idx="2">
+        <a:scrgbClr r="0" g="0" b="0"/>
+      </a:lnRef>
+      <a:fillRef idx="1">
+        <a:scrgbClr r="0" g="0" b="0"/>
+      </a:fillRef>
+      <a:effectRef idx="0">
+        <a:scrgbClr r="0" g="0" b="0"/>
+      </a:effectRef>
+      <a:fontRef idx="minor"/>
+    </dgm:style>
+  </dgm:styleLbl>
+  <dgm:styleLbl name="alignImgPlace1">
+    <dgm:scene3d>
+      <a:camera prst="orthographicFront"/>
+      <a:lightRig rig="threePt" dir="t"/>
+    </dgm:scene3d>
+    <dgm:sp3d/>
+    <dgm:txPr/>
+    <dgm:style>
+      <a:lnRef idx="2">
+        <a:scrgbClr r="0" g="0" b="0"/>
+      </a:lnRef>
+      <a:fillRef idx="1">
+        <a:scrgbClr r="0" g="0" b="0"/>
+      </a:fillRef>
+      <a:effectRef idx="0">
+        <a:scrgbClr r="0" g="0" b="0"/>
+      </a:effectRef>
+      <a:fontRef idx="minor"/>
+    </dgm:style>
+  </dgm:styleLbl>
+  <dgm:styleLbl name="bgImgPlace1">
+    <dgm:scene3d>
+      <a:camera prst="orthographicFront"/>
+      <a:lightRig rig="threePt" dir="t"/>
+    </dgm:scene3d>
+    <dgm:sp3d/>
+    <dgm:txPr/>
+    <dgm:style>
+      <a:lnRef idx="2">
+        <a:scrgbClr r="0" g="0" b="0"/>
+      </a:lnRef>
+      <a:fillRef idx="1">
+        <a:scrgbClr r="0" g="0" b="0"/>
+      </a:fillRef>
+      <a:effectRef idx="0">
+        <a:scrgbClr r="0" g="0" b="0"/>
+      </a:effectRef>
+      <a:fontRef idx="minor"/>
+    </dgm:style>
+  </dgm:styleLbl>
+  <dgm:styleLbl name="sibTrans2D1">
+    <dgm:scene3d>
+      <a:camera prst="orthographicFront"/>
+      <a:lightRig rig="threePt" dir="t"/>
+    </dgm:scene3d>
+    <dgm:sp3d/>
+    <dgm:txPr/>
+    <dgm:style>
+      <a:lnRef idx="0">
+        <a:scrgbClr r="0" g="0" b="0"/>
+      </a:lnRef>
+      <a:fillRef idx="1">
+        <a:scrgbClr r="0" g="0" b="0"/>
+      </a:fillRef>
+      <a:effectRef idx="0">
+        <a:scrgbClr r="0" g="0" b="0"/>
+      </a:effectRef>
+      <a:fontRef idx="minor">
+        <a:schemeClr val="lt1"/>
+      </a:fontRef>
+    </dgm:style>
+  </dgm:styleLbl>
+  <dgm:styleLbl name="fgSibTrans2D1">
+    <dgm:scene3d>
+      <a:camera prst="orthographicFront"/>
+      <a:lightRig rig="threePt" dir="t"/>
+    </dgm:scene3d>
+    <dgm:sp3d/>
+    <dgm:txPr/>
+    <dgm:style>
+      <a:lnRef idx="0">
+        <a:scrgbClr r="0" g="0" b="0"/>
+      </a:lnRef>
+      <a:fillRef idx="1">
+        <a:scrgbClr r="0" g="0" b="0"/>
+      </a:fillRef>
+      <a:effectRef idx="0">
+        <a:scrgbClr r="0" g="0" b="0"/>
+      </a:effectRef>
+      <a:fontRef idx="minor">
+        <a:schemeClr val="lt1"/>
+      </a:fontRef>
+    </dgm:style>
+  </dgm:styleLbl>
+  <dgm:styleLbl name="bgSibTrans2D1">
+    <dgm:scene3d>
+      <a:camera prst="orthographicFront"/>
+      <a:lightRig rig="threePt" dir="t"/>
+    </dgm:scene3d>
+    <dgm:sp3d/>
+    <dgm:txPr/>
+    <dgm:style>
+      <a:lnRef idx="0">
+        <a:scrgbClr r="0" g="0" b="0"/>
+      </a:lnRef>
+      <a:fillRef idx="1">
+        <a:scrgbClr r="0" g="0" b="0"/>
+      </a:fillRef>
+      <a:effectRef idx="0">
+        <a:scrgbClr r="0" g="0" b="0"/>
+      </a:effectRef>
+      <a:fontRef idx="minor">
+        <a:schemeClr val="lt1"/>
+      </a:fontRef>
+    </dgm:style>
+  </dgm:styleLbl>
+  <dgm:styleLbl name="sibTrans1D1">
+    <dgm:scene3d>
+      <a:camera prst="orthographicFront"/>
+      <a:lightRig rig="threePt" dir="t"/>
+    </dgm:scene3d>
+    <dgm:sp3d/>
+    <dgm:txPr/>
+    <dgm:style>
+      <a:lnRef idx="1">
+        <a:scrgbClr r="0" g="0" b="0"/>
+      </a:lnRef>
+      <a:fillRef idx="0">
+        <a:scrgbClr r="0" g="0" b="0"/>
+      </a:fillRef>
+      <a:effectRef idx="0">
+        <a:scrgbClr r="0" g="0" b="0"/>
+      </a:effectRef>
+      <a:fontRef idx="minor"/>
+    </dgm:style>
+  </dgm:styleLbl>
+  <dgm:styleLbl name="callout">
+    <dgm:scene3d>
+      <a:camera prst="orthographicFront"/>
+      <a:lightRig rig="threePt" dir="t"/>
+    </dgm:scene3d>
+    <dgm:sp3d/>
+    <dgm:txPr/>
+    <dgm:style>
+      <a:lnRef idx="2">
+        <a:scrgbClr r="0" g="0" b="0"/>
+      </a:lnRef>
+      <a:fillRef idx="1">
+        <a:scrgbClr r="0" g="0" b="0"/>
+      </a:fillRef>
+      <a:effectRef idx="0">
+        <a:scrgbClr r="0" g="0" b="0"/>
+      </a:effectRef>
+      <a:fontRef idx="minor"/>
+    </dgm:style>
+  </dgm:styleLbl>
+  <dgm:styleLbl name="asst0">
+    <dgm:scene3d>
+      <a:camera prst="orthographicFront"/>
+      <a:lightRig rig="threePt" dir="t"/>
+    </dgm:scene3d>
+    <dgm:sp3d/>
+    <dgm:txPr/>
+    <dgm:style>
+      <a:lnRef idx="2">
+        <a:scrgbClr r="0" g="0" b="0"/>
+      </a:lnRef>
+      <a:fillRef idx="1">
+        <a:scrgbClr r="0" g="0" b="0"/>
+      </a:fillRef>
+      <a:effectRef idx="0">
+        <a:scrgbClr r="0" g="0" b="0"/>
+      </a:effectRef>
+      <a:fontRef idx="minor">
+        <a:schemeClr val="lt1"/>
+      </a:fontRef>
+    </dgm:style>
+  </dgm:styleLbl>
+  <dgm:styleLbl name="asst1">
+    <dgm:scene3d>
+      <a:camera prst="orthographicFront"/>
+      <a:lightRig rig="threePt" dir="t"/>
+    </dgm:scene3d>
+    <dgm:sp3d/>
+    <dgm:txPr/>
+    <dgm:style>
+      <a:lnRef idx="2">
+        <a:scrgbClr r="0" g="0" b="0"/>
+      </a:lnRef>
+      <a:fillRef idx="1">
+        <a:scrgbClr r="0" g="0" b="0"/>
+      </a:fillRef>
+      <a:effectRef idx="0">
+        <a:scrgbClr r="0" g="0" b="0"/>
+      </a:effectRef>
+      <a:fontRef idx="minor">
+        <a:schemeClr val="lt1"/>
+      </a:fontRef>
+    </dgm:style>
+  </dgm:styleLbl>
+  <dgm:styleLbl name="asst2">
+    <dgm:scene3d>
+      <a:camera prst="orthographicFront"/>
+      <a:lightRig rig="threePt" dir="t"/>
+    </dgm:scene3d>
+    <dgm:sp3d/>
+    <dgm:txPr/>
+    <dgm:style>
+      <a:lnRef idx="2">
+        <a:scrgbClr r="0" g="0" b="0"/>
+      </a:lnRef>
+      <a:fillRef idx="1">
+        <a:scrgbClr r="0" g="0" b="0"/>
+      </a:fillRef>
+      <a:effectRef idx="0">
+        <a:scrgbClr r="0" g="0" b="0"/>
+      </a:effectRef>
+      <a:fontRef idx="minor">
+        <a:schemeClr val="lt1"/>
+      </a:fontRef>
+    </dgm:style>
+  </dgm:styleLbl>
+  <dgm:styleLbl name="asst3">
+    <dgm:scene3d>
+      <a:camera prst="orthographicFront"/>
+      <a:lightRig rig="threePt" dir="t"/>
+    </dgm:scene3d>
+    <dgm:sp3d/>
+    <dgm:txPr/>
+    <dgm:style>
+      <a:lnRef idx="2">
+        <a:scrgbClr r="0" g="0" b="0"/>
+      </a:lnRef>
+      <a:fillRef idx="1">
+        <a:scrgbClr r="0" g="0" b="0"/>
+      </a:fillRef>
+      <a:effectRef idx="0">
+        <a:scrgbClr r="0" g="0" b="0"/>
+      </a:effectRef>
+      <a:fontRef idx="minor">
+        <a:schemeClr val="lt1"/>
+      </a:fontRef>
+    </dgm:style>
+  </dgm:styleLbl>
+  <dgm:styleLbl name="asst4">
+    <dgm:scene3d>
+      <a:camera prst="orthographicFront"/>
+      <a:lightRig rig="threePt" dir="t"/>
+    </dgm:scene3d>
+    <dgm:sp3d/>
+    <dgm:txPr/>
+    <dgm:style>
+      <a:lnRef idx="2">
+        <a:scrgbClr r="0" g="0" b="0"/>
+      </a:lnRef>
+      <a:fillRef idx="1">
+        <a:scrgbClr r="0" g="0" b="0"/>
+      </a:fillRef>
+      <a:effectRef idx="0">
+        <a:scrgbClr r="0" g="0" b="0"/>
+      </a:effectRef>
+      <a:fontRef idx="minor">
+        <a:schemeClr val="lt1"/>
+      </a:fontRef>
+    </dgm:style>
+  </dgm:styleLbl>
+  <dgm:styleLbl name="parChTrans2D1">
+    <dgm:scene3d>
+      <a:camera prst="orthographicFront"/>
+      <a:lightRig rig="threePt" dir="t"/>
+    </dgm:scene3d>
+    <dgm:sp3d/>
+    <dgm:txPr/>
+    <dgm:style>
+      <a:lnRef idx="2">
+        <a:scrgbClr r="0" g="0" b="0"/>
+      </a:lnRef>
+      <a:fillRef idx="1">
+        <a:scrgbClr r="0" g="0" b="0"/>
+      </a:fillRef>
+      <a:effectRef idx="0">
+        <a:scrgbClr r="0" g="0" b="0"/>
+      </a:effectRef>
+      <a:fontRef idx="minor">
+        <a:schemeClr val="lt1"/>
+      </a:fontRef>
+    </dgm:style>
+  </dgm:styleLbl>
+  <dgm:styleLbl name="parChTrans2D2">
+    <dgm:scene3d>
+      <a:camera prst="orthographicFront"/>
+      <a:lightRig rig="threePt" dir="t"/>
+    </dgm:scene3d>
+    <dgm:sp3d/>
+    <dgm:txPr/>
+    <dgm:style>
+      <a:lnRef idx="2">
+        <a:scrgbClr r="0" g="0" b="0"/>
+      </a:lnRef>
+      <a:fillRef idx="1">
+        <a:scrgbClr r="0" g="0" b="0"/>
+      </a:fillRef>
+      <a:effectRef idx="0">
+        <a:scrgbClr r="0" g="0" b="0"/>
+      </a:effectRef>
+      <a:fontRef idx="minor">
+        <a:schemeClr val="lt1"/>
+      </a:fontRef>
+    </dgm:style>
+  </dgm:styleLbl>
+  <dgm:styleLbl name="parChTrans2D3">
+    <dgm:scene3d>
+      <a:camera prst="orthographicFront"/>
+      <a:lightRig rig="threePt" dir="t"/>
+    </dgm:scene3d>
+    <dgm:sp3d/>
+    <dgm:txPr/>
+    <dgm:style>
+      <a:lnRef idx="2">
+        <a:scrgbClr r="0" g="0" b="0"/>
+      </a:lnRef>
+      <a:fillRef idx="1">
+        <a:scrgbClr r="0" g="0" b="0"/>
+      </a:fillRef>
+      <a:effectRef idx="0">
+        <a:scrgbClr r="0" g="0" b="0"/>
+      </a:effectRef>
+      <a:fontRef idx="minor">
+        <a:schemeClr val="lt1"/>
+      </a:fontRef>
+    </dgm:style>
+  </dgm:styleLbl>
+  <dgm:styleLbl name="parChTrans2D4">
+    <dgm:scene3d>
+      <a:camera prst="orthographicFront"/>
+      <a:lightRig rig="threePt" dir="t"/>
+    </dgm:scene3d>
+    <dgm:sp3d/>
+    <dgm:txPr/>
+    <dgm:style>
+      <a:lnRef idx="2">
+        <a:scrgbClr r="0" g="0" b="0"/>
+      </a:lnRef>
+      <a:fillRef idx="1">
+        <a:scrgbClr r="0" g="0" b="0"/>
+      </a:fillRef>
+      <a:effectRef idx="0">
+        <a:scrgbClr r="0" g="0" b="0"/>
+      </a:effectRef>
+      <a:fontRef idx="minor">
+        <a:schemeClr val="lt1"/>
+      </a:fontRef>
+    </dgm:style>
+  </dgm:styleLbl>
+  <dgm:styleLbl name="parChTrans1D1">
+    <dgm:scene3d>
+      <a:camera prst="orthographicFront"/>
+      <a:lightRig rig="threePt" dir="t"/>
+    </dgm:scene3d>
+    <dgm:sp3d/>
+    <dgm:txPr/>
+    <dgm:style>
+      <a:lnRef idx="2">
+        <a:scrgbClr r="0" g="0" b="0"/>
+      </a:lnRef>
+      <a:fillRef idx="0">
+        <a:scrgbClr r="0" g="0" b="0"/>
+      </a:fillRef>
+      <a:effectRef idx="0">
+        <a:scrgbClr r="0" g="0" b="0"/>
+      </a:effectRef>
+      <a:fontRef idx="minor"/>
+    </dgm:style>
+  </dgm:styleLbl>
+  <dgm:styleLbl name="parChTrans1D2">
+    <dgm:scene3d>
+      <a:camera prst="orthographicFront"/>
+      <a:lightRig rig="threePt" dir="t"/>
+    </dgm:scene3d>
+    <dgm:sp3d/>
+    <dgm:txPr/>
+    <dgm:style>
+      <a:lnRef idx="2">
+        <a:scrgbClr r="0" g="0" b="0"/>
+      </a:lnRef>
+      <a:fillRef idx="0">
+        <a:scrgbClr r="0" g="0" b="0"/>
+      </a:fillRef>
+      <a:effectRef idx="0">
+        <a:scrgbClr r="0" g="0" b="0"/>
+      </a:effectRef>
+      <a:fontRef idx="minor"/>
+    </dgm:style>
+  </dgm:styleLbl>
+  <dgm:styleLbl name="parChTrans1D3">
+    <dgm:scene3d>
+      <a:camera prst="orthographicFront"/>
+      <a:lightRig rig="threePt" dir="t"/>
+    </dgm:scene3d>
+    <dgm:sp3d/>
+    <dgm:txPr/>
+    <dgm:style>
+      <a:lnRef idx="2">
+        <a:scrgbClr r="0" g="0" b="0"/>
+      </a:lnRef>
+      <a:fillRef idx="0">
+        <a:scrgbClr r="0" g="0" b="0"/>
+      </a:fillRef>
+      <a:effectRef idx="0">
+        <a:scrgbClr r="0" g="0" b="0"/>
+      </a:effectRef>
+      <a:fontRef idx="minor"/>
+    </dgm:style>
+  </dgm:styleLbl>
+  <dgm:styleLbl name="parChTrans1D4">
+    <dgm:scene3d>
+      <a:camera prst="orthographicFront"/>
+      <a:lightRig rig="threePt" dir="t"/>
+    </dgm:scene3d>
+    <dgm:sp3d/>
+    <dgm:txPr/>
+    <dgm:style>
+      <a:lnRef idx="2">
+        <a:scrgbClr r="0" g="0" b="0"/>
+      </a:lnRef>
+      <a:fillRef idx="0">
+        <a:scrgbClr r="0" g="0" b="0"/>
+      </a:fillRef>
+      <a:effectRef idx="0">
+        <a:scrgbClr r="0" g="0" b="0"/>
+      </a:effectRef>
+      <a:fontRef idx="minor"/>
+    </dgm:style>
+  </dgm:styleLbl>
+  <dgm:styleLbl name="fgAcc1">
+    <dgm:scene3d>
+      <a:camera prst="orthographicFront"/>
+      <a:lightRig rig="threePt" dir="t"/>
+    </dgm:scene3d>
+    <dgm:sp3d/>
+    <dgm:txPr/>
+    <dgm:style>
+      <a:lnRef idx="2">
+        <a:scrgbClr r="0" g="0" b="0"/>
+      </a:lnRef>
+      <a:fillRef idx="1">
+        <a:scrgbClr r="0" g="0" b="0"/>
+      </a:fillRef>
+      <a:effectRef idx="0">
+        <a:scrgbClr r="0" g="0" b="0"/>
+      </a:effectRef>
+      <a:fontRef idx="minor"/>
+    </dgm:style>
+  </dgm:styleLbl>
+  <dgm:styleLbl name="conFgAcc1">
+    <dgm:scene3d>
+      <a:camera prst="orthographicFront"/>
+      <a:lightRig rig="threePt" dir="t"/>
+    </dgm:scene3d>
+    <dgm:sp3d/>
+    <dgm:txPr/>
+    <dgm:style>
+      <a:lnRef idx="2">
+        <a:scrgbClr r="0" g="0" b="0"/>
+      </a:lnRef>
+      <a:fillRef idx="1">
+        <a:scrgbClr r="0" g="0" b="0"/>
+      </a:fillRef>
+      <a:effectRef idx="0">
+        <a:scrgbClr r="0" g="0" b="0"/>
+      </a:effectRef>
+      <a:fontRef idx="minor"/>
+    </dgm:style>
+  </dgm:styleLbl>
+  <dgm:styleLbl name="alignAcc1">
+    <dgm:scene3d>
+      <a:camera prst="orthographicFront"/>
+      <a:lightRig rig="threePt" dir="t"/>
+    </dgm:scene3d>
+    <dgm:sp3d/>
+    <dgm:txPr/>
+    <dgm:style>
+      <a:lnRef idx="2">
+        <a:scrgbClr r="0" g="0" b="0"/>
+      </a:lnRef>
+      <a:fillRef idx="1">
+        <a:scrgbClr r="0" g="0" b="0"/>
+      </a:fillRef>
+      <a:effectRef idx="0">
+        <a:scrgbClr r="0" g="0" b="0"/>
+      </a:effectRef>
+      <a:fontRef idx="minor"/>
+    </dgm:style>
+  </dgm:styleLbl>
+  <dgm:styleLbl name="trAlignAcc1">
+    <dgm:scene3d>
+      <a:camera prst="orthographicFront"/>
+      <a:lightRig rig="threePt" dir="t"/>
+    </dgm:scene3d>
+    <dgm:sp3d/>
+    <dgm:txPr/>
+    <dgm:style>
+      <a:lnRef idx="1">
+        <a:scrgbClr r="0" g="0" b="0"/>
+      </a:lnRef>
+      <a:fillRef idx="1">
+        <a:scrgbClr r="0" g="0" b="0"/>
+      </a:fillRef>
+      <a:effectRef idx="0">
+        <a:scrgbClr r="0" g="0" b="0"/>
+      </a:effectRef>
+      <a:fontRef idx="minor"/>
+    </dgm:style>
+  </dgm:styleLbl>
+  <dgm:styleLbl name="bgAcc1">
+    <dgm:scene3d>
+      <a:camera prst="orthographicFront"/>
+      <a:lightRig rig="threePt" dir="t"/>
+    </dgm:scene3d>
+    <dgm:sp3d/>
+    <dgm:txPr/>
+    <dgm:style>
+      <a:lnRef idx="2">
+        <a:scrgbClr r="0" g="0" b="0"/>
+      </a:lnRef>
+      <a:fillRef idx="1">
+        <a:scrgbClr r="0" g="0" b="0"/>
+      </a:fillRef>
+      <a:effectRef idx="0">
+        <a:scrgbClr r="0" g="0" b="0"/>
+      </a:effectRef>
+      <a:fontRef idx="minor"/>
+    </dgm:style>
+  </dgm:styleLbl>
+  <dgm:styleLbl name="solidFgAcc1">
+    <dgm:scene3d>
+      <a:camera prst="orthographicFront"/>
+      <a:lightRig rig="threePt" dir="t"/>
+    </dgm:scene3d>
+    <dgm:sp3d/>
+    <dgm:txPr/>
+    <dgm:style>
+      <a:lnRef idx="2">
+        <a:scrgbClr r="0" g="0" b="0"/>
+      </a:lnRef>
+      <a:fillRef idx="1">
+        <a:scrgbClr r="0" g="0" b="0"/>
+      </a:fillRef>
+      <a:effectRef idx="0">
+        <a:scrgbClr r="0" g="0" b="0"/>
+      </a:effectRef>
+      <a:fontRef idx="minor"/>
+    </dgm:style>
+  </dgm:styleLbl>
+  <dgm:styleLbl name="solidAlignAcc1">
+    <dgm:scene3d>
+      <a:camera prst="orthographicFront"/>
+      <a:lightRig rig="threePt" dir="t"/>
+    </dgm:scene3d>
+    <dgm:sp3d/>
+    <dgm:txPr/>
+    <dgm:style>
+      <a:lnRef idx="2">
+        <a:scrgbClr r="0" g="0" b="0"/>
+      </a:lnRef>
+      <a:fillRef idx="1">
+        <a:scrgbClr r="0" g="0" b="0"/>
+      </a:fillRef>
+      <a:effectRef idx="0">
+        <a:scrgbClr r="0" g="0" b="0"/>
+      </a:effectRef>
+      <a:fontRef idx="minor"/>
+    </dgm:style>
+  </dgm:styleLbl>
+  <dgm:styleLbl name="solidBgAcc1">
+    <dgm:scene3d>
+      <a:camera prst="orthographicFront"/>
+      <a:lightRig rig="threePt" dir="t"/>
+    </dgm:scene3d>
+    <dgm:sp3d/>
+    <dgm:txPr/>
+    <dgm:style>
+      <a:lnRef idx="2">
+        <a:scrgbClr r="0" g="0" b="0"/>
+      </a:lnRef>
+      <a:fillRef idx="1">
+        <a:scrgbClr r="0" g="0" b="0"/>
+      </a:fillRef>
+      <a:effectRef idx="0">
+        <a:scrgbClr r="0" g="0" b="0"/>
+      </a:effectRef>
+      <a:fontRef idx="minor"/>
+    </dgm:style>
+  </dgm:styleLbl>
+  <dgm:styleLbl name="fgAccFollowNode1">
+    <dgm:scene3d>
+      <a:camera prst="orthographicFront"/>
+      <a:lightRig rig="threePt" dir="t"/>
+    </dgm:scene3d>
+    <dgm:sp3d/>
+    <dgm:txPr/>
+    <dgm:style>
+      <a:lnRef idx="2">
+        <a:scrgbClr r="0" g="0" b="0"/>
+      </a:lnRef>
+      <a:fillRef idx="1">
+        <a:scrgbClr r="0" g="0" b="0"/>
+      </a:fillRef>
+      <a:effectRef idx="0">
+        <a:scrgbClr r="0" g="0" b="0"/>
+      </a:effectRef>
+      <a:fontRef idx="minor"/>
+    </dgm:style>
+  </dgm:styleLbl>
+  <dgm:styleLbl name="alignAccFollowNode1">
+    <dgm:scene3d>
+      <a:camera prst="orthographicFront"/>
+      <a:lightRig rig="threePt" dir="t"/>
+    </dgm:scene3d>
+    <dgm:sp3d/>
+    <dgm:txPr/>
+    <dgm:style>
+      <a:lnRef idx="2">
+        <a:scrgbClr r="0" g="0" b="0"/>
+      </a:lnRef>
+      <a:fillRef idx="1">
+        <a:scrgbClr r="0" g="0" b="0"/>
+      </a:fillRef>
+      <a:effectRef idx="0">
+        <a:scrgbClr r="0" g="0" b="0"/>
+      </a:effectRef>
+      <a:fontRef idx="minor"/>
+    </dgm:style>
+  </dgm:styleLbl>
+  <dgm:styleLbl name="bgAccFollowNode1">
+    <dgm:scene3d>
+      <a:camera prst="orthographicFront"/>
+      <a:lightRig rig="threePt" dir="t"/>
+    </dgm:scene3d>
+    <dgm:sp3d/>
+    <dgm:txPr/>
+    <dgm:style>
+      <a:lnRef idx="2">
+        <a:scrgbClr r="0" g="0" b="0"/>
+      </a:lnRef>
+      <a:fillRef idx="1">
+        <a:scrgbClr r="0" g="0" b="0"/>
+      </a:fillRef>
+      <a:effectRef idx="0">
+        <a:scrgbClr r="0" g="0" b="0"/>
+      </a:effectRef>
+      <a:fontRef idx="minor"/>
+    </dgm:style>
+  </dgm:styleLbl>
+  <dgm:styleLbl name="fgAcc0">
+    <dgm:scene3d>
+      <a:camera prst="orthographicFront"/>
+      <a:lightRig rig="threePt" dir="t"/>
+    </dgm:scene3d>
+    <dgm:sp3d/>
+    <dgm:txPr/>
+    <dgm:style>
+      <a:lnRef idx="2">
+        <a:scrgbClr r="0" g="0" b="0"/>
+      </a:lnRef>
+      <a:fillRef idx="1">
+        <a:scrgbClr r="0" g="0" b="0"/>
+      </a:fillRef>
+      <a:effectRef idx="0">
+        <a:scrgbClr r="0" g="0" b="0"/>
+      </a:effectRef>
+      <a:fontRef idx="minor"/>
+    </dgm:style>
+  </dgm:styleLbl>
+  <dgm:styleLbl name="fgAcc2">
+    <dgm:scene3d>
+      <a:camera prst="orthographicFront"/>
+      <a:lightRig rig="threePt" dir="t"/>
+    </dgm:scene3d>
+    <dgm:sp3d/>
+    <dgm:txPr/>
+    <dgm:style>
+      <a:lnRef idx="2">
+        <a:scrgbClr r="0" g="0" b="0"/>
+      </a:lnRef>
+      <a:fillRef idx="1">
+        <a:scrgbClr r="0" g="0" b="0"/>
+      </a:fillRef>
+      <a:effectRef idx="0">
+        <a:scrgbClr r="0" g="0" b="0"/>
+      </a:effectRef>
+      <a:fontRef idx="minor"/>
+    </dgm:style>
+  </dgm:styleLbl>
+  <dgm:styleLbl name="fgAcc3">
+    <dgm:scene3d>
+      <a:camera prst="orthographicFront"/>
+      <a:lightRig rig="threePt" dir="t"/>
+    </dgm:scene3d>
+    <dgm:sp3d/>
+    <dgm:txPr/>
+    <dgm:style>
+      <a:lnRef idx="2">
+        <a:scrgbClr r="0" g="0" b="0"/>
+      </a:lnRef>
+      <a:fillRef idx="1">
+        <a:scrgbClr r="0" g="0" b="0"/>
+      </a:fillRef>
+      <a:effectRef idx="0">
+        <a:scrgbClr r="0" g="0" b="0"/>
+      </a:effectRef>
+      <a:fontRef idx="minor"/>
+    </dgm:style>
+  </dgm:styleLbl>
+  <dgm:styleLbl name="fgAcc4">
+    <dgm:scene3d>
+      <a:camera prst="orthographicFront"/>
+      <a:lightRig rig="threePt" dir="t"/>
+    </dgm:scene3d>
+    <dgm:sp3d/>
+    <dgm:txPr/>
+    <dgm:style>
+      <a:lnRef idx="2">
+        <a:scrgbClr r="0" g="0" b="0"/>
+      </a:lnRef>
+      <a:fillRef idx="1">
+        <a:scrgbClr r="0" g="0" b="0"/>
+      </a:fillRef>
+      <a:effectRef idx="0">
+        <a:scrgbClr r="0" g="0" b="0"/>
+      </a:effectRef>
+      <a:fontRef idx="minor"/>
+    </dgm:style>
+  </dgm:styleLbl>
+  <dgm:styleLbl name="bgShp">
+    <dgm:scene3d>
+      <a:camera prst="orthographicFront"/>
+      <a:lightRig rig="threePt" dir="t"/>
+    </dgm:scene3d>
+    <dgm:sp3d/>
+    <dgm:txPr/>
+    <dgm:style>
+      <a:lnRef idx="0">
+        <a:scrgbClr r="0" g="0" b="0"/>
+      </a:lnRef>
+      <a:fillRef idx="1">
+        <a:scrgbClr r="0" g="0" b="0"/>
+      </a:fillRef>
+      <a:effectRef idx="0">
+        <a:scrgbClr r="0" g="0" b="0"/>
+      </a:effectRef>
+      <a:fontRef idx="minor"/>
+    </dgm:style>
+  </dgm:styleLbl>
+  <dgm:styleLbl name="dkBgShp">
+    <dgm:scene3d>
+      <a:camera prst="orthographicFront"/>
+      <a:lightRig rig="threePt" dir="t"/>
+    </dgm:scene3d>
+    <dgm:sp3d/>
+    <dgm:txPr/>
+    <dgm:style>
+      <a:lnRef idx="0">
+        <a:scrgbClr r="0" g="0" b="0"/>
+      </a:lnRef>
+      <a:fillRef idx="1">
+        <a:scrgbClr r="0" g="0" b="0"/>
+      </a:fillRef>
+      <a:effectRef idx="0">
+        <a:scrgbClr r="0" g="0" b="0"/>
+      </a:effectRef>
+      <a:fontRef idx="minor"/>
+    </dgm:style>
+  </dgm:styleLbl>
+  <dgm:styleLbl name="trBgShp">
+    <dgm:scene3d>
+      <a:camera prst="orthographicFront"/>
+      <a:lightRig rig="threePt" dir="t"/>
+    </dgm:scene3d>
+    <dgm:sp3d/>
+    <dgm:txPr/>
+    <dgm:style>
+      <a:lnRef idx="0">
+        <a:scrgbClr r="0" g="0" b="0"/>
+      </a:lnRef>
+      <a:fillRef idx="1">
+        <a:scrgbClr r="0" g="0" b="0"/>
+      </a:fillRef>
+      <a:effectRef idx="0">
+        <a:scrgbClr r="0" g="0" b="0"/>
+      </a:effectRef>
+      <a:fontRef idx="minor"/>
+    </dgm:style>
+  </dgm:styleLbl>
+  <dgm:styleLbl name="fgShp">
+    <dgm:scene3d>
+      <a:camera prst="orthographicFront"/>
+      <a:lightRig rig="threePt" dir="t"/>
+    </dgm:scene3d>
+    <dgm:sp3d/>
+    <dgm:txPr/>
+    <dgm:style>
+      <a:lnRef idx="2">
+        <a:scrgbClr r="0" g="0" b="0"/>
+      </a:lnRef>
+      <a:fillRef idx="1">
+        <a:scrgbClr r="0" g="0" b="0"/>
+      </a:fillRef>
+      <a:effectRef idx="0">
+        <a:scrgbClr r="0" g="0" b="0"/>
+      </a:effectRef>
+      <a:fontRef idx="minor"/>
+    </dgm:style>
+  </dgm:styleLbl>
+  <dgm:styleLbl name="revTx">
+    <dgm:scene3d>
+      <a:camera prst="orthographicFront"/>
+      <a:lightRig rig="threePt" dir="t"/>
+    </dgm:scene3d>
+    <dgm:sp3d/>
+    <dgm:txPr/>
+    <dgm:style>
+      <a:lnRef idx="0">
+        <a:scrgbClr r="0" g="0" b="0"/>
+      </a:lnRef>
+      <a:fillRef idx="0">
+        <a:scrgbClr r="0" g="0" b="0"/>
+      </a:fillRef>
+      <a:effectRef idx="0">
+        <a:scrgbClr r="0" g="0" b="0"/>
+      </a:effectRef>
+      <a:fontRef idx="minor"/>
+    </dgm:style>
+  </dgm:styleLbl>
+</dgm:styleDef>
 </file>
 
 <file path=ppt/slideLayouts/slideLayout1.xml><?xml version="1.0" encoding="utf-8"?>
@@ -276,7 +2906,7 @@
           <a:p>
             <a:fld id="{2C9C26E4-BF83-43F1-84B1-52493FE7E50A}" type="datetimeFigureOut">
               <a:rPr lang="en-US" smtClean="0"/>
-              <a:t>6/14/2018</a:t>
+              <a:t>6/20/18</a:t>
             </a:fld>
             <a:endParaRPr lang="en-US"/>
           </a:p>
@@ -552,7 +3182,7 @@
           <a:p>
             <a:fld id="{2C9C26E4-BF83-43F1-84B1-52493FE7E50A}" type="datetimeFigureOut">
               <a:rPr lang="en-US" smtClean="0"/>
-              <a:t>6/14/2018</a:t>
+              <a:t>6/20/18</a:t>
             </a:fld>
             <a:endParaRPr lang="en-US"/>
           </a:p>
@@ -838,7 +3468,7 @@
           <a:p>
             <a:fld id="{2C9C26E4-BF83-43F1-84B1-52493FE7E50A}" type="datetimeFigureOut">
               <a:rPr lang="en-US" smtClean="0"/>
-              <a:t>6/14/2018</a:t>
+              <a:t>6/20/18</a:t>
             </a:fld>
             <a:endParaRPr lang="en-US"/>
           </a:p>
@@ -1114,7 +3744,7 @@
           <a:p>
             <a:fld id="{2C9C26E4-BF83-43F1-84B1-52493FE7E50A}" type="datetimeFigureOut">
               <a:rPr lang="en-US" smtClean="0"/>
-              <a:t>6/14/2018</a:t>
+              <a:t>6/20/18</a:t>
             </a:fld>
             <a:endParaRPr lang="en-US"/>
           </a:p>
@@ -1434,7 +4064,7 @@
           <a:p>
             <a:fld id="{2C9C26E4-BF83-43F1-84B1-52493FE7E50A}" type="datetimeFigureOut">
               <a:rPr lang="en-US" smtClean="0"/>
-              <a:t>6/14/2018</a:t>
+              <a:t>6/20/18</a:t>
             </a:fld>
             <a:endParaRPr lang="en-US"/>
           </a:p>
@@ -1810,7 +4440,7 @@
           <a:p>
             <a:fld id="{2C9C26E4-BF83-43F1-84B1-52493FE7E50A}" type="datetimeFigureOut">
               <a:rPr lang="en-US" smtClean="0"/>
-              <a:t>6/14/2018</a:t>
+              <a:t>6/20/18</a:t>
             </a:fld>
             <a:endParaRPr lang="en-US"/>
           </a:p>
@@ -2333,7 +4963,7 @@
           <a:p>
             <a:fld id="{2C9C26E4-BF83-43F1-84B1-52493FE7E50A}" type="datetimeFigureOut">
               <a:rPr lang="en-US" smtClean="0"/>
-              <a:t>6/14/2018</a:t>
+              <a:t>6/20/18</a:t>
             </a:fld>
             <a:endParaRPr lang="en-US"/>
           </a:p>
@@ -2519,7 +5149,7 @@
           <a:p>
             <a:fld id="{2C9C26E4-BF83-43F1-84B1-52493FE7E50A}" type="datetimeFigureOut">
               <a:rPr lang="en-US" smtClean="0"/>
-              <a:t>6/14/2018</a:t>
+              <a:t>6/20/18</a:t>
             </a:fld>
             <a:endParaRPr lang="en-US"/>
           </a:p>
@@ -2676,7 +5306,7 @@
           <a:p>
             <a:fld id="{2C9C26E4-BF83-43F1-84B1-52493FE7E50A}" type="datetimeFigureOut">
               <a:rPr lang="en-US" smtClean="0"/>
-              <a:t>6/14/2018</a:t>
+              <a:t>6/20/18</a:t>
             </a:fld>
             <a:endParaRPr lang="en-US"/>
           </a:p>
@@ -3021,7 +5651,7 @@
           <a:p>
             <a:fld id="{2C9C26E4-BF83-43F1-84B1-52493FE7E50A}" type="datetimeFigureOut">
               <a:rPr lang="en-US" smtClean="0"/>
-              <a:t>6/14/2018</a:t>
+              <a:t>6/20/18</a:t>
             </a:fld>
             <a:endParaRPr lang="en-US"/>
           </a:p>
@@ -3358,7 +5988,7 @@
           <a:p>
             <a:fld id="{2C9C26E4-BF83-43F1-84B1-52493FE7E50A}" type="datetimeFigureOut">
               <a:rPr lang="en-US" smtClean="0"/>
-              <a:t>6/14/2018</a:t>
+              <a:t>6/20/18</a:t>
             </a:fld>
             <a:endParaRPr lang="en-US"/>
           </a:p>
@@ -3743,7 +6373,7 @@
           <a:p>
             <a:fld id="{2C9C26E4-BF83-43F1-84B1-52493FE7E50A}" type="datetimeFigureOut">
               <a:rPr lang="en-US" smtClean="0"/>
-              <a:t>6/14/2018</a:t>
+              <a:t>6/20/18</a:t>
             </a:fld>
             <a:endParaRPr lang="en-US"/>
           </a:p>
@@ -4407,15 +7037,28 @@
           <a:p>
             <a:r>
               <a:rPr lang="ja-JP" altLang="en-US" b="1" dirty="0"/>
-              <a:t>ＬＥＤを光らせ、それに対応したキーボードをタイミングよく入力するゲーム</a:t>
+              <a:t>ＬＥＤを光らせ、それに対応したキーボードをタイミングよく入力</a:t>
+            </a:r>
+            <a:r>
+              <a:rPr lang="ja-JP" altLang="en-US" b="1"/>
+              <a:t>するゲーム</a:t>
             </a:r>
             <a:endParaRPr lang="en-US" altLang="ja-JP" b="1" dirty="0"/>
           </a:p>
           <a:p>
-            <a:pPr marL="0" indent="0">
-              <a:buNone/>
-            </a:pPr>
-            <a:endParaRPr lang="en-US" b="1" dirty="0"/>
+            <a:pPr lvl="1"/>
+            <a:r>
+              <a:rPr lang="ja-JP" altLang="en-US" b="1"/>
+              <a:t>ゲームの流れは次ページ</a:t>
+            </a:r>
+            <a:endParaRPr lang="en-US" altLang="ja-JP" b="1" dirty="0"/>
+          </a:p>
+          <a:p>
+            <a:r>
+              <a:rPr lang="ja-JP" altLang="en-US" b="1"/>
+              <a:t>ＬＥＤの表示や得点の計算などをハードウェア、キーボード入力や得点の記録などをソフトウェアで行う</a:t>
+            </a:r>
+            <a:endParaRPr lang="en-US" altLang="ja-JP" b="1" dirty="0"/>
           </a:p>
           <a:p>
             <a:pPr marL="0" indent="0">
@@ -4429,6 +7072,665 @@
     <p:extLst>
       <p:ext uri="{BB962C8B-B14F-4D97-AF65-F5344CB8AC3E}">
         <p14:creationId xmlns:p14="http://schemas.microsoft.com/office/powerpoint/2010/main" val="1628411329"/>
+      </p:ext>
+    </p:extLst>
+  </p:cSld>
+  <p:clrMapOvr>
+    <a:masterClrMapping/>
+  </p:clrMapOvr>
+</p:sld>
+</file>
+
+<file path=ppt/slides/slide3.xml><?xml version="1.0" encoding="utf-8"?>
+<p:sld xmlns:a="http://schemas.openxmlformats.org/drawingml/2006/main" xmlns:r="http://schemas.openxmlformats.org/officeDocument/2006/relationships" xmlns:p="http://schemas.openxmlformats.org/presentationml/2006/main">
+  <p:cSld>
+    <p:spTree>
+      <p:nvGrpSpPr>
+        <p:cNvPr id="1" name=""/>
+        <p:cNvGrpSpPr/>
+        <p:nvPr/>
+      </p:nvGrpSpPr>
+      <p:grpSpPr>
+        <a:xfrm>
+          <a:off x="0" y="0"/>
+          <a:ext cx="0" cy="0"/>
+          <a:chOff x="0" y="0"/>
+          <a:chExt cx="0" cy="0"/>
+        </a:xfrm>
+      </p:grpSpPr>
+      <p:sp>
+        <p:nvSpPr>
+          <p:cNvPr id="2" name="タイトル 1">
+            <a:extLst>
+              <a:ext uri="{FF2B5EF4-FFF2-40B4-BE49-F238E27FC236}">
+                <a16:creationId xmlns:a16="http://schemas.microsoft.com/office/drawing/2014/main" id="{82972A6B-352A-844E-8227-FE564CD4946C}"/>
+              </a:ext>
+            </a:extLst>
+          </p:cNvPr>
+          <p:cNvSpPr>
+            <a:spLocks noGrp="1"/>
+          </p:cNvSpPr>
+          <p:nvPr>
+            <p:ph type="title"/>
+          </p:nvPr>
+        </p:nvSpPr>
+        <p:spPr/>
+        <p:txBody>
+          <a:bodyPr/>
+          <a:lstStyle/>
+          <a:p>
+            <a:r>
+              <a:rPr kumimoji="1" lang="ja-JP" altLang="en-US"/>
+              <a:t>ゲームの流れ</a:t>
+            </a:r>
+          </a:p>
+        </p:txBody>
+      </p:sp>
+      <p:graphicFrame>
+        <p:nvGraphicFramePr>
+          <p:cNvPr id="4" name="コンテンツ プレースホルダー 3">
+            <a:extLst>
+              <a:ext uri="{FF2B5EF4-FFF2-40B4-BE49-F238E27FC236}">
+                <a16:creationId xmlns:a16="http://schemas.microsoft.com/office/drawing/2014/main" id="{338D10FA-77A4-E04F-9678-D63A66316B71}"/>
+              </a:ext>
+            </a:extLst>
+          </p:cNvPr>
+          <p:cNvGraphicFramePr>
+            <a:graphicFrameLocks noGrp="1"/>
+          </p:cNvGraphicFramePr>
+          <p:nvPr>
+            <p:ph idx="1"/>
+            <p:extLst>
+              <p:ext uri="{D42A27DB-BD31-4B8C-83A1-F6EECF244321}">
+                <p14:modId xmlns:p14="http://schemas.microsoft.com/office/powerpoint/2010/main" val="96968774"/>
+              </p:ext>
+            </p:extLst>
+          </p:nvPr>
+        </p:nvGraphicFramePr>
+        <p:xfrm>
+          <a:off x="265113" y="1584960"/>
+          <a:ext cx="8621712" cy="2286000"/>
+        </p:xfrm>
+        <a:graphic>
+          <a:graphicData uri="http://schemas.openxmlformats.org/drawingml/2006/diagram">
+            <dgm:relIds xmlns:dgm="http://schemas.openxmlformats.org/drawingml/2006/diagram" xmlns:r="http://schemas.openxmlformats.org/officeDocument/2006/relationships" r:dm="rId2" r:lo="rId3" r:qs="rId4" r:cs="rId5"/>
+          </a:graphicData>
+        </a:graphic>
+      </p:graphicFrame>
+      <p:pic>
+        <p:nvPicPr>
+          <p:cNvPr id="6" name="図 5">
+            <a:extLst>
+              <a:ext uri="{FF2B5EF4-FFF2-40B4-BE49-F238E27FC236}">
+                <a16:creationId xmlns:a16="http://schemas.microsoft.com/office/drawing/2014/main" id="{1C433C38-2FBA-7A47-9A63-E691966BE295}"/>
+              </a:ext>
+            </a:extLst>
+          </p:cNvPr>
+          <p:cNvPicPr>
+            <a:picLocks noChangeAspect="1"/>
+          </p:cNvPicPr>
+          <p:nvPr/>
+        </p:nvPicPr>
+        <p:blipFill>
+          <a:blip r:embed="rId7">
+            <a:extLst>
+              <a:ext uri="{28A0092B-C50C-407E-A947-70E740481C1C}">
+                <a14:useLocalDpi xmlns:a14="http://schemas.microsoft.com/office/drawing/2010/main" val="0"/>
+              </a:ext>
+            </a:extLst>
+          </a:blip>
+          <a:stretch>
+            <a:fillRect/>
+          </a:stretch>
+        </p:blipFill>
+        <p:spPr>
+          <a:xfrm>
+            <a:off x="1722120" y="3711315"/>
+            <a:ext cx="1896091" cy="2685000"/>
+          </a:xfrm>
+          <a:prstGeom prst="rect">
+            <a:avLst/>
+          </a:prstGeom>
+        </p:spPr>
+      </p:pic>
+      <p:pic>
+        <p:nvPicPr>
+          <p:cNvPr id="8" name="図 7">
+            <a:extLst>
+              <a:ext uri="{FF2B5EF4-FFF2-40B4-BE49-F238E27FC236}">
+                <a16:creationId xmlns:a16="http://schemas.microsoft.com/office/drawing/2014/main" id="{7CF14AFE-5E6D-544E-BDC6-3768BC01577C}"/>
+              </a:ext>
+            </a:extLst>
+          </p:cNvPr>
+          <p:cNvPicPr>
+            <a:picLocks noChangeAspect="1"/>
+          </p:cNvPicPr>
+          <p:nvPr/>
+        </p:nvPicPr>
+        <p:blipFill>
+          <a:blip r:embed="rId8">
+            <a:extLst>
+              <a:ext uri="{28A0092B-C50C-407E-A947-70E740481C1C}">
+                <a14:useLocalDpi xmlns:a14="http://schemas.microsoft.com/office/drawing/2010/main" val="0"/>
+              </a:ext>
+            </a:extLst>
+          </a:blip>
+          <a:stretch>
+            <a:fillRect/>
+          </a:stretch>
+        </p:blipFill>
+        <p:spPr>
+          <a:xfrm>
+            <a:off x="4488180" y="4137192"/>
+            <a:ext cx="2990364" cy="2365710"/>
+          </a:xfrm>
+          <a:prstGeom prst="rect">
+            <a:avLst/>
+          </a:prstGeom>
+        </p:spPr>
+      </p:pic>
+      <p:pic>
+        <p:nvPicPr>
+          <p:cNvPr id="12" name="図 11">
+            <a:extLst>
+              <a:ext uri="{FF2B5EF4-FFF2-40B4-BE49-F238E27FC236}">
+                <a16:creationId xmlns:a16="http://schemas.microsoft.com/office/drawing/2014/main" id="{C7CAECF5-F6E6-C44A-AF6B-03578C20951F}"/>
+              </a:ext>
+            </a:extLst>
+          </p:cNvPr>
+          <p:cNvPicPr>
+            <a:picLocks noChangeAspect="1"/>
+          </p:cNvPicPr>
+          <p:nvPr/>
+        </p:nvPicPr>
+        <p:blipFill>
+          <a:blip r:embed="rId9">
+            <a:extLst>
+              <a:ext uri="{28A0092B-C50C-407E-A947-70E740481C1C}">
+                <a14:useLocalDpi xmlns:a14="http://schemas.microsoft.com/office/drawing/2010/main" val="0"/>
+              </a:ext>
+            </a:extLst>
+          </a:blip>
+          <a:stretch>
+            <a:fillRect/>
+          </a:stretch>
+        </p:blipFill>
+        <p:spPr>
+          <a:xfrm rot="2688200">
+            <a:off x="4217581" y="4413275"/>
+            <a:ext cx="1234142" cy="1600184"/>
+          </a:xfrm>
+          <a:prstGeom prst="rect">
+            <a:avLst/>
+          </a:prstGeom>
+        </p:spPr>
+      </p:pic>
+      <p:sp>
+        <p:nvSpPr>
+          <p:cNvPr id="13" name="テキスト ボックス 12">
+            <a:extLst>
+              <a:ext uri="{FF2B5EF4-FFF2-40B4-BE49-F238E27FC236}">
+                <a16:creationId xmlns:a16="http://schemas.microsoft.com/office/drawing/2014/main" id="{6DA2C554-3C81-4C46-9A9B-50B0AE768A44}"/>
+              </a:ext>
+            </a:extLst>
+          </p:cNvPr>
+          <p:cNvSpPr txBox="1"/>
+          <p:nvPr/>
+        </p:nvSpPr>
+        <p:spPr>
+          <a:xfrm>
+            <a:off x="264319" y="1234440"/>
+            <a:ext cx="8622506" cy="523220"/>
+          </a:xfrm>
+          <a:prstGeom prst="rect">
+            <a:avLst/>
+          </a:prstGeom>
+          <a:noFill/>
+        </p:spPr>
+        <p:txBody>
+          <a:bodyPr wrap="square" rtlCol="0">
+            <a:spAutoFit/>
+          </a:bodyPr>
+          <a:lstStyle/>
+          <a:p>
+            <a:r>
+              <a:rPr kumimoji="1" lang="ja-JP" altLang="en-US" sz="2800"/>
+              <a:t>次の動作を何回か繰り返す</a:t>
+            </a:r>
+          </a:p>
+        </p:txBody>
+      </p:sp>
+    </p:spTree>
+    <p:extLst>
+      <p:ext uri="{BB962C8B-B14F-4D97-AF65-F5344CB8AC3E}">
+        <p14:creationId xmlns:p14="http://schemas.microsoft.com/office/powerpoint/2010/main" val="1606152212"/>
+      </p:ext>
+    </p:extLst>
+  </p:cSld>
+  <p:clrMapOvr>
+    <a:masterClrMapping/>
+  </p:clrMapOvr>
+</p:sld>
+</file>
+
+<file path=ppt/slides/slide4.xml><?xml version="1.0" encoding="utf-8"?>
+<p:sld xmlns:a="http://schemas.openxmlformats.org/drawingml/2006/main" xmlns:r="http://schemas.openxmlformats.org/officeDocument/2006/relationships" xmlns:p="http://schemas.openxmlformats.org/presentationml/2006/main">
+  <p:cSld>
+    <p:spTree>
+      <p:nvGrpSpPr>
+        <p:cNvPr id="1" name=""/>
+        <p:cNvGrpSpPr/>
+        <p:nvPr/>
+      </p:nvGrpSpPr>
+      <p:grpSpPr>
+        <a:xfrm>
+          <a:off x="0" y="0"/>
+          <a:ext cx="0" cy="0"/>
+          <a:chOff x="0" y="0"/>
+          <a:chExt cx="0" cy="0"/>
+        </a:xfrm>
+      </p:grpSpPr>
+      <p:sp>
+        <p:nvSpPr>
+          <p:cNvPr id="2" name="タイトル 1">
+            <a:extLst>
+              <a:ext uri="{FF2B5EF4-FFF2-40B4-BE49-F238E27FC236}">
+                <a16:creationId xmlns:a16="http://schemas.microsoft.com/office/drawing/2014/main" id="{11965981-4174-6E49-B49D-6F6FBC3DEA16}"/>
+              </a:ext>
+            </a:extLst>
+          </p:cNvPr>
+          <p:cNvSpPr>
+            <a:spLocks noGrp="1"/>
+          </p:cNvSpPr>
+          <p:nvPr>
+            <p:ph type="title"/>
+          </p:nvPr>
+        </p:nvSpPr>
+        <p:spPr/>
+        <p:txBody>
+          <a:bodyPr/>
+          <a:lstStyle/>
+          <a:p>
+            <a:r>
+              <a:rPr kumimoji="1" lang="ja-JP" altLang="en-US"/>
+              <a:t>担当分けと作業内容</a:t>
+            </a:r>
+          </a:p>
+        </p:txBody>
+      </p:sp>
+      <p:sp>
+        <p:nvSpPr>
+          <p:cNvPr id="3" name="コンテンツ プレースホルダー 2">
+            <a:extLst>
+              <a:ext uri="{FF2B5EF4-FFF2-40B4-BE49-F238E27FC236}">
+                <a16:creationId xmlns:a16="http://schemas.microsoft.com/office/drawing/2014/main" id="{571522FE-FF4B-D242-9937-386BF9FED614}"/>
+              </a:ext>
+            </a:extLst>
+          </p:cNvPr>
+          <p:cNvSpPr>
+            <a:spLocks noGrp="1"/>
+          </p:cNvSpPr>
+          <p:nvPr>
+            <p:ph idx="1"/>
+          </p:nvPr>
+        </p:nvSpPr>
+        <p:spPr/>
+        <p:txBody>
+          <a:bodyPr>
+            <a:normAutofit/>
+          </a:bodyPr>
+          <a:lstStyle/>
+          <a:p>
+            <a:r>
+              <a:rPr kumimoji="1" lang="ja-JP" altLang="en-US" sz="3200"/>
+              <a:t>ソフトウェア部分</a:t>
+            </a:r>
+            <a:r>
+              <a:rPr kumimoji="1" lang="en-US" altLang="ja-JP" sz="3200" dirty="0"/>
+              <a:t>: </a:t>
+            </a:r>
+            <a:r>
+              <a:rPr kumimoji="1" lang="ja-JP" altLang="en-US" sz="3200"/>
+              <a:t>岩田</a:t>
+            </a:r>
+            <a:endParaRPr kumimoji="1" lang="en-US" altLang="ja-JP" sz="3200" dirty="0"/>
+          </a:p>
+          <a:p>
+            <a:pPr marL="407988" lvl="1" indent="-287338"/>
+            <a:r>
+              <a:rPr kumimoji="1" lang="en-US" altLang="ja-JP" sz="2800" dirty="0"/>
+              <a:t>C</a:t>
+            </a:r>
+            <a:r>
+              <a:rPr kumimoji="1" lang="ja-JP" altLang="en-US" sz="2800"/>
+              <a:t>言語を使用</a:t>
+            </a:r>
+            <a:endParaRPr kumimoji="1" lang="en-US" altLang="ja-JP" sz="2800" dirty="0"/>
+          </a:p>
+          <a:p>
+            <a:pPr marL="407988" lvl="1" indent="-287338"/>
+            <a:r>
+              <a:rPr kumimoji="1" lang="en-US" altLang="ja-JP" sz="2800" dirty="0"/>
+              <a:t>LED</a:t>
+            </a:r>
+            <a:r>
+              <a:rPr kumimoji="1" lang="ja-JP" altLang="en-US" sz="2800"/>
+              <a:t>の光るパターンを用意し、あらかじめ送信する</a:t>
+            </a:r>
+            <a:endParaRPr kumimoji="1" lang="en-US" altLang="ja-JP" sz="2800" dirty="0"/>
+          </a:p>
+          <a:p>
+            <a:pPr marL="407988" lvl="1" indent="-287338"/>
+            <a:r>
+              <a:rPr kumimoji="1" lang="ja-JP" altLang="en-US" sz="2800"/>
+              <a:t>キーボードの入力イベントを検知したらその入力を</a:t>
+            </a:r>
+            <a:r>
+              <a:rPr kumimoji="1" lang="en-US" altLang="ja-JP" sz="2800" dirty="0"/>
+              <a:t>0,1</a:t>
+            </a:r>
+            <a:r>
+              <a:rPr kumimoji="1" lang="ja-JP" altLang="en-US" sz="2800"/>
+              <a:t>のデータに変換してハード側のメモリに書き込む</a:t>
+            </a:r>
+            <a:endParaRPr kumimoji="1" lang="en-US" altLang="ja-JP" sz="2800" dirty="0"/>
+          </a:p>
+          <a:p>
+            <a:pPr marL="407988" lvl="1" indent="-287338"/>
+            <a:r>
+              <a:rPr kumimoji="1" lang="ja-JP" altLang="en-US" sz="2800"/>
+              <a:t>回路から出力されるメモリから計算された得点を取得し記録</a:t>
+            </a:r>
+            <a:endParaRPr kumimoji="1" lang="en-US" altLang="ja-JP" sz="2800" dirty="0"/>
+          </a:p>
+        </p:txBody>
+      </p:sp>
+    </p:spTree>
+    <p:extLst>
+      <p:ext uri="{BB962C8B-B14F-4D97-AF65-F5344CB8AC3E}">
+        <p14:creationId xmlns:p14="http://schemas.microsoft.com/office/powerpoint/2010/main" val="3915619637"/>
+      </p:ext>
+    </p:extLst>
+  </p:cSld>
+  <p:clrMapOvr>
+    <a:masterClrMapping/>
+  </p:clrMapOvr>
+</p:sld>
+</file>
+
+<file path=ppt/slides/slide5.xml><?xml version="1.0" encoding="utf-8"?>
+<p:sld xmlns:a="http://schemas.openxmlformats.org/drawingml/2006/main" xmlns:r="http://schemas.openxmlformats.org/officeDocument/2006/relationships" xmlns:p="http://schemas.openxmlformats.org/presentationml/2006/main">
+  <p:cSld>
+    <p:spTree>
+      <p:nvGrpSpPr>
+        <p:cNvPr id="1" name=""/>
+        <p:cNvGrpSpPr/>
+        <p:nvPr/>
+      </p:nvGrpSpPr>
+      <p:grpSpPr>
+        <a:xfrm>
+          <a:off x="0" y="0"/>
+          <a:ext cx="0" cy="0"/>
+          <a:chOff x="0" y="0"/>
+          <a:chExt cx="0" cy="0"/>
+        </a:xfrm>
+      </p:grpSpPr>
+      <p:sp>
+        <p:nvSpPr>
+          <p:cNvPr id="2" name="タイトル 1">
+            <a:extLst>
+              <a:ext uri="{FF2B5EF4-FFF2-40B4-BE49-F238E27FC236}">
+                <a16:creationId xmlns:a16="http://schemas.microsoft.com/office/drawing/2014/main" id="{6FB1F89F-0C12-994B-8C2B-CC16B85CD758}"/>
+              </a:ext>
+            </a:extLst>
+          </p:cNvPr>
+          <p:cNvSpPr>
+            <a:spLocks noGrp="1"/>
+          </p:cNvSpPr>
+          <p:nvPr>
+            <p:ph type="title"/>
+          </p:nvPr>
+        </p:nvSpPr>
+        <p:spPr/>
+        <p:txBody>
+          <a:bodyPr/>
+          <a:lstStyle/>
+          <a:p>
+            <a:r>
+              <a:rPr kumimoji="1" lang="ja-JP" altLang="en-US"/>
+              <a:t>担当分けと作業内容</a:t>
+            </a:r>
+          </a:p>
+        </p:txBody>
+      </p:sp>
+      <p:sp>
+        <p:nvSpPr>
+          <p:cNvPr id="3" name="コンテンツ プレースホルダー 2">
+            <a:extLst>
+              <a:ext uri="{FF2B5EF4-FFF2-40B4-BE49-F238E27FC236}">
+                <a16:creationId xmlns:a16="http://schemas.microsoft.com/office/drawing/2014/main" id="{EE9830B3-A4A6-4444-9899-82875DABF170}"/>
+              </a:ext>
+            </a:extLst>
+          </p:cNvPr>
+          <p:cNvSpPr>
+            <a:spLocks noGrp="1"/>
+          </p:cNvSpPr>
+          <p:nvPr>
+            <p:ph idx="1"/>
+          </p:nvPr>
+        </p:nvSpPr>
+        <p:spPr/>
+        <p:txBody>
+          <a:bodyPr>
+            <a:normAutofit/>
+          </a:bodyPr>
+          <a:lstStyle/>
+          <a:p>
+            <a:r>
+              <a:rPr kumimoji="1" lang="ja-JP" altLang="en-US" sz="3200"/>
+              <a:t>ハードウェア部分</a:t>
+            </a:r>
+            <a:r>
+              <a:rPr kumimoji="1" lang="en-US" altLang="ja-JP" sz="3200" dirty="0"/>
+              <a:t>: </a:t>
+            </a:r>
+            <a:r>
+              <a:rPr kumimoji="1" lang="ja-JP" altLang="en-US" sz="3200"/>
+              <a:t>佐藤</a:t>
+            </a:r>
+          </a:p>
+        </p:txBody>
+      </p:sp>
+    </p:spTree>
+    <p:extLst>
+      <p:ext uri="{BB962C8B-B14F-4D97-AF65-F5344CB8AC3E}">
+        <p14:creationId xmlns:p14="http://schemas.microsoft.com/office/powerpoint/2010/main" val="1379826678"/>
+      </p:ext>
+    </p:extLst>
+  </p:cSld>
+  <p:clrMapOvr>
+    <a:masterClrMapping/>
+  </p:clrMapOvr>
+</p:sld>
+</file>
+
+<file path=ppt/slides/slide6.xml><?xml version="1.0" encoding="utf-8"?>
+<p:sld xmlns:a="http://schemas.openxmlformats.org/drawingml/2006/main" xmlns:r="http://schemas.openxmlformats.org/officeDocument/2006/relationships" xmlns:p="http://schemas.openxmlformats.org/presentationml/2006/main">
+  <p:cSld>
+    <p:spTree>
+      <p:nvGrpSpPr>
+        <p:cNvPr id="1" name=""/>
+        <p:cNvGrpSpPr/>
+        <p:nvPr/>
+      </p:nvGrpSpPr>
+      <p:grpSpPr>
+        <a:xfrm>
+          <a:off x="0" y="0"/>
+          <a:ext cx="0" cy="0"/>
+          <a:chOff x="0" y="0"/>
+          <a:chExt cx="0" cy="0"/>
+        </a:xfrm>
+      </p:grpSpPr>
+      <p:sp>
+        <p:nvSpPr>
+          <p:cNvPr id="2" name="タイトル 1">
+            <a:extLst>
+              <a:ext uri="{FF2B5EF4-FFF2-40B4-BE49-F238E27FC236}">
+                <a16:creationId xmlns:a16="http://schemas.microsoft.com/office/drawing/2014/main" id="{A3F7EC29-C130-804F-AFB9-F13AA0D7C0A5}"/>
+              </a:ext>
+            </a:extLst>
+          </p:cNvPr>
+          <p:cNvSpPr>
+            <a:spLocks noGrp="1"/>
+          </p:cNvSpPr>
+          <p:nvPr>
+            <p:ph type="title"/>
+          </p:nvPr>
+        </p:nvSpPr>
+        <p:spPr/>
+        <p:txBody>
+          <a:bodyPr/>
+          <a:lstStyle/>
+          <a:p>
+            <a:r>
+              <a:rPr kumimoji="1" lang="ja-JP" altLang="en-US"/>
+              <a:t>スケジュール</a:t>
+            </a:r>
+          </a:p>
+        </p:txBody>
+      </p:sp>
+      <p:sp>
+        <p:nvSpPr>
+          <p:cNvPr id="3" name="コンテンツ プレースホルダー 2">
+            <a:extLst>
+              <a:ext uri="{FF2B5EF4-FFF2-40B4-BE49-F238E27FC236}">
+                <a16:creationId xmlns:a16="http://schemas.microsoft.com/office/drawing/2014/main" id="{7141272B-FB29-8944-AC7F-8E30CC806BC4}"/>
+              </a:ext>
+            </a:extLst>
+          </p:cNvPr>
+          <p:cNvSpPr>
+            <a:spLocks noGrp="1"/>
+          </p:cNvSpPr>
+          <p:nvPr>
+            <p:ph idx="1"/>
+          </p:nvPr>
+        </p:nvSpPr>
+        <p:spPr/>
+        <p:txBody>
+          <a:bodyPr>
+            <a:normAutofit/>
+          </a:bodyPr>
+          <a:lstStyle/>
+          <a:p>
+            <a:r>
+              <a:rPr kumimoji="1" lang="ja-JP" altLang="en-US" sz="3200"/>
+              <a:t>ハード</a:t>
+            </a:r>
+            <a:r>
+              <a:rPr kumimoji="1" lang="en-US" altLang="ja-JP" sz="3200" dirty="0"/>
+              <a:t>/</a:t>
+            </a:r>
+            <a:r>
+              <a:rPr kumimoji="1" lang="ja-JP" altLang="en-US" sz="3200"/>
+              <a:t>ソフトともに同じ</a:t>
+            </a:r>
+            <a:endParaRPr kumimoji="1" lang="en-US" altLang="ja-JP" sz="3200" dirty="0"/>
+          </a:p>
+          <a:p>
+            <a:pPr marL="514350" indent="-514350">
+              <a:buClr>
+                <a:schemeClr val="tx1"/>
+              </a:buClr>
+              <a:buFont typeface="+mj-lt"/>
+              <a:buAutoNum type="arabicPeriod" startAt="11"/>
+            </a:pPr>
+            <a:r>
+              <a:rPr kumimoji="1" lang="ja-JP" altLang="en-US" sz="3200"/>
+              <a:t>実装・単体テスト</a:t>
+            </a:r>
+            <a:endParaRPr kumimoji="1" lang="en-US" altLang="ja-JP" sz="3200" dirty="0"/>
+          </a:p>
+          <a:p>
+            <a:pPr marL="514350" indent="-514350">
+              <a:buClr>
+                <a:schemeClr val="tx1"/>
+              </a:buClr>
+              <a:buFont typeface="+mj-lt"/>
+              <a:buAutoNum type="arabicPeriod" startAt="11"/>
+            </a:pPr>
+            <a:r>
+              <a:rPr kumimoji="1" lang="ja-JP" altLang="en-US" sz="3200"/>
+              <a:t>統合テスト</a:t>
+            </a:r>
+            <a:r>
+              <a:rPr kumimoji="1" lang="en-US" altLang="ja-JP" sz="3200" dirty="0"/>
+              <a:t>, </a:t>
+            </a:r>
+            <a:r>
+              <a:rPr kumimoji="1" lang="ja-JP" altLang="en-US" sz="3200"/>
+              <a:t>修正・改良</a:t>
+            </a:r>
+            <a:endParaRPr kumimoji="1" lang="en-US" altLang="ja-JP" sz="3200" dirty="0"/>
+          </a:p>
+          <a:p>
+            <a:pPr marL="514350" indent="-514350">
+              <a:buClr>
+                <a:schemeClr val="tx1"/>
+              </a:buClr>
+              <a:buFont typeface="+mj-lt"/>
+              <a:buAutoNum type="arabicPeriod" startAt="11"/>
+            </a:pPr>
+            <a:r>
+              <a:rPr kumimoji="1" lang="ja-JP" altLang="en-US" sz="3200"/>
+              <a:t>統合テスト</a:t>
+            </a:r>
+            <a:r>
+              <a:rPr kumimoji="1" lang="en-US" altLang="ja-JP" sz="3200" dirty="0"/>
+              <a:t>, </a:t>
+            </a:r>
+            <a:r>
+              <a:rPr kumimoji="1" lang="ja-JP" altLang="en-US" sz="3200"/>
+              <a:t>修正・改良</a:t>
+            </a:r>
+            <a:endParaRPr kumimoji="1" lang="en-US" altLang="ja-JP" sz="3200" dirty="0"/>
+          </a:p>
+          <a:p>
+            <a:pPr marL="514350" indent="-514350">
+              <a:buClr>
+                <a:schemeClr val="tx1"/>
+              </a:buClr>
+              <a:buFont typeface="+mj-lt"/>
+              <a:buAutoNum type="arabicPeriod" startAt="11"/>
+            </a:pPr>
+            <a:endParaRPr kumimoji="1" lang="en-US" altLang="ja-JP" sz="3200" dirty="0"/>
+          </a:p>
+          <a:p>
+            <a:pPr marL="0" indent="0">
+              <a:buClr>
+                <a:schemeClr val="tx1"/>
+              </a:buClr>
+              <a:buNone/>
+            </a:pPr>
+            <a:r>
+              <a:rPr kumimoji="1" lang="ja-JP" altLang="en-US" sz="3200"/>
+              <a:t>実装を早めに終わらせて、苦戦しそうな統合テストと修正に</a:t>
+            </a:r>
+            <a:r>
+              <a:rPr kumimoji="1" lang="en-US" altLang="ja-JP" sz="3200" dirty="0"/>
+              <a:t>2</a:t>
+            </a:r>
+            <a:r>
+              <a:rPr kumimoji="1" lang="ja-JP" altLang="en-US" sz="3200"/>
+              <a:t>回分の時間を割く</a:t>
+            </a:r>
+            <a:endParaRPr kumimoji="1" lang="en-US" altLang="ja-JP" sz="3200" dirty="0"/>
+          </a:p>
+        </p:txBody>
+      </p:sp>
+    </p:spTree>
+    <p:extLst>
+      <p:ext uri="{BB962C8B-B14F-4D97-AF65-F5344CB8AC3E}">
+        <p14:creationId xmlns:p14="http://schemas.microsoft.com/office/powerpoint/2010/main" val="3557428416"/>
       </p:ext>
     </p:extLst>
   </p:cSld>

--- a/presentation/IoT_project_presentation.pptx
+++ b/presentation/IoT_project_presentation.pptx
@@ -7,10 +7,10 @@
   <p:sldIdLst>
     <p:sldId id="256" r:id="rId2"/>
     <p:sldId id="257" r:id="rId3"/>
-    <p:sldId id="258" r:id="rId4"/>
-    <p:sldId id="259" r:id="rId5"/>
+    <p:sldId id="259" r:id="rId4"/>
+    <p:sldId id="260" r:id="rId5"/>
     <p:sldId id="261" r:id="rId6"/>
-    <p:sldId id="260" r:id="rId7"/>
+    <p:sldId id="262" r:id="rId7"/>
   </p:sldIdLst>
   <p:sldSz cx="9144000" cy="6858000" type="screen4x3"/>
   <p:notesSz cx="6858000" cy="9144000"/>
@@ -117,2634 +117,8 @@
 </p:presentation>
 </file>
 
-<file path=ppt/diagrams/colors1.xml><?xml version="1.0" encoding="utf-8"?>
-<dgm:colorsDef xmlns:dgm="http://schemas.openxmlformats.org/drawingml/2006/diagram" xmlns:a="http://schemas.openxmlformats.org/drawingml/2006/main" uniqueId="urn:microsoft.com/office/officeart/2005/8/colors/accent1_2">
-  <dgm:title val=""/>
-  <dgm:desc val=""/>
-  <dgm:catLst>
-    <dgm:cat type="accent1" pri="11200"/>
-  </dgm:catLst>
-  <dgm:styleLbl name="node0">
-    <dgm:fillClrLst meth="repeat">
-      <a:schemeClr val="accent1"/>
-    </dgm:fillClrLst>
-    <dgm:linClrLst meth="repeat">
-      <a:schemeClr val="lt1"/>
-    </dgm:linClrLst>
-    <dgm:effectClrLst/>
-    <dgm:txLinClrLst/>
-    <dgm:txFillClrLst/>
-    <dgm:txEffectClrLst/>
-  </dgm:styleLbl>
-  <dgm:styleLbl name="alignNode1">
-    <dgm:fillClrLst meth="repeat">
-      <a:schemeClr val="accent1"/>
-    </dgm:fillClrLst>
-    <dgm:linClrLst meth="repeat">
-      <a:schemeClr val="accent1"/>
-    </dgm:linClrLst>
-    <dgm:effectClrLst/>
-    <dgm:txLinClrLst/>
-    <dgm:txFillClrLst/>
-    <dgm:txEffectClrLst/>
-  </dgm:styleLbl>
-  <dgm:styleLbl name="node1">
-    <dgm:fillClrLst meth="repeat">
-      <a:schemeClr val="accent1"/>
-    </dgm:fillClrLst>
-    <dgm:linClrLst meth="repeat">
-      <a:schemeClr val="lt1"/>
-    </dgm:linClrLst>
-    <dgm:effectClrLst/>
-    <dgm:txLinClrLst/>
-    <dgm:txFillClrLst/>
-    <dgm:txEffectClrLst/>
-  </dgm:styleLbl>
-  <dgm:styleLbl name="lnNode1">
-    <dgm:fillClrLst meth="repeat">
-      <a:schemeClr val="accent1"/>
-    </dgm:fillClrLst>
-    <dgm:linClrLst meth="repeat">
-      <a:schemeClr val="lt1"/>
-    </dgm:linClrLst>
-    <dgm:effectClrLst/>
-    <dgm:txLinClrLst/>
-    <dgm:txFillClrLst/>
-    <dgm:txEffectClrLst/>
-  </dgm:styleLbl>
-  <dgm:styleLbl name="vennNode1">
-    <dgm:fillClrLst meth="repeat">
-      <a:schemeClr val="accent1">
-        <a:alpha val="50000"/>
-      </a:schemeClr>
-    </dgm:fillClrLst>
-    <dgm:linClrLst meth="repeat">
-      <a:schemeClr val="lt1"/>
-    </dgm:linClrLst>
-    <dgm:effectClrLst/>
-    <dgm:txLinClrLst/>
-    <dgm:txFillClrLst/>
-    <dgm:txEffectClrLst/>
-  </dgm:styleLbl>
-  <dgm:styleLbl name="node2">
-    <dgm:fillClrLst meth="repeat">
-      <a:schemeClr val="accent1"/>
-    </dgm:fillClrLst>
-    <dgm:linClrLst meth="repeat">
-      <a:schemeClr val="lt1"/>
-    </dgm:linClrLst>
-    <dgm:effectClrLst/>
-    <dgm:txLinClrLst/>
-    <dgm:txFillClrLst/>
-    <dgm:txEffectClrLst/>
-  </dgm:styleLbl>
-  <dgm:styleLbl name="node3">
-    <dgm:fillClrLst meth="repeat">
-      <a:schemeClr val="accent1"/>
-    </dgm:fillClrLst>
-    <dgm:linClrLst meth="repeat">
-      <a:schemeClr val="lt1"/>
-    </dgm:linClrLst>
-    <dgm:effectClrLst/>
-    <dgm:txLinClrLst/>
-    <dgm:txFillClrLst/>
-    <dgm:txEffectClrLst/>
-  </dgm:styleLbl>
-  <dgm:styleLbl name="node4">
-    <dgm:fillClrLst meth="repeat">
-      <a:schemeClr val="accent1"/>
-    </dgm:fillClrLst>
-    <dgm:linClrLst meth="repeat">
-      <a:schemeClr val="lt1"/>
-    </dgm:linClrLst>
-    <dgm:effectClrLst/>
-    <dgm:txLinClrLst/>
-    <dgm:txFillClrLst/>
-    <dgm:txEffectClrLst/>
-  </dgm:styleLbl>
-  <dgm:styleLbl name="fgImgPlace1">
-    <dgm:fillClrLst meth="repeat">
-      <a:schemeClr val="accent1">
-        <a:tint val="50000"/>
-      </a:schemeClr>
-    </dgm:fillClrLst>
-    <dgm:linClrLst meth="repeat">
-      <a:schemeClr val="lt1"/>
-    </dgm:linClrLst>
-    <dgm:effectClrLst/>
-    <dgm:txLinClrLst/>
-    <dgm:txFillClrLst meth="repeat">
-      <a:schemeClr val="lt1"/>
-    </dgm:txFillClrLst>
-    <dgm:txEffectClrLst/>
-  </dgm:styleLbl>
-  <dgm:styleLbl name="alignImgPlace1">
-    <dgm:fillClrLst meth="repeat">
-      <a:schemeClr val="accent1">
-        <a:tint val="50000"/>
-      </a:schemeClr>
-    </dgm:fillClrLst>
-    <dgm:linClrLst meth="repeat">
-      <a:schemeClr val="lt1"/>
-    </dgm:linClrLst>
-    <dgm:effectClrLst/>
-    <dgm:txLinClrLst/>
-    <dgm:txFillClrLst meth="repeat">
-      <a:schemeClr val="lt1"/>
-    </dgm:txFillClrLst>
-    <dgm:txEffectClrLst/>
-  </dgm:styleLbl>
-  <dgm:styleLbl name="bgImgPlace1">
-    <dgm:fillClrLst meth="repeat">
-      <a:schemeClr val="accent1">
-        <a:tint val="50000"/>
-      </a:schemeClr>
-    </dgm:fillClrLst>
-    <dgm:linClrLst meth="repeat">
-      <a:schemeClr val="lt1"/>
-    </dgm:linClrLst>
-    <dgm:effectClrLst/>
-    <dgm:txLinClrLst/>
-    <dgm:txFillClrLst meth="repeat">
-      <a:schemeClr val="lt1"/>
-    </dgm:txFillClrLst>
-    <dgm:txEffectClrLst/>
-  </dgm:styleLbl>
-  <dgm:styleLbl name="sibTrans2D1">
-    <dgm:fillClrLst meth="repeat">
-      <a:schemeClr val="accent1">
-        <a:tint val="60000"/>
-      </a:schemeClr>
-    </dgm:fillClrLst>
-    <dgm:linClrLst meth="repeat">
-      <a:schemeClr val="accent1">
-        <a:tint val="60000"/>
-      </a:schemeClr>
-    </dgm:linClrLst>
-    <dgm:effectClrLst/>
-    <dgm:txLinClrLst/>
-    <dgm:txFillClrLst/>
-    <dgm:txEffectClrLst/>
-  </dgm:styleLbl>
-  <dgm:styleLbl name="fgSibTrans2D1">
-    <dgm:fillClrLst meth="repeat">
-      <a:schemeClr val="accent1">
-        <a:tint val="60000"/>
-      </a:schemeClr>
-    </dgm:fillClrLst>
-    <dgm:linClrLst meth="repeat">
-      <a:schemeClr val="accent1">
-        <a:tint val="60000"/>
-      </a:schemeClr>
-    </dgm:linClrLst>
-    <dgm:effectClrLst/>
-    <dgm:txLinClrLst/>
-    <dgm:txFillClrLst/>
-    <dgm:txEffectClrLst/>
-  </dgm:styleLbl>
-  <dgm:styleLbl name="bgSibTrans2D1">
-    <dgm:fillClrLst meth="repeat">
-      <a:schemeClr val="accent1">
-        <a:tint val="60000"/>
-      </a:schemeClr>
-    </dgm:fillClrLst>
-    <dgm:linClrLst meth="repeat">
-      <a:schemeClr val="accent1">
-        <a:tint val="60000"/>
-      </a:schemeClr>
-    </dgm:linClrLst>
-    <dgm:effectClrLst/>
-    <dgm:txLinClrLst/>
-    <dgm:txFillClrLst/>
-    <dgm:txEffectClrLst/>
-  </dgm:styleLbl>
-  <dgm:styleLbl name="sibTrans1D1">
-    <dgm:fillClrLst meth="repeat">
-      <a:schemeClr val="accent1"/>
-    </dgm:fillClrLst>
-    <dgm:linClrLst meth="repeat">
-      <a:schemeClr val="accent1"/>
-    </dgm:linClrLst>
-    <dgm:effectClrLst/>
-    <dgm:txLinClrLst/>
-    <dgm:txFillClrLst meth="repeat">
-      <a:schemeClr val="tx1"/>
-    </dgm:txFillClrLst>
-    <dgm:txEffectClrLst/>
-  </dgm:styleLbl>
-  <dgm:styleLbl name="callout">
-    <dgm:fillClrLst meth="repeat">
-      <a:schemeClr val="accent1"/>
-    </dgm:fillClrLst>
-    <dgm:linClrLst meth="repeat">
-      <a:schemeClr val="accent1">
-        <a:tint val="50000"/>
-      </a:schemeClr>
-    </dgm:linClrLst>
-    <dgm:effectClrLst/>
-    <dgm:txLinClrLst/>
-    <dgm:txFillClrLst meth="repeat">
-      <a:schemeClr val="tx1"/>
-    </dgm:txFillClrLst>
-    <dgm:txEffectClrLst/>
-  </dgm:styleLbl>
-  <dgm:styleLbl name="asst0">
-    <dgm:fillClrLst meth="repeat">
-      <a:schemeClr val="accent1"/>
-    </dgm:fillClrLst>
-    <dgm:linClrLst meth="repeat">
-      <a:schemeClr val="lt1"/>
-    </dgm:linClrLst>
-    <dgm:effectClrLst/>
-    <dgm:txLinClrLst/>
-    <dgm:txFillClrLst/>
-    <dgm:txEffectClrLst/>
-  </dgm:styleLbl>
-  <dgm:styleLbl name="asst1">
-    <dgm:fillClrLst meth="repeat">
-      <a:schemeClr val="accent1"/>
-    </dgm:fillClrLst>
-    <dgm:linClrLst meth="repeat">
-      <a:schemeClr val="lt1"/>
-    </dgm:linClrLst>
-    <dgm:effectClrLst/>
-    <dgm:txLinClrLst/>
-    <dgm:txFillClrLst/>
-    <dgm:txEffectClrLst/>
-  </dgm:styleLbl>
-  <dgm:styleLbl name="asst2">
-    <dgm:fillClrLst meth="repeat">
-      <a:schemeClr val="accent1"/>
-    </dgm:fillClrLst>
-    <dgm:linClrLst meth="repeat">
-      <a:schemeClr val="lt1"/>
-    </dgm:linClrLst>
-    <dgm:effectClrLst/>
-    <dgm:txLinClrLst/>
-    <dgm:txFillClrLst/>
-    <dgm:txEffectClrLst/>
-  </dgm:styleLbl>
-  <dgm:styleLbl name="asst3">
-    <dgm:fillClrLst meth="repeat">
-      <a:schemeClr val="accent1"/>
-    </dgm:fillClrLst>
-    <dgm:linClrLst meth="repeat">
-      <a:schemeClr val="lt1"/>
-    </dgm:linClrLst>
-    <dgm:effectClrLst/>
-    <dgm:txLinClrLst/>
-    <dgm:txFillClrLst/>
-    <dgm:txEffectClrLst/>
-  </dgm:styleLbl>
-  <dgm:styleLbl name="asst4">
-    <dgm:fillClrLst meth="repeat">
-      <a:schemeClr val="accent1"/>
-    </dgm:fillClrLst>
-    <dgm:linClrLst meth="repeat">
-      <a:schemeClr val="lt1"/>
-    </dgm:linClrLst>
-    <dgm:effectClrLst/>
-    <dgm:txLinClrLst/>
-    <dgm:txFillClrLst/>
-    <dgm:txEffectClrLst/>
-  </dgm:styleLbl>
-  <dgm:styleLbl name="parChTrans2D1">
-    <dgm:fillClrLst meth="repeat">
-      <a:schemeClr val="accent1">
-        <a:tint val="60000"/>
-      </a:schemeClr>
-    </dgm:fillClrLst>
-    <dgm:linClrLst meth="repeat">
-      <a:schemeClr val="accent1">
-        <a:tint val="60000"/>
-      </a:schemeClr>
-    </dgm:linClrLst>
-    <dgm:effectClrLst/>
-    <dgm:txLinClrLst/>
-    <dgm:txFillClrLst meth="repeat">
-      <a:schemeClr val="lt1"/>
-    </dgm:txFillClrLst>
-    <dgm:txEffectClrLst/>
-  </dgm:styleLbl>
-  <dgm:styleLbl name="parChTrans2D2">
-    <dgm:fillClrLst meth="repeat">
-      <a:schemeClr val="accent1"/>
-    </dgm:fillClrLst>
-    <dgm:linClrLst meth="repeat">
-      <a:schemeClr val="accent1"/>
-    </dgm:linClrLst>
-    <dgm:effectClrLst/>
-    <dgm:txLinClrLst/>
-    <dgm:txFillClrLst meth="repeat">
-      <a:schemeClr val="lt1"/>
-    </dgm:txFillClrLst>
-    <dgm:txEffectClrLst/>
-  </dgm:styleLbl>
-  <dgm:styleLbl name="parChTrans2D3">
-    <dgm:fillClrLst meth="repeat">
-      <a:schemeClr val="accent1"/>
-    </dgm:fillClrLst>
-    <dgm:linClrLst meth="repeat">
-      <a:schemeClr val="accent1"/>
-    </dgm:linClrLst>
-    <dgm:effectClrLst/>
-    <dgm:txLinClrLst/>
-    <dgm:txFillClrLst meth="repeat">
-      <a:schemeClr val="lt1"/>
-    </dgm:txFillClrLst>
-    <dgm:txEffectClrLst/>
-  </dgm:styleLbl>
-  <dgm:styleLbl name="parChTrans2D4">
-    <dgm:fillClrLst meth="repeat">
-      <a:schemeClr val="accent1"/>
-    </dgm:fillClrLst>
-    <dgm:linClrLst meth="repeat">
-      <a:schemeClr val="accent1"/>
-    </dgm:linClrLst>
-    <dgm:effectClrLst/>
-    <dgm:txLinClrLst/>
-    <dgm:txFillClrLst meth="repeat">
-      <a:schemeClr val="lt1"/>
-    </dgm:txFillClrLst>
-    <dgm:txEffectClrLst/>
-  </dgm:styleLbl>
-  <dgm:styleLbl name="parChTrans1D1">
-    <dgm:fillClrLst meth="repeat">
-      <a:schemeClr val="accent1"/>
-    </dgm:fillClrLst>
-    <dgm:linClrLst meth="repeat">
-      <a:schemeClr val="accent1">
-        <a:shade val="60000"/>
-      </a:schemeClr>
-    </dgm:linClrLst>
-    <dgm:effectClrLst/>
-    <dgm:txLinClrLst/>
-    <dgm:txFillClrLst meth="repeat">
-      <a:schemeClr val="tx1"/>
-    </dgm:txFillClrLst>
-    <dgm:txEffectClrLst/>
-  </dgm:styleLbl>
-  <dgm:styleLbl name="parChTrans1D2">
-    <dgm:fillClrLst meth="repeat">
-      <a:schemeClr val="accent1"/>
-    </dgm:fillClrLst>
-    <dgm:linClrLst meth="repeat">
-      <a:schemeClr val="accent1">
-        <a:shade val="60000"/>
-      </a:schemeClr>
-    </dgm:linClrLst>
-    <dgm:effectClrLst/>
-    <dgm:txLinClrLst/>
-    <dgm:txFillClrLst meth="repeat">
-      <a:schemeClr val="tx1"/>
-    </dgm:txFillClrLst>
-    <dgm:txEffectClrLst/>
-  </dgm:styleLbl>
-  <dgm:styleLbl name="parChTrans1D3">
-    <dgm:fillClrLst meth="repeat">
-      <a:schemeClr val="accent1"/>
-    </dgm:fillClrLst>
-    <dgm:linClrLst meth="repeat">
-      <a:schemeClr val="accent1">
-        <a:shade val="80000"/>
-      </a:schemeClr>
-    </dgm:linClrLst>
-    <dgm:effectClrLst/>
-    <dgm:txLinClrLst/>
-    <dgm:txFillClrLst meth="repeat">
-      <a:schemeClr val="tx1"/>
-    </dgm:txFillClrLst>
-    <dgm:txEffectClrLst/>
-  </dgm:styleLbl>
-  <dgm:styleLbl name="parChTrans1D4">
-    <dgm:fillClrLst meth="repeat">
-      <a:schemeClr val="accent1"/>
-    </dgm:fillClrLst>
-    <dgm:linClrLst meth="repeat">
-      <a:schemeClr val="accent1">
-        <a:shade val="80000"/>
-      </a:schemeClr>
-    </dgm:linClrLst>
-    <dgm:effectClrLst/>
-    <dgm:txLinClrLst/>
-    <dgm:txFillClrLst meth="repeat">
-      <a:schemeClr val="tx1"/>
-    </dgm:txFillClrLst>
-    <dgm:txEffectClrLst/>
-  </dgm:styleLbl>
-  <dgm:styleLbl name="fgAcc1">
-    <dgm:fillClrLst meth="repeat">
-      <a:schemeClr val="lt1">
-        <a:alpha val="90000"/>
-      </a:schemeClr>
-    </dgm:fillClrLst>
-    <dgm:linClrLst meth="repeat">
-      <a:schemeClr val="accent1"/>
-    </dgm:linClrLst>
-    <dgm:effectClrLst/>
-    <dgm:txLinClrLst/>
-    <dgm:txFillClrLst meth="repeat">
-      <a:schemeClr val="dk1"/>
-    </dgm:txFillClrLst>
-    <dgm:txEffectClrLst/>
-  </dgm:styleLbl>
-  <dgm:styleLbl name="conFgAcc1">
-    <dgm:fillClrLst meth="repeat">
-      <a:schemeClr val="lt1">
-        <a:alpha val="90000"/>
-      </a:schemeClr>
-    </dgm:fillClrLst>
-    <dgm:linClrLst meth="repeat">
-      <a:schemeClr val="accent1"/>
-    </dgm:linClrLst>
-    <dgm:effectClrLst/>
-    <dgm:txLinClrLst/>
-    <dgm:txFillClrLst meth="repeat">
-      <a:schemeClr val="dk1"/>
-    </dgm:txFillClrLst>
-    <dgm:txEffectClrLst/>
-  </dgm:styleLbl>
-  <dgm:styleLbl name="alignAcc1">
-    <dgm:fillClrLst meth="repeat">
-      <a:schemeClr val="lt1">
-        <a:alpha val="90000"/>
-      </a:schemeClr>
-    </dgm:fillClrLst>
-    <dgm:linClrLst meth="repeat">
-      <a:schemeClr val="accent1"/>
-    </dgm:linClrLst>
-    <dgm:effectClrLst/>
-    <dgm:txLinClrLst/>
-    <dgm:txFillClrLst meth="repeat">
-      <a:schemeClr val="dk1"/>
-    </dgm:txFillClrLst>
-    <dgm:txEffectClrLst/>
-  </dgm:styleLbl>
-  <dgm:styleLbl name="trAlignAcc1">
-    <dgm:fillClrLst meth="repeat">
-      <a:schemeClr val="lt1">
-        <a:alpha val="40000"/>
-      </a:schemeClr>
-    </dgm:fillClrLst>
-    <dgm:linClrLst meth="repeat">
-      <a:schemeClr val="accent1"/>
-    </dgm:linClrLst>
-    <dgm:effectClrLst/>
-    <dgm:txLinClrLst/>
-    <dgm:txFillClrLst meth="repeat">
-      <a:schemeClr val="dk1"/>
-    </dgm:txFillClrLst>
-    <dgm:txEffectClrLst/>
-  </dgm:styleLbl>
-  <dgm:styleLbl name="bgAcc1">
-    <dgm:fillClrLst meth="repeat">
-      <a:schemeClr val="lt1">
-        <a:alpha val="90000"/>
-      </a:schemeClr>
-    </dgm:fillClrLst>
-    <dgm:linClrLst meth="repeat">
-      <a:schemeClr val="accent1"/>
-    </dgm:linClrLst>
-    <dgm:effectClrLst/>
-    <dgm:txLinClrLst/>
-    <dgm:txFillClrLst meth="repeat">
-      <a:schemeClr val="dk1"/>
-    </dgm:txFillClrLst>
-    <dgm:txEffectClrLst/>
-  </dgm:styleLbl>
-  <dgm:styleLbl name="solidFgAcc1">
-    <dgm:fillClrLst meth="repeat">
-      <a:schemeClr val="lt1"/>
-    </dgm:fillClrLst>
-    <dgm:linClrLst meth="repeat">
-      <a:schemeClr val="accent1"/>
-    </dgm:linClrLst>
-    <dgm:effectClrLst/>
-    <dgm:txLinClrLst/>
-    <dgm:txFillClrLst meth="repeat">
-      <a:schemeClr val="dk1"/>
-    </dgm:txFillClrLst>
-    <dgm:txEffectClrLst/>
-  </dgm:styleLbl>
-  <dgm:styleLbl name="solidAlignAcc1">
-    <dgm:fillClrLst meth="repeat">
-      <a:schemeClr val="lt1"/>
-    </dgm:fillClrLst>
-    <dgm:linClrLst meth="repeat">
-      <a:schemeClr val="accent1"/>
-    </dgm:linClrLst>
-    <dgm:effectClrLst/>
-    <dgm:txLinClrLst/>
-    <dgm:txFillClrLst meth="repeat">
-      <a:schemeClr val="dk1"/>
-    </dgm:txFillClrLst>
-    <dgm:txEffectClrLst/>
-  </dgm:styleLbl>
-  <dgm:styleLbl name="solidBgAcc1">
-    <dgm:fillClrLst meth="repeat">
-      <a:schemeClr val="lt1"/>
-    </dgm:fillClrLst>
-    <dgm:linClrLst meth="repeat">
-      <a:schemeClr val="accent1"/>
-    </dgm:linClrLst>
-    <dgm:effectClrLst/>
-    <dgm:txLinClrLst/>
-    <dgm:txFillClrLst meth="repeat">
-      <a:schemeClr val="dk1"/>
-    </dgm:txFillClrLst>
-    <dgm:txEffectClrLst/>
-  </dgm:styleLbl>
-  <dgm:styleLbl name="fgAccFollowNode1">
-    <dgm:fillClrLst meth="repeat">
-      <a:schemeClr val="accent1">
-        <a:alpha val="90000"/>
-        <a:tint val="40000"/>
-      </a:schemeClr>
-    </dgm:fillClrLst>
-    <dgm:linClrLst meth="repeat">
-      <a:schemeClr val="accent1">
-        <a:alpha val="90000"/>
-        <a:tint val="40000"/>
-      </a:schemeClr>
-    </dgm:linClrLst>
-    <dgm:effectClrLst/>
-    <dgm:txLinClrLst/>
-    <dgm:txFillClrLst meth="repeat">
-      <a:schemeClr val="dk1"/>
-    </dgm:txFillClrLst>
-    <dgm:txEffectClrLst/>
-  </dgm:styleLbl>
-  <dgm:styleLbl name="alignAccFollowNode1">
-    <dgm:fillClrLst meth="repeat">
-      <a:schemeClr val="accent1">
-        <a:alpha val="90000"/>
-        <a:tint val="40000"/>
-      </a:schemeClr>
-    </dgm:fillClrLst>
-    <dgm:linClrLst meth="repeat">
-      <a:schemeClr val="accent1">
-        <a:alpha val="90000"/>
-        <a:tint val="40000"/>
-      </a:schemeClr>
-    </dgm:linClrLst>
-    <dgm:effectClrLst/>
-    <dgm:txLinClrLst/>
-    <dgm:txFillClrLst meth="repeat">
-      <a:schemeClr val="dk1"/>
-    </dgm:txFillClrLst>
-    <dgm:txEffectClrLst/>
-  </dgm:styleLbl>
-  <dgm:styleLbl name="bgAccFollowNode1">
-    <dgm:fillClrLst meth="repeat">
-      <a:schemeClr val="accent1">
-        <a:alpha val="90000"/>
-        <a:tint val="40000"/>
-      </a:schemeClr>
-    </dgm:fillClrLst>
-    <dgm:linClrLst meth="repeat">
-      <a:schemeClr val="accent1">
-        <a:alpha val="90000"/>
-        <a:tint val="40000"/>
-      </a:schemeClr>
-    </dgm:linClrLst>
-    <dgm:effectClrLst/>
-    <dgm:txLinClrLst/>
-    <dgm:txFillClrLst meth="repeat">
-      <a:schemeClr val="dk1"/>
-    </dgm:txFillClrLst>
-    <dgm:txEffectClrLst/>
-  </dgm:styleLbl>
-  <dgm:styleLbl name="fgAcc0">
-    <dgm:fillClrLst meth="repeat">
-      <a:schemeClr val="lt1">
-        <a:alpha val="90000"/>
-      </a:schemeClr>
-    </dgm:fillClrLst>
-    <dgm:linClrLst meth="repeat">
-      <a:schemeClr val="accent1"/>
-    </dgm:linClrLst>
-    <dgm:effectClrLst/>
-    <dgm:txLinClrLst/>
-    <dgm:txFillClrLst meth="repeat">
-      <a:schemeClr val="dk1"/>
-    </dgm:txFillClrLst>
-    <dgm:txEffectClrLst/>
-  </dgm:styleLbl>
-  <dgm:styleLbl name="fgAcc2">
-    <dgm:fillClrLst meth="repeat">
-      <a:schemeClr val="lt1">
-        <a:alpha val="90000"/>
-      </a:schemeClr>
-    </dgm:fillClrLst>
-    <dgm:linClrLst meth="repeat">
-      <a:schemeClr val="accent1"/>
-    </dgm:linClrLst>
-    <dgm:effectClrLst/>
-    <dgm:txLinClrLst/>
-    <dgm:txFillClrLst meth="repeat">
-      <a:schemeClr val="dk1"/>
-    </dgm:txFillClrLst>
-    <dgm:txEffectClrLst/>
-  </dgm:styleLbl>
-  <dgm:styleLbl name="fgAcc3">
-    <dgm:fillClrLst meth="repeat">
-      <a:schemeClr val="lt1">
-        <a:alpha val="90000"/>
-      </a:schemeClr>
-    </dgm:fillClrLst>
-    <dgm:linClrLst meth="repeat">
-      <a:schemeClr val="accent1"/>
-    </dgm:linClrLst>
-    <dgm:effectClrLst/>
-    <dgm:txLinClrLst/>
-    <dgm:txFillClrLst meth="repeat">
-      <a:schemeClr val="dk1"/>
-    </dgm:txFillClrLst>
-    <dgm:txEffectClrLst/>
-  </dgm:styleLbl>
-  <dgm:styleLbl name="fgAcc4">
-    <dgm:fillClrLst meth="repeat">
-      <a:schemeClr val="lt1">
-        <a:alpha val="90000"/>
-      </a:schemeClr>
-    </dgm:fillClrLst>
-    <dgm:linClrLst meth="repeat">
-      <a:schemeClr val="accent1"/>
-    </dgm:linClrLst>
-    <dgm:effectClrLst/>
-    <dgm:txLinClrLst/>
-    <dgm:txFillClrLst meth="repeat">
-      <a:schemeClr val="dk1"/>
-    </dgm:txFillClrLst>
-    <dgm:txEffectClrLst/>
-  </dgm:styleLbl>
-  <dgm:styleLbl name="bgShp">
-    <dgm:fillClrLst meth="repeat">
-      <a:schemeClr val="accent1">
-        <a:tint val="40000"/>
-      </a:schemeClr>
-    </dgm:fillClrLst>
-    <dgm:linClrLst meth="repeat">
-      <a:schemeClr val="accent1"/>
-    </dgm:linClrLst>
-    <dgm:effectClrLst/>
-    <dgm:txLinClrLst/>
-    <dgm:txFillClrLst meth="repeat">
-      <a:schemeClr val="dk1"/>
-    </dgm:txFillClrLst>
-    <dgm:txEffectClrLst/>
-  </dgm:styleLbl>
-  <dgm:styleLbl name="dkBgShp">
-    <dgm:fillClrLst meth="repeat">
-      <a:schemeClr val="accent1">
-        <a:shade val="80000"/>
-      </a:schemeClr>
-    </dgm:fillClrLst>
-    <dgm:linClrLst meth="repeat">
-      <a:schemeClr val="accent1"/>
-    </dgm:linClrLst>
-    <dgm:effectClrLst/>
-    <dgm:txLinClrLst/>
-    <dgm:txFillClrLst meth="repeat">
-      <a:schemeClr val="lt1"/>
-    </dgm:txFillClrLst>
-    <dgm:txEffectClrLst/>
-  </dgm:styleLbl>
-  <dgm:styleLbl name="trBgShp">
-    <dgm:fillClrLst meth="repeat">
-      <a:schemeClr val="accent1">
-        <a:tint val="50000"/>
-        <a:alpha val="40000"/>
-      </a:schemeClr>
-    </dgm:fillClrLst>
-    <dgm:linClrLst meth="repeat">
-      <a:schemeClr val="accent1"/>
-    </dgm:linClrLst>
-    <dgm:effectClrLst/>
-    <dgm:txLinClrLst/>
-    <dgm:txFillClrLst meth="repeat">
-      <a:schemeClr val="lt1"/>
-    </dgm:txFillClrLst>
-    <dgm:txEffectClrLst/>
-  </dgm:styleLbl>
-  <dgm:styleLbl name="fgShp">
-    <dgm:fillClrLst meth="repeat">
-      <a:schemeClr val="accent1">
-        <a:tint val="60000"/>
-      </a:schemeClr>
-    </dgm:fillClrLst>
-    <dgm:linClrLst meth="repeat">
-      <a:schemeClr val="lt1"/>
-    </dgm:linClrLst>
-    <dgm:effectClrLst/>
-    <dgm:txLinClrLst/>
-    <dgm:txFillClrLst meth="repeat">
-      <a:schemeClr val="dk1"/>
-    </dgm:txFillClrLst>
-    <dgm:txEffectClrLst/>
-  </dgm:styleLbl>
-  <dgm:styleLbl name="revTx">
-    <dgm:fillClrLst meth="repeat">
-      <a:schemeClr val="lt1">
-        <a:alpha val="0"/>
-      </a:schemeClr>
-    </dgm:fillClrLst>
-    <dgm:linClrLst meth="repeat">
-      <a:schemeClr val="dk1">
-        <a:alpha val="0"/>
-      </a:schemeClr>
-    </dgm:linClrLst>
-    <dgm:effectClrLst/>
-    <dgm:txLinClrLst/>
-    <dgm:txFillClrLst meth="repeat">
-      <a:schemeClr val="tx1"/>
-    </dgm:txFillClrLst>
-    <dgm:txEffectClrLst/>
-  </dgm:styleLbl>
-</dgm:colorsDef>
-</file>
-
-<file path=ppt/diagrams/data1.xml><?xml version="1.0" encoding="utf-8"?>
-<dgm:dataModel xmlns:dgm="http://schemas.openxmlformats.org/drawingml/2006/diagram" xmlns:a="http://schemas.openxmlformats.org/drawingml/2006/main">
-  <dgm:ptLst>
-    <dgm:pt modelId="{40E0DE9C-E3E3-264D-827B-68B072FA072C}" type="doc">
-      <dgm:prSet loTypeId="urn:microsoft.com/office/officeart/2005/8/layout/process1" loCatId="" qsTypeId="urn:microsoft.com/office/officeart/2005/8/quickstyle/simple1" qsCatId="simple" csTypeId="urn:microsoft.com/office/officeart/2005/8/colors/accent1_2" csCatId="accent1" phldr="1"/>
-      <dgm:spPr/>
-    </dgm:pt>
-    <dgm:pt modelId="{1118161C-82D8-0440-B054-723357C12139}">
-      <dgm:prSet phldrT="[テキスト]" custT="1"/>
-      <dgm:spPr/>
-      <dgm:t>
-        <a:bodyPr/>
-        <a:lstStyle/>
-        <a:p>
-          <a:pPr>
-            <a:spcAft>
-              <a:spcPts val="0"/>
-            </a:spcAft>
-          </a:pPr>
-          <a:r>
-            <a:rPr kumimoji="1" lang="en-US" altLang="ja-JP" sz="3600" dirty="0"/>
-            <a:t>LED</a:t>
-          </a:r>
-          <a:r>
-            <a:rPr kumimoji="1" lang="ja-JP" altLang="en-US" sz="3600"/>
-            <a:t>が</a:t>
-          </a:r>
-          <a:endParaRPr kumimoji="1" lang="en-US" altLang="ja-JP" sz="3600" dirty="0"/>
-        </a:p>
-        <a:p>
-          <a:pPr>
-            <a:spcAft>
-              <a:spcPts val="0"/>
-            </a:spcAft>
-          </a:pPr>
-          <a:r>
-            <a:rPr kumimoji="1" lang="ja-JP" altLang="en-US" sz="3600"/>
-            <a:t>光る</a:t>
-          </a:r>
-        </a:p>
-      </dgm:t>
-    </dgm:pt>
-    <dgm:pt modelId="{B2654D57-7F17-C143-BBC0-A2A0141BD9BD}" type="parTrans" cxnId="{07ACD632-8760-C74F-A734-11558A5AF71B}">
-      <dgm:prSet/>
-      <dgm:spPr/>
-      <dgm:t>
-        <a:bodyPr/>
-        <a:lstStyle/>
-        <a:p>
-          <a:endParaRPr kumimoji="1" lang="ja-JP" altLang="en-US"/>
-        </a:p>
-      </dgm:t>
-    </dgm:pt>
-    <dgm:pt modelId="{801EA39C-7CE3-1B4B-B033-F3F2A69ECF0F}" type="sibTrans" cxnId="{07ACD632-8760-C74F-A734-11558A5AF71B}">
-      <dgm:prSet/>
-      <dgm:spPr/>
-      <dgm:t>
-        <a:bodyPr/>
-        <a:lstStyle/>
-        <a:p>
-          <a:endParaRPr kumimoji="1" lang="ja-JP" altLang="en-US"/>
-        </a:p>
-      </dgm:t>
-    </dgm:pt>
-    <dgm:pt modelId="{2B2E163D-3982-3C4E-9EE4-847781BF19B5}">
-      <dgm:prSet phldrT="[テキスト]" custT="1"/>
-      <dgm:spPr/>
-      <dgm:t>
-        <a:bodyPr/>
-        <a:lstStyle/>
-        <a:p>
-          <a:pPr>
-            <a:spcAft>
-              <a:spcPts val="0"/>
-            </a:spcAft>
-          </a:pPr>
-          <a:r>
-            <a:rPr kumimoji="1" lang="ja-JP" altLang="en-US" sz="3200"/>
-            <a:t>対応する</a:t>
-          </a:r>
-          <a:endParaRPr kumimoji="1" lang="en-US" altLang="ja-JP" sz="3200" dirty="0"/>
-        </a:p>
-        <a:p>
-          <a:pPr>
-            <a:spcAft>
-              <a:spcPts val="0"/>
-            </a:spcAft>
-          </a:pPr>
-          <a:r>
-            <a:rPr kumimoji="1" lang="ja-JP" altLang="en-US" sz="3200"/>
-            <a:t>キーボードを押す</a:t>
-          </a:r>
-        </a:p>
-      </dgm:t>
-    </dgm:pt>
-    <dgm:pt modelId="{88799556-4EF4-3247-8C21-DF74961E4EFE}" type="parTrans" cxnId="{3612DADF-5D44-8343-A104-495DBCD109DA}">
-      <dgm:prSet/>
-      <dgm:spPr/>
-      <dgm:t>
-        <a:bodyPr/>
-        <a:lstStyle/>
-        <a:p>
-          <a:endParaRPr kumimoji="1" lang="ja-JP" altLang="en-US"/>
-        </a:p>
-      </dgm:t>
-    </dgm:pt>
-    <dgm:pt modelId="{C052D007-665A-6E45-96A4-04A0422D6371}" type="sibTrans" cxnId="{3612DADF-5D44-8343-A104-495DBCD109DA}">
-      <dgm:prSet/>
-      <dgm:spPr/>
-      <dgm:t>
-        <a:bodyPr/>
-        <a:lstStyle/>
-        <a:p>
-          <a:endParaRPr kumimoji="1" lang="ja-JP" altLang="en-US"/>
-        </a:p>
-      </dgm:t>
-    </dgm:pt>
-    <dgm:pt modelId="{0E403F1A-D329-BC41-ADBA-64D4A7A7A203}">
-      <dgm:prSet phldrT="[テキスト]" custT="1"/>
-      <dgm:spPr/>
-      <dgm:t>
-        <a:bodyPr/>
-        <a:lstStyle/>
-        <a:p>
-          <a:pPr>
-            <a:spcAft>
-              <a:spcPts val="0"/>
-            </a:spcAft>
-          </a:pPr>
-          <a:r>
-            <a:rPr kumimoji="1" lang="ja-JP" altLang="en-US" sz="3200"/>
-            <a:t>早く押すほど</a:t>
-          </a:r>
-          <a:endParaRPr kumimoji="1" lang="en-US" altLang="ja-JP" sz="3200" dirty="0"/>
-        </a:p>
-        <a:p>
-          <a:pPr>
-            <a:spcAft>
-              <a:spcPts val="0"/>
-            </a:spcAft>
-          </a:pPr>
-          <a:r>
-            <a:rPr kumimoji="1" lang="ja-JP" altLang="en-US" sz="3200"/>
-            <a:t>高得点！</a:t>
-          </a:r>
-        </a:p>
-      </dgm:t>
-    </dgm:pt>
-    <dgm:pt modelId="{4834DEAB-95C3-2549-BA24-9EAFDDD6C24C}" type="parTrans" cxnId="{1F13A8C0-B2F4-8943-AC97-DDE1D46E18A0}">
-      <dgm:prSet/>
-      <dgm:spPr/>
-      <dgm:t>
-        <a:bodyPr/>
-        <a:lstStyle/>
-        <a:p>
-          <a:endParaRPr kumimoji="1" lang="ja-JP" altLang="en-US"/>
-        </a:p>
-      </dgm:t>
-    </dgm:pt>
-    <dgm:pt modelId="{EA0ED426-E174-D84D-BD3E-03EFBB15B360}" type="sibTrans" cxnId="{1F13A8C0-B2F4-8943-AC97-DDE1D46E18A0}">
-      <dgm:prSet/>
-      <dgm:spPr/>
-      <dgm:t>
-        <a:bodyPr/>
-        <a:lstStyle/>
-        <a:p>
-          <a:endParaRPr kumimoji="1" lang="ja-JP" altLang="en-US"/>
-        </a:p>
-      </dgm:t>
-    </dgm:pt>
-    <dgm:pt modelId="{7151E07F-6766-6946-8DB4-128BF301DCC2}" type="pres">
-      <dgm:prSet presAssocID="{40E0DE9C-E3E3-264D-827B-68B072FA072C}" presName="Name0" presStyleCnt="0">
-        <dgm:presLayoutVars>
-          <dgm:dir/>
-          <dgm:resizeHandles val="exact"/>
-        </dgm:presLayoutVars>
-      </dgm:prSet>
-      <dgm:spPr/>
-    </dgm:pt>
-    <dgm:pt modelId="{03961447-7F17-3046-A4A8-B6319982BF21}" type="pres">
-      <dgm:prSet presAssocID="{1118161C-82D8-0440-B054-723357C12139}" presName="node" presStyleLbl="node1" presStyleIdx="0" presStyleCnt="3" custScaleY="93521">
-        <dgm:presLayoutVars>
-          <dgm:bulletEnabled val="1"/>
-        </dgm:presLayoutVars>
-      </dgm:prSet>
-      <dgm:spPr/>
-    </dgm:pt>
-    <dgm:pt modelId="{E55A6338-F51C-0241-9901-BDED9EC43679}" type="pres">
-      <dgm:prSet presAssocID="{801EA39C-7CE3-1B4B-B033-F3F2A69ECF0F}" presName="sibTrans" presStyleLbl="sibTrans2D1" presStyleIdx="0" presStyleCnt="2"/>
-      <dgm:spPr/>
-    </dgm:pt>
-    <dgm:pt modelId="{9F00B728-9DAE-9D4D-B49E-98777194A579}" type="pres">
-      <dgm:prSet presAssocID="{801EA39C-7CE3-1B4B-B033-F3F2A69ECF0F}" presName="connectorText" presStyleLbl="sibTrans2D1" presStyleIdx="0" presStyleCnt="2"/>
-      <dgm:spPr/>
-    </dgm:pt>
-    <dgm:pt modelId="{D918D02A-22B3-E245-8AA7-377C0244A7D7}" type="pres">
-      <dgm:prSet presAssocID="{2B2E163D-3982-3C4E-9EE4-847781BF19B5}" presName="node" presStyleLbl="node1" presStyleIdx="1" presStyleCnt="3" custScaleX="117227" custScaleY="93521">
-        <dgm:presLayoutVars>
-          <dgm:bulletEnabled val="1"/>
-        </dgm:presLayoutVars>
-      </dgm:prSet>
-      <dgm:spPr/>
-    </dgm:pt>
-    <dgm:pt modelId="{9A66558C-349A-9A4B-9C77-AA18AB2C881B}" type="pres">
-      <dgm:prSet presAssocID="{C052D007-665A-6E45-96A4-04A0422D6371}" presName="sibTrans" presStyleLbl="sibTrans2D1" presStyleIdx="1" presStyleCnt="2"/>
-      <dgm:spPr/>
-    </dgm:pt>
-    <dgm:pt modelId="{6B39021A-4894-4F4D-A9AC-00A5B1DBA7CE}" type="pres">
-      <dgm:prSet presAssocID="{C052D007-665A-6E45-96A4-04A0422D6371}" presName="connectorText" presStyleLbl="sibTrans2D1" presStyleIdx="1" presStyleCnt="2"/>
-      <dgm:spPr/>
-    </dgm:pt>
-    <dgm:pt modelId="{13C665DF-FB8A-6141-99B6-C95F4A1C52EE}" type="pres">
-      <dgm:prSet presAssocID="{0E403F1A-D329-BC41-ADBA-64D4A7A7A203}" presName="node" presStyleLbl="node1" presStyleIdx="2" presStyleCnt="3" custScaleX="136681" custScaleY="93521">
-        <dgm:presLayoutVars>
-          <dgm:bulletEnabled val="1"/>
-        </dgm:presLayoutVars>
-      </dgm:prSet>
-      <dgm:spPr/>
-    </dgm:pt>
-  </dgm:ptLst>
-  <dgm:cxnLst>
-    <dgm:cxn modelId="{F20D3A14-DDF4-A641-B758-A4A4AB850C7D}" type="presOf" srcId="{801EA39C-7CE3-1B4B-B033-F3F2A69ECF0F}" destId="{E55A6338-F51C-0241-9901-BDED9EC43679}" srcOrd="0" destOrd="0" presId="urn:microsoft.com/office/officeart/2005/8/layout/process1"/>
-    <dgm:cxn modelId="{9D9F2D19-6BFC-3E4D-A5F3-CC82EAB1D353}" type="presOf" srcId="{C052D007-665A-6E45-96A4-04A0422D6371}" destId="{6B39021A-4894-4F4D-A9AC-00A5B1DBA7CE}" srcOrd="1" destOrd="0" presId="urn:microsoft.com/office/officeart/2005/8/layout/process1"/>
-    <dgm:cxn modelId="{B9230A1B-C6B5-C54D-88DD-37D09006FA75}" type="presOf" srcId="{0E403F1A-D329-BC41-ADBA-64D4A7A7A203}" destId="{13C665DF-FB8A-6141-99B6-C95F4A1C52EE}" srcOrd="0" destOrd="0" presId="urn:microsoft.com/office/officeart/2005/8/layout/process1"/>
-    <dgm:cxn modelId="{07ACD632-8760-C74F-A734-11558A5AF71B}" srcId="{40E0DE9C-E3E3-264D-827B-68B072FA072C}" destId="{1118161C-82D8-0440-B054-723357C12139}" srcOrd="0" destOrd="0" parTransId="{B2654D57-7F17-C143-BBC0-A2A0141BD9BD}" sibTransId="{801EA39C-7CE3-1B4B-B033-F3F2A69ECF0F}"/>
-    <dgm:cxn modelId="{7BCF453F-9756-8546-B50C-082A90715A45}" type="presOf" srcId="{1118161C-82D8-0440-B054-723357C12139}" destId="{03961447-7F17-3046-A4A8-B6319982BF21}" srcOrd="0" destOrd="0" presId="urn:microsoft.com/office/officeart/2005/8/layout/process1"/>
-    <dgm:cxn modelId="{BEAACF97-B730-7746-9D61-0AECAD98B7FD}" type="presOf" srcId="{C052D007-665A-6E45-96A4-04A0422D6371}" destId="{9A66558C-349A-9A4B-9C77-AA18AB2C881B}" srcOrd="0" destOrd="0" presId="urn:microsoft.com/office/officeart/2005/8/layout/process1"/>
-    <dgm:cxn modelId="{0C85919C-F5AB-5D45-BB8C-CA659CC4F6CF}" type="presOf" srcId="{801EA39C-7CE3-1B4B-B033-F3F2A69ECF0F}" destId="{9F00B728-9DAE-9D4D-B49E-98777194A579}" srcOrd="1" destOrd="0" presId="urn:microsoft.com/office/officeart/2005/8/layout/process1"/>
-    <dgm:cxn modelId="{283164B4-CEA7-6044-9B67-8D1C01653E61}" type="presOf" srcId="{40E0DE9C-E3E3-264D-827B-68B072FA072C}" destId="{7151E07F-6766-6946-8DB4-128BF301DCC2}" srcOrd="0" destOrd="0" presId="urn:microsoft.com/office/officeart/2005/8/layout/process1"/>
-    <dgm:cxn modelId="{6F8FF4BF-F2DC-1F48-AE10-090A4BB7182F}" type="presOf" srcId="{2B2E163D-3982-3C4E-9EE4-847781BF19B5}" destId="{D918D02A-22B3-E245-8AA7-377C0244A7D7}" srcOrd="0" destOrd="0" presId="urn:microsoft.com/office/officeart/2005/8/layout/process1"/>
-    <dgm:cxn modelId="{1F13A8C0-B2F4-8943-AC97-DDE1D46E18A0}" srcId="{40E0DE9C-E3E3-264D-827B-68B072FA072C}" destId="{0E403F1A-D329-BC41-ADBA-64D4A7A7A203}" srcOrd="2" destOrd="0" parTransId="{4834DEAB-95C3-2549-BA24-9EAFDDD6C24C}" sibTransId="{EA0ED426-E174-D84D-BD3E-03EFBB15B360}"/>
-    <dgm:cxn modelId="{3612DADF-5D44-8343-A104-495DBCD109DA}" srcId="{40E0DE9C-E3E3-264D-827B-68B072FA072C}" destId="{2B2E163D-3982-3C4E-9EE4-847781BF19B5}" srcOrd="1" destOrd="0" parTransId="{88799556-4EF4-3247-8C21-DF74961E4EFE}" sibTransId="{C052D007-665A-6E45-96A4-04A0422D6371}"/>
-    <dgm:cxn modelId="{7D00FA3A-D963-6B4A-9250-340F90E04789}" type="presParOf" srcId="{7151E07F-6766-6946-8DB4-128BF301DCC2}" destId="{03961447-7F17-3046-A4A8-B6319982BF21}" srcOrd="0" destOrd="0" presId="urn:microsoft.com/office/officeart/2005/8/layout/process1"/>
-    <dgm:cxn modelId="{7BD6713F-0DE8-FC47-9EAD-2EA881C48CB8}" type="presParOf" srcId="{7151E07F-6766-6946-8DB4-128BF301DCC2}" destId="{E55A6338-F51C-0241-9901-BDED9EC43679}" srcOrd="1" destOrd="0" presId="urn:microsoft.com/office/officeart/2005/8/layout/process1"/>
-    <dgm:cxn modelId="{528C921F-7106-D24F-B128-E8926C8CEDC2}" type="presParOf" srcId="{E55A6338-F51C-0241-9901-BDED9EC43679}" destId="{9F00B728-9DAE-9D4D-B49E-98777194A579}" srcOrd="0" destOrd="0" presId="urn:microsoft.com/office/officeart/2005/8/layout/process1"/>
-    <dgm:cxn modelId="{B3240BF4-C62F-E145-8F15-039A6FCC5294}" type="presParOf" srcId="{7151E07F-6766-6946-8DB4-128BF301DCC2}" destId="{D918D02A-22B3-E245-8AA7-377C0244A7D7}" srcOrd="2" destOrd="0" presId="urn:microsoft.com/office/officeart/2005/8/layout/process1"/>
-    <dgm:cxn modelId="{FF1EFDEE-DC53-DF47-8541-D9BF6D105FBB}" type="presParOf" srcId="{7151E07F-6766-6946-8DB4-128BF301DCC2}" destId="{9A66558C-349A-9A4B-9C77-AA18AB2C881B}" srcOrd="3" destOrd="0" presId="urn:microsoft.com/office/officeart/2005/8/layout/process1"/>
-    <dgm:cxn modelId="{67AEC166-3FA6-3042-9DCF-6E2E3BFA8A55}" type="presParOf" srcId="{9A66558C-349A-9A4B-9C77-AA18AB2C881B}" destId="{6B39021A-4894-4F4D-A9AC-00A5B1DBA7CE}" srcOrd="0" destOrd="0" presId="urn:microsoft.com/office/officeart/2005/8/layout/process1"/>
-    <dgm:cxn modelId="{E9D600AC-4811-8F40-B03E-E74E0896CE22}" type="presParOf" srcId="{7151E07F-6766-6946-8DB4-128BF301DCC2}" destId="{13C665DF-FB8A-6141-99B6-C95F4A1C52EE}" srcOrd="4" destOrd="0" presId="urn:microsoft.com/office/officeart/2005/8/layout/process1"/>
-  </dgm:cxnLst>
-  <dgm:bg/>
-  <dgm:whole/>
-  <dgm:extLst>
-    <a:ext uri="http://schemas.microsoft.com/office/drawing/2008/diagram">
-      <dsp:dataModelExt xmlns:dsp="http://schemas.microsoft.com/office/drawing/2008/diagram" relId="rId6" minVer="http://schemas.openxmlformats.org/drawingml/2006/diagram"/>
-    </a:ext>
-  </dgm:extLst>
-</dgm:dataModel>
-</file>
-
-<file path=ppt/diagrams/drawing1.xml><?xml version="1.0" encoding="utf-8"?>
-<dsp:drawing xmlns:dgm="http://schemas.openxmlformats.org/drawingml/2006/diagram" xmlns:dsp="http://schemas.microsoft.com/office/drawing/2008/diagram" xmlns:a="http://schemas.openxmlformats.org/drawingml/2006/main">
-  <dsp:spTree>
-    <dsp:nvGrpSpPr>
-      <dsp:cNvPr id="0" name=""/>
-      <dsp:cNvGrpSpPr/>
-    </dsp:nvGrpSpPr>
-    <dsp:grpSpPr/>
-    <dsp:sp modelId="{03961447-7F17-3046-A4A8-B6319982BF21}">
-      <dsp:nvSpPr>
-        <dsp:cNvPr id="0" name=""/>
-        <dsp:cNvSpPr/>
-      </dsp:nvSpPr>
-      <dsp:spPr>
-        <a:xfrm>
-          <a:off x="8675" y="312868"/>
-          <a:ext cx="1982991" cy="1660262"/>
-        </a:xfrm>
-        <a:prstGeom prst="roundRect">
-          <a:avLst>
-            <a:gd name="adj" fmla="val 10000"/>
-          </a:avLst>
-        </a:prstGeom>
-        <a:solidFill>
-          <a:schemeClr val="accent1">
-            <a:hueOff val="0"/>
-            <a:satOff val="0"/>
-            <a:lumOff val="0"/>
-            <a:alphaOff val="0"/>
-          </a:schemeClr>
-        </a:solidFill>
-        <a:ln w="12700" cap="flat" cmpd="sng" algn="ctr">
-          <a:solidFill>
-            <a:schemeClr val="lt1">
-              <a:hueOff val="0"/>
-              <a:satOff val="0"/>
-              <a:lumOff val="0"/>
-              <a:alphaOff val="0"/>
-            </a:schemeClr>
-          </a:solidFill>
-          <a:prstDash val="solid"/>
-          <a:miter lim="800000"/>
-        </a:ln>
-        <a:effectLst/>
-      </dsp:spPr>
-      <dsp:style>
-        <a:lnRef idx="2">
-          <a:scrgbClr r="0" g="0" b="0"/>
-        </a:lnRef>
-        <a:fillRef idx="1">
-          <a:scrgbClr r="0" g="0" b="0"/>
-        </a:fillRef>
-        <a:effectRef idx="0">
-          <a:scrgbClr r="0" g="0" b="0"/>
-        </a:effectRef>
-        <a:fontRef idx="minor">
-          <a:schemeClr val="lt1"/>
-        </a:fontRef>
-      </dsp:style>
-      <dsp:txBody>
-        <a:bodyPr spcFirstLastPara="0" vert="horz" wrap="square" lIns="137160" tIns="137160" rIns="137160" bIns="137160" numCol="1" spcCol="1270" anchor="ctr" anchorCtr="0">
-          <a:noAutofit/>
-        </a:bodyPr>
-        <a:lstStyle/>
-        <a:p>
-          <a:pPr marL="0" lvl="0" indent="0" algn="ctr" defTabSz="1600200">
-            <a:lnSpc>
-              <a:spcPct val="90000"/>
-            </a:lnSpc>
-            <a:spcBef>
-              <a:spcPct val="0"/>
-            </a:spcBef>
-            <a:spcAft>
-              <a:spcPts val="0"/>
-            </a:spcAft>
-            <a:buNone/>
-          </a:pPr>
-          <a:r>
-            <a:rPr kumimoji="1" lang="en-US" altLang="ja-JP" sz="3600" kern="1200" dirty="0"/>
-            <a:t>LED</a:t>
-          </a:r>
-          <a:r>
-            <a:rPr kumimoji="1" lang="ja-JP" altLang="en-US" sz="3600" kern="1200"/>
-            <a:t>が</a:t>
-          </a:r>
-          <a:endParaRPr kumimoji="1" lang="en-US" altLang="ja-JP" sz="3600" kern="1200" dirty="0"/>
-        </a:p>
-        <a:p>
-          <a:pPr marL="0" lvl="0" indent="0" algn="ctr" defTabSz="1600200">
-            <a:lnSpc>
-              <a:spcPct val="90000"/>
-            </a:lnSpc>
-            <a:spcBef>
-              <a:spcPct val="0"/>
-            </a:spcBef>
-            <a:spcAft>
-              <a:spcPts val="0"/>
-            </a:spcAft>
-            <a:buNone/>
-          </a:pPr>
-          <a:r>
-            <a:rPr kumimoji="1" lang="ja-JP" altLang="en-US" sz="3600" kern="1200"/>
-            <a:t>光る</a:t>
-          </a:r>
-        </a:p>
-      </dsp:txBody>
-      <dsp:txXfrm>
-        <a:off x="57302" y="361495"/>
-        <a:ext cx="1885737" cy="1563008"/>
-      </dsp:txXfrm>
-    </dsp:sp>
-    <dsp:sp modelId="{E55A6338-F51C-0241-9901-BDED9EC43679}">
-      <dsp:nvSpPr>
-        <dsp:cNvPr id="0" name=""/>
-        <dsp:cNvSpPr/>
-      </dsp:nvSpPr>
-      <dsp:spPr>
-        <a:xfrm>
-          <a:off x="2189966" y="897109"/>
-          <a:ext cx="420394" cy="491781"/>
-        </a:xfrm>
-        <a:prstGeom prst="rightArrow">
-          <a:avLst>
-            <a:gd name="adj1" fmla="val 60000"/>
-            <a:gd name="adj2" fmla="val 50000"/>
-          </a:avLst>
-        </a:prstGeom>
-        <a:solidFill>
-          <a:schemeClr val="accent1">
-            <a:tint val="60000"/>
-            <a:hueOff val="0"/>
-            <a:satOff val="0"/>
-            <a:lumOff val="0"/>
-            <a:alphaOff val="0"/>
-          </a:schemeClr>
-        </a:solidFill>
-        <a:ln>
-          <a:noFill/>
-        </a:ln>
-        <a:effectLst/>
-      </dsp:spPr>
-      <dsp:style>
-        <a:lnRef idx="0">
-          <a:scrgbClr r="0" g="0" b="0"/>
-        </a:lnRef>
-        <a:fillRef idx="1">
-          <a:scrgbClr r="0" g="0" b="0"/>
-        </a:fillRef>
-        <a:effectRef idx="0">
-          <a:scrgbClr r="0" g="0" b="0"/>
-        </a:effectRef>
-        <a:fontRef idx="minor">
-          <a:schemeClr val="lt1"/>
-        </a:fontRef>
-      </dsp:style>
-      <dsp:txBody>
-        <a:bodyPr spcFirstLastPara="0" vert="horz" wrap="square" lIns="0" tIns="0" rIns="0" bIns="0" numCol="1" spcCol="1270" anchor="ctr" anchorCtr="0">
-          <a:noAutofit/>
-        </a:bodyPr>
-        <a:lstStyle/>
-        <a:p>
-          <a:pPr marL="0" lvl="0" indent="0" algn="ctr" defTabSz="933450">
-            <a:lnSpc>
-              <a:spcPct val="90000"/>
-            </a:lnSpc>
-            <a:spcBef>
-              <a:spcPct val="0"/>
-            </a:spcBef>
-            <a:spcAft>
-              <a:spcPct val="35000"/>
-            </a:spcAft>
-            <a:buNone/>
-          </a:pPr>
-          <a:endParaRPr kumimoji="1" lang="ja-JP" altLang="en-US" sz="2100" kern="1200"/>
-        </a:p>
-      </dsp:txBody>
-      <dsp:txXfrm>
-        <a:off x="2189966" y="995465"/>
-        <a:ext cx="294276" cy="295069"/>
-      </dsp:txXfrm>
-    </dsp:sp>
-    <dsp:sp modelId="{D918D02A-22B3-E245-8AA7-377C0244A7D7}">
-      <dsp:nvSpPr>
-        <dsp:cNvPr id="0" name=""/>
-        <dsp:cNvSpPr/>
-      </dsp:nvSpPr>
-      <dsp:spPr>
-        <a:xfrm>
-          <a:off x="2784864" y="312868"/>
-          <a:ext cx="2324601" cy="1660262"/>
-        </a:xfrm>
-        <a:prstGeom prst="roundRect">
-          <a:avLst>
-            <a:gd name="adj" fmla="val 10000"/>
-          </a:avLst>
-        </a:prstGeom>
-        <a:solidFill>
-          <a:schemeClr val="accent1">
-            <a:hueOff val="0"/>
-            <a:satOff val="0"/>
-            <a:lumOff val="0"/>
-            <a:alphaOff val="0"/>
-          </a:schemeClr>
-        </a:solidFill>
-        <a:ln w="12700" cap="flat" cmpd="sng" algn="ctr">
-          <a:solidFill>
-            <a:schemeClr val="lt1">
-              <a:hueOff val="0"/>
-              <a:satOff val="0"/>
-              <a:lumOff val="0"/>
-              <a:alphaOff val="0"/>
-            </a:schemeClr>
-          </a:solidFill>
-          <a:prstDash val="solid"/>
-          <a:miter lim="800000"/>
-        </a:ln>
-        <a:effectLst/>
-      </dsp:spPr>
-      <dsp:style>
-        <a:lnRef idx="2">
-          <a:scrgbClr r="0" g="0" b="0"/>
-        </a:lnRef>
-        <a:fillRef idx="1">
-          <a:scrgbClr r="0" g="0" b="0"/>
-        </a:fillRef>
-        <a:effectRef idx="0">
-          <a:scrgbClr r="0" g="0" b="0"/>
-        </a:effectRef>
-        <a:fontRef idx="minor">
-          <a:schemeClr val="lt1"/>
-        </a:fontRef>
-      </dsp:style>
-      <dsp:txBody>
-        <a:bodyPr spcFirstLastPara="0" vert="horz" wrap="square" lIns="121920" tIns="121920" rIns="121920" bIns="121920" numCol="1" spcCol="1270" anchor="ctr" anchorCtr="0">
-          <a:noAutofit/>
-        </a:bodyPr>
-        <a:lstStyle/>
-        <a:p>
-          <a:pPr marL="0" lvl="0" indent="0" algn="ctr" defTabSz="1422400">
-            <a:lnSpc>
-              <a:spcPct val="90000"/>
-            </a:lnSpc>
-            <a:spcBef>
-              <a:spcPct val="0"/>
-            </a:spcBef>
-            <a:spcAft>
-              <a:spcPts val="0"/>
-            </a:spcAft>
-            <a:buNone/>
-          </a:pPr>
-          <a:r>
-            <a:rPr kumimoji="1" lang="ja-JP" altLang="en-US" sz="3200" kern="1200"/>
-            <a:t>対応する</a:t>
-          </a:r>
-          <a:endParaRPr kumimoji="1" lang="en-US" altLang="ja-JP" sz="3200" kern="1200" dirty="0"/>
-        </a:p>
-        <a:p>
-          <a:pPr marL="0" lvl="0" indent="0" algn="ctr" defTabSz="1422400">
-            <a:lnSpc>
-              <a:spcPct val="90000"/>
-            </a:lnSpc>
-            <a:spcBef>
-              <a:spcPct val="0"/>
-            </a:spcBef>
-            <a:spcAft>
-              <a:spcPts val="0"/>
-            </a:spcAft>
-            <a:buNone/>
-          </a:pPr>
-          <a:r>
-            <a:rPr kumimoji="1" lang="ja-JP" altLang="en-US" sz="3200" kern="1200"/>
-            <a:t>キーボードを押す</a:t>
-          </a:r>
-        </a:p>
-      </dsp:txBody>
-      <dsp:txXfrm>
-        <a:off x="2833491" y="361495"/>
-        <a:ext cx="2227347" cy="1563008"/>
-      </dsp:txXfrm>
-    </dsp:sp>
-    <dsp:sp modelId="{9A66558C-349A-9A4B-9C77-AA18AB2C881B}">
-      <dsp:nvSpPr>
-        <dsp:cNvPr id="0" name=""/>
-        <dsp:cNvSpPr/>
-      </dsp:nvSpPr>
-      <dsp:spPr>
-        <a:xfrm>
-          <a:off x="5307765" y="897109"/>
-          <a:ext cx="420394" cy="491781"/>
-        </a:xfrm>
-        <a:prstGeom prst="rightArrow">
-          <a:avLst>
-            <a:gd name="adj1" fmla="val 60000"/>
-            <a:gd name="adj2" fmla="val 50000"/>
-          </a:avLst>
-        </a:prstGeom>
-        <a:solidFill>
-          <a:schemeClr val="accent1">
-            <a:tint val="60000"/>
-            <a:hueOff val="0"/>
-            <a:satOff val="0"/>
-            <a:lumOff val="0"/>
-            <a:alphaOff val="0"/>
-          </a:schemeClr>
-        </a:solidFill>
-        <a:ln>
-          <a:noFill/>
-        </a:ln>
-        <a:effectLst/>
-      </dsp:spPr>
-      <dsp:style>
-        <a:lnRef idx="0">
-          <a:scrgbClr r="0" g="0" b="0"/>
-        </a:lnRef>
-        <a:fillRef idx="1">
-          <a:scrgbClr r="0" g="0" b="0"/>
-        </a:fillRef>
-        <a:effectRef idx="0">
-          <a:scrgbClr r="0" g="0" b="0"/>
-        </a:effectRef>
-        <a:fontRef idx="minor">
-          <a:schemeClr val="lt1"/>
-        </a:fontRef>
-      </dsp:style>
-      <dsp:txBody>
-        <a:bodyPr spcFirstLastPara="0" vert="horz" wrap="square" lIns="0" tIns="0" rIns="0" bIns="0" numCol="1" spcCol="1270" anchor="ctr" anchorCtr="0">
-          <a:noAutofit/>
-        </a:bodyPr>
-        <a:lstStyle/>
-        <a:p>
-          <a:pPr marL="0" lvl="0" indent="0" algn="ctr" defTabSz="933450">
-            <a:lnSpc>
-              <a:spcPct val="90000"/>
-            </a:lnSpc>
-            <a:spcBef>
-              <a:spcPct val="0"/>
-            </a:spcBef>
-            <a:spcAft>
-              <a:spcPct val="35000"/>
-            </a:spcAft>
-            <a:buNone/>
-          </a:pPr>
-          <a:endParaRPr kumimoji="1" lang="ja-JP" altLang="en-US" sz="2100" kern="1200"/>
-        </a:p>
-      </dsp:txBody>
-      <dsp:txXfrm>
-        <a:off x="5307765" y="995465"/>
-        <a:ext cx="294276" cy="295069"/>
-      </dsp:txXfrm>
-    </dsp:sp>
-    <dsp:sp modelId="{13C665DF-FB8A-6141-99B6-C95F4A1C52EE}">
-      <dsp:nvSpPr>
-        <dsp:cNvPr id="0" name=""/>
-        <dsp:cNvSpPr/>
-      </dsp:nvSpPr>
-      <dsp:spPr>
-        <a:xfrm>
-          <a:off x="5902663" y="312868"/>
-          <a:ext cx="2710373" cy="1660262"/>
-        </a:xfrm>
-        <a:prstGeom prst="roundRect">
-          <a:avLst>
-            <a:gd name="adj" fmla="val 10000"/>
-          </a:avLst>
-        </a:prstGeom>
-        <a:solidFill>
-          <a:schemeClr val="accent1">
-            <a:hueOff val="0"/>
-            <a:satOff val="0"/>
-            <a:lumOff val="0"/>
-            <a:alphaOff val="0"/>
-          </a:schemeClr>
-        </a:solidFill>
-        <a:ln w="12700" cap="flat" cmpd="sng" algn="ctr">
-          <a:solidFill>
-            <a:schemeClr val="lt1">
-              <a:hueOff val="0"/>
-              <a:satOff val="0"/>
-              <a:lumOff val="0"/>
-              <a:alphaOff val="0"/>
-            </a:schemeClr>
-          </a:solidFill>
-          <a:prstDash val="solid"/>
-          <a:miter lim="800000"/>
-        </a:ln>
-        <a:effectLst/>
-      </dsp:spPr>
-      <dsp:style>
-        <a:lnRef idx="2">
-          <a:scrgbClr r="0" g="0" b="0"/>
-        </a:lnRef>
-        <a:fillRef idx="1">
-          <a:scrgbClr r="0" g="0" b="0"/>
-        </a:fillRef>
-        <a:effectRef idx="0">
-          <a:scrgbClr r="0" g="0" b="0"/>
-        </a:effectRef>
-        <a:fontRef idx="minor">
-          <a:schemeClr val="lt1"/>
-        </a:fontRef>
-      </dsp:style>
-      <dsp:txBody>
-        <a:bodyPr spcFirstLastPara="0" vert="horz" wrap="square" lIns="121920" tIns="121920" rIns="121920" bIns="121920" numCol="1" spcCol="1270" anchor="ctr" anchorCtr="0">
-          <a:noAutofit/>
-        </a:bodyPr>
-        <a:lstStyle/>
-        <a:p>
-          <a:pPr marL="0" lvl="0" indent="0" algn="ctr" defTabSz="1422400">
-            <a:lnSpc>
-              <a:spcPct val="90000"/>
-            </a:lnSpc>
-            <a:spcBef>
-              <a:spcPct val="0"/>
-            </a:spcBef>
-            <a:spcAft>
-              <a:spcPts val="0"/>
-            </a:spcAft>
-            <a:buNone/>
-          </a:pPr>
-          <a:r>
-            <a:rPr kumimoji="1" lang="ja-JP" altLang="en-US" sz="3200" kern="1200"/>
-            <a:t>早く押すほど</a:t>
-          </a:r>
-          <a:endParaRPr kumimoji="1" lang="en-US" altLang="ja-JP" sz="3200" kern="1200" dirty="0"/>
-        </a:p>
-        <a:p>
-          <a:pPr marL="0" lvl="0" indent="0" algn="ctr" defTabSz="1422400">
-            <a:lnSpc>
-              <a:spcPct val="90000"/>
-            </a:lnSpc>
-            <a:spcBef>
-              <a:spcPct val="0"/>
-            </a:spcBef>
-            <a:spcAft>
-              <a:spcPts val="0"/>
-            </a:spcAft>
-            <a:buNone/>
-          </a:pPr>
-          <a:r>
-            <a:rPr kumimoji="1" lang="ja-JP" altLang="en-US" sz="3200" kern="1200"/>
-            <a:t>高得点！</a:t>
-          </a:r>
-        </a:p>
-      </dsp:txBody>
-      <dsp:txXfrm>
-        <a:off x="5951290" y="361495"/>
-        <a:ext cx="2613119" cy="1563008"/>
-      </dsp:txXfrm>
-    </dsp:sp>
-  </dsp:spTree>
-</dsp:drawing>
-</file>
-
-<file path=ppt/diagrams/layout1.xml><?xml version="1.0" encoding="utf-8"?>
-<dgm:layoutDef xmlns:dgm="http://schemas.openxmlformats.org/drawingml/2006/diagram" xmlns:a="http://schemas.openxmlformats.org/drawingml/2006/main" uniqueId="urn:microsoft.com/office/officeart/2005/8/layout/process1">
-  <dgm:title val=""/>
-  <dgm:desc val=""/>
-  <dgm:catLst>
-    <dgm:cat type="process" pri="1000"/>
-    <dgm:cat type="convert" pri="15000"/>
-  </dgm:catLst>
-  <dgm:sampData useDef="1">
-    <dgm:dataModel>
-      <dgm:ptLst/>
-      <dgm:bg/>
-      <dgm:whole/>
-    </dgm:dataModel>
-  </dgm:sampData>
-  <dgm:styleData>
-    <dgm:dataModel>
-      <dgm:ptLst>
-        <dgm:pt modelId="0" type="doc"/>
-        <dgm:pt modelId="1"/>
-        <dgm:pt modelId="2"/>
-      </dgm:ptLst>
-      <dgm:cxnLst>
-        <dgm:cxn modelId="3" srcId="0" destId="1" srcOrd="0" destOrd="0"/>
-        <dgm:cxn modelId="4" srcId="0" destId="2" srcOrd="1" destOrd="0"/>
-      </dgm:cxnLst>
-      <dgm:bg/>
-      <dgm:whole/>
-    </dgm:dataModel>
-  </dgm:styleData>
-  <dgm:clrData>
-    <dgm:dataModel>
-      <dgm:ptLst>
-        <dgm:pt modelId="0" type="doc"/>
-        <dgm:pt modelId="1"/>
-        <dgm:pt modelId="2"/>
-        <dgm:pt modelId="3"/>
-        <dgm:pt modelId="4"/>
-      </dgm:ptLst>
-      <dgm:cxnLst>
-        <dgm:cxn modelId="5" srcId="0" destId="1" srcOrd="0" destOrd="0"/>
-        <dgm:cxn modelId="6" srcId="0" destId="2" srcOrd="1" destOrd="0"/>
-        <dgm:cxn modelId="7" srcId="0" destId="3" srcOrd="2" destOrd="0"/>
-        <dgm:cxn modelId="8" srcId="0" destId="4" srcOrd="3" destOrd="0"/>
-      </dgm:cxnLst>
-      <dgm:bg/>
-      <dgm:whole/>
-    </dgm:dataModel>
-  </dgm:clrData>
-  <dgm:layoutNode name="Name0">
-    <dgm:varLst>
-      <dgm:dir/>
-      <dgm:resizeHandles val="exact"/>
-    </dgm:varLst>
-    <dgm:choose name="Name1">
-      <dgm:if name="Name2" func="var" arg="dir" op="equ" val="norm">
-        <dgm:alg type="lin"/>
-      </dgm:if>
-      <dgm:else name="Name3">
-        <dgm:alg type="lin">
-          <dgm:param type="linDir" val="fromR"/>
-        </dgm:alg>
-      </dgm:else>
-    </dgm:choose>
-    <dgm:shape xmlns:r="http://schemas.openxmlformats.org/officeDocument/2006/relationships" r:blip="">
-      <dgm:adjLst/>
-    </dgm:shape>
-    <dgm:presOf/>
-    <dgm:constrLst>
-      <dgm:constr type="w" for="ch" ptType="node" refType="w"/>
-      <dgm:constr type="h" for="ch" ptType="node" op="equ"/>
-      <dgm:constr type="primFontSz" for="ch" ptType="node" op="equ" val="65"/>
-      <dgm:constr type="w" for="ch" ptType="sibTrans" refType="w" refFor="ch" refPtType="node" op="equ" fact="0.4"/>
-      <dgm:constr type="h" for="ch" ptType="sibTrans" op="equ"/>
-      <dgm:constr type="primFontSz" for="des" forName="connectorText" op="equ" val="55"/>
-      <dgm:constr type="primFontSz" for="des" forName="connectorText" refType="primFontSz" refFor="ch" refPtType="node" op="lte" fact="0.8"/>
-    </dgm:constrLst>
-    <dgm:ruleLst/>
-    <dgm:forEach name="nodesForEach" axis="ch" ptType="node">
-      <dgm:layoutNode name="node">
-        <dgm:varLst>
-          <dgm:bulletEnabled val="1"/>
-        </dgm:varLst>
-        <dgm:alg type="tx"/>
-        <dgm:shape xmlns:r="http://schemas.openxmlformats.org/officeDocument/2006/relationships" type="roundRect" r:blip="">
-          <dgm:adjLst>
-            <dgm:adj idx="1" val="0.1"/>
-          </dgm:adjLst>
-        </dgm:shape>
-        <dgm:presOf axis="desOrSelf" ptType="node"/>
-        <dgm:constrLst>
-          <dgm:constr type="h" refType="w" fact="0.6"/>
-          <dgm:constr type="tMarg" refType="primFontSz" fact="0.3"/>
-          <dgm:constr type="bMarg" refType="primFontSz" fact="0.3"/>
-          <dgm:constr type="lMarg" refType="primFontSz" fact="0.3"/>
-          <dgm:constr type="rMarg" refType="primFontSz" fact="0.3"/>
-        </dgm:constrLst>
-        <dgm:ruleLst>
-          <dgm:rule type="primFontSz" val="18" fact="NaN" max="NaN"/>
-          <dgm:rule type="h" val="NaN" fact="1.5" max="NaN"/>
-          <dgm:rule type="primFontSz" val="5" fact="NaN" max="NaN"/>
-          <dgm:rule type="h" val="INF" fact="NaN" max="NaN"/>
-        </dgm:ruleLst>
-      </dgm:layoutNode>
-      <dgm:forEach name="sibTransForEach" axis="followSib" ptType="sibTrans" cnt="1">
-        <dgm:layoutNode name="sibTrans">
-          <dgm:alg type="conn">
-            <dgm:param type="begPts" val="auto"/>
-            <dgm:param type="endPts" val="auto"/>
-          </dgm:alg>
-          <dgm:shape xmlns:r="http://schemas.openxmlformats.org/officeDocument/2006/relationships" type="conn" r:blip="">
-            <dgm:adjLst/>
-          </dgm:shape>
-          <dgm:presOf axis="self"/>
-          <dgm:constrLst>
-            <dgm:constr type="h" refType="w" fact="0.62"/>
-            <dgm:constr type="connDist"/>
-            <dgm:constr type="begPad" refType="connDist" fact="0.25"/>
-            <dgm:constr type="endPad" refType="connDist" fact="0.22"/>
-          </dgm:constrLst>
-          <dgm:ruleLst/>
-          <dgm:layoutNode name="connectorText">
-            <dgm:alg type="tx">
-              <dgm:param type="autoTxRot" val="grav"/>
-            </dgm:alg>
-            <dgm:shape xmlns:r="http://schemas.openxmlformats.org/officeDocument/2006/relationships" type="conn" r:blip="" hideGeom="1">
-              <dgm:adjLst/>
-            </dgm:shape>
-            <dgm:presOf axis="self"/>
-            <dgm:constrLst>
-              <dgm:constr type="lMarg"/>
-              <dgm:constr type="rMarg"/>
-              <dgm:constr type="tMarg"/>
-              <dgm:constr type="bMarg"/>
-            </dgm:constrLst>
-            <dgm:ruleLst>
-              <dgm:rule type="primFontSz" val="5" fact="NaN" max="NaN"/>
-            </dgm:ruleLst>
-          </dgm:layoutNode>
-        </dgm:layoutNode>
-      </dgm:forEach>
-    </dgm:forEach>
-  </dgm:layoutNode>
-</dgm:layoutDef>
-</file>
-
-<file path=ppt/diagrams/quickStyle1.xml><?xml version="1.0" encoding="utf-8"?>
-<dgm:styleDef xmlns:dgm="http://schemas.openxmlformats.org/drawingml/2006/diagram" xmlns:a="http://schemas.openxmlformats.org/drawingml/2006/main" uniqueId="urn:microsoft.com/office/officeart/2005/8/quickstyle/simple1">
-  <dgm:title val=""/>
-  <dgm:desc val=""/>
-  <dgm:catLst>
-    <dgm:cat type="simple" pri="10100"/>
-  </dgm:catLst>
-  <dgm:scene3d>
-    <a:camera prst="orthographicFront"/>
-    <a:lightRig rig="threePt" dir="t"/>
-  </dgm:scene3d>
-  <dgm:styleLbl name="node0">
-    <dgm:scene3d>
-      <a:camera prst="orthographicFront"/>
-      <a:lightRig rig="threePt" dir="t"/>
-    </dgm:scene3d>
-    <dgm:sp3d/>
-    <dgm:txPr/>
-    <dgm:style>
-      <a:lnRef idx="2">
-        <a:scrgbClr r="0" g="0" b="0"/>
-      </a:lnRef>
-      <a:fillRef idx="1">
-        <a:scrgbClr r="0" g="0" b="0"/>
-      </a:fillRef>
-      <a:effectRef idx="0">
-        <a:scrgbClr r="0" g="0" b="0"/>
-      </a:effectRef>
-      <a:fontRef idx="minor">
-        <a:schemeClr val="lt1"/>
-      </a:fontRef>
-    </dgm:style>
-  </dgm:styleLbl>
-  <dgm:styleLbl name="lnNode1">
-    <dgm:scene3d>
-      <a:camera prst="orthographicFront"/>
-      <a:lightRig rig="threePt" dir="t"/>
-    </dgm:scene3d>
-    <dgm:sp3d/>
-    <dgm:txPr/>
-    <dgm:style>
-      <a:lnRef idx="2">
-        <a:scrgbClr r="0" g="0" b="0"/>
-      </a:lnRef>
-      <a:fillRef idx="1">
-        <a:scrgbClr r="0" g="0" b="0"/>
-      </a:fillRef>
-      <a:effectRef idx="0">
-        <a:scrgbClr r="0" g="0" b="0"/>
-      </a:effectRef>
-      <a:fontRef idx="minor">
-        <a:schemeClr val="lt1"/>
-      </a:fontRef>
-    </dgm:style>
-  </dgm:styleLbl>
-  <dgm:styleLbl name="vennNode1">
-    <dgm:scene3d>
-      <a:camera prst="orthographicFront"/>
-      <a:lightRig rig="threePt" dir="t"/>
-    </dgm:scene3d>
-    <dgm:sp3d/>
-    <dgm:txPr/>
-    <dgm:style>
-      <a:lnRef idx="2">
-        <a:scrgbClr r="0" g="0" b="0"/>
-      </a:lnRef>
-      <a:fillRef idx="1">
-        <a:scrgbClr r="0" g="0" b="0"/>
-      </a:fillRef>
-      <a:effectRef idx="0">
-        <a:scrgbClr r="0" g="0" b="0"/>
-      </a:effectRef>
-      <a:fontRef idx="minor">
-        <a:schemeClr val="tx1"/>
-      </a:fontRef>
-    </dgm:style>
-  </dgm:styleLbl>
-  <dgm:styleLbl name="alignNode1">
-    <dgm:scene3d>
-      <a:camera prst="orthographicFront"/>
-      <a:lightRig rig="threePt" dir="t"/>
-    </dgm:scene3d>
-    <dgm:sp3d/>
-    <dgm:txPr/>
-    <dgm:style>
-      <a:lnRef idx="2">
-        <a:scrgbClr r="0" g="0" b="0"/>
-      </a:lnRef>
-      <a:fillRef idx="1">
-        <a:scrgbClr r="0" g="0" b="0"/>
-      </a:fillRef>
-      <a:effectRef idx="0">
-        <a:scrgbClr r="0" g="0" b="0"/>
-      </a:effectRef>
-      <a:fontRef idx="minor">
-        <a:schemeClr val="lt1"/>
-      </a:fontRef>
-    </dgm:style>
-  </dgm:styleLbl>
-  <dgm:styleLbl name="node1">
-    <dgm:scene3d>
-      <a:camera prst="orthographicFront"/>
-      <a:lightRig rig="threePt" dir="t"/>
-    </dgm:scene3d>
-    <dgm:sp3d/>
-    <dgm:txPr/>
-    <dgm:style>
-      <a:lnRef idx="2">
-        <a:scrgbClr r="0" g="0" b="0"/>
-      </a:lnRef>
-      <a:fillRef idx="1">
-        <a:scrgbClr r="0" g="0" b="0"/>
-      </a:fillRef>
-      <a:effectRef idx="0">
-        <a:scrgbClr r="0" g="0" b="0"/>
-      </a:effectRef>
-      <a:fontRef idx="minor">
-        <a:schemeClr val="lt1"/>
-      </a:fontRef>
-    </dgm:style>
-  </dgm:styleLbl>
-  <dgm:styleLbl name="node2">
-    <dgm:scene3d>
-      <a:camera prst="orthographicFront"/>
-      <a:lightRig rig="threePt" dir="t"/>
-    </dgm:scene3d>
-    <dgm:sp3d/>
-    <dgm:txPr/>
-    <dgm:style>
-      <a:lnRef idx="2">
-        <a:scrgbClr r="0" g="0" b="0"/>
-      </a:lnRef>
-      <a:fillRef idx="1">
-        <a:scrgbClr r="0" g="0" b="0"/>
-      </a:fillRef>
-      <a:effectRef idx="0">
-        <a:scrgbClr r="0" g="0" b="0"/>
-      </a:effectRef>
-      <a:fontRef idx="minor">
-        <a:schemeClr val="lt1"/>
-      </a:fontRef>
-    </dgm:style>
-  </dgm:styleLbl>
-  <dgm:styleLbl name="node3">
-    <dgm:scene3d>
-      <a:camera prst="orthographicFront"/>
-      <a:lightRig rig="threePt" dir="t"/>
-    </dgm:scene3d>
-    <dgm:sp3d/>
-    <dgm:txPr/>
-    <dgm:style>
-      <a:lnRef idx="2">
-        <a:scrgbClr r="0" g="0" b="0"/>
-      </a:lnRef>
-      <a:fillRef idx="1">
-        <a:scrgbClr r="0" g="0" b="0"/>
-      </a:fillRef>
-      <a:effectRef idx="0">
-        <a:scrgbClr r="0" g="0" b="0"/>
-      </a:effectRef>
-      <a:fontRef idx="minor">
-        <a:schemeClr val="lt1"/>
-      </a:fontRef>
-    </dgm:style>
-  </dgm:styleLbl>
-  <dgm:styleLbl name="node4">
-    <dgm:scene3d>
-      <a:camera prst="orthographicFront"/>
-      <a:lightRig rig="threePt" dir="t"/>
-    </dgm:scene3d>
-    <dgm:sp3d/>
-    <dgm:txPr/>
-    <dgm:style>
-      <a:lnRef idx="2">
-        <a:scrgbClr r="0" g="0" b="0"/>
-      </a:lnRef>
-      <a:fillRef idx="1">
-        <a:scrgbClr r="0" g="0" b="0"/>
-      </a:fillRef>
-      <a:effectRef idx="0">
-        <a:scrgbClr r="0" g="0" b="0"/>
-      </a:effectRef>
-      <a:fontRef idx="minor">
-        <a:schemeClr val="lt1"/>
-      </a:fontRef>
-    </dgm:style>
-  </dgm:styleLbl>
-  <dgm:styleLbl name="fgImgPlace1">
-    <dgm:scene3d>
-      <a:camera prst="orthographicFront"/>
-      <a:lightRig rig="threePt" dir="t"/>
-    </dgm:scene3d>
-    <dgm:sp3d/>
-    <dgm:txPr/>
-    <dgm:style>
-      <a:lnRef idx="2">
-        <a:scrgbClr r="0" g="0" b="0"/>
-      </a:lnRef>
-      <a:fillRef idx="1">
-        <a:scrgbClr r="0" g="0" b="0"/>
-      </a:fillRef>
-      <a:effectRef idx="0">
-        <a:scrgbClr r="0" g="0" b="0"/>
-      </a:effectRef>
-      <a:fontRef idx="minor"/>
-    </dgm:style>
-  </dgm:styleLbl>
-  <dgm:styleLbl name="alignImgPlace1">
-    <dgm:scene3d>
-      <a:camera prst="orthographicFront"/>
-      <a:lightRig rig="threePt" dir="t"/>
-    </dgm:scene3d>
-    <dgm:sp3d/>
-    <dgm:txPr/>
-    <dgm:style>
-      <a:lnRef idx="2">
-        <a:scrgbClr r="0" g="0" b="0"/>
-      </a:lnRef>
-      <a:fillRef idx="1">
-        <a:scrgbClr r="0" g="0" b="0"/>
-      </a:fillRef>
-      <a:effectRef idx="0">
-        <a:scrgbClr r="0" g="0" b="0"/>
-      </a:effectRef>
-      <a:fontRef idx="minor"/>
-    </dgm:style>
-  </dgm:styleLbl>
-  <dgm:styleLbl name="bgImgPlace1">
-    <dgm:scene3d>
-      <a:camera prst="orthographicFront"/>
-      <a:lightRig rig="threePt" dir="t"/>
-    </dgm:scene3d>
-    <dgm:sp3d/>
-    <dgm:txPr/>
-    <dgm:style>
-      <a:lnRef idx="2">
-        <a:scrgbClr r="0" g="0" b="0"/>
-      </a:lnRef>
-      <a:fillRef idx="1">
-        <a:scrgbClr r="0" g="0" b="0"/>
-      </a:fillRef>
-      <a:effectRef idx="0">
-        <a:scrgbClr r="0" g="0" b="0"/>
-      </a:effectRef>
-      <a:fontRef idx="minor"/>
-    </dgm:style>
-  </dgm:styleLbl>
-  <dgm:styleLbl name="sibTrans2D1">
-    <dgm:scene3d>
-      <a:camera prst="orthographicFront"/>
-      <a:lightRig rig="threePt" dir="t"/>
-    </dgm:scene3d>
-    <dgm:sp3d/>
-    <dgm:txPr/>
-    <dgm:style>
-      <a:lnRef idx="0">
-        <a:scrgbClr r="0" g="0" b="0"/>
-      </a:lnRef>
-      <a:fillRef idx="1">
-        <a:scrgbClr r="0" g="0" b="0"/>
-      </a:fillRef>
-      <a:effectRef idx="0">
-        <a:scrgbClr r="0" g="0" b="0"/>
-      </a:effectRef>
-      <a:fontRef idx="minor">
-        <a:schemeClr val="lt1"/>
-      </a:fontRef>
-    </dgm:style>
-  </dgm:styleLbl>
-  <dgm:styleLbl name="fgSibTrans2D1">
-    <dgm:scene3d>
-      <a:camera prst="orthographicFront"/>
-      <a:lightRig rig="threePt" dir="t"/>
-    </dgm:scene3d>
-    <dgm:sp3d/>
-    <dgm:txPr/>
-    <dgm:style>
-      <a:lnRef idx="0">
-        <a:scrgbClr r="0" g="0" b="0"/>
-      </a:lnRef>
-      <a:fillRef idx="1">
-        <a:scrgbClr r="0" g="0" b="0"/>
-      </a:fillRef>
-      <a:effectRef idx="0">
-        <a:scrgbClr r="0" g="0" b="0"/>
-      </a:effectRef>
-      <a:fontRef idx="minor">
-        <a:schemeClr val="lt1"/>
-      </a:fontRef>
-    </dgm:style>
-  </dgm:styleLbl>
-  <dgm:styleLbl name="bgSibTrans2D1">
-    <dgm:scene3d>
-      <a:camera prst="orthographicFront"/>
-      <a:lightRig rig="threePt" dir="t"/>
-    </dgm:scene3d>
-    <dgm:sp3d/>
-    <dgm:txPr/>
-    <dgm:style>
-      <a:lnRef idx="0">
-        <a:scrgbClr r="0" g="0" b="0"/>
-      </a:lnRef>
-      <a:fillRef idx="1">
-        <a:scrgbClr r="0" g="0" b="0"/>
-      </a:fillRef>
-      <a:effectRef idx="0">
-        <a:scrgbClr r="0" g="0" b="0"/>
-      </a:effectRef>
-      <a:fontRef idx="minor">
-        <a:schemeClr val="lt1"/>
-      </a:fontRef>
-    </dgm:style>
-  </dgm:styleLbl>
-  <dgm:styleLbl name="sibTrans1D1">
-    <dgm:scene3d>
-      <a:camera prst="orthographicFront"/>
-      <a:lightRig rig="threePt" dir="t"/>
-    </dgm:scene3d>
-    <dgm:sp3d/>
-    <dgm:txPr/>
-    <dgm:style>
-      <a:lnRef idx="1">
-        <a:scrgbClr r="0" g="0" b="0"/>
-      </a:lnRef>
-      <a:fillRef idx="0">
-        <a:scrgbClr r="0" g="0" b="0"/>
-      </a:fillRef>
-      <a:effectRef idx="0">
-        <a:scrgbClr r="0" g="0" b="0"/>
-      </a:effectRef>
-      <a:fontRef idx="minor"/>
-    </dgm:style>
-  </dgm:styleLbl>
-  <dgm:styleLbl name="callout">
-    <dgm:scene3d>
-      <a:camera prst="orthographicFront"/>
-      <a:lightRig rig="threePt" dir="t"/>
-    </dgm:scene3d>
-    <dgm:sp3d/>
-    <dgm:txPr/>
-    <dgm:style>
-      <a:lnRef idx="2">
-        <a:scrgbClr r="0" g="0" b="0"/>
-      </a:lnRef>
-      <a:fillRef idx="1">
-        <a:scrgbClr r="0" g="0" b="0"/>
-      </a:fillRef>
-      <a:effectRef idx="0">
-        <a:scrgbClr r="0" g="0" b="0"/>
-      </a:effectRef>
-      <a:fontRef idx="minor"/>
-    </dgm:style>
-  </dgm:styleLbl>
-  <dgm:styleLbl name="asst0">
-    <dgm:scene3d>
-      <a:camera prst="orthographicFront"/>
-      <a:lightRig rig="threePt" dir="t"/>
-    </dgm:scene3d>
-    <dgm:sp3d/>
-    <dgm:txPr/>
-    <dgm:style>
-      <a:lnRef idx="2">
-        <a:scrgbClr r="0" g="0" b="0"/>
-      </a:lnRef>
-      <a:fillRef idx="1">
-        <a:scrgbClr r="0" g="0" b="0"/>
-      </a:fillRef>
-      <a:effectRef idx="0">
-        <a:scrgbClr r="0" g="0" b="0"/>
-      </a:effectRef>
-      <a:fontRef idx="minor">
-        <a:schemeClr val="lt1"/>
-      </a:fontRef>
-    </dgm:style>
-  </dgm:styleLbl>
-  <dgm:styleLbl name="asst1">
-    <dgm:scene3d>
-      <a:camera prst="orthographicFront"/>
-      <a:lightRig rig="threePt" dir="t"/>
-    </dgm:scene3d>
-    <dgm:sp3d/>
-    <dgm:txPr/>
-    <dgm:style>
-      <a:lnRef idx="2">
-        <a:scrgbClr r="0" g="0" b="0"/>
-      </a:lnRef>
-      <a:fillRef idx="1">
-        <a:scrgbClr r="0" g="0" b="0"/>
-      </a:fillRef>
-      <a:effectRef idx="0">
-        <a:scrgbClr r="0" g="0" b="0"/>
-      </a:effectRef>
-      <a:fontRef idx="minor">
-        <a:schemeClr val="lt1"/>
-      </a:fontRef>
-    </dgm:style>
-  </dgm:styleLbl>
-  <dgm:styleLbl name="asst2">
-    <dgm:scene3d>
-      <a:camera prst="orthographicFront"/>
-      <a:lightRig rig="threePt" dir="t"/>
-    </dgm:scene3d>
-    <dgm:sp3d/>
-    <dgm:txPr/>
-    <dgm:style>
-      <a:lnRef idx="2">
-        <a:scrgbClr r="0" g="0" b="0"/>
-      </a:lnRef>
-      <a:fillRef idx="1">
-        <a:scrgbClr r="0" g="0" b="0"/>
-      </a:fillRef>
-      <a:effectRef idx="0">
-        <a:scrgbClr r="0" g="0" b="0"/>
-      </a:effectRef>
-      <a:fontRef idx="minor">
-        <a:schemeClr val="lt1"/>
-      </a:fontRef>
-    </dgm:style>
-  </dgm:styleLbl>
-  <dgm:styleLbl name="asst3">
-    <dgm:scene3d>
-      <a:camera prst="orthographicFront"/>
-      <a:lightRig rig="threePt" dir="t"/>
-    </dgm:scene3d>
-    <dgm:sp3d/>
-    <dgm:txPr/>
-    <dgm:style>
-      <a:lnRef idx="2">
-        <a:scrgbClr r="0" g="0" b="0"/>
-      </a:lnRef>
-      <a:fillRef idx="1">
-        <a:scrgbClr r="0" g="0" b="0"/>
-      </a:fillRef>
-      <a:effectRef idx="0">
-        <a:scrgbClr r="0" g="0" b="0"/>
-      </a:effectRef>
-      <a:fontRef idx="minor">
-        <a:schemeClr val="lt1"/>
-      </a:fontRef>
-    </dgm:style>
-  </dgm:styleLbl>
-  <dgm:styleLbl name="asst4">
-    <dgm:scene3d>
-      <a:camera prst="orthographicFront"/>
-      <a:lightRig rig="threePt" dir="t"/>
-    </dgm:scene3d>
-    <dgm:sp3d/>
-    <dgm:txPr/>
-    <dgm:style>
-      <a:lnRef idx="2">
-        <a:scrgbClr r="0" g="0" b="0"/>
-      </a:lnRef>
-      <a:fillRef idx="1">
-        <a:scrgbClr r="0" g="0" b="0"/>
-      </a:fillRef>
-      <a:effectRef idx="0">
-        <a:scrgbClr r="0" g="0" b="0"/>
-      </a:effectRef>
-      <a:fontRef idx="minor">
-        <a:schemeClr val="lt1"/>
-      </a:fontRef>
-    </dgm:style>
-  </dgm:styleLbl>
-  <dgm:styleLbl name="parChTrans2D1">
-    <dgm:scene3d>
-      <a:camera prst="orthographicFront"/>
-      <a:lightRig rig="threePt" dir="t"/>
-    </dgm:scene3d>
-    <dgm:sp3d/>
-    <dgm:txPr/>
-    <dgm:style>
-      <a:lnRef idx="2">
-        <a:scrgbClr r="0" g="0" b="0"/>
-      </a:lnRef>
-      <a:fillRef idx="1">
-        <a:scrgbClr r="0" g="0" b="0"/>
-      </a:fillRef>
-      <a:effectRef idx="0">
-        <a:scrgbClr r="0" g="0" b="0"/>
-      </a:effectRef>
-      <a:fontRef idx="minor">
-        <a:schemeClr val="lt1"/>
-      </a:fontRef>
-    </dgm:style>
-  </dgm:styleLbl>
-  <dgm:styleLbl name="parChTrans2D2">
-    <dgm:scene3d>
-      <a:camera prst="orthographicFront"/>
-      <a:lightRig rig="threePt" dir="t"/>
-    </dgm:scene3d>
-    <dgm:sp3d/>
-    <dgm:txPr/>
-    <dgm:style>
-      <a:lnRef idx="2">
-        <a:scrgbClr r="0" g="0" b="0"/>
-      </a:lnRef>
-      <a:fillRef idx="1">
-        <a:scrgbClr r="0" g="0" b="0"/>
-      </a:fillRef>
-      <a:effectRef idx="0">
-        <a:scrgbClr r="0" g="0" b="0"/>
-      </a:effectRef>
-      <a:fontRef idx="minor">
-        <a:schemeClr val="lt1"/>
-      </a:fontRef>
-    </dgm:style>
-  </dgm:styleLbl>
-  <dgm:styleLbl name="parChTrans2D3">
-    <dgm:scene3d>
-      <a:camera prst="orthographicFront"/>
-      <a:lightRig rig="threePt" dir="t"/>
-    </dgm:scene3d>
-    <dgm:sp3d/>
-    <dgm:txPr/>
-    <dgm:style>
-      <a:lnRef idx="2">
-        <a:scrgbClr r="0" g="0" b="0"/>
-      </a:lnRef>
-      <a:fillRef idx="1">
-        <a:scrgbClr r="0" g="0" b="0"/>
-      </a:fillRef>
-      <a:effectRef idx="0">
-        <a:scrgbClr r="0" g="0" b="0"/>
-      </a:effectRef>
-      <a:fontRef idx="minor">
-        <a:schemeClr val="lt1"/>
-      </a:fontRef>
-    </dgm:style>
-  </dgm:styleLbl>
-  <dgm:styleLbl name="parChTrans2D4">
-    <dgm:scene3d>
-      <a:camera prst="orthographicFront"/>
-      <a:lightRig rig="threePt" dir="t"/>
-    </dgm:scene3d>
-    <dgm:sp3d/>
-    <dgm:txPr/>
-    <dgm:style>
-      <a:lnRef idx="2">
-        <a:scrgbClr r="0" g="0" b="0"/>
-      </a:lnRef>
-      <a:fillRef idx="1">
-        <a:scrgbClr r="0" g="0" b="0"/>
-      </a:fillRef>
-      <a:effectRef idx="0">
-        <a:scrgbClr r="0" g="0" b="0"/>
-      </a:effectRef>
-      <a:fontRef idx="minor">
-        <a:schemeClr val="lt1"/>
-      </a:fontRef>
-    </dgm:style>
-  </dgm:styleLbl>
-  <dgm:styleLbl name="parChTrans1D1">
-    <dgm:scene3d>
-      <a:camera prst="orthographicFront"/>
-      <a:lightRig rig="threePt" dir="t"/>
-    </dgm:scene3d>
-    <dgm:sp3d/>
-    <dgm:txPr/>
-    <dgm:style>
-      <a:lnRef idx="2">
-        <a:scrgbClr r="0" g="0" b="0"/>
-      </a:lnRef>
-      <a:fillRef idx="0">
-        <a:scrgbClr r="0" g="0" b="0"/>
-      </a:fillRef>
-      <a:effectRef idx="0">
-        <a:scrgbClr r="0" g="0" b="0"/>
-      </a:effectRef>
-      <a:fontRef idx="minor"/>
-    </dgm:style>
-  </dgm:styleLbl>
-  <dgm:styleLbl name="parChTrans1D2">
-    <dgm:scene3d>
-      <a:camera prst="orthographicFront"/>
-      <a:lightRig rig="threePt" dir="t"/>
-    </dgm:scene3d>
-    <dgm:sp3d/>
-    <dgm:txPr/>
-    <dgm:style>
-      <a:lnRef idx="2">
-        <a:scrgbClr r="0" g="0" b="0"/>
-      </a:lnRef>
-      <a:fillRef idx="0">
-        <a:scrgbClr r="0" g="0" b="0"/>
-      </a:fillRef>
-      <a:effectRef idx="0">
-        <a:scrgbClr r="0" g="0" b="0"/>
-      </a:effectRef>
-      <a:fontRef idx="minor"/>
-    </dgm:style>
-  </dgm:styleLbl>
-  <dgm:styleLbl name="parChTrans1D3">
-    <dgm:scene3d>
-      <a:camera prst="orthographicFront"/>
-      <a:lightRig rig="threePt" dir="t"/>
-    </dgm:scene3d>
-    <dgm:sp3d/>
-    <dgm:txPr/>
-    <dgm:style>
-      <a:lnRef idx="2">
-        <a:scrgbClr r="0" g="0" b="0"/>
-      </a:lnRef>
-      <a:fillRef idx="0">
-        <a:scrgbClr r="0" g="0" b="0"/>
-      </a:fillRef>
-      <a:effectRef idx="0">
-        <a:scrgbClr r="0" g="0" b="0"/>
-      </a:effectRef>
-      <a:fontRef idx="minor"/>
-    </dgm:style>
-  </dgm:styleLbl>
-  <dgm:styleLbl name="parChTrans1D4">
-    <dgm:scene3d>
-      <a:camera prst="orthographicFront"/>
-      <a:lightRig rig="threePt" dir="t"/>
-    </dgm:scene3d>
-    <dgm:sp3d/>
-    <dgm:txPr/>
-    <dgm:style>
-      <a:lnRef idx="2">
-        <a:scrgbClr r="0" g="0" b="0"/>
-      </a:lnRef>
-      <a:fillRef idx="0">
-        <a:scrgbClr r="0" g="0" b="0"/>
-      </a:fillRef>
-      <a:effectRef idx="0">
-        <a:scrgbClr r="0" g="0" b="0"/>
-      </a:effectRef>
-      <a:fontRef idx="minor"/>
-    </dgm:style>
-  </dgm:styleLbl>
-  <dgm:styleLbl name="fgAcc1">
-    <dgm:scene3d>
-      <a:camera prst="orthographicFront"/>
-      <a:lightRig rig="threePt" dir="t"/>
-    </dgm:scene3d>
-    <dgm:sp3d/>
-    <dgm:txPr/>
-    <dgm:style>
-      <a:lnRef idx="2">
-        <a:scrgbClr r="0" g="0" b="0"/>
-      </a:lnRef>
-      <a:fillRef idx="1">
-        <a:scrgbClr r="0" g="0" b="0"/>
-      </a:fillRef>
-      <a:effectRef idx="0">
-        <a:scrgbClr r="0" g="0" b="0"/>
-      </a:effectRef>
-      <a:fontRef idx="minor"/>
-    </dgm:style>
-  </dgm:styleLbl>
-  <dgm:styleLbl name="conFgAcc1">
-    <dgm:scene3d>
-      <a:camera prst="orthographicFront"/>
-      <a:lightRig rig="threePt" dir="t"/>
-    </dgm:scene3d>
-    <dgm:sp3d/>
-    <dgm:txPr/>
-    <dgm:style>
-      <a:lnRef idx="2">
-        <a:scrgbClr r="0" g="0" b="0"/>
-      </a:lnRef>
-      <a:fillRef idx="1">
-        <a:scrgbClr r="0" g="0" b="0"/>
-      </a:fillRef>
-      <a:effectRef idx="0">
-        <a:scrgbClr r="0" g="0" b="0"/>
-      </a:effectRef>
-      <a:fontRef idx="minor"/>
-    </dgm:style>
-  </dgm:styleLbl>
-  <dgm:styleLbl name="alignAcc1">
-    <dgm:scene3d>
-      <a:camera prst="orthographicFront"/>
-      <a:lightRig rig="threePt" dir="t"/>
-    </dgm:scene3d>
-    <dgm:sp3d/>
-    <dgm:txPr/>
-    <dgm:style>
-      <a:lnRef idx="2">
-        <a:scrgbClr r="0" g="0" b="0"/>
-      </a:lnRef>
-      <a:fillRef idx="1">
-        <a:scrgbClr r="0" g="0" b="0"/>
-      </a:fillRef>
-      <a:effectRef idx="0">
-        <a:scrgbClr r="0" g="0" b="0"/>
-      </a:effectRef>
-      <a:fontRef idx="minor"/>
-    </dgm:style>
-  </dgm:styleLbl>
-  <dgm:styleLbl name="trAlignAcc1">
-    <dgm:scene3d>
-      <a:camera prst="orthographicFront"/>
-      <a:lightRig rig="threePt" dir="t"/>
-    </dgm:scene3d>
-    <dgm:sp3d/>
-    <dgm:txPr/>
-    <dgm:style>
-      <a:lnRef idx="1">
-        <a:scrgbClr r="0" g="0" b="0"/>
-      </a:lnRef>
-      <a:fillRef idx="1">
-        <a:scrgbClr r="0" g="0" b="0"/>
-      </a:fillRef>
-      <a:effectRef idx="0">
-        <a:scrgbClr r="0" g="0" b="0"/>
-      </a:effectRef>
-      <a:fontRef idx="minor"/>
-    </dgm:style>
-  </dgm:styleLbl>
-  <dgm:styleLbl name="bgAcc1">
-    <dgm:scene3d>
-      <a:camera prst="orthographicFront"/>
-      <a:lightRig rig="threePt" dir="t"/>
-    </dgm:scene3d>
-    <dgm:sp3d/>
-    <dgm:txPr/>
-    <dgm:style>
-      <a:lnRef idx="2">
-        <a:scrgbClr r="0" g="0" b="0"/>
-      </a:lnRef>
-      <a:fillRef idx="1">
-        <a:scrgbClr r="0" g="0" b="0"/>
-      </a:fillRef>
-      <a:effectRef idx="0">
-        <a:scrgbClr r="0" g="0" b="0"/>
-      </a:effectRef>
-      <a:fontRef idx="minor"/>
-    </dgm:style>
-  </dgm:styleLbl>
-  <dgm:styleLbl name="solidFgAcc1">
-    <dgm:scene3d>
-      <a:camera prst="orthographicFront"/>
-      <a:lightRig rig="threePt" dir="t"/>
-    </dgm:scene3d>
-    <dgm:sp3d/>
-    <dgm:txPr/>
-    <dgm:style>
-      <a:lnRef idx="2">
-        <a:scrgbClr r="0" g="0" b="0"/>
-      </a:lnRef>
-      <a:fillRef idx="1">
-        <a:scrgbClr r="0" g="0" b="0"/>
-      </a:fillRef>
-      <a:effectRef idx="0">
-        <a:scrgbClr r="0" g="0" b="0"/>
-      </a:effectRef>
-      <a:fontRef idx="minor"/>
-    </dgm:style>
-  </dgm:styleLbl>
-  <dgm:styleLbl name="solidAlignAcc1">
-    <dgm:scene3d>
-      <a:camera prst="orthographicFront"/>
-      <a:lightRig rig="threePt" dir="t"/>
-    </dgm:scene3d>
-    <dgm:sp3d/>
-    <dgm:txPr/>
-    <dgm:style>
-      <a:lnRef idx="2">
-        <a:scrgbClr r="0" g="0" b="0"/>
-      </a:lnRef>
-      <a:fillRef idx="1">
-        <a:scrgbClr r="0" g="0" b="0"/>
-      </a:fillRef>
-      <a:effectRef idx="0">
-        <a:scrgbClr r="0" g="0" b="0"/>
-      </a:effectRef>
-      <a:fontRef idx="minor"/>
-    </dgm:style>
-  </dgm:styleLbl>
-  <dgm:styleLbl name="solidBgAcc1">
-    <dgm:scene3d>
-      <a:camera prst="orthographicFront"/>
-      <a:lightRig rig="threePt" dir="t"/>
-    </dgm:scene3d>
-    <dgm:sp3d/>
-    <dgm:txPr/>
-    <dgm:style>
-      <a:lnRef idx="2">
-        <a:scrgbClr r="0" g="0" b="0"/>
-      </a:lnRef>
-      <a:fillRef idx="1">
-        <a:scrgbClr r="0" g="0" b="0"/>
-      </a:fillRef>
-      <a:effectRef idx="0">
-        <a:scrgbClr r="0" g="0" b="0"/>
-      </a:effectRef>
-      <a:fontRef idx="minor"/>
-    </dgm:style>
-  </dgm:styleLbl>
-  <dgm:styleLbl name="fgAccFollowNode1">
-    <dgm:scene3d>
-      <a:camera prst="orthographicFront"/>
-      <a:lightRig rig="threePt" dir="t"/>
-    </dgm:scene3d>
-    <dgm:sp3d/>
-    <dgm:txPr/>
-    <dgm:style>
-      <a:lnRef idx="2">
-        <a:scrgbClr r="0" g="0" b="0"/>
-      </a:lnRef>
-      <a:fillRef idx="1">
-        <a:scrgbClr r="0" g="0" b="0"/>
-      </a:fillRef>
-      <a:effectRef idx="0">
-        <a:scrgbClr r="0" g="0" b="0"/>
-      </a:effectRef>
-      <a:fontRef idx="minor"/>
-    </dgm:style>
-  </dgm:styleLbl>
-  <dgm:styleLbl name="alignAccFollowNode1">
-    <dgm:scene3d>
-      <a:camera prst="orthographicFront"/>
-      <a:lightRig rig="threePt" dir="t"/>
-    </dgm:scene3d>
-    <dgm:sp3d/>
-    <dgm:txPr/>
-    <dgm:style>
-      <a:lnRef idx="2">
-        <a:scrgbClr r="0" g="0" b="0"/>
-      </a:lnRef>
-      <a:fillRef idx="1">
-        <a:scrgbClr r="0" g="0" b="0"/>
-      </a:fillRef>
-      <a:effectRef idx="0">
-        <a:scrgbClr r="0" g="0" b="0"/>
-      </a:effectRef>
-      <a:fontRef idx="minor"/>
-    </dgm:style>
-  </dgm:styleLbl>
-  <dgm:styleLbl name="bgAccFollowNode1">
-    <dgm:scene3d>
-      <a:camera prst="orthographicFront"/>
-      <a:lightRig rig="threePt" dir="t"/>
-    </dgm:scene3d>
-    <dgm:sp3d/>
-    <dgm:txPr/>
-    <dgm:style>
-      <a:lnRef idx="2">
-        <a:scrgbClr r="0" g="0" b="0"/>
-      </a:lnRef>
-      <a:fillRef idx="1">
-        <a:scrgbClr r="0" g="0" b="0"/>
-      </a:fillRef>
-      <a:effectRef idx="0">
-        <a:scrgbClr r="0" g="0" b="0"/>
-      </a:effectRef>
-      <a:fontRef idx="minor"/>
-    </dgm:style>
-  </dgm:styleLbl>
-  <dgm:styleLbl name="fgAcc0">
-    <dgm:scene3d>
-      <a:camera prst="orthographicFront"/>
-      <a:lightRig rig="threePt" dir="t"/>
-    </dgm:scene3d>
-    <dgm:sp3d/>
-    <dgm:txPr/>
-    <dgm:style>
-      <a:lnRef idx="2">
-        <a:scrgbClr r="0" g="0" b="0"/>
-      </a:lnRef>
-      <a:fillRef idx="1">
-        <a:scrgbClr r="0" g="0" b="0"/>
-      </a:fillRef>
-      <a:effectRef idx="0">
-        <a:scrgbClr r="0" g="0" b="0"/>
-      </a:effectRef>
-      <a:fontRef idx="minor"/>
-    </dgm:style>
-  </dgm:styleLbl>
-  <dgm:styleLbl name="fgAcc2">
-    <dgm:scene3d>
-      <a:camera prst="orthographicFront"/>
-      <a:lightRig rig="threePt" dir="t"/>
-    </dgm:scene3d>
-    <dgm:sp3d/>
-    <dgm:txPr/>
-    <dgm:style>
-      <a:lnRef idx="2">
-        <a:scrgbClr r="0" g="0" b="0"/>
-      </a:lnRef>
-      <a:fillRef idx="1">
-        <a:scrgbClr r="0" g="0" b="0"/>
-      </a:fillRef>
-      <a:effectRef idx="0">
-        <a:scrgbClr r="0" g="0" b="0"/>
-      </a:effectRef>
-      <a:fontRef idx="minor"/>
-    </dgm:style>
-  </dgm:styleLbl>
-  <dgm:styleLbl name="fgAcc3">
-    <dgm:scene3d>
-      <a:camera prst="orthographicFront"/>
-      <a:lightRig rig="threePt" dir="t"/>
-    </dgm:scene3d>
-    <dgm:sp3d/>
-    <dgm:txPr/>
-    <dgm:style>
-      <a:lnRef idx="2">
-        <a:scrgbClr r="0" g="0" b="0"/>
-      </a:lnRef>
-      <a:fillRef idx="1">
-        <a:scrgbClr r="0" g="0" b="0"/>
-      </a:fillRef>
-      <a:effectRef idx="0">
-        <a:scrgbClr r="0" g="0" b="0"/>
-      </a:effectRef>
-      <a:fontRef idx="minor"/>
-    </dgm:style>
-  </dgm:styleLbl>
-  <dgm:styleLbl name="fgAcc4">
-    <dgm:scene3d>
-      <a:camera prst="orthographicFront"/>
-      <a:lightRig rig="threePt" dir="t"/>
-    </dgm:scene3d>
-    <dgm:sp3d/>
-    <dgm:txPr/>
-    <dgm:style>
-      <a:lnRef idx="2">
-        <a:scrgbClr r="0" g="0" b="0"/>
-      </a:lnRef>
-      <a:fillRef idx="1">
-        <a:scrgbClr r="0" g="0" b="0"/>
-      </a:fillRef>
-      <a:effectRef idx="0">
-        <a:scrgbClr r="0" g="0" b="0"/>
-      </a:effectRef>
-      <a:fontRef idx="minor"/>
-    </dgm:style>
-  </dgm:styleLbl>
-  <dgm:styleLbl name="bgShp">
-    <dgm:scene3d>
-      <a:camera prst="orthographicFront"/>
-      <a:lightRig rig="threePt" dir="t"/>
-    </dgm:scene3d>
-    <dgm:sp3d/>
-    <dgm:txPr/>
-    <dgm:style>
-      <a:lnRef idx="0">
-        <a:scrgbClr r="0" g="0" b="0"/>
-      </a:lnRef>
-      <a:fillRef idx="1">
-        <a:scrgbClr r="0" g="0" b="0"/>
-      </a:fillRef>
-      <a:effectRef idx="0">
-        <a:scrgbClr r="0" g="0" b="0"/>
-      </a:effectRef>
-      <a:fontRef idx="minor"/>
-    </dgm:style>
-  </dgm:styleLbl>
-  <dgm:styleLbl name="dkBgShp">
-    <dgm:scene3d>
-      <a:camera prst="orthographicFront"/>
-      <a:lightRig rig="threePt" dir="t"/>
-    </dgm:scene3d>
-    <dgm:sp3d/>
-    <dgm:txPr/>
-    <dgm:style>
-      <a:lnRef idx="0">
-        <a:scrgbClr r="0" g="0" b="0"/>
-      </a:lnRef>
-      <a:fillRef idx="1">
-        <a:scrgbClr r="0" g="0" b="0"/>
-      </a:fillRef>
-      <a:effectRef idx="0">
-        <a:scrgbClr r="0" g="0" b="0"/>
-      </a:effectRef>
-      <a:fontRef idx="minor"/>
-    </dgm:style>
-  </dgm:styleLbl>
-  <dgm:styleLbl name="trBgShp">
-    <dgm:scene3d>
-      <a:camera prst="orthographicFront"/>
-      <a:lightRig rig="threePt" dir="t"/>
-    </dgm:scene3d>
-    <dgm:sp3d/>
-    <dgm:txPr/>
-    <dgm:style>
-      <a:lnRef idx="0">
-        <a:scrgbClr r="0" g="0" b="0"/>
-      </a:lnRef>
-      <a:fillRef idx="1">
-        <a:scrgbClr r="0" g="0" b="0"/>
-      </a:fillRef>
-      <a:effectRef idx="0">
-        <a:scrgbClr r="0" g="0" b="0"/>
-      </a:effectRef>
-      <a:fontRef idx="minor"/>
-    </dgm:style>
-  </dgm:styleLbl>
-  <dgm:styleLbl name="fgShp">
-    <dgm:scene3d>
-      <a:camera prst="orthographicFront"/>
-      <a:lightRig rig="threePt" dir="t"/>
-    </dgm:scene3d>
-    <dgm:sp3d/>
-    <dgm:txPr/>
-    <dgm:style>
-      <a:lnRef idx="2">
-        <a:scrgbClr r="0" g="0" b="0"/>
-      </a:lnRef>
-      <a:fillRef idx="1">
-        <a:scrgbClr r="0" g="0" b="0"/>
-      </a:fillRef>
-      <a:effectRef idx="0">
-        <a:scrgbClr r="0" g="0" b="0"/>
-      </a:effectRef>
-      <a:fontRef idx="minor"/>
-    </dgm:style>
-  </dgm:styleLbl>
-  <dgm:styleLbl name="revTx">
-    <dgm:scene3d>
-      <a:camera prst="orthographicFront"/>
-      <a:lightRig rig="threePt" dir="t"/>
-    </dgm:scene3d>
-    <dgm:sp3d/>
-    <dgm:txPr/>
-    <dgm:style>
-      <a:lnRef idx="0">
-        <a:scrgbClr r="0" g="0" b="0"/>
-      </a:lnRef>
-      <a:fillRef idx="0">
-        <a:scrgbClr r="0" g="0" b="0"/>
-      </a:fillRef>
-      <a:effectRef idx="0">
-        <a:scrgbClr r="0" g="0" b="0"/>
-      </a:effectRef>
-      <a:fontRef idx="minor"/>
-    </dgm:style>
-  </dgm:styleLbl>
-</dgm:styleDef>
+<file path=ppt/revisionInfo.xml><?xml version="1.0" encoding="utf-8"?>
+<p1510:revInfo xmlns:a="http://schemas.openxmlformats.org/drawingml/2006/main" xmlns:r="http://schemas.openxmlformats.org/officeDocument/2006/relationships" xmlns:p1510="http://schemas.microsoft.com/office/powerpoint/2015/10/main"/>
 </file>
 
 <file path=ppt/slideLayouts/slideLayout1.xml><?xml version="1.0" encoding="utf-8"?>
@@ -2906,7 +280,7 @@
           <a:p>
             <a:fld id="{2C9C26E4-BF83-43F1-84B1-52493FE7E50A}" type="datetimeFigureOut">
               <a:rPr lang="en-US" smtClean="0"/>
-              <a:t>6/20/18</a:t>
+              <a:t>6/20/2018</a:t>
             </a:fld>
             <a:endParaRPr lang="en-US"/>
           </a:p>
@@ -3182,7 +556,7 @@
           <a:p>
             <a:fld id="{2C9C26E4-BF83-43F1-84B1-52493FE7E50A}" type="datetimeFigureOut">
               <a:rPr lang="en-US" smtClean="0"/>
-              <a:t>6/20/18</a:t>
+              <a:t>6/20/2018</a:t>
             </a:fld>
             <a:endParaRPr lang="en-US"/>
           </a:p>
@@ -3468,7 +842,7 @@
           <a:p>
             <a:fld id="{2C9C26E4-BF83-43F1-84B1-52493FE7E50A}" type="datetimeFigureOut">
               <a:rPr lang="en-US" smtClean="0"/>
-              <a:t>6/20/18</a:t>
+              <a:t>6/20/2018</a:t>
             </a:fld>
             <a:endParaRPr lang="en-US"/>
           </a:p>
@@ -3744,7 +1118,7 @@
           <a:p>
             <a:fld id="{2C9C26E4-BF83-43F1-84B1-52493FE7E50A}" type="datetimeFigureOut">
               <a:rPr lang="en-US" smtClean="0"/>
-              <a:t>6/20/18</a:t>
+              <a:t>6/20/2018</a:t>
             </a:fld>
             <a:endParaRPr lang="en-US"/>
           </a:p>
@@ -4064,7 +1438,7 @@
           <a:p>
             <a:fld id="{2C9C26E4-BF83-43F1-84B1-52493FE7E50A}" type="datetimeFigureOut">
               <a:rPr lang="en-US" smtClean="0"/>
-              <a:t>6/20/18</a:t>
+              <a:t>6/20/2018</a:t>
             </a:fld>
             <a:endParaRPr lang="en-US"/>
           </a:p>
@@ -4440,7 +1814,7 @@
           <a:p>
             <a:fld id="{2C9C26E4-BF83-43F1-84B1-52493FE7E50A}" type="datetimeFigureOut">
               <a:rPr lang="en-US" smtClean="0"/>
-              <a:t>6/20/18</a:t>
+              <a:t>6/20/2018</a:t>
             </a:fld>
             <a:endParaRPr lang="en-US"/>
           </a:p>
@@ -4593,7 +1967,7 @@
         <p:spPr>
           <a:xfrm>
             <a:off x="629841" y="365126"/>
-            <a:ext cx="7886700" cy="1325563"/>
+            <a:ext cx="7886700" cy="719091"/>
           </a:xfrm>
         </p:spPr>
         <p:txBody>
@@ -4626,16 +2000,18 @@
         </p:nvSpPr>
         <p:spPr>
           <a:xfrm>
-            <a:off x="629842" y="1681163"/>
-            <a:ext cx="3868340" cy="823912"/>
-          </a:xfrm>
-        </p:spPr>
-        <p:txBody>
-          <a:bodyPr anchor="b"/>
+            <a:off x="264319" y="1269207"/>
+            <a:ext cx="4233863" cy="677159"/>
+          </a:xfrm>
+        </p:spPr>
+        <p:txBody>
+          <a:bodyPr anchor="b">
+            <a:noAutofit/>
+          </a:bodyPr>
           <a:lstStyle>
             <a:lvl1pPr marL="0" indent="0">
               <a:buNone/>
-              <a:defRPr sz="2400" b="1"/>
+              <a:defRPr sz="2800" b="1"/>
             </a:lvl1pPr>
             <a:lvl2pPr marL="457200" indent="0">
               <a:buNone/>
@@ -4697,8 +2073,8 @@
         </p:nvSpPr>
         <p:spPr>
           <a:xfrm>
-            <a:off x="629842" y="2505075"/>
-            <a:ext cx="3868340" cy="3684588"/>
+            <a:off x="264319" y="2091393"/>
+            <a:ext cx="4233863" cy="4098270"/>
           </a:xfrm>
         </p:spPr>
         <p:txBody>
@@ -4792,16 +2168,18 @@
         </p:nvSpPr>
         <p:spPr>
           <a:xfrm>
-            <a:off x="4629150" y="1681163"/>
-            <a:ext cx="3887391" cy="823912"/>
-          </a:xfrm>
-        </p:spPr>
-        <p:txBody>
-          <a:bodyPr anchor="b"/>
+            <a:off x="4629150" y="1269207"/>
+            <a:ext cx="4250531" cy="677159"/>
+          </a:xfrm>
+        </p:spPr>
+        <p:txBody>
+          <a:bodyPr anchor="b">
+            <a:noAutofit/>
+          </a:bodyPr>
           <a:lstStyle>
             <a:lvl1pPr marL="0" indent="0">
               <a:buNone/>
-              <a:defRPr sz="2400" b="1"/>
+              <a:defRPr sz="2800" b="1"/>
             </a:lvl1pPr>
             <a:lvl2pPr marL="457200" indent="0">
               <a:buNone/>
@@ -4863,8 +2241,8 @@
         </p:nvSpPr>
         <p:spPr>
           <a:xfrm>
-            <a:off x="4629150" y="2505075"/>
-            <a:ext cx="3887391" cy="3684588"/>
+            <a:off x="4629150" y="2091393"/>
+            <a:ext cx="4250531" cy="4098270"/>
           </a:xfrm>
         </p:spPr>
         <p:txBody>
@@ -4963,7 +2341,7 @@
           <a:p>
             <a:fld id="{2C9C26E4-BF83-43F1-84B1-52493FE7E50A}" type="datetimeFigureOut">
               <a:rPr lang="en-US" smtClean="0"/>
-              <a:t>6/20/18</a:t>
+              <a:t>6/20/2018</a:t>
             </a:fld>
             <a:endParaRPr lang="en-US"/>
           </a:p>
@@ -5039,7 +2417,7 @@
         </p:nvCxnSpPr>
         <p:spPr>
           <a:xfrm>
-            <a:off x="0" y="1672819"/>
+            <a:off x="57150" y="1124179"/>
             <a:ext cx="9144000" cy="0"/>
           </a:xfrm>
           <a:prstGeom prst="line">
@@ -5149,7 +2527,7 @@
           <a:p>
             <a:fld id="{2C9C26E4-BF83-43F1-84B1-52493FE7E50A}" type="datetimeFigureOut">
               <a:rPr lang="en-US" smtClean="0"/>
-              <a:t>6/20/18</a:t>
+              <a:t>6/20/2018</a:t>
             </a:fld>
             <a:endParaRPr lang="en-US"/>
           </a:p>
@@ -5306,7 +2684,7 @@
           <a:p>
             <a:fld id="{2C9C26E4-BF83-43F1-84B1-52493FE7E50A}" type="datetimeFigureOut">
               <a:rPr lang="en-US" smtClean="0"/>
-              <a:t>6/20/18</a:t>
+              <a:t>6/20/2018</a:t>
             </a:fld>
             <a:endParaRPr lang="en-US"/>
           </a:p>
@@ -5651,7 +3029,7 @@
           <a:p>
             <a:fld id="{2C9C26E4-BF83-43F1-84B1-52493FE7E50A}" type="datetimeFigureOut">
               <a:rPr lang="en-US" smtClean="0"/>
-              <a:t>6/20/18</a:t>
+              <a:t>6/20/2018</a:t>
             </a:fld>
             <a:endParaRPr lang="en-US"/>
           </a:p>
@@ -5988,7 +3366,7 @@
           <a:p>
             <a:fld id="{2C9C26E4-BF83-43F1-84B1-52493FE7E50A}" type="datetimeFigureOut">
               <a:rPr lang="en-US" smtClean="0"/>
-              <a:t>6/20/18</a:t>
+              <a:t>6/20/2018</a:t>
             </a:fld>
             <a:endParaRPr lang="en-US"/>
           </a:p>
@@ -6373,7 +3751,7 @@
           <a:p>
             <a:fld id="{2C9C26E4-BF83-43F1-84B1-52493FE7E50A}" type="datetimeFigureOut">
               <a:rPr lang="en-US" smtClean="0"/>
-              <a:t>6/20/18</a:t>
+              <a:t>6/20/2018</a:t>
             </a:fld>
             <a:endParaRPr lang="en-US"/>
           </a:p>
@@ -7035,36 +4413,1346 @@
           <a:bodyPr/>
           <a:lstStyle/>
           <a:p>
+            <a:pPr marL="0" indent="0">
+              <a:buNone/>
+            </a:pPr>
             <a:r>
               <a:rPr lang="ja-JP" altLang="en-US" b="1" dirty="0"/>
-              <a:t>ＬＥＤを光らせ、それに対応したキーボードをタイミングよく入力</a:t>
-            </a:r>
-            <a:r>
-              <a:rPr lang="ja-JP" altLang="en-US" b="1"/>
-              <a:t>するゲーム</a:t>
+              <a:t>ＬＥＤを光らせ、それに対応したキーをタイミングよく入力するゲーム</a:t>
             </a:r>
             <a:endParaRPr lang="en-US" altLang="ja-JP" b="1" dirty="0"/>
           </a:p>
           <a:p>
-            <a:pPr lvl="1"/>
-            <a:r>
-              <a:rPr lang="ja-JP" altLang="en-US" b="1"/>
-              <a:t>ゲームの流れは次ページ</a:t>
-            </a:r>
-            <a:endParaRPr lang="en-US" altLang="ja-JP" b="1" dirty="0"/>
-          </a:p>
-          <a:p>
-            <a:r>
-              <a:rPr lang="ja-JP" altLang="en-US" b="1"/>
-              <a:t>ＬＥＤの表示や得点の計算などをハードウェア、キーボード入力や得点の記録などをソフトウェアで行う</a:t>
-            </a:r>
-            <a:endParaRPr lang="en-US" altLang="ja-JP" b="1" dirty="0"/>
+            <a:endParaRPr lang="en-US" altLang="ja-JP" dirty="0"/>
           </a:p>
           <a:p>
             <a:pPr marL="0" indent="0">
               <a:buNone/>
             </a:pPr>
             <a:endParaRPr lang="en-US" b="1" dirty="0"/>
+          </a:p>
+          <a:p>
+            <a:pPr marL="0" indent="0">
+              <a:buNone/>
+            </a:pPr>
+            <a:endParaRPr lang="en-US" b="1" dirty="0"/>
+          </a:p>
+        </p:txBody>
+      </p:sp>
+      <p:pic>
+        <p:nvPicPr>
+          <p:cNvPr id="5" name="図 4">
+            <a:extLst>
+              <a:ext uri="{FF2B5EF4-FFF2-40B4-BE49-F238E27FC236}">
+                <a16:creationId xmlns:a16="http://schemas.microsoft.com/office/drawing/2014/main" id="{D61A3AB7-880D-456D-A261-04E19D2298F2}"/>
+              </a:ext>
+            </a:extLst>
+          </p:cNvPr>
+          <p:cNvPicPr>
+            <a:picLocks noChangeAspect="1"/>
+          </p:cNvPicPr>
+          <p:nvPr/>
+        </p:nvPicPr>
+        <p:blipFill>
+          <a:blip r:embed="rId2">
+            <a:extLst>
+              <a:ext uri="{28A0092B-C50C-407E-A947-70E740481C1C}">
+                <a14:useLocalDpi xmlns:a14="http://schemas.microsoft.com/office/drawing/2010/main" val="0"/>
+              </a:ext>
+            </a:extLst>
+          </a:blip>
+          <a:stretch>
+            <a:fillRect/>
+          </a:stretch>
+        </p:blipFill>
+        <p:spPr>
+          <a:xfrm>
+            <a:off x="1511421" y="4505283"/>
+            <a:ext cx="2369953" cy="1882022"/>
+          </a:xfrm>
+          <a:prstGeom prst="rect">
+            <a:avLst/>
+          </a:prstGeom>
+        </p:spPr>
+      </p:pic>
+      <p:pic>
+        <p:nvPicPr>
+          <p:cNvPr id="7" name="図 6">
+            <a:extLst>
+              <a:ext uri="{FF2B5EF4-FFF2-40B4-BE49-F238E27FC236}">
+                <a16:creationId xmlns:a16="http://schemas.microsoft.com/office/drawing/2014/main" id="{FCF5B59C-CA55-44C5-AE4E-56464528EDA6}"/>
+              </a:ext>
+            </a:extLst>
+          </p:cNvPr>
+          <p:cNvPicPr>
+            <a:picLocks noChangeAspect="1"/>
+          </p:cNvPicPr>
+          <p:nvPr/>
+        </p:nvPicPr>
+        <p:blipFill>
+          <a:blip r:embed="rId3">
+            <a:extLst>
+              <a:ext uri="{28A0092B-C50C-407E-A947-70E740481C1C}">
+                <a14:useLocalDpi xmlns:a14="http://schemas.microsoft.com/office/drawing/2010/main" val="0"/>
+              </a:ext>
+            </a:extLst>
+          </a:blip>
+          <a:stretch>
+            <a:fillRect/>
+          </a:stretch>
+        </p:blipFill>
+        <p:spPr>
+          <a:xfrm rot="19887590">
+            <a:off x="4665726" y="4792702"/>
+            <a:ext cx="1613547" cy="1613547"/>
+          </a:xfrm>
+          <a:prstGeom prst="rect">
+            <a:avLst/>
+          </a:prstGeom>
+        </p:spPr>
+      </p:pic>
+      <p:sp>
+        <p:nvSpPr>
+          <p:cNvPr id="13" name="正方形/長方形 12">
+            <a:extLst>
+              <a:ext uri="{FF2B5EF4-FFF2-40B4-BE49-F238E27FC236}">
+                <a16:creationId xmlns:a16="http://schemas.microsoft.com/office/drawing/2014/main" id="{9AF0F56E-112E-4008-AA5D-971E208A9D10}"/>
+              </a:ext>
+            </a:extLst>
+          </p:cNvPr>
+          <p:cNvSpPr/>
+          <p:nvPr/>
+        </p:nvSpPr>
+        <p:spPr>
+          <a:xfrm>
+            <a:off x="4605494" y="3159185"/>
+            <a:ext cx="1734012" cy="2004261"/>
+          </a:xfrm>
+          <a:prstGeom prst="rect">
+            <a:avLst/>
+          </a:prstGeom>
+          <a:solidFill>
+            <a:schemeClr val="accent4">
+              <a:lumMod val="40000"/>
+              <a:lumOff val="60000"/>
+            </a:schemeClr>
+          </a:solidFill>
+          <a:ln w="57150">
+            <a:solidFill>
+              <a:schemeClr val="accent4">
+                <a:lumMod val="50000"/>
+              </a:schemeClr>
+            </a:solidFill>
+          </a:ln>
+          <a:scene3d>
+            <a:camera prst="perspectiveRelaxedModerately">
+              <a:rot lat="17400000" lon="0" rev="0"/>
+            </a:camera>
+            <a:lightRig rig="threePt" dir="t"/>
+          </a:scene3d>
+          <a:sp3d>
+            <a:bevelT prst="relaxedInset"/>
+          </a:sp3d>
+        </p:spPr>
+        <p:style>
+          <a:lnRef idx="2">
+            <a:schemeClr val="accent1">
+              <a:shade val="50000"/>
+            </a:schemeClr>
+          </a:lnRef>
+          <a:fillRef idx="1">
+            <a:schemeClr val="accent1"/>
+          </a:fillRef>
+          <a:effectRef idx="0">
+            <a:schemeClr val="accent1"/>
+          </a:effectRef>
+          <a:fontRef idx="minor">
+            <a:schemeClr val="lt1"/>
+          </a:fontRef>
+        </p:style>
+        <p:txBody>
+          <a:bodyPr rtlCol="0" anchor="ctr"/>
+          <a:lstStyle/>
+          <a:p>
+            <a:pPr algn="ctr"/>
+            <a:endParaRPr lang="en-US"/>
+          </a:p>
+        </p:txBody>
+      </p:sp>
+      <p:pic>
+        <p:nvPicPr>
+          <p:cNvPr id="9" name="図 8">
+            <a:extLst>
+              <a:ext uri="{FF2B5EF4-FFF2-40B4-BE49-F238E27FC236}">
+                <a16:creationId xmlns:a16="http://schemas.microsoft.com/office/drawing/2014/main" id="{5CAB9833-E628-4C58-91A3-0131DD7D7A94}"/>
+              </a:ext>
+            </a:extLst>
+          </p:cNvPr>
+          <p:cNvPicPr>
+            <a:picLocks noChangeAspect="1"/>
+          </p:cNvPicPr>
+          <p:nvPr/>
+        </p:nvPicPr>
+        <p:blipFill>
+          <a:blip r:embed="rId4">
+            <a:extLst>
+              <a:ext uri="{28A0092B-C50C-407E-A947-70E740481C1C}">
+                <a14:useLocalDpi xmlns:a14="http://schemas.microsoft.com/office/drawing/2010/main" val="0"/>
+              </a:ext>
+            </a:extLst>
+          </a:blip>
+          <a:stretch>
+            <a:fillRect/>
+          </a:stretch>
+        </p:blipFill>
+        <p:spPr>
+          <a:xfrm>
+            <a:off x="4768642" y="3944254"/>
+            <a:ext cx="353927" cy="501186"/>
+          </a:xfrm>
+          <a:prstGeom prst="rect">
+            <a:avLst/>
+          </a:prstGeom>
+        </p:spPr>
+      </p:pic>
+      <p:pic>
+        <p:nvPicPr>
+          <p:cNvPr id="10" name="図 9">
+            <a:extLst>
+              <a:ext uri="{FF2B5EF4-FFF2-40B4-BE49-F238E27FC236}">
+                <a16:creationId xmlns:a16="http://schemas.microsoft.com/office/drawing/2014/main" id="{72446172-7E56-4332-BAE1-8904C37B17FF}"/>
+              </a:ext>
+            </a:extLst>
+          </p:cNvPr>
+          <p:cNvPicPr>
+            <a:picLocks noChangeAspect="1"/>
+          </p:cNvPicPr>
+          <p:nvPr/>
+        </p:nvPicPr>
+        <p:blipFill>
+          <a:blip r:embed="rId4">
+            <a:extLst>
+              <a:ext uri="{28A0092B-C50C-407E-A947-70E740481C1C}">
+                <a14:useLocalDpi xmlns:a14="http://schemas.microsoft.com/office/drawing/2010/main" val="0"/>
+              </a:ext>
+            </a:extLst>
+          </a:blip>
+          <a:stretch>
+            <a:fillRect/>
+          </a:stretch>
+        </p:blipFill>
+        <p:spPr>
+          <a:xfrm>
+            <a:off x="5120571" y="3944254"/>
+            <a:ext cx="353927" cy="501186"/>
+          </a:xfrm>
+          <a:prstGeom prst="rect">
+            <a:avLst/>
+          </a:prstGeom>
+        </p:spPr>
+      </p:pic>
+      <p:pic>
+        <p:nvPicPr>
+          <p:cNvPr id="11" name="図 10">
+            <a:extLst>
+              <a:ext uri="{FF2B5EF4-FFF2-40B4-BE49-F238E27FC236}">
+                <a16:creationId xmlns:a16="http://schemas.microsoft.com/office/drawing/2014/main" id="{BD989942-8687-48A1-9FEA-0043219C38E0}"/>
+              </a:ext>
+            </a:extLst>
+          </p:cNvPr>
+          <p:cNvPicPr>
+            <a:picLocks noChangeAspect="1"/>
+          </p:cNvPicPr>
+          <p:nvPr/>
+        </p:nvPicPr>
+        <p:blipFill>
+          <a:blip r:embed="rId4">
+            <a:extLst>
+              <a:ext uri="{28A0092B-C50C-407E-A947-70E740481C1C}">
+                <a14:useLocalDpi xmlns:a14="http://schemas.microsoft.com/office/drawing/2010/main" val="0"/>
+              </a:ext>
+            </a:extLst>
+          </a:blip>
+          <a:stretch>
+            <a:fillRect/>
+          </a:stretch>
+        </p:blipFill>
+        <p:spPr>
+          <a:xfrm>
+            <a:off x="5472500" y="3944254"/>
+            <a:ext cx="353927" cy="501186"/>
+          </a:xfrm>
+          <a:prstGeom prst="rect">
+            <a:avLst/>
+          </a:prstGeom>
+        </p:spPr>
+      </p:pic>
+      <p:pic>
+        <p:nvPicPr>
+          <p:cNvPr id="12" name="図 11">
+            <a:extLst>
+              <a:ext uri="{FF2B5EF4-FFF2-40B4-BE49-F238E27FC236}">
+                <a16:creationId xmlns:a16="http://schemas.microsoft.com/office/drawing/2014/main" id="{21484698-FD86-4579-B801-5C81C71B83A0}"/>
+              </a:ext>
+            </a:extLst>
+          </p:cNvPr>
+          <p:cNvPicPr>
+            <a:picLocks noChangeAspect="1"/>
+          </p:cNvPicPr>
+          <p:nvPr/>
+        </p:nvPicPr>
+        <p:blipFill>
+          <a:blip r:embed="rId4">
+            <a:extLst>
+              <a:ext uri="{28A0092B-C50C-407E-A947-70E740481C1C}">
+                <a14:useLocalDpi xmlns:a14="http://schemas.microsoft.com/office/drawing/2010/main" val="0"/>
+              </a:ext>
+            </a:extLst>
+          </a:blip>
+          <a:stretch>
+            <a:fillRect/>
+          </a:stretch>
+        </p:blipFill>
+        <p:spPr>
+          <a:xfrm>
+            <a:off x="5824429" y="3944254"/>
+            <a:ext cx="353927" cy="501186"/>
+          </a:xfrm>
+          <a:prstGeom prst="rect">
+            <a:avLst/>
+          </a:prstGeom>
+        </p:spPr>
+      </p:pic>
+      <p:sp>
+        <p:nvSpPr>
+          <p:cNvPr id="16" name="フリーフォーム: 図形 15">
+            <a:extLst>
+              <a:ext uri="{FF2B5EF4-FFF2-40B4-BE49-F238E27FC236}">
+                <a16:creationId xmlns:a16="http://schemas.microsoft.com/office/drawing/2014/main" id="{662A25FF-93F1-4587-8EF3-97ED1CC3F7E0}"/>
+              </a:ext>
+            </a:extLst>
+          </p:cNvPr>
+          <p:cNvSpPr/>
+          <p:nvPr/>
+        </p:nvSpPr>
+        <p:spPr>
+          <a:xfrm rot="158637">
+            <a:off x="3502855" y="5570806"/>
+            <a:ext cx="1392702" cy="309489"/>
+          </a:xfrm>
+          <a:custGeom>
+            <a:avLst/>
+            <a:gdLst>
+              <a:gd name="connsiteX0" fmla="*/ 0 w 1392702"/>
+              <a:gd name="connsiteY0" fmla="*/ 281354 h 309489"/>
+              <a:gd name="connsiteX1" fmla="*/ 211016 w 1392702"/>
+              <a:gd name="connsiteY1" fmla="*/ 309489 h 309489"/>
+              <a:gd name="connsiteX2" fmla="*/ 675250 w 1392702"/>
+              <a:gd name="connsiteY2" fmla="*/ 295422 h 309489"/>
+              <a:gd name="connsiteX3" fmla="*/ 801859 w 1392702"/>
+              <a:gd name="connsiteY3" fmla="*/ 239151 h 309489"/>
+              <a:gd name="connsiteX4" fmla="*/ 858130 w 1392702"/>
+              <a:gd name="connsiteY4" fmla="*/ 225083 h 309489"/>
+              <a:gd name="connsiteX5" fmla="*/ 914400 w 1392702"/>
+              <a:gd name="connsiteY5" fmla="*/ 196948 h 309489"/>
+              <a:gd name="connsiteX6" fmla="*/ 1069145 w 1392702"/>
+              <a:gd name="connsiteY6" fmla="*/ 168812 h 309489"/>
+              <a:gd name="connsiteX7" fmla="*/ 1181687 w 1392702"/>
+              <a:gd name="connsiteY7" fmla="*/ 112542 h 309489"/>
+              <a:gd name="connsiteX8" fmla="*/ 1223890 w 1392702"/>
+              <a:gd name="connsiteY8" fmla="*/ 98474 h 309489"/>
+              <a:gd name="connsiteX9" fmla="*/ 1308296 w 1392702"/>
+              <a:gd name="connsiteY9" fmla="*/ 56271 h 309489"/>
+              <a:gd name="connsiteX10" fmla="*/ 1350499 w 1392702"/>
+              <a:gd name="connsiteY10" fmla="*/ 14068 h 309489"/>
+              <a:gd name="connsiteX11" fmla="*/ 1392702 w 1392702"/>
+              <a:gd name="connsiteY11" fmla="*/ 0 h 309489"/>
+            </a:gdLst>
+            <a:ahLst/>
+            <a:cxnLst>
+              <a:cxn ang="0">
+                <a:pos x="connsiteX0" y="connsiteY0"/>
+              </a:cxn>
+              <a:cxn ang="0">
+                <a:pos x="connsiteX1" y="connsiteY1"/>
+              </a:cxn>
+              <a:cxn ang="0">
+                <a:pos x="connsiteX2" y="connsiteY2"/>
+              </a:cxn>
+              <a:cxn ang="0">
+                <a:pos x="connsiteX3" y="connsiteY3"/>
+              </a:cxn>
+              <a:cxn ang="0">
+                <a:pos x="connsiteX4" y="connsiteY4"/>
+              </a:cxn>
+              <a:cxn ang="0">
+                <a:pos x="connsiteX5" y="connsiteY5"/>
+              </a:cxn>
+              <a:cxn ang="0">
+                <a:pos x="connsiteX6" y="connsiteY6"/>
+              </a:cxn>
+              <a:cxn ang="0">
+                <a:pos x="connsiteX7" y="connsiteY7"/>
+              </a:cxn>
+              <a:cxn ang="0">
+                <a:pos x="connsiteX8" y="connsiteY8"/>
+              </a:cxn>
+              <a:cxn ang="0">
+                <a:pos x="connsiteX9" y="connsiteY9"/>
+              </a:cxn>
+              <a:cxn ang="0">
+                <a:pos x="connsiteX10" y="connsiteY10"/>
+              </a:cxn>
+              <a:cxn ang="0">
+                <a:pos x="connsiteX11" y="connsiteY11"/>
+              </a:cxn>
+            </a:cxnLst>
+            <a:rect l="l" t="t" r="r" b="b"/>
+            <a:pathLst>
+              <a:path w="1392702" h="309489">
+                <a:moveTo>
+                  <a:pt x="0" y="281354"/>
+                </a:moveTo>
+                <a:cubicBezTo>
+                  <a:pt x="74829" y="296320"/>
+                  <a:pt x="128776" y="309489"/>
+                  <a:pt x="211016" y="309489"/>
+                </a:cubicBezTo>
+                <a:cubicBezTo>
+                  <a:pt x="365832" y="309489"/>
+                  <a:pt x="520505" y="300111"/>
+                  <a:pt x="675250" y="295422"/>
+                </a:cubicBezTo>
+                <a:cubicBezTo>
+                  <a:pt x="832656" y="263940"/>
+                  <a:pt x="663627" y="308267"/>
+                  <a:pt x="801859" y="239151"/>
+                </a:cubicBezTo>
+                <a:cubicBezTo>
+                  <a:pt x="819152" y="230504"/>
+                  <a:pt x="840027" y="231872"/>
+                  <a:pt x="858130" y="225083"/>
+                </a:cubicBezTo>
+                <a:cubicBezTo>
+                  <a:pt x="877765" y="217720"/>
+                  <a:pt x="894506" y="203579"/>
+                  <a:pt x="914400" y="196948"/>
+                </a:cubicBezTo>
+                <a:cubicBezTo>
+                  <a:pt x="934062" y="190394"/>
+                  <a:pt x="1054973" y="171174"/>
+                  <a:pt x="1069145" y="168812"/>
+                </a:cubicBezTo>
+                <a:cubicBezTo>
+                  <a:pt x="1106659" y="150055"/>
+                  <a:pt x="1141898" y="125805"/>
+                  <a:pt x="1181687" y="112542"/>
+                </a:cubicBezTo>
+                <a:cubicBezTo>
+                  <a:pt x="1195755" y="107853"/>
+                  <a:pt x="1210627" y="105106"/>
+                  <a:pt x="1223890" y="98474"/>
+                </a:cubicBezTo>
+                <a:cubicBezTo>
+                  <a:pt x="1332972" y="43933"/>
+                  <a:pt x="1202217" y="91631"/>
+                  <a:pt x="1308296" y="56271"/>
+                </a:cubicBezTo>
+                <a:cubicBezTo>
+                  <a:pt x="1322364" y="42203"/>
+                  <a:pt x="1333946" y="25104"/>
+                  <a:pt x="1350499" y="14068"/>
+                </a:cubicBezTo>
+                <a:cubicBezTo>
+                  <a:pt x="1362837" y="5843"/>
+                  <a:pt x="1392702" y="0"/>
+                  <a:pt x="1392702" y="0"/>
+                </a:cubicBezTo>
+              </a:path>
+            </a:pathLst>
+          </a:custGeom>
+          <a:noFill/>
+          <a:ln w="38100">
+            <a:solidFill>
+              <a:schemeClr val="tx1"/>
+            </a:solidFill>
+          </a:ln>
+        </p:spPr>
+        <p:style>
+          <a:lnRef idx="2">
+            <a:schemeClr val="accent1">
+              <a:shade val="50000"/>
+            </a:schemeClr>
+          </a:lnRef>
+          <a:fillRef idx="1">
+            <a:schemeClr val="accent1"/>
+          </a:fillRef>
+          <a:effectRef idx="0">
+            <a:schemeClr val="accent1"/>
+          </a:effectRef>
+          <a:fontRef idx="minor">
+            <a:schemeClr val="lt1"/>
+          </a:fontRef>
+        </p:style>
+        <p:txBody>
+          <a:bodyPr rtlCol="0" anchor="ctr"/>
+          <a:lstStyle/>
+          <a:p>
+            <a:pPr algn="ctr"/>
+            <a:endParaRPr lang="en-US"/>
+          </a:p>
+        </p:txBody>
+      </p:sp>
+      <p:sp>
+        <p:nvSpPr>
+          <p:cNvPr id="19" name="フリーフォーム: 図形 18">
+            <a:extLst>
+              <a:ext uri="{FF2B5EF4-FFF2-40B4-BE49-F238E27FC236}">
+                <a16:creationId xmlns:a16="http://schemas.microsoft.com/office/drawing/2014/main" id="{6AB8D0E7-44BB-40EF-BEE9-60723269A5B8}"/>
+              </a:ext>
+            </a:extLst>
+          </p:cNvPr>
+          <p:cNvSpPr/>
+          <p:nvPr/>
+        </p:nvSpPr>
+        <p:spPr>
+          <a:xfrm>
+            <a:off x="4895557" y="4518216"/>
+            <a:ext cx="562708" cy="630559"/>
+          </a:xfrm>
+          <a:custGeom>
+            <a:avLst/>
+            <a:gdLst>
+              <a:gd name="connsiteX0" fmla="*/ 562708 w 562708"/>
+              <a:gd name="connsiteY0" fmla="*/ 630559 h 630559"/>
+              <a:gd name="connsiteX1" fmla="*/ 548640 w 562708"/>
+              <a:gd name="connsiteY1" fmla="*/ 532086 h 630559"/>
+              <a:gd name="connsiteX2" fmla="*/ 436098 w 562708"/>
+              <a:gd name="connsiteY2" fmla="*/ 447679 h 630559"/>
+              <a:gd name="connsiteX3" fmla="*/ 351692 w 562708"/>
+              <a:gd name="connsiteY3" fmla="*/ 363273 h 630559"/>
+              <a:gd name="connsiteX4" fmla="*/ 295421 w 562708"/>
+              <a:gd name="connsiteY4" fmla="*/ 292935 h 630559"/>
+              <a:gd name="connsiteX5" fmla="*/ 267286 w 562708"/>
+              <a:gd name="connsiteY5" fmla="*/ 194461 h 630559"/>
+              <a:gd name="connsiteX6" fmla="*/ 239151 w 562708"/>
+              <a:gd name="connsiteY6" fmla="*/ 152258 h 630559"/>
+              <a:gd name="connsiteX7" fmla="*/ 211015 w 562708"/>
+              <a:gd name="connsiteY7" fmla="*/ 95987 h 630559"/>
+              <a:gd name="connsiteX8" fmla="*/ 196948 w 562708"/>
+              <a:gd name="connsiteY8" fmla="*/ 39716 h 630559"/>
+              <a:gd name="connsiteX9" fmla="*/ 0 w 562708"/>
+              <a:gd name="connsiteY9" fmla="*/ 11581 h 630559"/>
+            </a:gdLst>
+            <a:ahLst/>
+            <a:cxnLst>
+              <a:cxn ang="0">
+                <a:pos x="connsiteX0" y="connsiteY0"/>
+              </a:cxn>
+              <a:cxn ang="0">
+                <a:pos x="connsiteX1" y="connsiteY1"/>
+              </a:cxn>
+              <a:cxn ang="0">
+                <a:pos x="connsiteX2" y="connsiteY2"/>
+              </a:cxn>
+              <a:cxn ang="0">
+                <a:pos x="connsiteX3" y="connsiteY3"/>
+              </a:cxn>
+              <a:cxn ang="0">
+                <a:pos x="connsiteX4" y="connsiteY4"/>
+              </a:cxn>
+              <a:cxn ang="0">
+                <a:pos x="connsiteX5" y="connsiteY5"/>
+              </a:cxn>
+              <a:cxn ang="0">
+                <a:pos x="connsiteX6" y="connsiteY6"/>
+              </a:cxn>
+              <a:cxn ang="0">
+                <a:pos x="connsiteX7" y="connsiteY7"/>
+              </a:cxn>
+              <a:cxn ang="0">
+                <a:pos x="connsiteX8" y="connsiteY8"/>
+              </a:cxn>
+              <a:cxn ang="0">
+                <a:pos x="connsiteX9" y="connsiteY9"/>
+              </a:cxn>
+            </a:cxnLst>
+            <a:rect l="l" t="t" r="r" b="b"/>
+            <a:pathLst>
+              <a:path w="562708" h="630559">
+                <a:moveTo>
+                  <a:pt x="562708" y="630559"/>
+                </a:moveTo>
+                <a:cubicBezTo>
+                  <a:pt x="558019" y="597735"/>
+                  <a:pt x="560954" y="562872"/>
+                  <a:pt x="548640" y="532086"/>
+                </a:cubicBezTo>
+                <a:cubicBezTo>
+                  <a:pt x="533736" y="494827"/>
+                  <a:pt x="459406" y="466749"/>
+                  <a:pt x="436098" y="447679"/>
+                </a:cubicBezTo>
+                <a:cubicBezTo>
+                  <a:pt x="405303" y="422483"/>
+                  <a:pt x="373763" y="396380"/>
+                  <a:pt x="351692" y="363273"/>
+                </a:cubicBezTo>
+                <a:cubicBezTo>
+                  <a:pt x="316200" y="310034"/>
+                  <a:pt x="335512" y="333025"/>
+                  <a:pt x="295421" y="292935"/>
+                </a:cubicBezTo>
+                <a:cubicBezTo>
+                  <a:pt x="290913" y="274900"/>
+                  <a:pt x="277379" y="214647"/>
+                  <a:pt x="267286" y="194461"/>
+                </a:cubicBezTo>
+                <a:cubicBezTo>
+                  <a:pt x="259725" y="179339"/>
+                  <a:pt x="247539" y="166938"/>
+                  <a:pt x="239151" y="152258"/>
+                </a:cubicBezTo>
+                <a:cubicBezTo>
+                  <a:pt x="228746" y="134050"/>
+                  <a:pt x="220394" y="114744"/>
+                  <a:pt x="211015" y="95987"/>
+                </a:cubicBezTo>
+                <a:cubicBezTo>
+                  <a:pt x="206326" y="77230"/>
+                  <a:pt x="205595" y="57009"/>
+                  <a:pt x="196948" y="39716"/>
+                </a:cubicBezTo>
+                <a:cubicBezTo>
+                  <a:pt x="162986" y="-28208"/>
+                  <a:pt x="37978" y="11581"/>
+                  <a:pt x="0" y="11581"/>
+                </a:cubicBezTo>
+              </a:path>
+            </a:pathLst>
+          </a:custGeom>
+          <a:noFill/>
+          <a:ln w="28575"/>
+        </p:spPr>
+        <p:style>
+          <a:lnRef idx="2">
+            <a:schemeClr val="accent1">
+              <a:shade val="50000"/>
+            </a:schemeClr>
+          </a:lnRef>
+          <a:fillRef idx="1">
+            <a:schemeClr val="accent1"/>
+          </a:fillRef>
+          <a:effectRef idx="0">
+            <a:schemeClr val="accent1"/>
+          </a:effectRef>
+          <a:fontRef idx="minor">
+            <a:schemeClr val="lt1"/>
+          </a:fontRef>
+        </p:style>
+        <p:txBody>
+          <a:bodyPr rtlCol="0" anchor="ctr"/>
+          <a:lstStyle/>
+          <a:p>
+            <a:pPr algn="ctr"/>
+            <a:endParaRPr lang="en-US"/>
+          </a:p>
+        </p:txBody>
+      </p:sp>
+      <p:sp>
+        <p:nvSpPr>
+          <p:cNvPr id="20" name="フリーフォーム: 図形 19">
+            <a:extLst>
+              <a:ext uri="{FF2B5EF4-FFF2-40B4-BE49-F238E27FC236}">
+                <a16:creationId xmlns:a16="http://schemas.microsoft.com/office/drawing/2014/main" id="{320520DC-A5AF-4683-B439-298A53948D58}"/>
+              </a:ext>
+            </a:extLst>
+          </p:cNvPr>
+          <p:cNvSpPr/>
+          <p:nvPr/>
+        </p:nvSpPr>
+        <p:spPr>
+          <a:xfrm>
+            <a:off x="5345723" y="4445391"/>
+            <a:ext cx="323557" cy="661181"/>
+          </a:xfrm>
+          <a:custGeom>
+            <a:avLst/>
+            <a:gdLst>
+              <a:gd name="connsiteX0" fmla="*/ 323557 w 323557"/>
+              <a:gd name="connsiteY0" fmla="*/ 661181 h 661181"/>
+              <a:gd name="connsiteX1" fmla="*/ 112542 w 323557"/>
+              <a:gd name="connsiteY1" fmla="*/ 112541 h 661181"/>
+              <a:gd name="connsiteX2" fmla="*/ 0 w 323557"/>
+              <a:gd name="connsiteY2" fmla="*/ 14067 h 661181"/>
+              <a:gd name="connsiteX3" fmla="*/ 0 w 323557"/>
+              <a:gd name="connsiteY3" fmla="*/ 0 h 661181"/>
+            </a:gdLst>
+            <a:ahLst/>
+            <a:cxnLst>
+              <a:cxn ang="0">
+                <a:pos x="connsiteX0" y="connsiteY0"/>
+              </a:cxn>
+              <a:cxn ang="0">
+                <a:pos x="connsiteX1" y="connsiteY1"/>
+              </a:cxn>
+              <a:cxn ang="0">
+                <a:pos x="connsiteX2" y="connsiteY2"/>
+              </a:cxn>
+              <a:cxn ang="0">
+                <a:pos x="connsiteX3" y="connsiteY3"/>
+              </a:cxn>
+            </a:cxnLst>
+            <a:rect l="l" t="t" r="r" b="b"/>
+            <a:pathLst>
+              <a:path w="323557" h="661181">
+                <a:moveTo>
+                  <a:pt x="323557" y="661181"/>
+                </a:moveTo>
+                <a:cubicBezTo>
+                  <a:pt x="253219" y="478301"/>
+                  <a:pt x="193623" y="290918"/>
+                  <a:pt x="112542" y="112541"/>
+                </a:cubicBezTo>
+                <a:cubicBezTo>
+                  <a:pt x="74525" y="28903"/>
+                  <a:pt x="47215" y="61282"/>
+                  <a:pt x="0" y="14067"/>
+                </a:cubicBezTo>
+                <a:lnTo>
+                  <a:pt x="0" y="0"/>
+                </a:lnTo>
+              </a:path>
+            </a:pathLst>
+          </a:custGeom>
+          <a:noFill/>
+          <a:ln w="28575"/>
+        </p:spPr>
+        <p:style>
+          <a:lnRef idx="2">
+            <a:schemeClr val="accent1">
+              <a:shade val="50000"/>
+            </a:schemeClr>
+          </a:lnRef>
+          <a:fillRef idx="1">
+            <a:schemeClr val="accent1"/>
+          </a:fillRef>
+          <a:effectRef idx="0">
+            <a:schemeClr val="accent1"/>
+          </a:effectRef>
+          <a:fontRef idx="minor">
+            <a:schemeClr val="lt1"/>
+          </a:fontRef>
+        </p:style>
+        <p:txBody>
+          <a:bodyPr rtlCol="0" anchor="ctr"/>
+          <a:lstStyle/>
+          <a:p>
+            <a:pPr algn="ctr"/>
+            <a:endParaRPr lang="en-US"/>
+          </a:p>
+        </p:txBody>
+      </p:sp>
+      <p:sp>
+        <p:nvSpPr>
+          <p:cNvPr id="21" name="フリーフォーム: 図形 20">
+            <a:extLst>
+              <a:ext uri="{FF2B5EF4-FFF2-40B4-BE49-F238E27FC236}">
+                <a16:creationId xmlns:a16="http://schemas.microsoft.com/office/drawing/2014/main" id="{2E4ED0FB-4929-4AD1-870B-E5305ABCC7A3}"/>
+              </a:ext>
+            </a:extLst>
+          </p:cNvPr>
+          <p:cNvSpPr/>
+          <p:nvPr/>
+        </p:nvSpPr>
+        <p:spPr>
+          <a:xfrm>
+            <a:off x="5669280" y="4431323"/>
+            <a:ext cx="140677" cy="675249"/>
+          </a:xfrm>
+          <a:custGeom>
+            <a:avLst/>
+            <a:gdLst>
+              <a:gd name="connsiteX0" fmla="*/ 140677 w 140677"/>
+              <a:gd name="connsiteY0" fmla="*/ 675249 h 675249"/>
+              <a:gd name="connsiteX1" fmla="*/ 0 w 140677"/>
+              <a:gd name="connsiteY1" fmla="*/ 0 h 675249"/>
+            </a:gdLst>
+            <a:ahLst/>
+            <a:cxnLst>
+              <a:cxn ang="0">
+                <a:pos x="connsiteX0" y="connsiteY0"/>
+              </a:cxn>
+              <a:cxn ang="0">
+                <a:pos x="connsiteX1" y="connsiteY1"/>
+              </a:cxn>
+            </a:cxnLst>
+            <a:rect l="l" t="t" r="r" b="b"/>
+            <a:pathLst>
+              <a:path w="140677" h="675249">
+                <a:moveTo>
+                  <a:pt x="140677" y="675249"/>
+                </a:moveTo>
+                <a:cubicBezTo>
+                  <a:pt x="26376" y="3731"/>
+                  <a:pt x="228095" y="114052"/>
+                  <a:pt x="0" y="0"/>
+                </a:cubicBezTo>
+              </a:path>
+            </a:pathLst>
+          </a:custGeom>
+          <a:noFill/>
+          <a:ln w="28575"/>
+        </p:spPr>
+        <p:style>
+          <a:lnRef idx="2">
+            <a:schemeClr val="accent1">
+              <a:shade val="50000"/>
+            </a:schemeClr>
+          </a:lnRef>
+          <a:fillRef idx="1">
+            <a:schemeClr val="accent1"/>
+          </a:fillRef>
+          <a:effectRef idx="0">
+            <a:schemeClr val="accent1"/>
+          </a:effectRef>
+          <a:fontRef idx="minor">
+            <a:schemeClr val="lt1"/>
+          </a:fontRef>
+        </p:style>
+        <p:txBody>
+          <a:bodyPr rtlCol="0" anchor="ctr"/>
+          <a:lstStyle/>
+          <a:p>
+            <a:pPr algn="ctr"/>
+            <a:endParaRPr lang="en-US"/>
+          </a:p>
+        </p:txBody>
+      </p:sp>
+      <p:sp>
+        <p:nvSpPr>
+          <p:cNvPr id="22" name="フリーフォーム: 図形 21">
+            <a:extLst>
+              <a:ext uri="{FF2B5EF4-FFF2-40B4-BE49-F238E27FC236}">
+                <a16:creationId xmlns:a16="http://schemas.microsoft.com/office/drawing/2014/main" id="{18511232-5EAD-448E-82D1-1D4F4AB42681}"/>
+              </a:ext>
+            </a:extLst>
+          </p:cNvPr>
+          <p:cNvSpPr/>
+          <p:nvPr/>
+        </p:nvSpPr>
+        <p:spPr>
+          <a:xfrm>
+            <a:off x="5936566" y="4431323"/>
+            <a:ext cx="28257" cy="661182"/>
+          </a:xfrm>
+          <a:custGeom>
+            <a:avLst/>
+            <a:gdLst>
+              <a:gd name="connsiteX0" fmla="*/ 0 w 28257"/>
+              <a:gd name="connsiteY0" fmla="*/ 661182 h 661182"/>
+              <a:gd name="connsiteX1" fmla="*/ 28136 w 28257"/>
+              <a:gd name="connsiteY1" fmla="*/ 0 h 661182"/>
+            </a:gdLst>
+            <a:ahLst/>
+            <a:cxnLst>
+              <a:cxn ang="0">
+                <a:pos x="connsiteX0" y="connsiteY0"/>
+              </a:cxn>
+              <a:cxn ang="0">
+                <a:pos x="connsiteX1" y="connsiteY1"/>
+              </a:cxn>
+            </a:cxnLst>
+            <a:rect l="l" t="t" r="r" b="b"/>
+            <a:pathLst>
+              <a:path w="28257" h="661182">
+                <a:moveTo>
+                  <a:pt x="0" y="661182"/>
+                </a:moveTo>
+                <a:cubicBezTo>
+                  <a:pt x="31716" y="122025"/>
+                  <a:pt x="28136" y="342590"/>
+                  <a:pt x="28136" y="0"/>
+                </a:cubicBezTo>
+              </a:path>
+            </a:pathLst>
+          </a:custGeom>
+          <a:noFill/>
+          <a:ln w="28575"/>
+        </p:spPr>
+        <p:style>
+          <a:lnRef idx="2">
+            <a:schemeClr val="accent1">
+              <a:shade val="50000"/>
+            </a:schemeClr>
+          </a:lnRef>
+          <a:fillRef idx="1">
+            <a:schemeClr val="accent1"/>
+          </a:fillRef>
+          <a:effectRef idx="0">
+            <a:schemeClr val="accent1"/>
+          </a:effectRef>
+          <a:fontRef idx="minor">
+            <a:schemeClr val="lt1"/>
+          </a:fontRef>
+        </p:style>
+        <p:txBody>
+          <a:bodyPr rtlCol="0" anchor="ctr"/>
+          <a:lstStyle/>
+          <a:p>
+            <a:pPr algn="ctr"/>
+            <a:endParaRPr lang="en-US"/>
+          </a:p>
+        </p:txBody>
+      </p:sp>
+      <p:sp>
+        <p:nvSpPr>
+          <p:cNvPr id="23" name="フリーフォーム: 図形 22">
+            <a:extLst>
+              <a:ext uri="{FF2B5EF4-FFF2-40B4-BE49-F238E27FC236}">
+                <a16:creationId xmlns:a16="http://schemas.microsoft.com/office/drawing/2014/main" id="{769EE73D-D2A5-4980-A092-42DF7860F16A}"/>
+              </a:ext>
+            </a:extLst>
+          </p:cNvPr>
+          <p:cNvSpPr/>
+          <p:nvPr/>
+        </p:nvSpPr>
+        <p:spPr>
+          <a:xfrm>
+            <a:off x="5922498" y="4473526"/>
+            <a:ext cx="404984" cy="618979"/>
+          </a:xfrm>
+          <a:custGeom>
+            <a:avLst/>
+            <a:gdLst>
+              <a:gd name="connsiteX0" fmla="*/ 0 w 404984"/>
+              <a:gd name="connsiteY0" fmla="*/ 618979 h 618979"/>
+              <a:gd name="connsiteX1" fmla="*/ 393896 w 404984"/>
+              <a:gd name="connsiteY1" fmla="*/ 154745 h 618979"/>
+              <a:gd name="connsiteX2" fmla="*/ 379828 w 404984"/>
+              <a:gd name="connsiteY2" fmla="*/ 14068 h 618979"/>
+              <a:gd name="connsiteX3" fmla="*/ 337625 w 404984"/>
+              <a:gd name="connsiteY3" fmla="*/ 0 h 618979"/>
+            </a:gdLst>
+            <a:ahLst/>
+            <a:cxnLst>
+              <a:cxn ang="0">
+                <a:pos x="connsiteX0" y="connsiteY0"/>
+              </a:cxn>
+              <a:cxn ang="0">
+                <a:pos x="connsiteX1" y="connsiteY1"/>
+              </a:cxn>
+              <a:cxn ang="0">
+                <a:pos x="connsiteX2" y="connsiteY2"/>
+              </a:cxn>
+              <a:cxn ang="0">
+                <a:pos x="connsiteX3" y="connsiteY3"/>
+              </a:cxn>
+            </a:cxnLst>
+            <a:rect l="l" t="t" r="r" b="b"/>
+            <a:pathLst>
+              <a:path w="404984" h="618979">
+                <a:moveTo>
+                  <a:pt x="0" y="618979"/>
+                </a:moveTo>
+                <a:cubicBezTo>
+                  <a:pt x="131299" y="464234"/>
+                  <a:pt x="285978" y="326614"/>
+                  <a:pt x="393896" y="154745"/>
+                </a:cubicBezTo>
+                <a:cubicBezTo>
+                  <a:pt x="418956" y="114834"/>
+                  <a:pt x="395933" y="58357"/>
+                  <a:pt x="379828" y="14068"/>
+                </a:cubicBezTo>
+                <a:cubicBezTo>
+                  <a:pt x="374760" y="132"/>
+                  <a:pt x="337625" y="0"/>
+                  <a:pt x="337625" y="0"/>
+                </a:cubicBezTo>
+              </a:path>
+            </a:pathLst>
+          </a:custGeom>
+          <a:noFill/>
+          <a:ln w="28575"/>
+        </p:spPr>
+        <p:style>
+          <a:lnRef idx="2">
+            <a:schemeClr val="accent1">
+              <a:shade val="50000"/>
+            </a:schemeClr>
+          </a:lnRef>
+          <a:fillRef idx="1">
+            <a:schemeClr val="accent1"/>
+          </a:fillRef>
+          <a:effectRef idx="0">
+            <a:schemeClr val="accent1"/>
+          </a:effectRef>
+          <a:fontRef idx="minor">
+            <a:schemeClr val="lt1"/>
+          </a:fontRef>
+        </p:style>
+        <p:txBody>
+          <a:bodyPr rtlCol="0" anchor="ctr"/>
+          <a:lstStyle/>
+          <a:p>
+            <a:pPr algn="ctr"/>
+            <a:endParaRPr lang="en-US"/>
+          </a:p>
+        </p:txBody>
+      </p:sp>
+      <p:sp>
+        <p:nvSpPr>
+          <p:cNvPr id="25" name="矢印: 右 24">
+            <a:extLst>
+              <a:ext uri="{FF2B5EF4-FFF2-40B4-BE49-F238E27FC236}">
+                <a16:creationId xmlns:a16="http://schemas.microsoft.com/office/drawing/2014/main" id="{505E2C9C-1E5B-487E-AAF3-6FB44436A65F}"/>
+              </a:ext>
+            </a:extLst>
+          </p:cNvPr>
+          <p:cNvSpPr/>
+          <p:nvPr/>
+        </p:nvSpPr>
+        <p:spPr>
+          <a:xfrm rot="1749571">
+            <a:off x="1154710" y="5260646"/>
+            <a:ext cx="941078" cy="464274"/>
+          </a:xfrm>
+          <a:prstGeom prst="rightArrow">
+            <a:avLst/>
+          </a:prstGeom>
+          <a:solidFill>
+            <a:srgbClr val="FFFF00"/>
+          </a:solidFill>
+          <a:ln>
+            <a:solidFill>
+              <a:schemeClr val="tx1"/>
+            </a:solidFill>
+          </a:ln>
+        </p:spPr>
+        <p:style>
+          <a:lnRef idx="2">
+            <a:schemeClr val="accent1">
+              <a:shade val="50000"/>
+            </a:schemeClr>
+          </a:lnRef>
+          <a:fillRef idx="1">
+            <a:schemeClr val="accent1"/>
+          </a:fillRef>
+          <a:effectRef idx="0">
+            <a:schemeClr val="accent1"/>
+          </a:effectRef>
+          <a:fontRef idx="minor">
+            <a:schemeClr val="lt1"/>
+          </a:fontRef>
+        </p:style>
+        <p:txBody>
+          <a:bodyPr rtlCol="0" anchor="ctr"/>
+          <a:lstStyle/>
+          <a:p>
+            <a:pPr algn="ctr"/>
+            <a:endParaRPr lang="en-US"/>
+          </a:p>
+        </p:txBody>
+      </p:sp>
+      <p:sp>
+        <p:nvSpPr>
+          <p:cNvPr id="26" name="テキスト ボックス 25">
+            <a:extLst>
+              <a:ext uri="{FF2B5EF4-FFF2-40B4-BE49-F238E27FC236}">
+                <a16:creationId xmlns:a16="http://schemas.microsoft.com/office/drawing/2014/main" id="{0694E10F-5CBB-45B6-9428-A1C9CF195EFB}"/>
+              </a:ext>
+            </a:extLst>
+          </p:cNvPr>
+          <p:cNvSpPr txBox="1"/>
+          <p:nvPr/>
+        </p:nvSpPr>
+        <p:spPr>
+          <a:xfrm>
+            <a:off x="338669" y="4632462"/>
+            <a:ext cx="1814920" cy="707886"/>
+          </a:xfrm>
+          <a:prstGeom prst="rect">
+            <a:avLst/>
+          </a:prstGeom>
+          <a:noFill/>
+        </p:spPr>
+        <p:txBody>
+          <a:bodyPr wrap="none" rtlCol="0">
+            <a:spAutoFit/>
+          </a:bodyPr>
+          <a:lstStyle/>
+          <a:p>
+            <a:r>
+              <a:rPr lang="ja-JP" altLang="en-US" sz="2000" dirty="0"/>
+              <a:t>キーボードから</a:t>
+            </a:r>
+            <a:endParaRPr lang="en-US" altLang="ja-JP" sz="2000" dirty="0"/>
+          </a:p>
+          <a:p>
+            <a:r>
+              <a:rPr lang="ja-JP" altLang="en-US" sz="2000" dirty="0"/>
+              <a:t>入力</a:t>
+            </a:r>
+            <a:endParaRPr lang="en-US" sz="2000" dirty="0"/>
+          </a:p>
+        </p:txBody>
+      </p:sp>
+      <p:sp>
+        <p:nvSpPr>
+          <p:cNvPr id="28" name="テキスト ボックス 27">
+            <a:extLst>
+              <a:ext uri="{FF2B5EF4-FFF2-40B4-BE49-F238E27FC236}">
+                <a16:creationId xmlns:a16="http://schemas.microsoft.com/office/drawing/2014/main" id="{B41C22FB-54B2-4D16-A42F-796FA390E37E}"/>
+              </a:ext>
+            </a:extLst>
+          </p:cNvPr>
+          <p:cNvSpPr txBox="1"/>
+          <p:nvPr/>
+        </p:nvSpPr>
+        <p:spPr>
+          <a:xfrm>
+            <a:off x="6358539" y="5446294"/>
+            <a:ext cx="2938472" cy="707886"/>
+          </a:xfrm>
+          <a:prstGeom prst="rect">
+            <a:avLst/>
+          </a:prstGeom>
+          <a:noFill/>
+        </p:spPr>
+        <p:txBody>
+          <a:bodyPr wrap="square" rtlCol="0">
+            <a:spAutoFit/>
+          </a:bodyPr>
+          <a:lstStyle/>
+          <a:p>
+            <a:r>
+              <a:rPr lang="ja-JP" altLang="en-US" sz="2000" dirty="0"/>
+              <a:t>ピンからブレッドボード上のＬＥＤに出力</a:t>
+            </a:r>
+            <a:endParaRPr lang="en-US" sz="2000" dirty="0"/>
+          </a:p>
+        </p:txBody>
+      </p:sp>
+      <p:sp>
+        <p:nvSpPr>
+          <p:cNvPr id="29" name="矢印: 左 28">
+            <a:extLst>
+              <a:ext uri="{FF2B5EF4-FFF2-40B4-BE49-F238E27FC236}">
+                <a16:creationId xmlns:a16="http://schemas.microsoft.com/office/drawing/2014/main" id="{773CEE87-67A8-484F-A713-A090591A294F}"/>
+              </a:ext>
+            </a:extLst>
+          </p:cNvPr>
+          <p:cNvSpPr/>
+          <p:nvPr/>
+        </p:nvSpPr>
+        <p:spPr>
+          <a:xfrm rot="1725362">
+            <a:off x="6062147" y="5067112"/>
+            <a:ext cx="582854" cy="350687"/>
+          </a:xfrm>
+          <a:prstGeom prst="leftArrow">
+            <a:avLst/>
+          </a:prstGeom>
+          <a:solidFill>
+            <a:srgbClr val="FF0000"/>
+          </a:solidFill>
+          <a:ln>
+            <a:solidFill>
+              <a:schemeClr val="tx1"/>
+            </a:solidFill>
+          </a:ln>
+        </p:spPr>
+        <p:style>
+          <a:lnRef idx="2">
+            <a:schemeClr val="accent1">
+              <a:shade val="50000"/>
+            </a:schemeClr>
+          </a:lnRef>
+          <a:fillRef idx="1">
+            <a:schemeClr val="accent1"/>
+          </a:fillRef>
+          <a:effectRef idx="0">
+            <a:schemeClr val="accent1"/>
+          </a:effectRef>
+          <a:fontRef idx="minor">
+            <a:schemeClr val="lt1"/>
+          </a:fontRef>
+        </p:style>
+        <p:txBody>
+          <a:bodyPr rtlCol="0" anchor="ctr"/>
+          <a:lstStyle/>
+          <a:p>
+            <a:pPr algn="ctr"/>
+            <a:endParaRPr lang="en-US">
+              <a:solidFill>
+                <a:srgbClr val="FF0000"/>
+              </a:solidFill>
+            </a:endParaRPr>
+          </a:p>
+        </p:txBody>
+      </p:sp>
+      <p:pic>
+        <p:nvPicPr>
+          <p:cNvPr id="31" name="図 30">
+            <a:extLst>
+              <a:ext uri="{FF2B5EF4-FFF2-40B4-BE49-F238E27FC236}">
+                <a16:creationId xmlns:a16="http://schemas.microsoft.com/office/drawing/2014/main" id="{B1F5B50A-AA1F-45BD-843D-CE75ACAA60A4}"/>
+              </a:ext>
+            </a:extLst>
+          </p:cNvPr>
+          <p:cNvPicPr>
+            <a:picLocks noChangeAspect="1"/>
+          </p:cNvPicPr>
+          <p:nvPr/>
+        </p:nvPicPr>
+        <p:blipFill rotWithShape="1">
+          <a:blip r:embed="rId5">
+            <a:extLst>
+              <a:ext uri="{28A0092B-C50C-407E-A947-70E740481C1C}">
+                <a14:useLocalDpi xmlns:a14="http://schemas.microsoft.com/office/drawing/2010/main" val="0"/>
+              </a:ext>
+            </a:extLst>
+          </a:blip>
+          <a:srcRect l="23174" t="4049" r="20466" b="2873"/>
+          <a:stretch/>
+        </p:blipFill>
+        <p:spPr>
+          <a:xfrm>
+            <a:off x="5110600" y="3354412"/>
+            <a:ext cx="430949" cy="573963"/>
+          </a:xfrm>
+          <a:prstGeom prst="rect">
+            <a:avLst/>
+          </a:prstGeom>
+        </p:spPr>
+      </p:pic>
+      <p:pic>
+        <p:nvPicPr>
+          <p:cNvPr id="32" name="図 31">
+            <a:extLst>
+              <a:ext uri="{FF2B5EF4-FFF2-40B4-BE49-F238E27FC236}">
+                <a16:creationId xmlns:a16="http://schemas.microsoft.com/office/drawing/2014/main" id="{766389E0-998C-4048-B6FB-02F3C82D5CDA}"/>
+              </a:ext>
+            </a:extLst>
+          </p:cNvPr>
+          <p:cNvPicPr>
+            <a:picLocks noChangeAspect="1"/>
+          </p:cNvPicPr>
+          <p:nvPr/>
+        </p:nvPicPr>
+        <p:blipFill rotWithShape="1">
+          <a:blip r:embed="rId5">
+            <a:extLst>
+              <a:ext uri="{28A0092B-C50C-407E-A947-70E740481C1C}">
+                <a14:useLocalDpi xmlns:a14="http://schemas.microsoft.com/office/drawing/2010/main" val="0"/>
+              </a:ext>
+            </a:extLst>
+          </a:blip>
+          <a:srcRect l="23174" t="4049" r="20466" b="2873"/>
+          <a:stretch/>
+        </p:blipFill>
+        <p:spPr>
+          <a:xfrm>
+            <a:off x="5649584" y="3348752"/>
+            <a:ext cx="430949" cy="573963"/>
+          </a:xfrm>
+          <a:prstGeom prst="rect">
+            <a:avLst/>
+          </a:prstGeom>
+        </p:spPr>
+      </p:pic>
+      <p:sp>
+        <p:nvSpPr>
+          <p:cNvPr id="33" name="テキスト ボックス 32">
+            <a:extLst>
+              <a:ext uri="{FF2B5EF4-FFF2-40B4-BE49-F238E27FC236}">
+                <a16:creationId xmlns:a16="http://schemas.microsoft.com/office/drawing/2014/main" id="{2878CA02-98EA-48DD-9FFE-EEC49949B364}"/>
+              </a:ext>
+            </a:extLst>
+          </p:cNvPr>
+          <p:cNvSpPr txBox="1"/>
+          <p:nvPr/>
+        </p:nvSpPr>
+        <p:spPr>
+          <a:xfrm>
+            <a:off x="6669460" y="3421804"/>
+            <a:ext cx="2422458" cy="369332"/>
+          </a:xfrm>
+          <a:prstGeom prst="rect">
+            <a:avLst/>
+          </a:prstGeom>
+          <a:noFill/>
+        </p:spPr>
+        <p:txBody>
+          <a:bodyPr wrap="none" rtlCol="0">
+            <a:spAutoFit/>
+          </a:bodyPr>
+          <a:lstStyle/>
+          <a:p>
+            <a:r>
+              <a:rPr lang="en-US" dirty="0"/>
+              <a:t>7</a:t>
+            </a:r>
+            <a:r>
+              <a:rPr lang="ja-JP" altLang="en-US" dirty="0"/>
+              <a:t>セグ</a:t>
+            </a:r>
+            <a:r>
+              <a:rPr lang="en-US" altLang="ja-JP" dirty="0"/>
+              <a:t>LED</a:t>
+            </a:r>
+            <a:r>
+              <a:rPr lang="ja-JP" altLang="en-US" dirty="0"/>
+              <a:t>に得点を出力</a:t>
+            </a:r>
+            <a:endParaRPr lang="en-US" dirty="0"/>
+          </a:p>
+        </p:txBody>
+      </p:sp>
+      <p:sp>
+        <p:nvSpPr>
+          <p:cNvPr id="34" name="矢印: 左 33">
+            <a:extLst>
+              <a:ext uri="{FF2B5EF4-FFF2-40B4-BE49-F238E27FC236}">
+                <a16:creationId xmlns:a16="http://schemas.microsoft.com/office/drawing/2014/main" id="{A346195D-50F2-40D1-A1A6-7AC2157A5609}"/>
+              </a:ext>
+            </a:extLst>
+          </p:cNvPr>
+          <p:cNvSpPr/>
+          <p:nvPr/>
+        </p:nvSpPr>
+        <p:spPr>
+          <a:xfrm>
+            <a:off x="6199356" y="3319489"/>
+            <a:ext cx="388336" cy="573963"/>
+          </a:xfrm>
+          <a:prstGeom prst="leftArrow">
+            <a:avLst/>
+          </a:prstGeom>
+        </p:spPr>
+        <p:style>
+          <a:lnRef idx="2">
+            <a:schemeClr val="accent1">
+              <a:shade val="50000"/>
+            </a:schemeClr>
+          </a:lnRef>
+          <a:fillRef idx="1">
+            <a:schemeClr val="accent1"/>
+          </a:fillRef>
+          <a:effectRef idx="0">
+            <a:schemeClr val="accent1"/>
+          </a:effectRef>
+          <a:fontRef idx="minor">
+            <a:schemeClr val="lt1"/>
+          </a:fontRef>
+        </p:style>
+        <p:txBody>
+          <a:bodyPr rtlCol="0" anchor="ctr"/>
+          <a:lstStyle/>
+          <a:p>
+            <a:pPr algn="ctr"/>
+            <a:endParaRPr lang="en-US"/>
           </a:p>
         </p:txBody>
       </p:sp>
@@ -7103,7 +5791,7 @@
           <p:cNvPr id="2" name="タイトル 1">
             <a:extLst>
               <a:ext uri="{FF2B5EF4-FFF2-40B4-BE49-F238E27FC236}">
-                <a16:creationId xmlns:a16="http://schemas.microsoft.com/office/drawing/2014/main" id="{82972A6B-352A-844E-8227-FE564CD4946C}"/>
+                <a16:creationId xmlns:a16="http://schemas.microsoft.com/office/drawing/2014/main" id="{FF994267-CAF4-4AE0-B049-3F41CB1C62F7}"/>
               </a:ext>
             </a:extLst>
           </p:cNvPr>
@@ -7120,190 +5808,203 @@
           <a:lstStyle/>
           <a:p>
             <a:r>
-              <a:rPr kumimoji="1" lang="ja-JP" altLang="en-US"/>
-              <a:t>ゲームの流れ</a:t>
-            </a:r>
-          </a:p>
-        </p:txBody>
-      </p:sp>
-      <p:graphicFrame>
-        <p:nvGraphicFramePr>
+              <a:rPr lang="ja-JP" altLang="en-US" dirty="0"/>
+              <a:t>システムのアーキテクチャ</a:t>
+            </a:r>
+            <a:endParaRPr lang="en-US" dirty="0"/>
+          </a:p>
+        </p:txBody>
+      </p:sp>
+      <p:sp>
+        <p:nvSpPr>
+          <p:cNvPr id="3" name="テキスト プレースホルダー 2">
+            <a:extLst>
+              <a:ext uri="{FF2B5EF4-FFF2-40B4-BE49-F238E27FC236}">
+                <a16:creationId xmlns:a16="http://schemas.microsoft.com/office/drawing/2014/main" id="{BB491F9E-6499-4652-9D98-64DCE44E4D7C}"/>
+              </a:ext>
+            </a:extLst>
+          </p:cNvPr>
+          <p:cNvSpPr>
+            <a:spLocks noGrp="1"/>
+          </p:cNvSpPr>
+          <p:nvPr>
+            <p:ph type="body" idx="1"/>
+          </p:nvPr>
+        </p:nvSpPr>
+        <p:spPr/>
+        <p:txBody>
+          <a:bodyPr/>
+          <a:lstStyle/>
+          <a:p>
+            <a:pPr algn="ctr"/>
+            <a:r>
+              <a:rPr lang="ja-JP" altLang="en-US" dirty="0"/>
+              <a:t>ソフトウェア</a:t>
+            </a:r>
+            <a:r>
+              <a:rPr lang="en-US" altLang="ja-JP" dirty="0"/>
+              <a:t>(</a:t>
+            </a:r>
+            <a:r>
+              <a:rPr lang="ja-JP" altLang="en-US" dirty="0"/>
+              <a:t>岩田担当</a:t>
+            </a:r>
+            <a:r>
+              <a:rPr lang="en-US" altLang="ja-JP" dirty="0"/>
+              <a:t>)</a:t>
+            </a:r>
+            <a:endParaRPr lang="en-US" dirty="0"/>
+          </a:p>
+        </p:txBody>
+      </p:sp>
+      <p:sp>
+        <p:nvSpPr>
           <p:cNvPr id="4" name="コンテンツ プレースホルダー 3">
             <a:extLst>
               <a:ext uri="{FF2B5EF4-FFF2-40B4-BE49-F238E27FC236}">
-                <a16:creationId xmlns:a16="http://schemas.microsoft.com/office/drawing/2014/main" id="{338D10FA-77A4-E04F-9678-D63A66316B71}"/>
-              </a:ext>
-            </a:extLst>
-          </p:cNvPr>
-          <p:cNvGraphicFramePr>
-            <a:graphicFrameLocks noGrp="1"/>
-          </p:cNvGraphicFramePr>
+                <a16:creationId xmlns:a16="http://schemas.microsoft.com/office/drawing/2014/main" id="{7BCD7517-6344-4EAB-BAD9-7FB20A774B84}"/>
+              </a:ext>
+            </a:extLst>
+          </p:cNvPr>
+          <p:cNvSpPr>
+            <a:spLocks noGrp="1"/>
+          </p:cNvSpPr>
           <p:nvPr>
-            <p:ph idx="1"/>
-            <p:extLst>
-              <p:ext uri="{D42A27DB-BD31-4B8C-83A1-F6EECF244321}">
-                <p14:modId xmlns:p14="http://schemas.microsoft.com/office/powerpoint/2010/main" val="96968774"/>
-              </p:ext>
-            </p:extLst>
+            <p:ph sz="half" idx="2"/>
           </p:nvPr>
-        </p:nvGraphicFramePr>
-        <p:xfrm>
-          <a:off x="265113" y="1584960"/>
-          <a:ext cx="8621712" cy="2286000"/>
-        </p:xfrm>
-        <a:graphic>
-          <a:graphicData uri="http://schemas.openxmlformats.org/drawingml/2006/diagram">
-            <dgm:relIds xmlns:dgm="http://schemas.openxmlformats.org/drawingml/2006/diagram" xmlns:r="http://schemas.openxmlformats.org/officeDocument/2006/relationships" r:dm="rId2" r:lo="rId3" r:qs="rId4" r:cs="rId5"/>
-          </a:graphicData>
-        </a:graphic>
-      </p:graphicFrame>
-      <p:pic>
-        <p:nvPicPr>
-          <p:cNvPr id="6" name="図 5">
-            <a:extLst>
-              <a:ext uri="{FF2B5EF4-FFF2-40B4-BE49-F238E27FC236}">
-                <a16:creationId xmlns:a16="http://schemas.microsoft.com/office/drawing/2014/main" id="{1C433C38-2FBA-7A47-9A63-E691966BE295}"/>
-              </a:ext>
-            </a:extLst>
-          </p:cNvPr>
-          <p:cNvPicPr>
-            <a:picLocks noChangeAspect="1"/>
-          </p:cNvPicPr>
-          <p:nvPr/>
-        </p:nvPicPr>
-        <p:blipFill>
-          <a:blip r:embed="rId7">
-            <a:extLst>
-              <a:ext uri="{28A0092B-C50C-407E-A947-70E740481C1C}">
-                <a14:useLocalDpi xmlns:a14="http://schemas.microsoft.com/office/drawing/2010/main" val="0"/>
-              </a:ext>
-            </a:extLst>
-          </a:blip>
-          <a:stretch>
-            <a:fillRect/>
-          </a:stretch>
-        </p:blipFill>
+        </p:nvSpPr>
         <p:spPr>
           <a:xfrm>
-            <a:off x="1722120" y="3711315"/>
-            <a:ext cx="1896091" cy="2685000"/>
-          </a:xfrm>
-          <a:prstGeom prst="rect">
-            <a:avLst/>
-          </a:prstGeom>
-        </p:spPr>
-      </p:pic>
-      <p:pic>
-        <p:nvPicPr>
-          <p:cNvPr id="8" name="図 7">
-            <a:extLst>
-              <a:ext uri="{FF2B5EF4-FFF2-40B4-BE49-F238E27FC236}">
-                <a16:creationId xmlns:a16="http://schemas.microsoft.com/office/drawing/2014/main" id="{7CF14AFE-5E6D-544E-BDC6-3768BC01577C}"/>
-              </a:ext>
-            </a:extLst>
-          </p:cNvPr>
-          <p:cNvPicPr>
-            <a:picLocks noChangeAspect="1"/>
-          </p:cNvPicPr>
-          <p:nvPr/>
-        </p:nvPicPr>
-        <p:blipFill>
-          <a:blip r:embed="rId8">
-            <a:extLst>
-              <a:ext uri="{28A0092B-C50C-407E-A947-70E740481C1C}">
-                <a14:useLocalDpi xmlns:a14="http://schemas.microsoft.com/office/drawing/2010/main" val="0"/>
-              </a:ext>
-            </a:extLst>
-          </a:blip>
-          <a:stretch>
-            <a:fillRect/>
-          </a:stretch>
-        </p:blipFill>
+            <a:off x="264319" y="2167697"/>
+            <a:ext cx="4233863" cy="4098270"/>
+          </a:xfrm>
+        </p:spPr>
+        <p:txBody>
+          <a:bodyPr/>
+          <a:lstStyle/>
+          <a:p>
+            <a:r>
+              <a:rPr lang="en-US" altLang="ja-JP" dirty="0"/>
+              <a:t>LED</a:t>
+            </a:r>
+            <a:r>
+              <a:rPr lang="ja-JP" altLang="en-US" dirty="0"/>
+              <a:t>を光らせるパターンをハードに教える</a:t>
+            </a:r>
+            <a:endParaRPr lang="en-US" altLang="ja-JP" dirty="0"/>
+          </a:p>
+          <a:p>
+            <a:r>
+              <a:rPr lang="ja-JP" altLang="en-US" dirty="0"/>
+              <a:t>キーボードの入力をリアルタイムで送信</a:t>
+            </a:r>
+            <a:endParaRPr lang="en-US" dirty="0"/>
+          </a:p>
+        </p:txBody>
+      </p:sp>
+      <p:sp>
+        <p:nvSpPr>
+          <p:cNvPr id="5" name="テキスト プレースホルダー 4">
+            <a:extLst>
+              <a:ext uri="{FF2B5EF4-FFF2-40B4-BE49-F238E27FC236}">
+                <a16:creationId xmlns:a16="http://schemas.microsoft.com/office/drawing/2014/main" id="{9E07E828-C647-4256-990C-9B30F90823A3}"/>
+              </a:ext>
+            </a:extLst>
+          </p:cNvPr>
+          <p:cNvSpPr>
+            <a:spLocks noGrp="1"/>
+          </p:cNvSpPr>
+          <p:nvPr>
+            <p:ph type="body" sz="quarter" idx="3"/>
+          </p:nvPr>
+        </p:nvSpPr>
         <p:spPr>
           <a:xfrm>
-            <a:off x="4488180" y="4137192"/>
-            <a:ext cx="2990364" cy="2365710"/>
-          </a:xfrm>
-          <a:prstGeom prst="rect">
-            <a:avLst/>
-          </a:prstGeom>
-        </p:spPr>
-      </p:pic>
-      <p:pic>
-        <p:nvPicPr>
-          <p:cNvPr id="12" name="図 11">
-            <a:extLst>
-              <a:ext uri="{FF2B5EF4-FFF2-40B4-BE49-F238E27FC236}">
-                <a16:creationId xmlns:a16="http://schemas.microsoft.com/office/drawing/2014/main" id="{C7CAECF5-F6E6-C44A-AF6B-03578C20951F}"/>
-              </a:ext>
-            </a:extLst>
-          </p:cNvPr>
-          <p:cNvPicPr>
-            <a:picLocks noChangeAspect="1"/>
-          </p:cNvPicPr>
-          <p:nvPr/>
-        </p:nvPicPr>
-        <p:blipFill>
-          <a:blip r:embed="rId9">
-            <a:extLst>
-              <a:ext uri="{28A0092B-C50C-407E-A947-70E740481C1C}">
-                <a14:useLocalDpi xmlns:a14="http://schemas.microsoft.com/office/drawing/2010/main" val="0"/>
-              </a:ext>
-            </a:extLst>
-          </a:blip>
-          <a:stretch>
-            <a:fillRect/>
-          </a:stretch>
-        </p:blipFill>
-        <p:spPr>
-          <a:xfrm rot="2688200">
-            <a:off x="4217581" y="4413275"/>
-            <a:ext cx="1234142" cy="1600184"/>
-          </a:xfrm>
-          <a:prstGeom prst="rect">
-            <a:avLst/>
-          </a:prstGeom>
-        </p:spPr>
-      </p:pic>
-      <p:sp>
-        <p:nvSpPr>
-          <p:cNvPr id="13" name="テキスト ボックス 12">
-            <a:extLst>
-              <a:ext uri="{FF2B5EF4-FFF2-40B4-BE49-F238E27FC236}">
-                <a16:creationId xmlns:a16="http://schemas.microsoft.com/office/drawing/2014/main" id="{6DA2C554-3C81-4C46-9A9B-50B0AE768A44}"/>
-              </a:ext>
-            </a:extLst>
-          </p:cNvPr>
-          <p:cNvSpPr txBox="1"/>
-          <p:nvPr/>
+            <a:off x="4573191" y="1300968"/>
+            <a:ext cx="4250531" cy="677159"/>
+          </a:xfrm>
+        </p:spPr>
+        <p:txBody>
+          <a:bodyPr/>
+          <a:lstStyle/>
+          <a:p>
+            <a:pPr algn="ctr"/>
+            <a:r>
+              <a:rPr lang="ja-JP" altLang="en-US" dirty="0"/>
+              <a:t>ハードウェア</a:t>
+            </a:r>
+            <a:r>
+              <a:rPr lang="en-US" altLang="ja-JP" dirty="0"/>
+              <a:t>(</a:t>
+            </a:r>
+            <a:r>
+              <a:rPr lang="ja-JP" altLang="en-US" dirty="0"/>
+              <a:t>佐藤担当</a:t>
+            </a:r>
+            <a:r>
+              <a:rPr lang="en-US" altLang="ja-JP" dirty="0"/>
+              <a:t>)</a:t>
+            </a:r>
+            <a:endParaRPr lang="en-US" dirty="0"/>
+          </a:p>
+        </p:txBody>
+      </p:sp>
+      <p:sp>
+        <p:nvSpPr>
+          <p:cNvPr id="6" name="コンテンツ プレースホルダー 5">
+            <a:extLst>
+              <a:ext uri="{FF2B5EF4-FFF2-40B4-BE49-F238E27FC236}">
+                <a16:creationId xmlns:a16="http://schemas.microsoft.com/office/drawing/2014/main" id="{DF486141-E291-4007-83D8-DA9381F0B97D}"/>
+              </a:ext>
+            </a:extLst>
+          </p:cNvPr>
+          <p:cNvSpPr>
+            <a:spLocks noGrp="1"/>
+          </p:cNvSpPr>
+          <p:nvPr>
+            <p:ph sz="quarter" idx="4"/>
+          </p:nvPr>
         </p:nvSpPr>
         <p:spPr>
           <a:xfrm>
-            <a:off x="264319" y="1234440"/>
-            <a:ext cx="8622506" cy="523220"/>
-          </a:xfrm>
-          <a:prstGeom prst="rect">
-            <a:avLst/>
-          </a:prstGeom>
-          <a:noFill/>
-        </p:spPr>
-        <p:txBody>
-          <a:bodyPr wrap="square" rtlCol="0">
-            <a:spAutoFit/>
-          </a:bodyPr>
-          <a:lstStyle/>
-          <a:p>
-            <a:r>
-              <a:rPr kumimoji="1" lang="ja-JP" altLang="en-US" sz="2800"/>
-              <a:t>次の動作を何回か繰り返す</a:t>
-            </a:r>
+            <a:off x="4573191" y="2167061"/>
+            <a:ext cx="4250531" cy="4098270"/>
+          </a:xfrm>
+        </p:spPr>
+        <p:txBody>
+          <a:bodyPr/>
+          <a:lstStyle/>
+          <a:p>
+            <a:r>
+              <a:rPr lang="ja-JP" altLang="en-US" dirty="0"/>
+              <a:t>パターンとユーザーの入力を受信</a:t>
+            </a:r>
+            <a:endParaRPr lang="en-US" altLang="ja-JP" dirty="0"/>
+          </a:p>
+          <a:p>
+            <a:r>
+              <a:rPr lang="ja-JP" altLang="en-US" dirty="0"/>
+              <a:t>タイミングに応じた得点計算</a:t>
+            </a:r>
+            <a:endParaRPr lang="en-US" altLang="ja-JP" dirty="0"/>
+          </a:p>
+          <a:p>
+            <a:r>
+              <a:rPr lang="en-US" altLang="ja-JP" dirty="0"/>
+              <a:t>GPIO</a:t>
+            </a:r>
+            <a:r>
+              <a:rPr lang="ja-JP" altLang="en-US" dirty="0"/>
+              <a:t>に出力</a:t>
+            </a:r>
+            <a:endParaRPr lang="en-US" altLang="ja-JP" dirty="0"/>
           </a:p>
         </p:txBody>
       </p:sp>
     </p:spTree>
     <p:extLst>
       <p:ext uri="{BB962C8B-B14F-4D97-AF65-F5344CB8AC3E}">
-        <p14:creationId xmlns:p14="http://schemas.microsoft.com/office/powerpoint/2010/main" val="1606152212"/>
+        <p14:creationId xmlns:p14="http://schemas.microsoft.com/office/powerpoint/2010/main" val="1211852877"/>
       </p:ext>
     </p:extLst>
   </p:cSld>
@@ -7335,7 +6036,7 @@
           <p:cNvPr id="2" name="タイトル 1">
             <a:extLst>
               <a:ext uri="{FF2B5EF4-FFF2-40B4-BE49-F238E27FC236}">
-                <a16:creationId xmlns:a16="http://schemas.microsoft.com/office/drawing/2014/main" id="{11965981-4174-6E49-B49D-6F6FBC3DEA16}"/>
+                <a16:creationId xmlns:a16="http://schemas.microsoft.com/office/drawing/2014/main" id="{63048496-76AD-4C5C-AA31-4B0D0C25006B}"/>
               </a:ext>
             </a:extLst>
           </p:cNvPr>
@@ -7352,9 +6053,10 @@
           <a:lstStyle/>
           <a:p>
             <a:r>
-              <a:rPr kumimoji="1" lang="ja-JP" altLang="en-US"/>
-              <a:t>担当分けと作業内容</a:t>
-            </a:r>
+              <a:rPr lang="ja-JP" altLang="en-US" dirty="0"/>
+              <a:t>ソフトウェアの詳細</a:t>
+            </a:r>
+            <a:endParaRPr lang="en-US" dirty="0"/>
           </a:p>
         </p:txBody>
       </p:sp>
@@ -7363,7 +6065,7 @@
           <p:cNvPr id="3" name="コンテンツ プレースホルダー 2">
             <a:extLst>
               <a:ext uri="{FF2B5EF4-FFF2-40B4-BE49-F238E27FC236}">
-                <a16:creationId xmlns:a16="http://schemas.microsoft.com/office/drawing/2014/main" id="{571522FE-FF4B-D242-9937-386BF9FED614}"/>
+                <a16:creationId xmlns:a16="http://schemas.microsoft.com/office/drawing/2014/main" id="{9B8D1D71-0885-489A-8A92-6C62E2E3242E}"/>
               </a:ext>
             </a:extLst>
           </p:cNvPr>
@@ -7376,79 +6078,155 @@
         </p:nvSpPr>
         <p:spPr/>
         <p:txBody>
-          <a:bodyPr>
-            <a:normAutofit/>
-          </a:bodyPr>
-          <a:lstStyle/>
-          <a:p>
-            <a:r>
-              <a:rPr kumimoji="1" lang="ja-JP" altLang="en-US" sz="3200"/>
-              <a:t>ソフトウェア部分</a:t>
-            </a:r>
-            <a:r>
-              <a:rPr kumimoji="1" lang="en-US" altLang="ja-JP" sz="3200" dirty="0"/>
-              <a:t>: </a:t>
-            </a:r>
-            <a:r>
-              <a:rPr kumimoji="1" lang="ja-JP" altLang="en-US" sz="3200"/>
-              <a:t>岩田</a:t>
-            </a:r>
-            <a:endParaRPr kumimoji="1" lang="en-US" altLang="ja-JP" sz="3200" dirty="0"/>
-          </a:p>
-          <a:p>
-            <a:pPr marL="407988" lvl="1" indent="-287338"/>
-            <a:r>
-              <a:rPr kumimoji="1" lang="en-US" altLang="ja-JP" sz="2800" dirty="0"/>
-              <a:t>C</a:t>
-            </a:r>
-            <a:r>
-              <a:rPr kumimoji="1" lang="ja-JP" altLang="en-US" sz="2800"/>
-              <a:t>言語を使用</a:t>
-            </a:r>
-            <a:endParaRPr kumimoji="1" lang="en-US" altLang="ja-JP" sz="2800" dirty="0"/>
-          </a:p>
-          <a:p>
-            <a:pPr marL="407988" lvl="1" indent="-287338"/>
-            <a:r>
-              <a:rPr kumimoji="1" lang="en-US" altLang="ja-JP" sz="2800" dirty="0"/>
+          <a:bodyPr/>
+          <a:lstStyle/>
+          <a:p>
+            <a:pPr marL="514350" indent="-514350">
+              <a:buFont typeface="+mj-lt"/>
+              <a:buAutoNum type="arabicPeriod"/>
+            </a:pPr>
+            <a:r>
+              <a:rPr lang="ja-JP" altLang="en-US" dirty="0"/>
+              <a:t>パターン</a:t>
+            </a:r>
+            <a:r>
+              <a:rPr lang="en-US" altLang="ja-JP" dirty="0"/>
+              <a:t>(&lt;</a:t>
+            </a:r>
+            <a:r>
+              <a:rPr lang="ja-JP" altLang="en-US" dirty="0"/>
+              <a:t>時刻</a:t>
+            </a:r>
+            <a:r>
+              <a:rPr lang="en-US" altLang="ja-JP" dirty="0"/>
+              <a:t>, LED</a:t>
+            </a:r>
+            <a:r>
+              <a:rPr lang="ja-JP" altLang="en-US" dirty="0"/>
+              <a:t>に対応した</a:t>
+            </a:r>
+            <a:r>
+              <a:rPr lang="en-US" altLang="ja-JP" dirty="0"/>
+              <a:t>8bit&gt;)</a:t>
+            </a:r>
+            <a:r>
+              <a:rPr lang="ja-JP" altLang="en-US" dirty="0"/>
+              <a:t>を</a:t>
+            </a:r>
+            <a:r>
+              <a:rPr lang="en-US" altLang="ja-JP" dirty="0"/>
+              <a:t>map</a:t>
+            </a:r>
+            <a:r>
+              <a:rPr lang="ja-JP" altLang="en-US" dirty="0"/>
+              <a:t>したメモリに書き込む。</a:t>
+            </a:r>
+            <a:endParaRPr lang="en-US" altLang="ja-JP" dirty="0"/>
+          </a:p>
+          <a:p>
+            <a:pPr lvl="1"/>
+            <a:r>
+              <a:rPr lang="ja-JP" altLang="en-US" dirty="0"/>
+              <a:t>初期化時に行う予定</a:t>
+            </a:r>
+            <a:endParaRPr lang="en-US" altLang="ja-JP" dirty="0"/>
+          </a:p>
+          <a:p>
+            <a:pPr marL="514350" indent="-514350">
+              <a:buFont typeface="+mj-lt"/>
+              <a:buAutoNum type="arabicPeriod"/>
+            </a:pPr>
+            <a:endParaRPr lang="en-US" altLang="ja-JP" dirty="0"/>
+          </a:p>
+          <a:p>
+            <a:pPr marL="514350" indent="-514350">
+              <a:buFont typeface="+mj-lt"/>
+              <a:buAutoNum type="arabicPeriod"/>
+            </a:pPr>
+            <a:r>
+              <a:rPr lang="en-US" altLang="ja-JP" dirty="0"/>
               <a:t>LED</a:t>
             </a:r>
             <a:r>
-              <a:rPr kumimoji="1" lang="ja-JP" altLang="en-US" sz="2800"/>
-              <a:t>の光るパターンを用意し、あらかじめ送信する</a:t>
-            </a:r>
-            <a:endParaRPr kumimoji="1" lang="en-US" altLang="ja-JP" sz="2800" dirty="0"/>
-          </a:p>
-          <a:p>
-            <a:pPr marL="407988" lvl="1" indent="-287338"/>
-            <a:r>
-              <a:rPr kumimoji="1" lang="ja-JP" altLang="en-US" sz="2800"/>
-              <a:t>キーボードの入力イベントを検知したらその入力を</a:t>
-            </a:r>
-            <a:r>
-              <a:rPr kumimoji="1" lang="en-US" altLang="ja-JP" sz="2800" dirty="0"/>
-              <a:t>0,1</a:t>
-            </a:r>
-            <a:r>
-              <a:rPr kumimoji="1" lang="ja-JP" altLang="en-US" sz="2800"/>
-              <a:t>のデータに変換してハード側のメモリに書き込む</a:t>
-            </a:r>
-            <a:endParaRPr kumimoji="1" lang="en-US" altLang="ja-JP" sz="2800" dirty="0"/>
-          </a:p>
-          <a:p>
-            <a:pPr marL="407988" lvl="1" indent="-287338"/>
-            <a:r>
-              <a:rPr kumimoji="1" lang="ja-JP" altLang="en-US" sz="2800"/>
-              <a:t>回路から出力されるメモリから計算された得点を取得し記録</a:t>
-            </a:r>
-            <a:endParaRPr kumimoji="1" lang="en-US" altLang="ja-JP" sz="2800" dirty="0"/>
+              <a:rPr lang="ja-JP" altLang="en-US" dirty="0"/>
+              <a:t>に対応したキー</a:t>
+            </a:r>
+            <a:r>
+              <a:rPr lang="en-US" altLang="ja-JP" dirty="0"/>
+              <a:t>(</a:t>
+            </a:r>
+            <a:r>
+              <a:rPr lang="en-US" altLang="ja-JP" dirty="0" err="1"/>
+              <a:t>asdf</a:t>
+            </a:r>
+            <a:r>
+              <a:rPr lang="en-US" altLang="ja-JP" dirty="0"/>
+              <a:t> </a:t>
+            </a:r>
+            <a:r>
+              <a:rPr lang="en-US" altLang="ja-JP" dirty="0" err="1"/>
+              <a:t>jkl</a:t>
+            </a:r>
+            <a:r>
+              <a:rPr lang="en-US" altLang="ja-JP" dirty="0"/>
+              <a:t>;)</a:t>
+            </a:r>
+            <a:r>
+              <a:rPr lang="ja-JP" altLang="en-US" dirty="0"/>
+              <a:t>を</a:t>
+            </a:r>
+            <a:r>
+              <a:rPr lang="en-US" altLang="ja-JP" dirty="0"/>
+              <a:t>0/1</a:t>
+            </a:r>
+            <a:r>
+              <a:rPr lang="ja-JP" altLang="en-US" dirty="0"/>
+              <a:t>に変換し、メモリに書き込む</a:t>
+            </a:r>
+            <a:endParaRPr lang="en-US" altLang="ja-JP" dirty="0"/>
+          </a:p>
+          <a:p>
+            <a:pPr lvl="1"/>
+            <a:r>
+              <a:rPr lang="ja-JP" altLang="en-US" dirty="0"/>
+              <a:t>リアルタイムだと、</a:t>
+            </a:r>
+            <a:r>
+              <a:rPr lang="en-US" altLang="ja-JP" dirty="0" err="1"/>
+              <a:t>non_blocking</a:t>
+            </a:r>
+            <a:r>
+              <a:rPr lang="ja-JP" altLang="en-US" dirty="0"/>
+              <a:t>にするための工夫が必要</a:t>
+            </a:r>
+            <a:endParaRPr lang="en-US" altLang="ja-JP" dirty="0"/>
+          </a:p>
+          <a:p>
+            <a:pPr lvl="1"/>
+            <a:r>
+              <a:rPr lang="en-US" altLang="ja-JP" dirty="0" err="1"/>
+              <a:t>ioctl</a:t>
+            </a:r>
+            <a:r>
+              <a:rPr lang="ja-JP" altLang="en-US" dirty="0"/>
+              <a:t>や</a:t>
+            </a:r>
+            <a:r>
+              <a:rPr lang="en-US" altLang="ja-JP" dirty="0" err="1"/>
+              <a:t>fcntl</a:t>
+            </a:r>
+            <a:r>
+              <a:rPr lang="ja-JP" altLang="en-US" dirty="0"/>
+              <a:t>等を駆使する必要があるはず</a:t>
+            </a:r>
+            <a:endParaRPr lang="en-US" altLang="ja-JP" dirty="0"/>
           </a:p>
         </p:txBody>
       </p:sp>
     </p:spTree>
     <p:extLst>
       <p:ext uri="{BB962C8B-B14F-4D97-AF65-F5344CB8AC3E}">
-        <p14:creationId xmlns:p14="http://schemas.microsoft.com/office/powerpoint/2010/main" val="3915619637"/>
+        <p14:creationId xmlns:p14="http://schemas.microsoft.com/office/powerpoint/2010/main" val="1262630317"/>
       </p:ext>
     </p:extLst>
   </p:cSld>
@@ -7480,7 +6258,7 @@
           <p:cNvPr id="2" name="タイトル 1">
             <a:extLst>
               <a:ext uri="{FF2B5EF4-FFF2-40B4-BE49-F238E27FC236}">
-                <a16:creationId xmlns:a16="http://schemas.microsoft.com/office/drawing/2014/main" id="{6FB1F89F-0C12-994B-8C2B-CC16B85CD758}"/>
+                <a16:creationId xmlns:a16="http://schemas.microsoft.com/office/drawing/2014/main" id="{A83130C4-5E85-4DE0-B539-B66467EEAF6D}"/>
               </a:ext>
             </a:extLst>
           </p:cNvPr>
@@ -7497,9 +6275,10 @@
           <a:lstStyle/>
           <a:p>
             <a:r>
-              <a:rPr kumimoji="1" lang="ja-JP" altLang="en-US"/>
-              <a:t>担当分けと作業内容</a:t>
-            </a:r>
+              <a:rPr lang="ja-JP" altLang="en-US" dirty="0"/>
+              <a:t>ハードウェアの詳細</a:t>
+            </a:r>
+            <a:endParaRPr lang="en-US" dirty="0"/>
           </a:p>
         </p:txBody>
       </p:sp>
@@ -7508,7 +6287,7 @@
           <p:cNvPr id="3" name="コンテンツ プレースホルダー 2">
             <a:extLst>
               <a:ext uri="{FF2B5EF4-FFF2-40B4-BE49-F238E27FC236}">
-                <a16:creationId xmlns:a16="http://schemas.microsoft.com/office/drawing/2014/main" id="{EE9830B3-A4A6-4444-9899-82875DABF170}"/>
+                <a16:creationId xmlns:a16="http://schemas.microsoft.com/office/drawing/2014/main" id="{5DA83DDF-C399-47FC-8B29-EFB4AAC52FCE}"/>
               </a:ext>
             </a:extLst>
           </p:cNvPr>
@@ -7527,24 +6306,1040 @@
           <a:lstStyle/>
           <a:p>
             <a:r>
-              <a:rPr kumimoji="1" lang="ja-JP" altLang="en-US" sz="3200"/>
-              <a:t>ハードウェア部分</a:t>
-            </a:r>
-            <a:r>
-              <a:rPr kumimoji="1" lang="en-US" altLang="ja-JP" sz="3200" dirty="0"/>
-              <a:t>: </a:t>
-            </a:r>
-            <a:r>
-              <a:rPr kumimoji="1" lang="ja-JP" altLang="en-US" sz="3200"/>
-              <a:t>佐藤</a:t>
-            </a:r>
+              <a:rPr lang="ja-JP" altLang="en-US" sz="2400" dirty="0"/>
+              <a:t>パターンは初期化時にレジスタに貯め、決められた時刻に出力。</a:t>
+            </a:r>
+            <a:endParaRPr lang="en-US" altLang="ja-JP" sz="2400" dirty="0"/>
+          </a:p>
+          <a:p>
+            <a:r>
+              <a:rPr lang="ja-JP" altLang="en-US" sz="2400" dirty="0"/>
+              <a:t>得点計算は、パターンと入力の時刻の差を数値化</a:t>
+            </a:r>
+            <a:endParaRPr lang="en-US" sz="2400" dirty="0"/>
+          </a:p>
+        </p:txBody>
+      </p:sp>
+      <p:sp>
+        <p:nvSpPr>
+          <p:cNvPr id="4" name="正方形/長方形 3">
+            <a:extLst>
+              <a:ext uri="{FF2B5EF4-FFF2-40B4-BE49-F238E27FC236}">
+                <a16:creationId xmlns:a16="http://schemas.microsoft.com/office/drawing/2014/main" id="{6679DA91-A3A3-4706-B882-143B70108A63}"/>
+              </a:ext>
+            </a:extLst>
+          </p:cNvPr>
+          <p:cNvSpPr/>
+          <p:nvPr/>
+        </p:nvSpPr>
+        <p:spPr>
+          <a:xfrm>
+            <a:off x="2461846" y="3133347"/>
+            <a:ext cx="1531460" cy="1280160"/>
+          </a:xfrm>
+          <a:prstGeom prst="rect">
+            <a:avLst/>
+          </a:prstGeom>
+          <a:noFill/>
+          <a:ln w="38100">
+            <a:solidFill>
+              <a:srgbClr val="002060"/>
+            </a:solidFill>
+          </a:ln>
+        </p:spPr>
+        <p:style>
+          <a:lnRef idx="2">
+            <a:schemeClr val="accent1">
+              <a:shade val="50000"/>
+            </a:schemeClr>
+          </a:lnRef>
+          <a:fillRef idx="1">
+            <a:schemeClr val="accent1"/>
+          </a:fillRef>
+          <a:effectRef idx="0">
+            <a:schemeClr val="accent1"/>
+          </a:effectRef>
+          <a:fontRef idx="minor">
+            <a:schemeClr val="lt1"/>
+          </a:fontRef>
+        </p:style>
+        <p:txBody>
+          <a:bodyPr rtlCol="0" anchor="ctr"/>
+          <a:lstStyle/>
+          <a:p>
+            <a:pPr algn="ctr"/>
+            <a:endParaRPr lang="en-US"/>
+          </a:p>
+        </p:txBody>
+      </p:sp>
+      <p:cxnSp>
+        <p:nvCxnSpPr>
+          <p:cNvPr id="6" name="直線コネクタ 5">
+            <a:extLst>
+              <a:ext uri="{FF2B5EF4-FFF2-40B4-BE49-F238E27FC236}">
+                <a16:creationId xmlns:a16="http://schemas.microsoft.com/office/drawing/2014/main" id="{19222F1E-FE78-461F-90B3-0FD6B9571114}"/>
+              </a:ext>
+            </a:extLst>
+          </p:cNvPr>
+          <p:cNvCxnSpPr>
+            <a:cxnSpLocks/>
+          </p:cNvCxnSpPr>
+          <p:nvPr/>
+        </p:nvCxnSpPr>
+        <p:spPr>
+          <a:xfrm>
+            <a:off x="1378634" y="3414701"/>
+            <a:ext cx="1083212" cy="0"/>
+          </a:xfrm>
+          <a:prstGeom prst="line">
+            <a:avLst/>
+          </a:prstGeom>
+          <a:ln>
+            <a:headEnd type="none" w="med" len="med"/>
+            <a:tailEnd type="arrow" w="med" len="med"/>
+          </a:ln>
+        </p:spPr>
+        <p:style>
+          <a:lnRef idx="1">
+            <a:schemeClr val="accent1"/>
+          </a:lnRef>
+          <a:fillRef idx="0">
+            <a:schemeClr val="accent1"/>
+          </a:fillRef>
+          <a:effectRef idx="0">
+            <a:schemeClr val="accent1"/>
+          </a:effectRef>
+          <a:fontRef idx="minor">
+            <a:schemeClr val="tx1"/>
+          </a:fontRef>
+        </p:style>
+      </p:cxnSp>
+      <p:cxnSp>
+        <p:nvCxnSpPr>
+          <p:cNvPr id="8" name="直線コネクタ 7">
+            <a:extLst>
+              <a:ext uri="{FF2B5EF4-FFF2-40B4-BE49-F238E27FC236}">
+                <a16:creationId xmlns:a16="http://schemas.microsoft.com/office/drawing/2014/main" id="{D0C423BF-C174-4251-8636-CFCA5DCEF17E}"/>
+              </a:ext>
+            </a:extLst>
+          </p:cNvPr>
+          <p:cNvCxnSpPr>
+            <a:cxnSpLocks/>
+          </p:cNvCxnSpPr>
+          <p:nvPr/>
+        </p:nvCxnSpPr>
+        <p:spPr>
+          <a:xfrm>
+            <a:off x="1378634" y="4129809"/>
+            <a:ext cx="1083212" cy="0"/>
+          </a:xfrm>
+          <a:prstGeom prst="line">
+            <a:avLst/>
+          </a:prstGeom>
+          <a:ln>
+            <a:headEnd type="none" w="med" len="med"/>
+            <a:tailEnd type="arrow" w="med" len="med"/>
+          </a:ln>
+        </p:spPr>
+        <p:style>
+          <a:lnRef idx="1">
+            <a:schemeClr val="accent1"/>
+          </a:lnRef>
+          <a:fillRef idx="0">
+            <a:schemeClr val="accent1"/>
+          </a:fillRef>
+          <a:effectRef idx="0">
+            <a:schemeClr val="accent1"/>
+          </a:effectRef>
+          <a:fontRef idx="minor">
+            <a:schemeClr val="tx1"/>
+          </a:fontRef>
+        </p:style>
+      </p:cxnSp>
+      <p:cxnSp>
+        <p:nvCxnSpPr>
+          <p:cNvPr id="14" name="直線コネクタ 13">
+            <a:extLst>
+              <a:ext uri="{FF2B5EF4-FFF2-40B4-BE49-F238E27FC236}">
+                <a16:creationId xmlns:a16="http://schemas.microsoft.com/office/drawing/2014/main" id="{16689A74-08D2-4835-8E8F-3B130567C36F}"/>
+              </a:ext>
+            </a:extLst>
+          </p:cNvPr>
+          <p:cNvCxnSpPr>
+            <a:cxnSpLocks/>
+          </p:cNvCxnSpPr>
+          <p:nvPr/>
+        </p:nvCxnSpPr>
+        <p:spPr>
+          <a:xfrm>
+            <a:off x="1378634" y="5526649"/>
+            <a:ext cx="1083212" cy="0"/>
+          </a:xfrm>
+          <a:prstGeom prst="line">
+            <a:avLst/>
+          </a:prstGeom>
+          <a:ln>
+            <a:headEnd type="none" w="med" len="med"/>
+            <a:tailEnd type="arrow" w="med" len="med"/>
+          </a:ln>
+        </p:spPr>
+        <p:style>
+          <a:lnRef idx="1">
+            <a:schemeClr val="accent1"/>
+          </a:lnRef>
+          <a:fillRef idx="0">
+            <a:schemeClr val="accent1"/>
+          </a:fillRef>
+          <a:effectRef idx="0">
+            <a:schemeClr val="accent1"/>
+          </a:effectRef>
+          <a:fontRef idx="minor">
+            <a:schemeClr val="tx1"/>
+          </a:fontRef>
+        </p:style>
+      </p:cxnSp>
+      <p:sp>
+        <p:nvSpPr>
+          <p:cNvPr id="15" name="テキスト ボックス 14">
+            <a:extLst>
+              <a:ext uri="{FF2B5EF4-FFF2-40B4-BE49-F238E27FC236}">
+                <a16:creationId xmlns:a16="http://schemas.microsoft.com/office/drawing/2014/main" id="{549CD31F-F4FC-40B6-9983-054D83DE46F4}"/>
+              </a:ext>
+            </a:extLst>
+          </p:cNvPr>
+          <p:cNvSpPr txBox="1"/>
+          <p:nvPr/>
+        </p:nvSpPr>
+        <p:spPr>
+          <a:xfrm>
+            <a:off x="1232967" y="2988550"/>
+            <a:ext cx="1273105" cy="369332"/>
+          </a:xfrm>
+          <a:prstGeom prst="rect">
+            <a:avLst/>
+          </a:prstGeom>
+          <a:noFill/>
+        </p:spPr>
+        <p:txBody>
+          <a:bodyPr wrap="none" rtlCol="0">
+            <a:spAutoFit/>
+          </a:bodyPr>
+          <a:lstStyle/>
+          <a:p>
+            <a:r>
+              <a:rPr lang="ja-JP" altLang="en-US" dirty="0"/>
+              <a:t>時刻</a:t>
+            </a:r>
+            <a:r>
+              <a:rPr lang="en-US" altLang="ja-JP" dirty="0"/>
+              <a:t>(32bit)</a:t>
+            </a:r>
+            <a:endParaRPr lang="en-US" dirty="0"/>
+          </a:p>
+        </p:txBody>
+      </p:sp>
+      <p:sp>
+        <p:nvSpPr>
+          <p:cNvPr id="16" name="テキスト ボックス 15">
+            <a:extLst>
+              <a:ext uri="{FF2B5EF4-FFF2-40B4-BE49-F238E27FC236}">
+                <a16:creationId xmlns:a16="http://schemas.microsoft.com/office/drawing/2014/main" id="{709CBB6D-377B-4DA2-8A85-1CCC162DC5ED}"/>
+              </a:ext>
+            </a:extLst>
+          </p:cNvPr>
+          <p:cNvSpPr txBox="1"/>
+          <p:nvPr/>
+        </p:nvSpPr>
+        <p:spPr>
+          <a:xfrm>
+            <a:off x="1012874" y="3717661"/>
+            <a:ext cx="1521570" cy="369332"/>
+          </a:xfrm>
+          <a:prstGeom prst="rect">
+            <a:avLst/>
+          </a:prstGeom>
+          <a:noFill/>
+        </p:spPr>
+        <p:txBody>
+          <a:bodyPr wrap="none" rtlCol="0">
+            <a:spAutoFit/>
+          </a:bodyPr>
+          <a:lstStyle/>
+          <a:p>
+            <a:r>
+              <a:rPr lang="ja-JP" altLang="en-US" dirty="0"/>
+              <a:t>パターン</a:t>
+            </a:r>
+            <a:r>
+              <a:rPr lang="en-US" altLang="ja-JP" dirty="0"/>
+              <a:t>(8bit)</a:t>
+            </a:r>
+            <a:endParaRPr lang="en-US" dirty="0"/>
+          </a:p>
+        </p:txBody>
+      </p:sp>
+      <p:sp>
+        <p:nvSpPr>
+          <p:cNvPr id="17" name="テキスト ボックス 16">
+            <a:extLst>
+              <a:ext uri="{FF2B5EF4-FFF2-40B4-BE49-F238E27FC236}">
+                <a16:creationId xmlns:a16="http://schemas.microsoft.com/office/drawing/2014/main" id="{774AE3CF-4B43-4E70-AA53-632D72F75BB9}"/>
+              </a:ext>
+            </a:extLst>
+          </p:cNvPr>
+          <p:cNvSpPr txBox="1"/>
+          <p:nvPr/>
+        </p:nvSpPr>
+        <p:spPr>
+          <a:xfrm>
+            <a:off x="1277193" y="4876969"/>
+            <a:ext cx="1088760" cy="646331"/>
+          </a:xfrm>
+          <a:prstGeom prst="rect">
+            <a:avLst/>
+          </a:prstGeom>
+          <a:noFill/>
+        </p:spPr>
+        <p:txBody>
+          <a:bodyPr wrap="none" rtlCol="0">
+            <a:spAutoFit/>
+          </a:bodyPr>
+          <a:lstStyle/>
+          <a:p>
+            <a:r>
+              <a:rPr lang="ja-JP" altLang="en-US" dirty="0"/>
+              <a:t>キー入力</a:t>
+            </a:r>
+            <a:endParaRPr lang="en-US" altLang="ja-JP" dirty="0"/>
+          </a:p>
+          <a:p>
+            <a:r>
+              <a:rPr lang="en-US" altLang="ja-JP" dirty="0"/>
+              <a:t>(8bit)</a:t>
+            </a:r>
+            <a:endParaRPr lang="en-US" dirty="0"/>
+          </a:p>
+        </p:txBody>
+      </p:sp>
+      <p:cxnSp>
+        <p:nvCxnSpPr>
+          <p:cNvPr id="21" name="コネクタ: カギ線 20">
+            <a:extLst>
+              <a:ext uri="{FF2B5EF4-FFF2-40B4-BE49-F238E27FC236}">
+                <a16:creationId xmlns:a16="http://schemas.microsoft.com/office/drawing/2014/main" id="{74E486B3-8F0D-425B-9E17-6F5B0F9B842F}"/>
+              </a:ext>
+            </a:extLst>
+          </p:cNvPr>
+          <p:cNvCxnSpPr>
+            <a:cxnSpLocks/>
+            <a:stCxn id="13" idx="3"/>
+          </p:cNvCxnSpPr>
+          <p:nvPr/>
+        </p:nvCxnSpPr>
+        <p:spPr>
+          <a:xfrm flipV="1">
+            <a:off x="3993306" y="4886569"/>
+            <a:ext cx="845980" cy="640080"/>
+          </a:xfrm>
+          <a:prstGeom prst="bentConnector3">
+            <a:avLst/>
+          </a:prstGeom>
+          <a:ln>
+            <a:headEnd type="none" w="med" len="med"/>
+            <a:tailEnd type="arrow" w="med" len="med"/>
+          </a:ln>
+        </p:spPr>
+        <p:style>
+          <a:lnRef idx="1">
+            <a:schemeClr val="accent1"/>
+          </a:lnRef>
+          <a:fillRef idx="0">
+            <a:schemeClr val="accent1"/>
+          </a:fillRef>
+          <a:effectRef idx="0">
+            <a:schemeClr val="accent1"/>
+          </a:effectRef>
+          <a:fontRef idx="minor">
+            <a:schemeClr val="tx1"/>
+          </a:fontRef>
+        </p:style>
+      </p:cxnSp>
+      <p:cxnSp>
+        <p:nvCxnSpPr>
+          <p:cNvPr id="23" name="コネクタ: カギ線 22">
+            <a:extLst>
+              <a:ext uri="{FF2B5EF4-FFF2-40B4-BE49-F238E27FC236}">
+                <a16:creationId xmlns:a16="http://schemas.microsoft.com/office/drawing/2014/main" id="{19DEF236-07FE-482A-B12B-A16D2B838EA5}"/>
+              </a:ext>
+            </a:extLst>
+          </p:cNvPr>
+          <p:cNvCxnSpPr>
+            <a:cxnSpLocks/>
+            <a:stCxn id="4" idx="3"/>
+          </p:cNvCxnSpPr>
+          <p:nvPr/>
+        </p:nvCxnSpPr>
+        <p:spPr>
+          <a:xfrm>
+            <a:off x="3993306" y="3773427"/>
+            <a:ext cx="845980" cy="640080"/>
+          </a:xfrm>
+          <a:prstGeom prst="bentConnector3">
+            <a:avLst/>
+          </a:prstGeom>
+          <a:ln>
+            <a:headEnd type="none" w="med" len="med"/>
+            <a:tailEnd type="arrow" w="med" len="med"/>
+          </a:ln>
+        </p:spPr>
+        <p:style>
+          <a:lnRef idx="1">
+            <a:schemeClr val="accent1"/>
+          </a:lnRef>
+          <a:fillRef idx="0">
+            <a:schemeClr val="accent1"/>
+          </a:fillRef>
+          <a:effectRef idx="0">
+            <a:schemeClr val="accent1"/>
+          </a:effectRef>
+          <a:fontRef idx="minor">
+            <a:schemeClr val="tx1"/>
+          </a:fontRef>
+        </p:style>
+      </p:cxnSp>
+      <p:sp>
+        <p:nvSpPr>
+          <p:cNvPr id="24" name="正方形/長方形 23">
+            <a:extLst>
+              <a:ext uri="{FF2B5EF4-FFF2-40B4-BE49-F238E27FC236}">
+                <a16:creationId xmlns:a16="http://schemas.microsoft.com/office/drawing/2014/main" id="{7215BBE6-E92C-4DA2-AA18-F15EE52A6004}"/>
+              </a:ext>
+            </a:extLst>
+          </p:cNvPr>
+          <p:cNvSpPr/>
+          <p:nvPr/>
+        </p:nvSpPr>
+        <p:spPr>
+          <a:xfrm>
+            <a:off x="4839286" y="4009330"/>
+            <a:ext cx="1852770" cy="1280160"/>
+          </a:xfrm>
+          <a:prstGeom prst="rect">
+            <a:avLst/>
+          </a:prstGeom>
+          <a:noFill/>
+          <a:ln w="38100">
+            <a:solidFill>
+              <a:srgbClr val="002060"/>
+            </a:solidFill>
+          </a:ln>
+        </p:spPr>
+        <p:style>
+          <a:lnRef idx="2">
+            <a:schemeClr val="accent1">
+              <a:shade val="50000"/>
+            </a:schemeClr>
+          </a:lnRef>
+          <a:fillRef idx="1">
+            <a:schemeClr val="accent1"/>
+          </a:fillRef>
+          <a:effectRef idx="0">
+            <a:schemeClr val="accent1"/>
+          </a:effectRef>
+          <a:fontRef idx="minor">
+            <a:schemeClr val="lt1"/>
+          </a:fontRef>
+        </p:style>
+        <p:txBody>
+          <a:bodyPr rtlCol="0" anchor="ctr"/>
+          <a:lstStyle/>
+          <a:p>
+            <a:pPr algn="ctr"/>
+            <a:endParaRPr lang="en-US"/>
+          </a:p>
+        </p:txBody>
+      </p:sp>
+      <p:cxnSp>
+        <p:nvCxnSpPr>
+          <p:cNvPr id="26" name="直線コネクタ 25">
+            <a:extLst>
+              <a:ext uri="{FF2B5EF4-FFF2-40B4-BE49-F238E27FC236}">
+                <a16:creationId xmlns:a16="http://schemas.microsoft.com/office/drawing/2014/main" id="{A75F1C02-4CB1-4CCF-81CE-CF1978BAA765}"/>
+              </a:ext>
+            </a:extLst>
+          </p:cNvPr>
+          <p:cNvCxnSpPr/>
+          <p:nvPr/>
+        </p:nvCxnSpPr>
+        <p:spPr>
+          <a:xfrm flipV="1">
+            <a:off x="2926080" y="6166729"/>
+            <a:ext cx="0" cy="511677"/>
+          </a:xfrm>
+          <a:prstGeom prst="line">
+            <a:avLst/>
+          </a:prstGeom>
+        </p:spPr>
+        <p:style>
+          <a:lnRef idx="1">
+            <a:schemeClr val="accent1"/>
+          </a:lnRef>
+          <a:fillRef idx="0">
+            <a:schemeClr val="accent1"/>
+          </a:fillRef>
+          <a:effectRef idx="0">
+            <a:schemeClr val="accent1"/>
+          </a:effectRef>
+          <a:fontRef idx="minor">
+            <a:schemeClr val="tx1"/>
+          </a:fontRef>
+        </p:style>
+      </p:cxnSp>
+      <p:cxnSp>
+        <p:nvCxnSpPr>
+          <p:cNvPr id="28" name="コネクタ: カギ線 27">
+            <a:extLst>
+              <a:ext uri="{FF2B5EF4-FFF2-40B4-BE49-F238E27FC236}">
+                <a16:creationId xmlns:a16="http://schemas.microsoft.com/office/drawing/2014/main" id="{E4DA93EC-8281-4D45-9FC3-D0D08931AE7D}"/>
+              </a:ext>
+            </a:extLst>
+          </p:cNvPr>
+          <p:cNvCxnSpPr>
+            <a:cxnSpLocks/>
+          </p:cNvCxnSpPr>
+          <p:nvPr/>
+        </p:nvCxnSpPr>
+        <p:spPr>
+          <a:xfrm rot="5400000" flipH="1" flipV="1">
+            <a:off x="2153667" y="5185920"/>
+            <a:ext cx="2009060" cy="464235"/>
+          </a:xfrm>
+          <a:prstGeom prst="bentConnector3">
+            <a:avLst>
+              <a:gd name="adj1" fmla="val 1685"/>
+            </a:avLst>
+          </a:prstGeom>
+        </p:spPr>
+        <p:style>
+          <a:lnRef idx="1">
+            <a:schemeClr val="accent1"/>
+          </a:lnRef>
+          <a:fillRef idx="0">
+            <a:schemeClr val="accent1"/>
+          </a:fillRef>
+          <a:effectRef idx="0">
+            <a:schemeClr val="accent1"/>
+          </a:effectRef>
+          <a:fontRef idx="minor">
+            <a:schemeClr val="tx1"/>
+          </a:fontRef>
+        </p:style>
+      </p:cxnSp>
+      <p:sp>
+        <p:nvSpPr>
+          <p:cNvPr id="31" name="テキスト ボックス 30">
+            <a:extLst>
+              <a:ext uri="{FF2B5EF4-FFF2-40B4-BE49-F238E27FC236}">
+                <a16:creationId xmlns:a16="http://schemas.microsoft.com/office/drawing/2014/main" id="{A4E92550-B688-4DE9-8A8D-5DC6E8E4CC84}"/>
+              </a:ext>
+            </a:extLst>
+          </p:cNvPr>
+          <p:cNvSpPr txBox="1"/>
+          <p:nvPr/>
+        </p:nvSpPr>
+        <p:spPr>
+          <a:xfrm>
+            <a:off x="2043445" y="6246654"/>
+            <a:ext cx="925253" cy="369332"/>
+          </a:xfrm>
+          <a:prstGeom prst="rect">
+            <a:avLst/>
+          </a:prstGeom>
+          <a:noFill/>
+        </p:spPr>
+        <p:txBody>
+          <a:bodyPr wrap="none" rtlCol="0">
+            <a:spAutoFit/>
+          </a:bodyPr>
+          <a:lstStyle/>
+          <a:p>
+            <a:r>
+              <a:rPr lang="ja-JP" altLang="en-US" dirty="0"/>
+              <a:t>クロック</a:t>
+            </a:r>
+            <a:endParaRPr lang="en-US" dirty="0"/>
+          </a:p>
+        </p:txBody>
+      </p:sp>
+      <p:sp>
+        <p:nvSpPr>
+          <p:cNvPr id="33" name="テキスト ボックス 32">
+            <a:extLst>
+              <a:ext uri="{FF2B5EF4-FFF2-40B4-BE49-F238E27FC236}">
+                <a16:creationId xmlns:a16="http://schemas.microsoft.com/office/drawing/2014/main" id="{F0021A11-674A-4F16-8410-7DB24870B792}"/>
+              </a:ext>
+            </a:extLst>
+          </p:cNvPr>
+          <p:cNvSpPr txBox="1"/>
+          <p:nvPr/>
+        </p:nvSpPr>
+        <p:spPr>
+          <a:xfrm>
+            <a:off x="3905464" y="5472079"/>
+            <a:ext cx="1136850" cy="369332"/>
+          </a:xfrm>
+          <a:prstGeom prst="rect">
+            <a:avLst/>
+          </a:prstGeom>
+          <a:noFill/>
+        </p:spPr>
+        <p:txBody>
+          <a:bodyPr wrap="none" rtlCol="0">
+            <a:spAutoFit/>
+          </a:bodyPr>
+          <a:lstStyle/>
+          <a:p>
+            <a:r>
+              <a:rPr lang="ja-JP" altLang="en-US" dirty="0"/>
+              <a:t>キー</a:t>
+            </a:r>
+            <a:r>
+              <a:rPr lang="en-US" altLang="ja-JP" dirty="0"/>
+              <a:t>(8bit)</a:t>
+            </a:r>
+            <a:endParaRPr lang="en-US" dirty="0"/>
+          </a:p>
+        </p:txBody>
+      </p:sp>
+      <p:sp>
+        <p:nvSpPr>
+          <p:cNvPr id="34" name="テキスト ボックス 33">
+            <a:extLst>
+              <a:ext uri="{FF2B5EF4-FFF2-40B4-BE49-F238E27FC236}">
+                <a16:creationId xmlns:a16="http://schemas.microsoft.com/office/drawing/2014/main" id="{29C0EB06-86D6-484D-AC18-0CC6669072D4}"/>
+              </a:ext>
+            </a:extLst>
+          </p:cNvPr>
+          <p:cNvSpPr txBox="1"/>
+          <p:nvPr/>
+        </p:nvSpPr>
+        <p:spPr>
+          <a:xfrm>
+            <a:off x="3966070" y="3399395"/>
+            <a:ext cx="1521570" cy="369332"/>
+          </a:xfrm>
+          <a:prstGeom prst="rect">
+            <a:avLst/>
+          </a:prstGeom>
+          <a:noFill/>
+        </p:spPr>
+        <p:txBody>
+          <a:bodyPr wrap="none" rtlCol="0">
+            <a:spAutoFit/>
+          </a:bodyPr>
+          <a:lstStyle/>
+          <a:p>
+            <a:r>
+              <a:rPr lang="ja-JP" altLang="en-US" dirty="0"/>
+              <a:t>パターン</a:t>
+            </a:r>
+            <a:r>
+              <a:rPr lang="en-US" altLang="ja-JP" dirty="0"/>
+              <a:t>(8bit)</a:t>
+            </a:r>
+            <a:endParaRPr lang="en-US" dirty="0"/>
+          </a:p>
+        </p:txBody>
+      </p:sp>
+      <p:sp>
+        <p:nvSpPr>
+          <p:cNvPr id="35" name="テキスト ボックス 34">
+            <a:extLst>
+              <a:ext uri="{FF2B5EF4-FFF2-40B4-BE49-F238E27FC236}">
+                <a16:creationId xmlns:a16="http://schemas.microsoft.com/office/drawing/2014/main" id="{E8E807A6-D5E3-4E67-A41E-22F70A9A63A5}"/>
+              </a:ext>
+            </a:extLst>
+          </p:cNvPr>
+          <p:cNvSpPr txBox="1"/>
+          <p:nvPr/>
+        </p:nvSpPr>
+        <p:spPr>
+          <a:xfrm>
+            <a:off x="4883512" y="4413507"/>
+            <a:ext cx="1800493" cy="646331"/>
+          </a:xfrm>
+          <a:prstGeom prst="rect">
+            <a:avLst/>
+          </a:prstGeom>
+          <a:noFill/>
+        </p:spPr>
+        <p:txBody>
+          <a:bodyPr wrap="none" rtlCol="0">
+            <a:spAutoFit/>
+          </a:bodyPr>
+          <a:lstStyle/>
+          <a:p>
+            <a:r>
+              <a:rPr lang="ja-JP" altLang="en-US" b="1" dirty="0"/>
+              <a:t>得点計算＆出力</a:t>
+            </a:r>
+            <a:endParaRPr lang="en-US" altLang="ja-JP" b="1" dirty="0"/>
+          </a:p>
+          <a:p>
+            <a:r>
+              <a:rPr lang="ja-JP" altLang="en-US" b="1" dirty="0"/>
+              <a:t>モジュール</a:t>
+            </a:r>
+            <a:endParaRPr lang="en-US" b="1" dirty="0"/>
+          </a:p>
+        </p:txBody>
+      </p:sp>
+      <p:cxnSp>
+        <p:nvCxnSpPr>
+          <p:cNvPr id="36" name="コネクタ: カギ線 35">
+            <a:extLst>
+              <a:ext uri="{FF2B5EF4-FFF2-40B4-BE49-F238E27FC236}">
+                <a16:creationId xmlns:a16="http://schemas.microsoft.com/office/drawing/2014/main" id="{280D9D01-3A7C-428F-8CF6-97331CD0BB84}"/>
+              </a:ext>
+            </a:extLst>
+          </p:cNvPr>
+          <p:cNvCxnSpPr>
+            <a:cxnSpLocks/>
+          </p:cNvCxnSpPr>
+          <p:nvPr/>
+        </p:nvCxnSpPr>
+        <p:spPr>
+          <a:xfrm flipV="1">
+            <a:off x="2942822" y="5254227"/>
+            <a:ext cx="2609558" cy="1133078"/>
+          </a:xfrm>
+          <a:prstGeom prst="bentConnector2">
+            <a:avLst/>
+          </a:prstGeom>
+        </p:spPr>
+        <p:style>
+          <a:lnRef idx="1">
+            <a:schemeClr val="accent1"/>
+          </a:lnRef>
+          <a:fillRef idx="0">
+            <a:schemeClr val="accent1"/>
+          </a:fillRef>
+          <a:effectRef idx="0">
+            <a:schemeClr val="accent1"/>
+          </a:effectRef>
+          <a:fontRef idx="minor">
+            <a:schemeClr val="tx1"/>
+          </a:fontRef>
+        </p:style>
+      </p:cxnSp>
+      <p:sp>
+        <p:nvSpPr>
+          <p:cNvPr id="38" name="テキスト ボックス 37">
+            <a:extLst>
+              <a:ext uri="{FF2B5EF4-FFF2-40B4-BE49-F238E27FC236}">
+                <a16:creationId xmlns:a16="http://schemas.microsoft.com/office/drawing/2014/main" id="{5D18D37F-32D6-4C24-9882-9894F28CA2F7}"/>
+              </a:ext>
+            </a:extLst>
+          </p:cNvPr>
+          <p:cNvSpPr txBox="1"/>
+          <p:nvPr/>
+        </p:nvSpPr>
+        <p:spPr>
+          <a:xfrm>
+            <a:off x="2519826" y="3500068"/>
+            <a:ext cx="1473480" cy="646331"/>
+          </a:xfrm>
+          <a:prstGeom prst="rect">
+            <a:avLst/>
+          </a:prstGeom>
+          <a:noFill/>
+        </p:spPr>
+        <p:txBody>
+          <a:bodyPr wrap="none" rtlCol="0">
+            <a:spAutoFit/>
+          </a:bodyPr>
+          <a:lstStyle/>
+          <a:p>
+            <a:r>
+              <a:rPr lang="ja-JP" altLang="en-US" b="1" dirty="0"/>
+              <a:t>パターン管理</a:t>
+            </a:r>
+            <a:endParaRPr lang="en-US" altLang="ja-JP" b="1" dirty="0"/>
+          </a:p>
+          <a:p>
+            <a:r>
+              <a:rPr lang="ja-JP" altLang="en-US" b="1" dirty="0"/>
+              <a:t>モジュール</a:t>
+            </a:r>
+            <a:endParaRPr lang="en-US" b="1" dirty="0"/>
+          </a:p>
+        </p:txBody>
+      </p:sp>
+      <p:sp>
+        <p:nvSpPr>
+          <p:cNvPr id="13" name="正方形/長方形 12">
+            <a:extLst>
+              <a:ext uri="{FF2B5EF4-FFF2-40B4-BE49-F238E27FC236}">
+                <a16:creationId xmlns:a16="http://schemas.microsoft.com/office/drawing/2014/main" id="{9279F4BF-6A30-49F5-8176-84F7B8C5D29D}"/>
+              </a:ext>
+            </a:extLst>
+          </p:cNvPr>
+          <p:cNvSpPr/>
+          <p:nvPr/>
+        </p:nvSpPr>
+        <p:spPr>
+          <a:xfrm>
+            <a:off x="2461845" y="4886569"/>
+            <a:ext cx="1531461" cy="1280160"/>
+          </a:xfrm>
+          <a:prstGeom prst="rect">
+            <a:avLst/>
+          </a:prstGeom>
+          <a:solidFill>
+            <a:schemeClr val="bg1"/>
+          </a:solidFill>
+          <a:ln w="38100">
+            <a:solidFill>
+              <a:srgbClr val="002060"/>
+            </a:solidFill>
+          </a:ln>
+        </p:spPr>
+        <p:style>
+          <a:lnRef idx="2">
+            <a:schemeClr val="accent1">
+              <a:shade val="50000"/>
+            </a:schemeClr>
+          </a:lnRef>
+          <a:fillRef idx="1">
+            <a:schemeClr val="accent1"/>
+          </a:fillRef>
+          <a:effectRef idx="0">
+            <a:schemeClr val="accent1"/>
+          </a:effectRef>
+          <a:fontRef idx="minor">
+            <a:schemeClr val="lt1"/>
+          </a:fontRef>
+        </p:style>
+        <p:txBody>
+          <a:bodyPr rtlCol="0" anchor="ctr"/>
+          <a:lstStyle/>
+          <a:p>
+            <a:pPr algn="ctr"/>
+            <a:endParaRPr lang="en-US"/>
+          </a:p>
+        </p:txBody>
+      </p:sp>
+      <p:sp>
+        <p:nvSpPr>
+          <p:cNvPr id="39" name="テキスト ボックス 38">
+            <a:extLst>
+              <a:ext uri="{FF2B5EF4-FFF2-40B4-BE49-F238E27FC236}">
+                <a16:creationId xmlns:a16="http://schemas.microsoft.com/office/drawing/2014/main" id="{56A77D0B-B633-4EC7-9450-0AA61D348FCA}"/>
+              </a:ext>
+            </a:extLst>
+          </p:cNvPr>
+          <p:cNvSpPr txBox="1"/>
+          <p:nvPr/>
+        </p:nvSpPr>
+        <p:spPr>
+          <a:xfrm>
+            <a:off x="2433264" y="5225101"/>
+            <a:ext cx="1560042" cy="646331"/>
+          </a:xfrm>
+          <a:prstGeom prst="rect">
+            <a:avLst/>
+          </a:prstGeom>
+          <a:noFill/>
+        </p:spPr>
+        <p:txBody>
+          <a:bodyPr wrap="none" rtlCol="0">
+            <a:spAutoFit/>
+          </a:bodyPr>
+          <a:lstStyle/>
+          <a:p>
+            <a:r>
+              <a:rPr lang="ja-JP" altLang="en-US" b="1" dirty="0"/>
+              <a:t>キー入力管理</a:t>
+            </a:r>
+            <a:endParaRPr lang="en-US" altLang="ja-JP" b="1" dirty="0"/>
+          </a:p>
+          <a:p>
+            <a:r>
+              <a:rPr lang="ja-JP" altLang="en-US" b="1" dirty="0"/>
+              <a:t>モジュール</a:t>
+            </a:r>
+            <a:endParaRPr lang="en-US" b="1" dirty="0"/>
+          </a:p>
+        </p:txBody>
+      </p:sp>
+      <p:cxnSp>
+        <p:nvCxnSpPr>
+          <p:cNvPr id="42" name="直線コネクタ 41">
+            <a:extLst>
+              <a:ext uri="{FF2B5EF4-FFF2-40B4-BE49-F238E27FC236}">
+                <a16:creationId xmlns:a16="http://schemas.microsoft.com/office/drawing/2014/main" id="{7D452018-BB0B-4751-AE65-C34BF7EFF2AF}"/>
+              </a:ext>
+            </a:extLst>
+          </p:cNvPr>
+          <p:cNvCxnSpPr>
+            <a:cxnSpLocks/>
+          </p:cNvCxnSpPr>
+          <p:nvPr/>
+        </p:nvCxnSpPr>
+        <p:spPr>
+          <a:xfrm>
+            <a:off x="6692056" y="4284553"/>
+            <a:ext cx="1506482" cy="0"/>
+          </a:xfrm>
+          <a:prstGeom prst="line">
+            <a:avLst/>
+          </a:prstGeom>
+          <a:ln>
+            <a:headEnd type="none" w="med" len="med"/>
+            <a:tailEnd type="arrow" w="med" len="med"/>
+          </a:ln>
+        </p:spPr>
+        <p:style>
+          <a:lnRef idx="1">
+            <a:schemeClr val="accent1"/>
+          </a:lnRef>
+          <a:fillRef idx="0">
+            <a:schemeClr val="accent1"/>
+          </a:fillRef>
+          <a:effectRef idx="0">
+            <a:schemeClr val="accent1"/>
+          </a:effectRef>
+          <a:fontRef idx="minor">
+            <a:schemeClr val="tx1"/>
+          </a:fontRef>
+        </p:style>
+      </p:cxnSp>
+      <p:sp>
+        <p:nvSpPr>
+          <p:cNvPr id="44" name="テキスト ボックス 43">
+            <a:extLst>
+              <a:ext uri="{FF2B5EF4-FFF2-40B4-BE49-F238E27FC236}">
+                <a16:creationId xmlns:a16="http://schemas.microsoft.com/office/drawing/2014/main" id="{7096F075-18F2-43AC-B49C-1DA603D4AEA5}"/>
+              </a:ext>
+            </a:extLst>
+          </p:cNvPr>
+          <p:cNvSpPr txBox="1"/>
+          <p:nvPr/>
+        </p:nvSpPr>
+        <p:spPr>
+          <a:xfrm>
+            <a:off x="6676968" y="3819260"/>
+            <a:ext cx="1521570" cy="369332"/>
+          </a:xfrm>
+          <a:prstGeom prst="rect">
+            <a:avLst/>
+          </a:prstGeom>
+          <a:noFill/>
+        </p:spPr>
+        <p:txBody>
+          <a:bodyPr wrap="none" rtlCol="0">
+            <a:spAutoFit/>
+          </a:bodyPr>
+          <a:lstStyle/>
+          <a:p>
+            <a:r>
+              <a:rPr lang="ja-JP" altLang="en-US" dirty="0"/>
+              <a:t>パターン</a:t>
+            </a:r>
+            <a:r>
+              <a:rPr lang="en-US" altLang="ja-JP" dirty="0"/>
+              <a:t>(8bit)</a:t>
+            </a:r>
+            <a:endParaRPr lang="en-US" dirty="0"/>
+          </a:p>
+        </p:txBody>
+      </p:sp>
+      <p:cxnSp>
+        <p:nvCxnSpPr>
+          <p:cNvPr id="46" name="直線コネクタ 45">
+            <a:extLst>
+              <a:ext uri="{FF2B5EF4-FFF2-40B4-BE49-F238E27FC236}">
+                <a16:creationId xmlns:a16="http://schemas.microsoft.com/office/drawing/2014/main" id="{2762C098-D656-49FA-A4A7-13DDF8A17DF5}"/>
+              </a:ext>
+            </a:extLst>
+          </p:cNvPr>
+          <p:cNvCxnSpPr>
+            <a:cxnSpLocks/>
+          </p:cNvCxnSpPr>
+          <p:nvPr/>
+        </p:nvCxnSpPr>
+        <p:spPr>
+          <a:xfrm>
+            <a:off x="6692056" y="5059838"/>
+            <a:ext cx="1506482" cy="0"/>
+          </a:xfrm>
+          <a:prstGeom prst="line">
+            <a:avLst/>
+          </a:prstGeom>
+          <a:ln>
+            <a:headEnd type="none" w="med" len="med"/>
+            <a:tailEnd type="arrow" w="med" len="med"/>
+          </a:ln>
+        </p:spPr>
+        <p:style>
+          <a:lnRef idx="1">
+            <a:schemeClr val="accent1"/>
+          </a:lnRef>
+          <a:fillRef idx="0">
+            <a:schemeClr val="accent1"/>
+          </a:fillRef>
+          <a:effectRef idx="0">
+            <a:schemeClr val="accent1"/>
+          </a:effectRef>
+          <a:fontRef idx="minor">
+            <a:schemeClr val="tx1"/>
+          </a:fontRef>
+        </p:style>
+      </p:cxnSp>
+      <p:sp>
+        <p:nvSpPr>
+          <p:cNvPr id="47" name="テキスト ボックス 46">
+            <a:extLst>
+              <a:ext uri="{FF2B5EF4-FFF2-40B4-BE49-F238E27FC236}">
+                <a16:creationId xmlns:a16="http://schemas.microsoft.com/office/drawing/2014/main" id="{DFA22776-F4E2-47E9-A85B-85E875CD9BD9}"/>
+              </a:ext>
+            </a:extLst>
+          </p:cNvPr>
+          <p:cNvSpPr txBox="1"/>
+          <p:nvPr/>
+        </p:nvSpPr>
+        <p:spPr>
+          <a:xfrm>
+            <a:off x="6728231" y="4645521"/>
+            <a:ext cx="1503938" cy="369332"/>
+          </a:xfrm>
+          <a:prstGeom prst="rect">
+            <a:avLst/>
+          </a:prstGeom>
+          <a:noFill/>
+        </p:spPr>
+        <p:txBody>
+          <a:bodyPr wrap="none" rtlCol="0">
+            <a:spAutoFit/>
+          </a:bodyPr>
+          <a:lstStyle/>
+          <a:p>
+            <a:r>
+              <a:rPr lang="ja-JP" altLang="en-US" dirty="0"/>
+              <a:t>得点</a:t>
+            </a:r>
+            <a:r>
+              <a:rPr lang="en-US" altLang="ja-JP" dirty="0"/>
+              <a:t>(7×2bit)</a:t>
+            </a:r>
+            <a:endParaRPr lang="en-US" dirty="0"/>
           </a:p>
         </p:txBody>
       </p:sp>
     </p:spTree>
     <p:extLst>
       <p:ext uri="{BB962C8B-B14F-4D97-AF65-F5344CB8AC3E}">
-        <p14:creationId xmlns:p14="http://schemas.microsoft.com/office/powerpoint/2010/main" val="1379826678"/>
+        <p14:creationId xmlns:p14="http://schemas.microsoft.com/office/powerpoint/2010/main" val="1045968658"/>
       </p:ext>
     </p:extLst>
   </p:cSld>
@@ -7576,7 +7371,7 @@
           <p:cNvPr id="2" name="タイトル 1">
             <a:extLst>
               <a:ext uri="{FF2B5EF4-FFF2-40B4-BE49-F238E27FC236}">
-                <a16:creationId xmlns:a16="http://schemas.microsoft.com/office/drawing/2014/main" id="{A3F7EC29-C130-804F-AFB9-F13AA0D7C0A5}"/>
+                <a16:creationId xmlns:a16="http://schemas.microsoft.com/office/drawing/2014/main" id="{8D184852-E06A-47B3-A427-25E221C6E556}"/>
               </a:ext>
             </a:extLst>
           </p:cNvPr>
@@ -7593,9 +7388,10 @@
           <a:lstStyle/>
           <a:p>
             <a:r>
-              <a:rPr kumimoji="1" lang="ja-JP" altLang="en-US"/>
-              <a:t>スケジュール</a:t>
-            </a:r>
+              <a:rPr lang="ja-JP" altLang="en-US" dirty="0"/>
+              <a:t>その他</a:t>
+            </a:r>
+            <a:endParaRPr lang="en-US" dirty="0"/>
           </a:p>
         </p:txBody>
       </p:sp>
@@ -7604,7 +7400,7 @@
           <p:cNvPr id="3" name="コンテンツ プレースホルダー 2">
             <a:extLst>
               <a:ext uri="{FF2B5EF4-FFF2-40B4-BE49-F238E27FC236}">
-                <a16:creationId xmlns:a16="http://schemas.microsoft.com/office/drawing/2014/main" id="{7141272B-FB29-8944-AC7F-8E30CC806BC4}"/>
+                <a16:creationId xmlns:a16="http://schemas.microsoft.com/office/drawing/2014/main" id="{C137D04A-6E73-4305-8011-25B20AECFE0F}"/>
               </a:ext>
             </a:extLst>
           </p:cNvPr>
@@ -7617,120 +7413,149 @@
         </p:nvSpPr>
         <p:spPr/>
         <p:txBody>
-          <a:bodyPr>
-            <a:normAutofit/>
-          </a:bodyPr>
-          <a:lstStyle/>
-          <a:p>
-            <a:r>
-              <a:rPr kumimoji="1" lang="ja-JP" altLang="en-US" sz="3200"/>
-              <a:t>ハード</a:t>
-            </a:r>
-            <a:r>
-              <a:rPr kumimoji="1" lang="en-US" altLang="ja-JP" sz="3200" dirty="0"/>
-              <a:t>/</a:t>
-            </a:r>
-            <a:r>
-              <a:rPr kumimoji="1" lang="ja-JP" altLang="en-US" sz="3200"/>
-              <a:t>ソフトともに同じ</a:t>
-            </a:r>
-            <a:endParaRPr kumimoji="1" lang="en-US" altLang="ja-JP" sz="3200" dirty="0"/>
-          </a:p>
-          <a:p>
-            <a:pPr marL="514350" indent="-514350">
-              <a:buClr>
-                <a:schemeClr val="tx1"/>
-              </a:buClr>
-              <a:buFont typeface="+mj-lt"/>
-              <a:buAutoNum type="arabicPeriod" startAt="11"/>
-            </a:pPr>
-            <a:r>
-              <a:rPr kumimoji="1" lang="ja-JP" altLang="en-US" sz="3200"/>
-              <a:t>実装・単体テスト</a:t>
-            </a:r>
-            <a:endParaRPr kumimoji="1" lang="en-US" altLang="ja-JP" sz="3200" dirty="0"/>
-          </a:p>
-          <a:p>
-            <a:pPr marL="514350" indent="-514350">
-              <a:buClr>
-                <a:schemeClr val="tx1"/>
-              </a:buClr>
-              <a:buFont typeface="+mj-lt"/>
-              <a:buAutoNum type="arabicPeriod" startAt="11"/>
-            </a:pPr>
-            <a:r>
-              <a:rPr kumimoji="1" lang="ja-JP" altLang="en-US" sz="3200"/>
-              <a:t>統合テスト</a:t>
-            </a:r>
-            <a:r>
-              <a:rPr kumimoji="1" lang="en-US" altLang="ja-JP" sz="3200" dirty="0"/>
-              <a:t>, </a:t>
-            </a:r>
-            <a:r>
-              <a:rPr kumimoji="1" lang="ja-JP" altLang="en-US" sz="3200"/>
-              <a:t>修正・改良</a:t>
-            </a:r>
-            <a:endParaRPr kumimoji="1" lang="en-US" altLang="ja-JP" sz="3200" dirty="0"/>
-          </a:p>
-          <a:p>
-            <a:pPr marL="514350" indent="-514350">
-              <a:buClr>
-                <a:schemeClr val="tx1"/>
-              </a:buClr>
-              <a:buFont typeface="+mj-lt"/>
-              <a:buAutoNum type="arabicPeriod" startAt="11"/>
-            </a:pPr>
-            <a:r>
-              <a:rPr kumimoji="1" lang="ja-JP" altLang="en-US" sz="3200"/>
-              <a:t>統合テスト</a:t>
-            </a:r>
-            <a:r>
-              <a:rPr kumimoji="1" lang="en-US" altLang="ja-JP" sz="3200" dirty="0"/>
-              <a:t>, </a:t>
-            </a:r>
-            <a:r>
-              <a:rPr kumimoji="1" lang="ja-JP" altLang="en-US" sz="3200"/>
-              <a:t>修正・改良</a:t>
-            </a:r>
-            <a:endParaRPr kumimoji="1" lang="en-US" altLang="ja-JP" sz="3200" dirty="0"/>
-          </a:p>
-          <a:p>
-            <a:pPr marL="514350" indent="-514350">
-              <a:buClr>
-                <a:schemeClr val="tx1"/>
-              </a:buClr>
-              <a:buFont typeface="+mj-lt"/>
-              <a:buAutoNum type="arabicPeriod" startAt="11"/>
-            </a:pPr>
-            <a:endParaRPr kumimoji="1" lang="en-US" altLang="ja-JP" sz="3200" dirty="0"/>
-          </a:p>
-          <a:p>
-            <a:pPr marL="0" indent="0">
-              <a:buClr>
-                <a:schemeClr val="tx1"/>
-              </a:buClr>
+          <a:bodyPr/>
+          <a:lstStyle/>
+          <a:p>
+            <a:r>
+              <a:rPr lang="ja-JP" altLang="en-US" dirty="0"/>
+              <a:t>スケジュール</a:t>
+            </a:r>
+            <a:endParaRPr lang="en-US" altLang="ja-JP" dirty="0"/>
+          </a:p>
+          <a:p>
+            <a:pPr marL="457200" lvl="1" indent="0">
               <a:buNone/>
             </a:pPr>
             <a:r>
-              <a:rPr kumimoji="1" lang="ja-JP" altLang="en-US" sz="3200"/>
-              <a:t>実装を早めに終わらせて、苦戦しそうな統合テストと修正に</a:t>
-            </a:r>
-            <a:r>
-              <a:rPr kumimoji="1" lang="en-US" altLang="ja-JP" sz="3200" dirty="0"/>
-              <a:t>2</a:t>
-            </a:r>
-            <a:r>
-              <a:rPr kumimoji="1" lang="ja-JP" altLang="en-US" sz="3200"/>
-              <a:t>回分の時間を割く</a:t>
-            </a:r>
-            <a:endParaRPr kumimoji="1" lang="en-US" altLang="ja-JP" sz="3200" dirty="0"/>
+              <a:rPr lang="ja-JP" altLang="en-US" dirty="0"/>
+              <a:t>第</a:t>
+            </a:r>
+            <a:r>
+              <a:rPr lang="en-US" altLang="ja-JP" dirty="0"/>
+              <a:t>11, 12</a:t>
+            </a:r>
+            <a:r>
+              <a:rPr lang="ja-JP" altLang="en-US" dirty="0"/>
+              <a:t>回： 実装・単体テスト</a:t>
+            </a:r>
+            <a:endParaRPr lang="en-US" altLang="ja-JP" dirty="0"/>
+          </a:p>
+          <a:p>
+            <a:pPr marL="457200" lvl="1" indent="0">
+              <a:buNone/>
+            </a:pPr>
+            <a:r>
+              <a:rPr lang="ja-JP" altLang="en-US" dirty="0"/>
+              <a:t>第</a:t>
+            </a:r>
+            <a:r>
+              <a:rPr lang="en-US" altLang="ja-JP" dirty="0"/>
+              <a:t>13</a:t>
+            </a:r>
+            <a:r>
+              <a:rPr lang="ja-JP" altLang="en-US" dirty="0"/>
+              <a:t>回： 統合テスト・改良</a:t>
+            </a:r>
+            <a:endParaRPr lang="en-US" altLang="ja-JP" dirty="0"/>
+          </a:p>
+          <a:p>
+            <a:r>
+              <a:rPr lang="ja-JP" altLang="en-US" dirty="0"/>
+              <a:t>検証</a:t>
+            </a:r>
+            <a:endParaRPr lang="en-US" altLang="ja-JP" dirty="0"/>
+          </a:p>
+          <a:p>
+            <a:pPr marL="457200" lvl="1" indent="0">
+              <a:buNone/>
+            </a:pPr>
+            <a:r>
+              <a:rPr lang="ja-JP" altLang="en-US" dirty="0"/>
+              <a:t>ソフトの単体は、</a:t>
+            </a:r>
+            <a:r>
+              <a:rPr lang="en-US" altLang="ja-JP" dirty="0" err="1"/>
+              <a:t>printf</a:t>
+            </a:r>
+            <a:r>
+              <a:rPr lang="ja-JP" altLang="en-US" dirty="0"/>
+              <a:t>テスト</a:t>
+            </a:r>
+            <a:endParaRPr lang="en-US" altLang="ja-JP" dirty="0"/>
+          </a:p>
+          <a:p>
+            <a:pPr marL="457200" lvl="1" indent="0">
+              <a:buNone/>
+            </a:pPr>
+            <a:r>
+              <a:rPr lang="ja-JP" altLang="en-US" dirty="0"/>
+              <a:t>ハードは</a:t>
+            </a:r>
+            <a:r>
+              <a:rPr lang="en-US" altLang="ja-JP" dirty="0" err="1"/>
+              <a:t>ModelSim</a:t>
+            </a:r>
+            <a:endParaRPr lang="en-US" altLang="ja-JP" dirty="0"/>
+          </a:p>
+          <a:p>
+            <a:pPr marL="457200" lvl="1" indent="0">
+              <a:buNone/>
+            </a:pPr>
+            <a:r>
+              <a:rPr lang="ja-JP" altLang="en-US" dirty="0"/>
+              <a:t>統合テストは、実際に動かす。</a:t>
+            </a:r>
+            <a:endParaRPr lang="en-US" altLang="ja-JP" dirty="0"/>
+          </a:p>
+          <a:p>
+            <a:r>
+              <a:rPr lang="ja-JP" altLang="en-US" dirty="0"/>
+              <a:t>電子工作</a:t>
+            </a:r>
+            <a:endParaRPr lang="en-US" altLang="ja-JP" dirty="0"/>
+          </a:p>
+          <a:p>
+            <a:pPr marL="457200" lvl="1" indent="0">
+              <a:buNone/>
+            </a:pPr>
+            <a:r>
+              <a:rPr lang="ja-JP" altLang="en-US" dirty="0"/>
+              <a:t>コンデンサなど使って</a:t>
+            </a:r>
+            <a:r>
+              <a:rPr lang="en-US" altLang="ja-JP" dirty="0"/>
+              <a:t>LED</a:t>
+            </a:r>
+            <a:r>
+              <a:rPr lang="ja-JP" altLang="en-US" dirty="0" err="1"/>
+              <a:t>を遅</a:t>
+            </a:r>
+            <a:r>
+              <a:rPr lang="ja-JP" altLang="en-US" dirty="0"/>
+              <a:t>延して光らせることができたら面白い</a:t>
+            </a:r>
+            <a:endParaRPr lang="en-US" altLang="ja-JP" dirty="0"/>
+          </a:p>
+          <a:p>
+            <a:pPr lvl="1"/>
+            <a:r>
+              <a:rPr lang="ja-JP" altLang="en-US" dirty="0"/>
+              <a:t>タイミングの管理が難しいので、余裕があれば</a:t>
+            </a:r>
+            <a:endParaRPr lang="en-US" altLang="ja-JP" dirty="0"/>
+          </a:p>
+          <a:p>
+            <a:pPr marL="0" indent="0">
+              <a:buNone/>
+            </a:pPr>
+            <a:endParaRPr lang="en-US" dirty="0"/>
           </a:p>
         </p:txBody>
       </p:sp>
     </p:spTree>
     <p:extLst>
       <p:ext uri="{BB962C8B-B14F-4D97-AF65-F5344CB8AC3E}">
-        <p14:creationId xmlns:p14="http://schemas.microsoft.com/office/powerpoint/2010/main" val="3557428416"/>
+        <p14:creationId xmlns:p14="http://schemas.microsoft.com/office/powerpoint/2010/main" val="267820660"/>
       </p:ext>
     </p:extLst>
   </p:cSld>
